--- a/workshop_dataviz/activities/dataviz.pptx
+++ b/workshop_dataviz/activities/dataviz.pptx
@@ -11,6 +11,10 @@
     <p:sldId id="259" r:id="rId5"/>
     <p:sldId id="260" r:id="rId6"/>
     <p:sldId id="261" r:id="rId7"/>
+    <p:sldId id="262" r:id="rId8"/>
+    <p:sldId id="263" r:id="rId9"/>
+    <p:sldId id="264" r:id="rId10"/>
+    <p:sldId id="265" r:id="rId11"/>
   </p:sldIdLst>
   <p:sldSz cx="12192000" cy="6858000"/>
   <p:notesSz cx="6858000" cy="9144000"/>
@@ -109,6 +113,11 @@
       </a:defRPr>
     </a:lvl9pPr>
   </p:defaultTextStyle>
+  <p:extLst>
+    <p:ext uri="{EFAFB233-063F-42B5-8137-9DF3F51BA10A}">
+      <p15:sldGuideLst xmlns:p15="http://schemas.microsoft.com/office/powerpoint/2012/main"/>
+    </p:ext>
+  </p:extLst>
 </p:presentation>
 </file>
 
@@ -3563,6 +3572,559 @@
   <p:clrMapOvr>
     <a:masterClrMapping/>
   </p:clrMapOvr>
+  <mc:AlternateContent xmlns:mc="http://schemas.openxmlformats.org/markup-compatibility/2006" xmlns:p14="http://schemas.microsoft.com/office/powerpoint/2010/main">
+    <mc:Choice Requires="p14">
+      <p:transition spd="med" p14:dur="700">
+        <p:fade/>
+      </p:transition>
+    </mc:Choice>
+    <mc:Fallback xmlns="">
+      <p:transition spd="med">
+        <p:fade/>
+      </p:transition>
+    </mc:Fallback>
+  </mc:AlternateContent>
+</p:sld>
+</file>
+
+<file path=ppt/slides/slide10.xml><?xml version="1.0" encoding="utf-8"?>
+<p:sld xmlns:a="http://schemas.openxmlformats.org/drawingml/2006/main" xmlns:r="http://schemas.openxmlformats.org/officeDocument/2006/relationships" xmlns:p="http://schemas.openxmlformats.org/presentationml/2006/main">
+  <p:cSld>
+    <p:spTree>
+      <p:nvGrpSpPr>
+        <p:cNvPr id="1" name=""/>
+        <p:cNvGrpSpPr/>
+        <p:nvPr/>
+      </p:nvGrpSpPr>
+      <p:grpSpPr>
+        <a:xfrm>
+          <a:off x="0" y="0"/>
+          <a:ext cx="0" cy="0"/>
+          <a:chOff x="0" y="0"/>
+          <a:chExt cx="0" cy="0"/>
+        </a:xfrm>
+      </p:grpSpPr>
+      <p:sp>
+        <p:nvSpPr>
+          <p:cNvPr id="2" name="Title 1">
+            <a:extLst>
+              <a:ext uri="{FF2B5EF4-FFF2-40B4-BE49-F238E27FC236}">
+                <a16:creationId xmlns:a16="http://schemas.microsoft.com/office/drawing/2014/main" id="{F7660571-A91B-48AB-A5FD-14C4A69BB6C7}"/>
+              </a:ext>
+            </a:extLst>
+          </p:cNvPr>
+          <p:cNvSpPr>
+            <a:spLocks noGrp="1"/>
+          </p:cNvSpPr>
+          <p:nvPr>
+            <p:ph type="title"/>
+          </p:nvPr>
+        </p:nvSpPr>
+        <p:spPr/>
+        <p:txBody>
+          <a:bodyPr/>
+          <a:lstStyle/>
+          <a:p>
+            <a:r>
+              <a:rPr lang="en-GB" dirty="0">
+                <a:solidFill>
+                  <a:srgbClr val="404040"/>
+                </a:solidFill>
+              </a:rPr>
+              <a:t>Refining with </a:t>
+            </a:r>
+            <a:r>
+              <a:rPr lang="en-GB" dirty="0">
+                <a:solidFill>
+                  <a:srgbClr val="404040"/>
+                </a:solidFill>
+                <a:latin typeface="Cascadia Mono" panose="020B0609020000020004" pitchFamily="49" charset="0"/>
+                <a:ea typeface="Cascadia Mono" panose="020B0609020000020004" pitchFamily="49" charset="0"/>
+                <a:cs typeface="Cascadia Mono" panose="020B0609020000020004" pitchFamily="49" charset="0"/>
+              </a:rPr>
+              <a:t>theme()</a:t>
+            </a:r>
+          </a:p>
+        </p:txBody>
+      </p:sp>
+      <p:sp>
+        <p:nvSpPr>
+          <p:cNvPr id="5" name="Content Placeholder 4">
+            <a:extLst>
+              <a:ext uri="{FF2B5EF4-FFF2-40B4-BE49-F238E27FC236}">
+                <a16:creationId xmlns:a16="http://schemas.microsoft.com/office/drawing/2014/main" id="{95AF86B1-6330-40C4-9F51-C4083ACEA657}"/>
+              </a:ext>
+            </a:extLst>
+          </p:cNvPr>
+          <p:cNvSpPr>
+            <a:spLocks noGrp="1"/>
+          </p:cNvSpPr>
+          <p:nvPr>
+            <p:ph idx="1"/>
+          </p:nvPr>
+        </p:nvSpPr>
+        <p:spPr>
+          <a:xfrm>
+            <a:off x="838200" y="1825625"/>
+            <a:ext cx="3117574" cy="4351338"/>
+          </a:xfrm>
+        </p:spPr>
+        <p:txBody>
+          <a:bodyPr/>
+          <a:lstStyle/>
+          <a:p>
+            <a:pPr marL="0" indent="0">
+              <a:buNone/>
+            </a:pPr>
+            <a:r>
+              <a:rPr lang="en-GB" b="1" dirty="0"/>
+              <a:t>Scatter Plot</a:t>
+            </a:r>
+          </a:p>
+          <a:p>
+            <a:pPr marL="0" indent="0">
+              <a:buNone/>
+            </a:pPr>
+            <a:r>
+              <a:rPr lang="en-GB" sz="2000" dirty="0"/>
+              <a:t>Pick a nice theme for your scatter plot. Remove the legend.</a:t>
+            </a:r>
+          </a:p>
+        </p:txBody>
+      </p:sp>
+      <p:sp>
+        <p:nvSpPr>
+          <p:cNvPr id="11" name="Content Placeholder 4">
+            <a:extLst>
+              <a:ext uri="{FF2B5EF4-FFF2-40B4-BE49-F238E27FC236}">
+                <a16:creationId xmlns:a16="http://schemas.microsoft.com/office/drawing/2014/main" id="{771148EC-1896-4790-88A1-FE4C4FAEF766}"/>
+              </a:ext>
+            </a:extLst>
+          </p:cNvPr>
+          <p:cNvSpPr txBox="1">
+            <a:spLocks/>
+          </p:cNvSpPr>
+          <p:nvPr/>
+        </p:nvSpPr>
+        <p:spPr>
+          <a:xfrm>
+            <a:off x="4580283" y="1825625"/>
+            <a:ext cx="3117574" cy="4351338"/>
+          </a:xfrm>
+          <a:prstGeom prst="rect">
+            <a:avLst/>
+          </a:prstGeom>
+        </p:spPr>
+        <p:txBody>
+          <a:bodyPr vert="horz" lIns="91440" tIns="45720" rIns="91440" bIns="45720" rtlCol="0">
+            <a:normAutofit/>
+          </a:bodyPr>
+          <a:lstStyle>
+            <a:lvl1pPr marL="228600" indent="-228600" algn="l" defTabSz="914400" rtl="0" eaLnBrk="1" latinLnBrk="0" hangingPunct="1">
+              <a:lnSpc>
+                <a:spcPct val="90000"/>
+              </a:lnSpc>
+              <a:spcBef>
+                <a:spcPts val="1000"/>
+              </a:spcBef>
+              <a:buFont typeface="Arial" panose="020B0604020202020204" pitchFamily="34" charset="0"/>
+              <a:buChar char="•"/>
+              <a:defRPr sz="2800" kern="1200">
+                <a:solidFill>
+                  <a:schemeClr val="tx1"/>
+                </a:solidFill>
+                <a:latin typeface="+mn-lt"/>
+                <a:ea typeface="+mn-ea"/>
+                <a:cs typeface="+mn-cs"/>
+              </a:defRPr>
+            </a:lvl1pPr>
+            <a:lvl2pPr marL="685800" indent="-228600" algn="l" defTabSz="914400" rtl="0" eaLnBrk="1" latinLnBrk="0" hangingPunct="1">
+              <a:lnSpc>
+                <a:spcPct val="90000"/>
+              </a:lnSpc>
+              <a:spcBef>
+                <a:spcPts val="500"/>
+              </a:spcBef>
+              <a:buFont typeface="Arial" panose="020B0604020202020204" pitchFamily="34" charset="0"/>
+              <a:buChar char="•"/>
+              <a:defRPr sz="2400" kern="1200">
+                <a:solidFill>
+                  <a:schemeClr val="tx1"/>
+                </a:solidFill>
+                <a:latin typeface="+mn-lt"/>
+                <a:ea typeface="+mn-ea"/>
+                <a:cs typeface="+mn-cs"/>
+              </a:defRPr>
+            </a:lvl2pPr>
+            <a:lvl3pPr marL="1143000" indent="-228600" algn="l" defTabSz="914400" rtl="0" eaLnBrk="1" latinLnBrk="0" hangingPunct="1">
+              <a:lnSpc>
+                <a:spcPct val="90000"/>
+              </a:lnSpc>
+              <a:spcBef>
+                <a:spcPts val="500"/>
+              </a:spcBef>
+              <a:buFont typeface="Arial" panose="020B0604020202020204" pitchFamily="34" charset="0"/>
+              <a:buChar char="•"/>
+              <a:defRPr sz="2000" kern="1200">
+                <a:solidFill>
+                  <a:schemeClr val="tx1"/>
+                </a:solidFill>
+                <a:latin typeface="+mn-lt"/>
+                <a:ea typeface="+mn-ea"/>
+                <a:cs typeface="+mn-cs"/>
+              </a:defRPr>
+            </a:lvl3pPr>
+            <a:lvl4pPr marL="1600200" indent="-228600" algn="l" defTabSz="914400" rtl="0" eaLnBrk="1" latinLnBrk="0" hangingPunct="1">
+              <a:lnSpc>
+                <a:spcPct val="90000"/>
+              </a:lnSpc>
+              <a:spcBef>
+                <a:spcPts val="500"/>
+              </a:spcBef>
+              <a:buFont typeface="Arial" panose="020B0604020202020204" pitchFamily="34" charset="0"/>
+              <a:buChar char="•"/>
+              <a:defRPr sz="1800" kern="1200">
+                <a:solidFill>
+                  <a:schemeClr val="tx1"/>
+                </a:solidFill>
+                <a:latin typeface="+mn-lt"/>
+                <a:ea typeface="+mn-ea"/>
+                <a:cs typeface="+mn-cs"/>
+              </a:defRPr>
+            </a:lvl4pPr>
+            <a:lvl5pPr marL="2057400" indent="-228600" algn="l" defTabSz="914400" rtl="0" eaLnBrk="1" latinLnBrk="0" hangingPunct="1">
+              <a:lnSpc>
+                <a:spcPct val="90000"/>
+              </a:lnSpc>
+              <a:spcBef>
+                <a:spcPts val="500"/>
+              </a:spcBef>
+              <a:buFont typeface="Arial" panose="020B0604020202020204" pitchFamily="34" charset="0"/>
+              <a:buChar char="•"/>
+              <a:defRPr sz="1800" kern="1200">
+                <a:solidFill>
+                  <a:schemeClr val="tx1"/>
+                </a:solidFill>
+                <a:latin typeface="+mn-lt"/>
+                <a:ea typeface="+mn-ea"/>
+                <a:cs typeface="+mn-cs"/>
+              </a:defRPr>
+            </a:lvl5pPr>
+            <a:lvl6pPr marL="2514600" indent="-228600" algn="l" defTabSz="914400" rtl="0" eaLnBrk="1" latinLnBrk="0" hangingPunct="1">
+              <a:lnSpc>
+                <a:spcPct val="90000"/>
+              </a:lnSpc>
+              <a:spcBef>
+                <a:spcPts val="500"/>
+              </a:spcBef>
+              <a:buFont typeface="Arial" panose="020B0604020202020204" pitchFamily="34" charset="0"/>
+              <a:buChar char="•"/>
+              <a:defRPr sz="1800" kern="1200">
+                <a:solidFill>
+                  <a:schemeClr val="tx1"/>
+                </a:solidFill>
+                <a:latin typeface="+mn-lt"/>
+                <a:ea typeface="+mn-ea"/>
+                <a:cs typeface="+mn-cs"/>
+              </a:defRPr>
+            </a:lvl6pPr>
+            <a:lvl7pPr marL="2971800" indent="-228600" algn="l" defTabSz="914400" rtl="0" eaLnBrk="1" latinLnBrk="0" hangingPunct="1">
+              <a:lnSpc>
+                <a:spcPct val="90000"/>
+              </a:lnSpc>
+              <a:spcBef>
+                <a:spcPts val="500"/>
+              </a:spcBef>
+              <a:buFont typeface="Arial" panose="020B0604020202020204" pitchFamily="34" charset="0"/>
+              <a:buChar char="•"/>
+              <a:defRPr sz="1800" kern="1200">
+                <a:solidFill>
+                  <a:schemeClr val="tx1"/>
+                </a:solidFill>
+                <a:latin typeface="+mn-lt"/>
+                <a:ea typeface="+mn-ea"/>
+                <a:cs typeface="+mn-cs"/>
+              </a:defRPr>
+            </a:lvl7pPr>
+            <a:lvl8pPr marL="3429000" indent="-228600" algn="l" defTabSz="914400" rtl="0" eaLnBrk="1" latinLnBrk="0" hangingPunct="1">
+              <a:lnSpc>
+                <a:spcPct val="90000"/>
+              </a:lnSpc>
+              <a:spcBef>
+                <a:spcPts val="500"/>
+              </a:spcBef>
+              <a:buFont typeface="Arial" panose="020B0604020202020204" pitchFamily="34" charset="0"/>
+              <a:buChar char="•"/>
+              <a:defRPr sz="1800" kern="1200">
+                <a:solidFill>
+                  <a:schemeClr val="tx1"/>
+                </a:solidFill>
+                <a:latin typeface="+mn-lt"/>
+                <a:ea typeface="+mn-ea"/>
+                <a:cs typeface="+mn-cs"/>
+              </a:defRPr>
+            </a:lvl8pPr>
+            <a:lvl9pPr marL="3886200" indent="-228600" algn="l" defTabSz="914400" rtl="0" eaLnBrk="1" latinLnBrk="0" hangingPunct="1">
+              <a:lnSpc>
+                <a:spcPct val="90000"/>
+              </a:lnSpc>
+              <a:spcBef>
+                <a:spcPts val="500"/>
+              </a:spcBef>
+              <a:buFont typeface="Arial" panose="020B0604020202020204" pitchFamily="34" charset="0"/>
+              <a:buChar char="•"/>
+              <a:defRPr sz="1800" kern="1200">
+                <a:solidFill>
+                  <a:schemeClr val="tx1"/>
+                </a:solidFill>
+                <a:latin typeface="+mn-lt"/>
+                <a:ea typeface="+mn-ea"/>
+                <a:cs typeface="+mn-cs"/>
+              </a:defRPr>
+            </a:lvl9pPr>
+          </a:lstStyle>
+          <a:p>
+            <a:pPr marL="0" indent="0">
+              <a:buNone/>
+            </a:pPr>
+            <a:r>
+              <a:rPr lang="en-GB" b="1" dirty="0"/>
+              <a:t>Density Plot</a:t>
+            </a:r>
+          </a:p>
+          <a:p>
+            <a:pPr marL="0" indent="0">
+              <a:buNone/>
+            </a:pPr>
+            <a:r>
+              <a:rPr lang="en-GB" sz="2000" dirty="0"/>
+              <a:t>Pick a nice theme for your density plot. Put the legend at the top.</a:t>
+            </a:r>
+          </a:p>
+        </p:txBody>
+      </p:sp>
+      <p:sp>
+        <p:nvSpPr>
+          <p:cNvPr id="12" name="Content Placeholder 4">
+            <a:extLst>
+              <a:ext uri="{FF2B5EF4-FFF2-40B4-BE49-F238E27FC236}">
+                <a16:creationId xmlns:a16="http://schemas.microsoft.com/office/drawing/2014/main" id="{74BF79EB-C474-471C-8FBA-7D8F2FAF9382}"/>
+              </a:ext>
+            </a:extLst>
+          </p:cNvPr>
+          <p:cNvSpPr txBox="1">
+            <a:spLocks/>
+          </p:cNvSpPr>
+          <p:nvPr/>
+        </p:nvSpPr>
+        <p:spPr>
+          <a:xfrm>
+            <a:off x="8322366" y="1825625"/>
+            <a:ext cx="3117574" cy="4351338"/>
+          </a:xfrm>
+          <a:prstGeom prst="rect">
+            <a:avLst/>
+          </a:prstGeom>
+        </p:spPr>
+        <p:txBody>
+          <a:bodyPr vert="horz" lIns="91440" tIns="45720" rIns="91440" bIns="45720" rtlCol="0">
+            <a:normAutofit/>
+          </a:bodyPr>
+          <a:lstStyle>
+            <a:lvl1pPr marL="228600" indent="-228600" algn="l" defTabSz="914400" rtl="0" eaLnBrk="1" latinLnBrk="0" hangingPunct="1">
+              <a:lnSpc>
+                <a:spcPct val="90000"/>
+              </a:lnSpc>
+              <a:spcBef>
+                <a:spcPts val="1000"/>
+              </a:spcBef>
+              <a:buFont typeface="Arial" panose="020B0604020202020204" pitchFamily="34" charset="0"/>
+              <a:buChar char="•"/>
+              <a:defRPr sz="2800" kern="1200">
+                <a:solidFill>
+                  <a:schemeClr val="tx1"/>
+                </a:solidFill>
+                <a:latin typeface="+mn-lt"/>
+                <a:ea typeface="+mn-ea"/>
+                <a:cs typeface="+mn-cs"/>
+              </a:defRPr>
+            </a:lvl1pPr>
+            <a:lvl2pPr marL="685800" indent="-228600" algn="l" defTabSz="914400" rtl="0" eaLnBrk="1" latinLnBrk="0" hangingPunct="1">
+              <a:lnSpc>
+                <a:spcPct val="90000"/>
+              </a:lnSpc>
+              <a:spcBef>
+                <a:spcPts val="500"/>
+              </a:spcBef>
+              <a:buFont typeface="Arial" panose="020B0604020202020204" pitchFamily="34" charset="0"/>
+              <a:buChar char="•"/>
+              <a:defRPr sz="2400" kern="1200">
+                <a:solidFill>
+                  <a:schemeClr val="tx1"/>
+                </a:solidFill>
+                <a:latin typeface="+mn-lt"/>
+                <a:ea typeface="+mn-ea"/>
+                <a:cs typeface="+mn-cs"/>
+              </a:defRPr>
+            </a:lvl2pPr>
+            <a:lvl3pPr marL="1143000" indent="-228600" algn="l" defTabSz="914400" rtl="0" eaLnBrk="1" latinLnBrk="0" hangingPunct="1">
+              <a:lnSpc>
+                <a:spcPct val="90000"/>
+              </a:lnSpc>
+              <a:spcBef>
+                <a:spcPts val="500"/>
+              </a:spcBef>
+              <a:buFont typeface="Arial" panose="020B0604020202020204" pitchFamily="34" charset="0"/>
+              <a:buChar char="•"/>
+              <a:defRPr sz="2000" kern="1200">
+                <a:solidFill>
+                  <a:schemeClr val="tx1"/>
+                </a:solidFill>
+                <a:latin typeface="+mn-lt"/>
+                <a:ea typeface="+mn-ea"/>
+                <a:cs typeface="+mn-cs"/>
+              </a:defRPr>
+            </a:lvl3pPr>
+            <a:lvl4pPr marL="1600200" indent="-228600" algn="l" defTabSz="914400" rtl="0" eaLnBrk="1" latinLnBrk="0" hangingPunct="1">
+              <a:lnSpc>
+                <a:spcPct val="90000"/>
+              </a:lnSpc>
+              <a:spcBef>
+                <a:spcPts val="500"/>
+              </a:spcBef>
+              <a:buFont typeface="Arial" panose="020B0604020202020204" pitchFamily="34" charset="0"/>
+              <a:buChar char="•"/>
+              <a:defRPr sz="1800" kern="1200">
+                <a:solidFill>
+                  <a:schemeClr val="tx1"/>
+                </a:solidFill>
+                <a:latin typeface="+mn-lt"/>
+                <a:ea typeface="+mn-ea"/>
+                <a:cs typeface="+mn-cs"/>
+              </a:defRPr>
+            </a:lvl4pPr>
+            <a:lvl5pPr marL="2057400" indent="-228600" algn="l" defTabSz="914400" rtl="0" eaLnBrk="1" latinLnBrk="0" hangingPunct="1">
+              <a:lnSpc>
+                <a:spcPct val="90000"/>
+              </a:lnSpc>
+              <a:spcBef>
+                <a:spcPts val="500"/>
+              </a:spcBef>
+              <a:buFont typeface="Arial" panose="020B0604020202020204" pitchFamily="34" charset="0"/>
+              <a:buChar char="•"/>
+              <a:defRPr sz="1800" kern="1200">
+                <a:solidFill>
+                  <a:schemeClr val="tx1"/>
+                </a:solidFill>
+                <a:latin typeface="+mn-lt"/>
+                <a:ea typeface="+mn-ea"/>
+                <a:cs typeface="+mn-cs"/>
+              </a:defRPr>
+            </a:lvl5pPr>
+            <a:lvl6pPr marL="2514600" indent="-228600" algn="l" defTabSz="914400" rtl="0" eaLnBrk="1" latinLnBrk="0" hangingPunct="1">
+              <a:lnSpc>
+                <a:spcPct val="90000"/>
+              </a:lnSpc>
+              <a:spcBef>
+                <a:spcPts val="500"/>
+              </a:spcBef>
+              <a:buFont typeface="Arial" panose="020B0604020202020204" pitchFamily="34" charset="0"/>
+              <a:buChar char="•"/>
+              <a:defRPr sz="1800" kern="1200">
+                <a:solidFill>
+                  <a:schemeClr val="tx1"/>
+                </a:solidFill>
+                <a:latin typeface="+mn-lt"/>
+                <a:ea typeface="+mn-ea"/>
+                <a:cs typeface="+mn-cs"/>
+              </a:defRPr>
+            </a:lvl6pPr>
+            <a:lvl7pPr marL="2971800" indent="-228600" algn="l" defTabSz="914400" rtl="0" eaLnBrk="1" latinLnBrk="0" hangingPunct="1">
+              <a:lnSpc>
+                <a:spcPct val="90000"/>
+              </a:lnSpc>
+              <a:spcBef>
+                <a:spcPts val="500"/>
+              </a:spcBef>
+              <a:buFont typeface="Arial" panose="020B0604020202020204" pitchFamily="34" charset="0"/>
+              <a:buChar char="•"/>
+              <a:defRPr sz="1800" kern="1200">
+                <a:solidFill>
+                  <a:schemeClr val="tx1"/>
+                </a:solidFill>
+                <a:latin typeface="+mn-lt"/>
+                <a:ea typeface="+mn-ea"/>
+                <a:cs typeface="+mn-cs"/>
+              </a:defRPr>
+            </a:lvl7pPr>
+            <a:lvl8pPr marL="3429000" indent="-228600" algn="l" defTabSz="914400" rtl="0" eaLnBrk="1" latinLnBrk="0" hangingPunct="1">
+              <a:lnSpc>
+                <a:spcPct val="90000"/>
+              </a:lnSpc>
+              <a:spcBef>
+                <a:spcPts val="500"/>
+              </a:spcBef>
+              <a:buFont typeface="Arial" panose="020B0604020202020204" pitchFamily="34" charset="0"/>
+              <a:buChar char="•"/>
+              <a:defRPr sz="1800" kern="1200">
+                <a:solidFill>
+                  <a:schemeClr val="tx1"/>
+                </a:solidFill>
+                <a:latin typeface="+mn-lt"/>
+                <a:ea typeface="+mn-ea"/>
+                <a:cs typeface="+mn-cs"/>
+              </a:defRPr>
+            </a:lvl8pPr>
+            <a:lvl9pPr marL="3886200" indent="-228600" algn="l" defTabSz="914400" rtl="0" eaLnBrk="1" latinLnBrk="0" hangingPunct="1">
+              <a:lnSpc>
+                <a:spcPct val="90000"/>
+              </a:lnSpc>
+              <a:spcBef>
+                <a:spcPts val="500"/>
+              </a:spcBef>
+              <a:buFont typeface="Arial" panose="020B0604020202020204" pitchFamily="34" charset="0"/>
+              <a:buChar char="•"/>
+              <a:defRPr sz="1800" kern="1200">
+                <a:solidFill>
+                  <a:schemeClr val="tx1"/>
+                </a:solidFill>
+                <a:latin typeface="+mn-lt"/>
+                <a:ea typeface="+mn-ea"/>
+                <a:cs typeface="+mn-cs"/>
+              </a:defRPr>
+            </a:lvl9pPr>
+          </a:lstStyle>
+          <a:p>
+            <a:pPr marL="0" indent="0">
+              <a:buNone/>
+            </a:pPr>
+            <a:r>
+              <a:rPr lang="en-GB" b="1" dirty="0"/>
+              <a:t>Bar Chart</a:t>
+            </a:r>
+            <a:endParaRPr lang="en-GB" dirty="0"/>
+          </a:p>
+          <a:p>
+            <a:pPr marL="0" indent="0">
+              <a:buNone/>
+            </a:pPr>
+            <a:r>
+              <a:rPr lang="en-GB" sz="2000" dirty="0"/>
+              <a:t>Pick a nice theme for your bar chart. Put the legend at the top. Try to remove the borders around the facet labels so they look more like axis labels </a:t>
+            </a:r>
+          </a:p>
+        </p:txBody>
+      </p:sp>
+    </p:spTree>
+    <p:extLst>
+      <p:ext uri="{BB962C8B-B14F-4D97-AF65-F5344CB8AC3E}">
+        <p14:creationId xmlns:p14="http://schemas.microsoft.com/office/powerpoint/2010/main" val="1468276885"/>
+      </p:ext>
+    </p:extLst>
+  </p:cSld>
+  <p:clrMapOvr>
+    <a:masterClrMapping/>
+  </p:clrMapOvr>
   <mc:AlternateContent xmlns:mc="http://schemas.openxmlformats.org/markup-compatibility/2006">
     <mc:Choice xmlns:p14="http://schemas.microsoft.com/office/powerpoint/2010/main" Requires="p14">
       <p:transition spd="med" p14:dur="700">
@@ -3828,13 +4390,13 @@
   <p:clrMapOvr>
     <a:masterClrMapping/>
   </p:clrMapOvr>
-  <mc:AlternateContent xmlns:mc="http://schemas.openxmlformats.org/markup-compatibility/2006">
-    <mc:Choice xmlns:p14="http://schemas.microsoft.com/office/powerpoint/2010/main" Requires="p14">
+  <mc:AlternateContent xmlns:mc="http://schemas.openxmlformats.org/markup-compatibility/2006" xmlns:p14="http://schemas.microsoft.com/office/powerpoint/2010/main">
+    <mc:Choice Requires="p14">
       <p:transition spd="med" p14:dur="700">
         <p:fade/>
       </p:transition>
     </mc:Choice>
-    <mc:Fallback>
+    <mc:Fallback xmlns="">
       <p:transition spd="med">
         <p:fade/>
       </p:transition>
@@ -4246,13 +4808,13 @@
   <p:clrMapOvr>
     <a:masterClrMapping/>
   </p:clrMapOvr>
-  <mc:AlternateContent xmlns:mc="http://schemas.openxmlformats.org/markup-compatibility/2006">
-    <mc:Choice xmlns:p14="http://schemas.microsoft.com/office/powerpoint/2010/main" Requires="p14">
+  <mc:AlternateContent xmlns:mc="http://schemas.openxmlformats.org/markup-compatibility/2006" xmlns:p14="http://schemas.microsoft.com/office/powerpoint/2010/main">
+    <mc:Choice Requires="p14">
       <p:transition spd="med" p14:dur="700">
         <p:fade/>
       </p:transition>
     </mc:Choice>
-    <mc:Fallback>
+    <mc:Fallback xmlns="">
       <p:transition spd="med">
         <p:fade/>
       </p:transition>
@@ -4629,13 +5191,13 @@
   <p:clrMapOvr>
     <a:masterClrMapping/>
   </p:clrMapOvr>
-  <mc:AlternateContent xmlns:mc="http://schemas.openxmlformats.org/markup-compatibility/2006">
-    <mc:Choice xmlns:p14="http://schemas.microsoft.com/office/powerpoint/2010/main" Requires="p14">
+  <mc:AlternateContent xmlns:mc="http://schemas.openxmlformats.org/markup-compatibility/2006" xmlns:p14="http://schemas.microsoft.com/office/powerpoint/2010/main">
+    <mc:Choice Requires="p14">
       <p:transition spd="med" p14:dur="700">
         <p:fade/>
       </p:transition>
     </mc:Choice>
-    <mc:Fallback>
+    <mc:Fallback xmlns="">
       <p:transition spd="med">
         <p:fade/>
       </p:transition>
@@ -4822,13 +5384,13 @@
   <p:clrMapOvr>
     <a:masterClrMapping/>
   </p:clrMapOvr>
-  <mc:AlternateContent xmlns:mc="http://schemas.openxmlformats.org/markup-compatibility/2006">
-    <mc:Choice xmlns:p14="http://schemas.microsoft.com/office/powerpoint/2010/main" Requires="p14">
+  <mc:AlternateContent xmlns:mc="http://schemas.openxmlformats.org/markup-compatibility/2006" xmlns:p14="http://schemas.microsoft.com/office/powerpoint/2010/main">
+    <mc:Choice Requires="p14">
       <p:transition spd="med" p14:dur="700">
         <p:fade/>
       </p:transition>
     </mc:Choice>
-    <mc:Fallback>
+    <mc:Fallback xmlns="">
       <p:transition spd="med">
         <p:fade/>
       </p:transition>
@@ -4924,30 +5486,24 @@
             <a:pPr marL="0" indent="0">
               <a:buNone/>
             </a:pPr>
-            <a:endParaRPr lang="en-GB" b="1" dirty="0"/>
-          </a:p>
-          <a:p>
-            <a:pPr marL="0" indent="0">
-              <a:buNone/>
-            </a:pPr>
-            <a:r>
-              <a:rPr lang="en-GB" dirty="0"/>
+            <a:r>
+              <a:rPr lang="en-GB" sz="2000" dirty="0"/>
               <a:t>Plot a scatter of O</a:t>
             </a:r>
             <a:r>
-              <a:rPr lang="en-GB" baseline="-25000" dirty="0"/>
+              <a:rPr lang="en-GB" sz="2000" baseline="-25000" dirty="0"/>
               <a:t>3</a:t>
             </a:r>
             <a:r>
-              <a:rPr lang="en-GB" dirty="0"/>
+              <a:rPr lang="en-GB" sz="2000" dirty="0"/>
               <a:t> to NO</a:t>
             </a:r>
             <a:r>
-              <a:rPr lang="en-GB" baseline="-25000" dirty="0"/>
+              <a:rPr lang="en-GB" sz="2000" baseline="-25000" dirty="0"/>
               <a:t>2</a:t>
             </a:r>
             <a:r>
-              <a:rPr lang="en-GB" dirty="0"/>
+              <a:rPr lang="en-GB" sz="2000" dirty="0"/>
               <a:t> just for Marylebone Road (code == “MY1”) and fit a smooth through it.</a:t>
             </a:r>
           </a:p>
@@ -5157,14 +5713,8 @@
             <a:pPr marL="0" indent="0">
               <a:buNone/>
             </a:pPr>
-            <a:endParaRPr lang="en-GB" b="1" dirty="0"/>
-          </a:p>
-          <a:p>
-            <a:pPr marL="0" indent="0">
-              <a:buNone/>
-            </a:pPr>
-            <a:r>
-              <a:rPr lang="en-GB" dirty="0"/>
+            <a:r>
+              <a:rPr lang="en-GB" sz="2000" dirty="0"/>
               <a:t>Plot a density function of NO2, just for the UK.</a:t>
             </a:r>
           </a:p>
@@ -5375,22 +5925,16 @@
             <a:pPr marL="0" indent="0">
               <a:buNone/>
             </a:pPr>
-            <a:endParaRPr lang="en-GB" b="1" dirty="0"/>
-          </a:p>
-          <a:p>
-            <a:pPr marL="0" indent="0">
-              <a:buNone/>
-            </a:pPr>
-            <a:r>
-              <a:rPr lang="en-GB" dirty="0"/>
+            <a:r>
+              <a:rPr lang="en-GB" sz="2000" dirty="0"/>
               <a:t>Plot a bar chart showing the average NO</a:t>
             </a:r>
             <a:r>
-              <a:rPr lang="en-GB" baseline="-25000" dirty="0"/>
+              <a:rPr lang="en-GB" sz="2000" baseline="-25000" dirty="0"/>
               <a:t>2 </a:t>
             </a:r>
             <a:r>
-              <a:rPr lang="en-GB" dirty="0"/>
+              <a:rPr lang="en-GB" sz="2000" dirty="0"/>
               <a:t>in the UK before and after 2020.</a:t>
             </a:r>
           </a:p>
@@ -5400,6 +5944,1700 @@
     <p:extLst>
       <p:ext uri="{BB962C8B-B14F-4D97-AF65-F5344CB8AC3E}">
         <p14:creationId xmlns:p14="http://schemas.microsoft.com/office/powerpoint/2010/main" val="4283274071"/>
+      </p:ext>
+    </p:extLst>
+  </p:cSld>
+  <p:clrMapOvr>
+    <a:masterClrMapping/>
+  </p:clrMapOvr>
+  <mc:AlternateContent xmlns:mc="http://schemas.openxmlformats.org/markup-compatibility/2006" xmlns:p14="http://schemas.microsoft.com/office/powerpoint/2010/main">
+    <mc:Choice Requires="p14">
+      <p:transition spd="med" p14:dur="700">
+        <p:fade/>
+      </p:transition>
+    </mc:Choice>
+    <mc:Fallback xmlns="">
+      <p:transition spd="med">
+        <p:fade/>
+      </p:transition>
+    </mc:Fallback>
+  </mc:AlternateContent>
+</p:sld>
+</file>
+
+<file path=ppt/slides/slide7.xml><?xml version="1.0" encoding="utf-8"?>
+<p:sld xmlns:a="http://schemas.openxmlformats.org/drawingml/2006/main" xmlns:r="http://schemas.openxmlformats.org/officeDocument/2006/relationships" xmlns:p="http://schemas.openxmlformats.org/presentationml/2006/main">
+  <p:cSld>
+    <p:spTree>
+      <p:nvGrpSpPr>
+        <p:cNvPr id="1" name=""/>
+        <p:cNvGrpSpPr/>
+        <p:nvPr/>
+      </p:nvGrpSpPr>
+      <p:grpSpPr>
+        <a:xfrm>
+          <a:off x="0" y="0"/>
+          <a:ext cx="0" cy="0"/>
+          <a:chOff x="0" y="0"/>
+          <a:chExt cx="0" cy="0"/>
+        </a:xfrm>
+      </p:grpSpPr>
+      <p:sp>
+        <p:nvSpPr>
+          <p:cNvPr id="2" name="Title 1">
+            <a:extLst>
+              <a:ext uri="{FF2B5EF4-FFF2-40B4-BE49-F238E27FC236}">
+                <a16:creationId xmlns:a16="http://schemas.microsoft.com/office/drawing/2014/main" id="{F7660571-A91B-48AB-A5FD-14C4A69BB6C7}"/>
+              </a:ext>
+            </a:extLst>
+          </p:cNvPr>
+          <p:cNvSpPr>
+            <a:spLocks noGrp="1"/>
+          </p:cNvSpPr>
+          <p:nvPr>
+            <p:ph type="title"/>
+          </p:nvPr>
+        </p:nvSpPr>
+        <p:spPr/>
+        <p:txBody>
+          <a:bodyPr/>
+          <a:lstStyle/>
+          <a:p>
+            <a:r>
+              <a:rPr lang="en-GB" dirty="0">
+                <a:solidFill>
+                  <a:srgbClr val="404040"/>
+                </a:solidFill>
+              </a:rPr>
+              <a:t>Further use of </a:t>
+            </a:r>
+            <a:r>
+              <a:rPr lang="en-GB" dirty="0" err="1">
+                <a:solidFill>
+                  <a:srgbClr val="404040"/>
+                </a:solidFill>
+                <a:latin typeface="Cascadia Mono" panose="020B0609020000020004" pitchFamily="49" charset="0"/>
+                <a:ea typeface="Cascadia Mono" panose="020B0609020000020004" pitchFamily="49" charset="0"/>
+                <a:cs typeface="Cascadia Mono" panose="020B0609020000020004" pitchFamily="49" charset="0"/>
+              </a:rPr>
+              <a:t>aes</a:t>
+            </a:r>
+            <a:r>
+              <a:rPr lang="en-GB" dirty="0">
+                <a:solidFill>
+                  <a:srgbClr val="404040"/>
+                </a:solidFill>
+                <a:latin typeface="Cascadia Mono" panose="020B0609020000020004" pitchFamily="49" charset="0"/>
+                <a:ea typeface="Cascadia Mono" panose="020B0609020000020004" pitchFamily="49" charset="0"/>
+                <a:cs typeface="Cascadia Mono" panose="020B0609020000020004" pitchFamily="49" charset="0"/>
+              </a:rPr>
+              <a:t>()</a:t>
+            </a:r>
+          </a:p>
+        </p:txBody>
+      </p:sp>
+      <p:sp>
+        <p:nvSpPr>
+          <p:cNvPr id="5" name="Content Placeholder 4">
+            <a:extLst>
+              <a:ext uri="{FF2B5EF4-FFF2-40B4-BE49-F238E27FC236}">
+                <a16:creationId xmlns:a16="http://schemas.microsoft.com/office/drawing/2014/main" id="{95AF86B1-6330-40C4-9F51-C4083ACEA657}"/>
+              </a:ext>
+            </a:extLst>
+          </p:cNvPr>
+          <p:cNvSpPr>
+            <a:spLocks noGrp="1"/>
+          </p:cNvSpPr>
+          <p:nvPr>
+            <p:ph idx="1"/>
+          </p:nvPr>
+        </p:nvSpPr>
+        <p:spPr>
+          <a:xfrm>
+            <a:off x="838200" y="1825625"/>
+            <a:ext cx="3117574" cy="4351338"/>
+          </a:xfrm>
+        </p:spPr>
+        <p:txBody>
+          <a:bodyPr/>
+          <a:lstStyle/>
+          <a:p>
+            <a:pPr marL="0" indent="0">
+              <a:buNone/>
+            </a:pPr>
+            <a:r>
+              <a:rPr lang="en-GB" b="1" dirty="0"/>
+              <a:t>Scatter Plot</a:t>
+            </a:r>
+          </a:p>
+          <a:p>
+            <a:pPr marL="0" indent="0">
+              <a:buNone/>
+            </a:pPr>
+            <a:r>
+              <a:rPr lang="en-GB" sz="2000" dirty="0"/>
+              <a:t>Add the site “KC1” to your plot, and colour by the site code. Make sure the trend lines are plotted </a:t>
+            </a:r>
+            <a:r>
+              <a:rPr lang="en-GB" sz="2000" i="1" dirty="0"/>
+              <a:t>per site</a:t>
+            </a:r>
+            <a:r>
+              <a:rPr lang="en-GB" sz="2000" dirty="0"/>
+              <a:t> and not overall.</a:t>
+            </a:r>
+          </a:p>
+        </p:txBody>
+      </p:sp>
+      <p:sp>
+        <p:nvSpPr>
+          <p:cNvPr id="11" name="Content Placeholder 4">
+            <a:extLst>
+              <a:ext uri="{FF2B5EF4-FFF2-40B4-BE49-F238E27FC236}">
+                <a16:creationId xmlns:a16="http://schemas.microsoft.com/office/drawing/2014/main" id="{771148EC-1896-4790-88A1-FE4C4FAEF766}"/>
+              </a:ext>
+            </a:extLst>
+          </p:cNvPr>
+          <p:cNvSpPr txBox="1">
+            <a:spLocks/>
+          </p:cNvSpPr>
+          <p:nvPr/>
+        </p:nvSpPr>
+        <p:spPr>
+          <a:xfrm>
+            <a:off x="4580283" y="1825625"/>
+            <a:ext cx="3117574" cy="4351338"/>
+          </a:xfrm>
+          <a:prstGeom prst="rect">
+            <a:avLst/>
+          </a:prstGeom>
+        </p:spPr>
+        <p:txBody>
+          <a:bodyPr vert="horz" lIns="91440" tIns="45720" rIns="91440" bIns="45720" rtlCol="0">
+            <a:normAutofit/>
+          </a:bodyPr>
+          <a:lstStyle>
+            <a:lvl1pPr marL="228600" indent="-228600" algn="l" defTabSz="914400" rtl="0" eaLnBrk="1" latinLnBrk="0" hangingPunct="1">
+              <a:lnSpc>
+                <a:spcPct val="90000"/>
+              </a:lnSpc>
+              <a:spcBef>
+                <a:spcPts val="1000"/>
+              </a:spcBef>
+              <a:buFont typeface="Arial" panose="020B0604020202020204" pitchFamily="34" charset="0"/>
+              <a:buChar char="•"/>
+              <a:defRPr sz="2800" kern="1200">
+                <a:solidFill>
+                  <a:schemeClr val="tx1"/>
+                </a:solidFill>
+                <a:latin typeface="+mn-lt"/>
+                <a:ea typeface="+mn-ea"/>
+                <a:cs typeface="+mn-cs"/>
+              </a:defRPr>
+            </a:lvl1pPr>
+            <a:lvl2pPr marL="685800" indent="-228600" algn="l" defTabSz="914400" rtl="0" eaLnBrk="1" latinLnBrk="0" hangingPunct="1">
+              <a:lnSpc>
+                <a:spcPct val="90000"/>
+              </a:lnSpc>
+              <a:spcBef>
+                <a:spcPts val="500"/>
+              </a:spcBef>
+              <a:buFont typeface="Arial" panose="020B0604020202020204" pitchFamily="34" charset="0"/>
+              <a:buChar char="•"/>
+              <a:defRPr sz="2400" kern="1200">
+                <a:solidFill>
+                  <a:schemeClr val="tx1"/>
+                </a:solidFill>
+                <a:latin typeface="+mn-lt"/>
+                <a:ea typeface="+mn-ea"/>
+                <a:cs typeface="+mn-cs"/>
+              </a:defRPr>
+            </a:lvl2pPr>
+            <a:lvl3pPr marL="1143000" indent="-228600" algn="l" defTabSz="914400" rtl="0" eaLnBrk="1" latinLnBrk="0" hangingPunct="1">
+              <a:lnSpc>
+                <a:spcPct val="90000"/>
+              </a:lnSpc>
+              <a:spcBef>
+                <a:spcPts val="500"/>
+              </a:spcBef>
+              <a:buFont typeface="Arial" panose="020B0604020202020204" pitchFamily="34" charset="0"/>
+              <a:buChar char="•"/>
+              <a:defRPr sz="2000" kern="1200">
+                <a:solidFill>
+                  <a:schemeClr val="tx1"/>
+                </a:solidFill>
+                <a:latin typeface="+mn-lt"/>
+                <a:ea typeface="+mn-ea"/>
+                <a:cs typeface="+mn-cs"/>
+              </a:defRPr>
+            </a:lvl3pPr>
+            <a:lvl4pPr marL="1600200" indent="-228600" algn="l" defTabSz="914400" rtl="0" eaLnBrk="1" latinLnBrk="0" hangingPunct="1">
+              <a:lnSpc>
+                <a:spcPct val="90000"/>
+              </a:lnSpc>
+              <a:spcBef>
+                <a:spcPts val="500"/>
+              </a:spcBef>
+              <a:buFont typeface="Arial" panose="020B0604020202020204" pitchFamily="34" charset="0"/>
+              <a:buChar char="•"/>
+              <a:defRPr sz="1800" kern="1200">
+                <a:solidFill>
+                  <a:schemeClr val="tx1"/>
+                </a:solidFill>
+                <a:latin typeface="+mn-lt"/>
+                <a:ea typeface="+mn-ea"/>
+                <a:cs typeface="+mn-cs"/>
+              </a:defRPr>
+            </a:lvl4pPr>
+            <a:lvl5pPr marL="2057400" indent="-228600" algn="l" defTabSz="914400" rtl="0" eaLnBrk="1" latinLnBrk="0" hangingPunct="1">
+              <a:lnSpc>
+                <a:spcPct val="90000"/>
+              </a:lnSpc>
+              <a:spcBef>
+                <a:spcPts val="500"/>
+              </a:spcBef>
+              <a:buFont typeface="Arial" panose="020B0604020202020204" pitchFamily="34" charset="0"/>
+              <a:buChar char="•"/>
+              <a:defRPr sz="1800" kern="1200">
+                <a:solidFill>
+                  <a:schemeClr val="tx1"/>
+                </a:solidFill>
+                <a:latin typeface="+mn-lt"/>
+                <a:ea typeface="+mn-ea"/>
+                <a:cs typeface="+mn-cs"/>
+              </a:defRPr>
+            </a:lvl5pPr>
+            <a:lvl6pPr marL="2514600" indent="-228600" algn="l" defTabSz="914400" rtl="0" eaLnBrk="1" latinLnBrk="0" hangingPunct="1">
+              <a:lnSpc>
+                <a:spcPct val="90000"/>
+              </a:lnSpc>
+              <a:spcBef>
+                <a:spcPts val="500"/>
+              </a:spcBef>
+              <a:buFont typeface="Arial" panose="020B0604020202020204" pitchFamily="34" charset="0"/>
+              <a:buChar char="•"/>
+              <a:defRPr sz="1800" kern="1200">
+                <a:solidFill>
+                  <a:schemeClr val="tx1"/>
+                </a:solidFill>
+                <a:latin typeface="+mn-lt"/>
+                <a:ea typeface="+mn-ea"/>
+                <a:cs typeface="+mn-cs"/>
+              </a:defRPr>
+            </a:lvl6pPr>
+            <a:lvl7pPr marL="2971800" indent="-228600" algn="l" defTabSz="914400" rtl="0" eaLnBrk="1" latinLnBrk="0" hangingPunct="1">
+              <a:lnSpc>
+                <a:spcPct val="90000"/>
+              </a:lnSpc>
+              <a:spcBef>
+                <a:spcPts val="500"/>
+              </a:spcBef>
+              <a:buFont typeface="Arial" panose="020B0604020202020204" pitchFamily="34" charset="0"/>
+              <a:buChar char="•"/>
+              <a:defRPr sz="1800" kern="1200">
+                <a:solidFill>
+                  <a:schemeClr val="tx1"/>
+                </a:solidFill>
+                <a:latin typeface="+mn-lt"/>
+                <a:ea typeface="+mn-ea"/>
+                <a:cs typeface="+mn-cs"/>
+              </a:defRPr>
+            </a:lvl7pPr>
+            <a:lvl8pPr marL="3429000" indent="-228600" algn="l" defTabSz="914400" rtl="0" eaLnBrk="1" latinLnBrk="0" hangingPunct="1">
+              <a:lnSpc>
+                <a:spcPct val="90000"/>
+              </a:lnSpc>
+              <a:spcBef>
+                <a:spcPts val="500"/>
+              </a:spcBef>
+              <a:buFont typeface="Arial" panose="020B0604020202020204" pitchFamily="34" charset="0"/>
+              <a:buChar char="•"/>
+              <a:defRPr sz="1800" kern="1200">
+                <a:solidFill>
+                  <a:schemeClr val="tx1"/>
+                </a:solidFill>
+                <a:latin typeface="+mn-lt"/>
+                <a:ea typeface="+mn-ea"/>
+                <a:cs typeface="+mn-cs"/>
+              </a:defRPr>
+            </a:lvl8pPr>
+            <a:lvl9pPr marL="3886200" indent="-228600" algn="l" defTabSz="914400" rtl="0" eaLnBrk="1" latinLnBrk="0" hangingPunct="1">
+              <a:lnSpc>
+                <a:spcPct val="90000"/>
+              </a:lnSpc>
+              <a:spcBef>
+                <a:spcPts val="500"/>
+              </a:spcBef>
+              <a:buFont typeface="Arial" panose="020B0604020202020204" pitchFamily="34" charset="0"/>
+              <a:buChar char="•"/>
+              <a:defRPr sz="1800" kern="1200">
+                <a:solidFill>
+                  <a:schemeClr val="tx1"/>
+                </a:solidFill>
+                <a:latin typeface="+mn-lt"/>
+                <a:ea typeface="+mn-ea"/>
+                <a:cs typeface="+mn-cs"/>
+              </a:defRPr>
+            </a:lvl9pPr>
+          </a:lstStyle>
+          <a:p>
+            <a:pPr marL="0" indent="0">
+              <a:buNone/>
+            </a:pPr>
+            <a:r>
+              <a:rPr lang="en-GB" b="1" dirty="0"/>
+              <a:t>Density Plot</a:t>
+            </a:r>
+          </a:p>
+          <a:p>
+            <a:pPr marL="0" indent="0">
+              <a:buNone/>
+            </a:pPr>
+            <a:r>
+              <a:rPr lang="en-GB" sz="2000" dirty="0"/>
+              <a:t>Plot two density functions – one before and one after 2020. Fill them with colour, but make them transparent so they can both be seen </a:t>
+            </a:r>
+          </a:p>
+        </p:txBody>
+      </p:sp>
+      <p:sp>
+        <p:nvSpPr>
+          <p:cNvPr id="12" name="Content Placeholder 4">
+            <a:extLst>
+              <a:ext uri="{FF2B5EF4-FFF2-40B4-BE49-F238E27FC236}">
+                <a16:creationId xmlns:a16="http://schemas.microsoft.com/office/drawing/2014/main" id="{74BF79EB-C474-471C-8FBA-7D8F2FAF9382}"/>
+              </a:ext>
+            </a:extLst>
+          </p:cNvPr>
+          <p:cNvSpPr txBox="1">
+            <a:spLocks/>
+          </p:cNvSpPr>
+          <p:nvPr/>
+        </p:nvSpPr>
+        <p:spPr>
+          <a:xfrm>
+            <a:off x="8322366" y="1825625"/>
+            <a:ext cx="3117574" cy="4351338"/>
+          </a:xfrm>
+          <a:prstGeom prst="rect">
+            <a:avLst/>
+          </a:prstGeom>
+        </p:spPr>
+        <p:txBody>
+          <a:bodyPr vert="horz" lIns="91440" tIns="45720" rIns="91440" bIns="45720" rtlCol="0">
+            <a:normAutofit/>
+          </a:bodyPr>
+          <a:lstStyle>
+            <a:lvl1pPr marL="228600" indent="-228600" algn="l" defTabSz="914400" rtl="0" eaLnBrk="1" latinLnBrk="0" hangingPunct="1">
+              <a:lnSpc>
+                <a:spcPct val="90000"/>
+              </a:lnSpc>
+              <a:spcBef>
+                <a:spcPts val="1000"/>
+              </a:spcBef>
+              <a:buFont typeface="Arial" panose="020B0604020202020204" pitchFamily="34" charset="0"/>
+              <a:buChar char="•"/>
+              <a:defRPr sz="2800" kern="1200">
+                <a:solidFill>
+                  <a:schemeClr val="tx1"/>
+                </a:solidFill>
+                <a:latin typeface="+mn-lt"/>
+                <a:ea typeface="+mn-ea"/>
+                <a:cs typeface="+mn-cs"/>
+              </a:defRPr>
+            </a:lvl1pPr>
+            <a:lvl2pPr marL="685800" indent="-228600" algn="l" defTabSz="914400" rtl="0" eaLnBrk="1" latinLnBrk="0" hangingPunct="1">
+              <a:lnSpc>
+                <a:spcPct val="90000"/>
+              </a:lnSpc>
+              <a:spcBef>
+                <a:spcPts val="500"/>
+              </a:spcBef>
+              <a:buFont typeface="Arial" panose="020B0604020202020204" pitchFamily="34" charset="0"/>
+              <a:buChar char="•"/>
+              <a:defRPr sz="2400" kern="1200">
+                <a:solidFill>
+                  <a:schemeClr val="tx1"/>
+                </a:solidFill>
+                <a:latin typeface="+mn-lt"/>
+                <a:ea typeface="+mn-ea"/>
+                <a:cs typeface="+mn-cs"/>
+              </a:defRPr>
+            </a:lvl2pPr>
+            <a:lvl3pPr marL="1143000" indent="-228600" algn="l" defTabSz="914400" rtl="0" eaLnBrk="1" latinLnBrk="0" hangingPunct="1">
+              <a:lnSpc>
+                <a:spcPct val="90000"/>
+              </a:lnSpc>
+              <a:spcBef>
+                <a:spcPts val="500"/>
+              </a:spcBef>
+              <a:buFont typeface="Arial" panose="020B0604020202020204" pitchFamily="34" charset="0"/>
+              <a:buChar char="•"/>
+              <a:defRPr sz="2000" kern="1200">
+                <a:solidFill>
+                  <a:schemeClr val="tx1"/>
+                </a:solidFill>
+                <a:latin typeface="+mn-lt"/>
+                <a:ea typeface="+mn-ea"/>
+                <a:cs typeface="+mn-cs"/>
+              </a:defRPr>
+            </a:lvl3pPr>
+            <a:lvl4pPr marL="1600200" indent="-228600" algn="l" defTabSz="914400" rtl="0" eaLnBrk="1" latinLnBrk="0" hangingPunct="1">
+              <a:lnSpc>
+                <a:spcPct val="90000"/>
+              </a:lnSpc>
+              <a:spcBef>
+                <a:spcPts val="500"/>
+              </a:spcBef>
+              <a:buFont typeface="Arial" panose="020B0604020202020204" pitchFamily="34" charset="0"/>
+              <a:buChar char="•"/>
+              <a:defRPr sz="1800" kern="1200">
+                <a:solidFill>
+                  <a:schemeClr val="tx1"/>
+                </a:solidFill>
+                <a:latin typeface="+mn-lt"/>
+                <a:ea typeface="+mn-ea"/>
+                <a:cs typeface="+mn-cs"/>
+              </a:defRPr>
+            </a:lvl4pPr>
+            <a:lvl5pPr marL="2057400" indent="-228600" algn="l" defTabSz="914400" rtl="0" eaLnBrk="1" latinLnBrk="0" hangingPunct="1">
+              <a:lnSpc>
+                <a:spcPct val="90000"/>
+              </a:lnSpc>
+              <a:spcBef>
+                <a:spcPts val="500"/>
+              </a:spcBef>
+              <a:buFont typeface="Arial" panose="020B0604020202020204" pitchFamily="34" charset="0"/>
+              <a:buChar char="•"/>
+              <a:defRPr sz="1800" kern="1200">
+                <a:solidFill>
+                  <a:schemeClr val="tx1"/>
+                </a:solidFill>
+                <a:latin typeface="+mn-lt"/>
+                <a:ea typeface="+mn-ea"/>
+                <a:cs typeface="+mn-cs"/>
+              </a:defRPr>
+            </a:lvl5pPr>
+            <a:lvl6pPr marL="2514600" indent="-228600" algn="l" defTabSz="914400" rtl="0" eaLnBrk="1" latinLnBrk="0" hangingPunct="1">
+              <a:lnSpc>
+                <a:spcPct val="90000"/>
+              </a:lnSpc>
+              <a:spcBef>
+                <a:spcPts val="500"/>
+              </a:spcBef>
+              <a:buFont typeface="Arial" panose="020B0604020202020204" pitchFamily="34" charset="0"/>
+              <a:buChar char="•"/>
+              <a:defRPr sz="1800" kern="1200">
+                <a:solidFill>
+                  <a:schemeClr val="tx1"/>
+                </a:solidFill>
+                <a:latin typeface="+mn-lt"/>
+                <a:ea typeface="+mn-ea"/>
+                <a:cs typeface="+mn-cs"/>
+              </a:defRPr>
+            </a:lvl6pPr>
+            <a:lvl7pPr marL="2971800" indent="-228600" algn="l" defTabSz="914400" rtl="0" eaLnBrk="1" latinLnBrk="0" hangingPunct="1">
+              <a:lnSpc>
+                <a:spcPct val="90000"/>
+              </a:lnSpc>
+              <a:spcBef>
+                <a:spcPts val="500"/>
+              </a:spcBef>
+              <a:buFont typeface="Arial" panose="020B0604020202020204" pitchFamily="34" charset="0"/>
+              <a:buChar char="•"/>
+              <a:defRPr sz="1800" kern="1200">
+                <a:solidFill>
+                  <a:schemeClr val="tx1"/>
+                </a:solidFill>
+                <a:latin typeface="+mn-lt"/>
+                <a:ea typeface="+mn-ea"/>
+                <a:cs typeface="+mn-cs"/>
+              </a:defRPr>
+            </a:lvl7pPr>
+            <a:lvl8pPr marL="3429000" indent="-228600" algn="l" defTabSz="914400" rtl="0" eaLnBrk="1" latinLnBrk="0" hangingPunct="1">
+              <a:lnSpc>
+                <a:spcPct val="90000"/>
+              </a:lnSpc>
+              <a:spcBef>
+                <a:spcPts val="500"/>
+              </a:spcBef>
+              <a:buFont typeface="Arial" panose="020B0604020202020204" pitchFamily="34" charset="0"/>
+              <a:buChar char="•"/>
+              <a:defRPr sz="1800" kern="1200">
+                <a:solidFill>
+                  <a:schemeClr val="tx1"/>
+                </a:solidFill>
+                <a:latin typeface="+mn-lt"/>
+                <a:ea typeface="+mn-ea"/>
+                <a:cs typeface="+mn-cs"/>
+              </a:defRPr>
+            </a:lvl8pPr>
+            <a:lvl9pPr marL="3886200" indent="-228600" algn="l" defTabSz="914400" rtl="0" eaLnBrk="1" latinLnBrk="0" hangingPunct="1">
+              <a:lnSpc>
+                <a:spcPct val="90000"/>
+              </a:lnSpc>
+              <a:spcBef>
+                <a:spcPts val="500"/>
+              </a:spcBef>
+              <a:buFont typeface="Arial" panose="020B0604020202020204" pitchFamily="34" charset="0"/>
+              <a:buChar char="•"/>
+              <a:defRPr sz="1800" kern="1200">
+                <a:solidFill>
+                  <a:schemeClr val="tx1"/>
+                </a:solidFill>
+                <a:latin typeface="+mn-lt"/>
+                <a:ea typeface="+mn-ea"/>
+                <a:cs typeface="+mn-cs"/>
+              </a:defRPr>
+            </a:lvl9pPr>
+          </a:lstStyle>
+          <a:p>
+            <a:pPr marL="0" indent="0">
+              <a:buNone/>
+            </a:pPr>
+            <a:r>
+              <a:rPr lang="en-GB" b="1" dirty="0"/>
+              <a:t>Bar Chart</a:t>
+            </a:r>
+            <a:endParaRPr lang="en-GB" dirty="0"/>
+          </a:p>
+          <a:p>
+            <a:pPr marL="0" indent="0">
+              <a:buNone/>
+            </a:pPr>
+            <a:r>
+              <a:rPr lang="en-GB" sz="2000" dirty="0"/>
+              <a:t>Change your bar chart to include every country, not just the UK. Colour the bars by year instead. You may need to use a “position” argument.</a:t>
+            </a:r>
+          </a:p>
+        </p:txBody>
+      </p:sp>
+    </p:spTree>
+    <p:extLst>
+      <p:ext uri="{BB962C8B-B14F-4D97-AF65-F5344CB8AC3E}">
+        <p14:creationId xmlns:p14="http://schemas.microsoft.com/office/powerpoint/2010/main" val="2686623842"/>
+      </p:ext>
+    </p:extLst>
+  </p:cSld>
+  <p:clrMapOvr>
+    <a:masterClrMapping/>
+  </p:clrMapOvr>
+  <mc:AlternateContent xmlns:mc="http://schemas.openxmlformats.org/markup-compatibility/2006">
+    <mc:Choice xmlns:p14="http://schemas.microsoft.com/office/powerpoint/2010/main" Requires="p14">
+      <p:transition spd="med" p14:dur="700">
+        <p:fade/>
+      </p:transition>
+    </mc:Choice>
+    <mc:Fallback>
+      <p:transition spd="med">
+        <p:fade/>
+      </p:transition>
+    </mc:Fallback>
+  </mc:AlternateContent>
+</p:sld>
+</file>
+
+<file path=ppt/slides/slide8.xml><?xml version="1.0" encoding="utf-8"?>
+<p:sld xmlns:a="http://schemas.openxmlformats.org/drawingml/2006/main" xmlns:r="http://schemas.openxmlformats.org/officeDocument/2006/relationships" xmlns:p="http://schemas.openxmlformats.org/presentationml/2006/main">
+  <p:cSld>
+    <p:spTree>
+      <p:nvGrpSpPr>
+        <p:cNvPr id="1" name=""/>
+        <p:cNvGrpSpPr/>
+        <p:nvPr/>
+      </p:nvGrpSpPr>
+      <p:grpSpPr>
+        <a:xfrm>
+          <a:off x="0" y="0"/>
+          <a:ext cx="0" cy="0"/>
+          <a:chOff x="0" y="0"/>
+          <a:chExt cx="0" cy="0"/>
+        </a:xfrm>
+      </p:grpSpPr>
+      <p:sp>
+        <p:nvSpPr>
+          <p:cNvPr id="2" name="Title 1">
+            <a:extLst>
+              <a:ext uri="{FF2B5EF4-FFF2-40B4-BE49-F238E27FC236}">
+                <a16:creationId xmlns:a16="http://schemas.microsoft.com/office/drawing/2014/main" id="{F7660571-A91B-48AB-A5FD-14C4A69BB6C7}"/>
+              </a:ext>
+            </a:extLst>
+          </p:cNvPr>
+          <p:cNvSpPr>
+            <a:spLocks noGrp="1"/>
+          </p:cNvSpPr>
+          <p:nvPr>
+            <p:ph type="title"/>
+          </p:nvPr>
+        </p:nvSpPr>
+        <p:spPr/>
+        <p:txBody>
+          <a:bodyPr/>
+          <a:lstStyle/>
+          <a:p>
+            <a:r>
+              <a:rPr lang="en-GB" dirty="0">
+                <a:solidFill>
+                  <a:srgbClr val="404040"/>
+                </a:solidFill>
+              </a:rPr>
+              <a:t>Applications of </a:t>
+            </a:r>
+            <a:r>
+              <a:rPr lang="en-GB" dirty="0">
+                <a:solidFill>
+                  <a:srgbClr val="404040"/>
+                </a:solidFill>
+                <a:latin typeface="Cascadia Mono" panose="020B0609020000020004" pitchFamily="49" charset="0"/>
+                <a:ea typeface="Cascadia Mono" panose="020B0609020000020004" pitchFamily="49" charset="0"/>
+                <a:cs typeface="Cascadia Mono" panose="020B0609020000020004" pitchFamily="49" charset="0"/>
+              </a:rPr>
+              <a:t>scale_*_*()</a:t>
+            </a:r>
+          </a:p>
+        </p:txBody>
+      </p:sp>
+      <p:sp>
+        <p:nvSpPr>
+          <p:cNvPr id="5" name="Content Placeholder 4">
+            <a:extLst>
+              <a:ext uri="{FF2B5EF4-FFF2-40B4-BE49-F238E27FC236}">
+                <a16:creationId xmlns:a16="http://schemas.microsoft.com/office/drawing/2014/main" id="{95AF86B1-6330-40C4-9F51-C4083ACEA657}"/>
+              </a:ext>
+            </a:extLst>
+          </p:cNvPr>
+          <p:cNvSpPr>
+            <a:spLocks noGrp="1"/>
+          </p:cNvSpPr>
+          <p:nvPr>
+            <p:ph idx="1"/>
+          </p:nvPr>
+        </p:nvSpPr>
+        <p:spPr>
+          <a:xfrm>
+            <a:off x="838200" y="1825625"/>
+            <a:ext cx="3117574" cy="4351338"/>
+          </a:xfrm>
+        </p:spPr>
+        <p:txBody>
+          <a:bodyPr/>
+          <a:lstStyle/>
+          <a:p>
+            <a:pPr marL="0" indent="0">
+              <a:buNone/>
+            </a:pPr>
+            <a:r>
+              <a:rPr lang="en-GB" b="1" dirty="0"/>
+              <a:t>Scatter Plot</a:t>
+            </a:r>
+          </a:p>
+          <a:p>
+            <a:pPr marL="0" indent="0">
+              <a:buNone/>
+            </a:pPr>
+            <a:r>
+              <a:rPr lang="en-GB" sz="2000" dirty="0"/>
+              <a:t>Make the x and y axes of your plot go to zero. Also, label them “Ozone” and “Nitrogen Dioxide” in full.</a:t>
+            </a:r>
+          </a:p>
+        </p:txBody>
+      </p:sp>
+      <p:sp>
+        <p:nvSpPr>
+          <p:cNvPr id="11" name="Content Placeholder 4">
+            <a:extLst>
+              <a:ext uri="{FF2B5EF4-FFF2-40B4-BE49-F238E27FC236}">
+                <a16:creationId xmlns:a16="http://schemas.microsoft.com/office/drawing/2014/main" id="{771148EC-1896-4790-88A1-FE4C4FAEF766}"/>
+              </a:ext>
+            </a:extLst>
+          </p:cNvPr>
+          <p:cNvSpPr txBox="1">
+            <a:spLocks/>
+          </p:cNvSpPr>
+          <p:nvPr/>
+        </p:nvSpPr>
+        <p:spPr>
+          <a:xfrm>
+            <a:off x="4580283" y="1825625"/>
+            <a:ext cx="3117574" cy="4351338"/>
+          </a:xfrm>
+          <a:prstGeom prst="rect">
+            <a:avLst/>
+          </a:prstGeom>
+        </p:spPr>
+        <p:txBody>
+          <a:bodyPr vert="horz" lIns="91440" tIns="45720" rIns="91440" bIns="45720" rtlCol="0">
+            <a:normAutofit/>
+          </a:bodyPr>
+          <a:lstStyle>
+            <a:lvl1pPr marL="228600" indent="-228600" algn="l" defTabSz="914400" rtl="0" eaLnBrk="1" latinLnBrk="0" hangingPunct="1">
+              <a:lnSpc>
+                <a:spcPct val="90000"/>
+              </a:lnSpc>
+              <a:spcBef>
+                <a:spcPts val="1000"/>
+              </a:spcBef>
+              <a:buFont typeface="Arial" panose="020B0604020202020204" pitchFamily="34" charset="0"/>
+              <a:buChar char="•"/>
+              <a:defRPr sz="2800" kern="1200">
+                <a:solidFill>
+                  <a:schemeClr val="tx1"/>
+                </a:solidFill>
+                <a:latin typeface="+mn-lt"/>
+                <a:ea typeface="+mn-ea"/>
+                <a:cs typeface="+mn-cs"/>
+              </a:defRPr>
+            </a:lvl1pPr>
+            <a:lvl2pPr marL="685800" indent="-228600" algn="l" defTabSz="914400" rtl="0" eaLnBrk="1" latinLnBrk="0" hangingPunct="1">
+              <a:lnSpc>
+                <a:spcPct val="90000"/>
+              </a:lnSpc>
+              <a:spcBef>
+                <a:spcPts val="500"/>
+              </a:spcBef>
+              <a:buFont typeface="Arial" panose="020B0604020202020204" pitchFamily="34" charset="0"/>
+              <a:buChar char="•"/>
+              <a:defRPr sz="2400" kern="1200">
+                <a:solidFill>
+                  <a:schemeClr val="tx1"/>
+                </a:solidFill>
+                <a:latin typeface="+mn-lt"/>
+                <a:ea typeface="+mn-ea"/>
+                <a:cs typeface="+mn-cs"/>
+              </a:defRPr>
+            </a:lvl2pPr>
+            <a:lvl3pPr marL="1143000" indent="-228600" algn="l" defTabSz="914400" rtl="0" eaLnBrk="1" latinLnBrk="0" hangingPunct="1">
+              <a:lnSpc>
+                <a:spcPct val="90000"/>
+              </a:lnSpc>
+              <a:spcBef>
+                <a:spcPts val="500"/>
+              </a:spcBef>
+              <a:buFont typeface="Arial" panose="020B0604020202020204" pitchFamily="34" charset="0"/>
+              <a:buChar char="•"/>
+              <a:defRPr sz="2000" kern="1200">
+                <a:solidFill>
+                  <a:schemeClr val="tx1"/>
+                </a:solidFill>
+                <a:latin typeface="+mn-lt"/>
+                <a:ea typeface="+mn-ea"/>
+                <a:cs typeface="+mn-cs"/>
+              </a:defRPr>
+            </a:lvl3pPr>
+            <a:lvl4pPr marL="1600200" indent="-228600" algn="l" defTabSz="914400" rtl="0" eaLnBrk="1" latinLnBrk="0" hangingPunct="1">
+              <a:lnSpc>
+                <a:spcPct val="90000"/>
+              </a:lnSpc>
+              <a:spcBef>
+                <a:spcPts val="500"/>
+              </a:spcBef>
+              <a:buFont typeface="Arial" panose="020B0604020202020204" pitchFamily="34" charset="0"/>
+              <a:buChar char="•"/>
+              <a:defRPr sz="1800" kern="1200">
+                <a:solidFill>
+                  <a:schemeClr val="tx1"/>
+                </a:solidFill>
+                <a:latin typeface="+mn-lt"/>
+                <a:ea typeface="+mn-ea"/>
+                <a:cs typeface="+mn-cs"/>
+              </a:defRPr>
+            </a:lvl4pPr>
+            <a:lvl5pPr marL="2057400" indent="-228600" algn="l" defTabSz="914400" rtl="0" eaLnBrk="1" latinLnBrk="0" hangingPunct="1">
+              <a:lnSpc>
+                <a:spcPct val="90000"/>
+              </a:lnSpc>
+              <a:spcBef>
+                <a:spcPts val="500"/>
+              </a:spcBef>
+              <a:buFont typeface="Arial" panose="020B0604020202020204" pitchFamily="34" charset="0"/>
+              <a:buChar char="•"/>
+              <a:defRPr sz="1800" kern="1200">
+                <a:solidFill>
+                  <a:schemeClr val="tx1"/>
+                </a:solidFill>
+                <a:latin typeface="+mn-lt"/>
+                <a:ea typeface="+mn-ea"/>
+                <a:cs typeface="+mn-cs"/>
+              </a:defRPr>
+            </a:lvl5pPr>
+            <a:lvl6pPr marL="2514600" indent="-228600" algn="l" defTabSz="914400" rtl="0" eaLnBrk="1" latinLnBrk="0" hangingPunct="1">
+              <a:lnSpc>
+                <a:spcPct val="90000"/>
+              </a:lnSpc>
+              <a:spcBef>
+                <a:spcPts val="500"/>
+              </a:spcBef>
+              <a:buFont typeface="Arial" panose="020B0604020202020204" pitchFamily="34" charset="0"/>
+              <a:buChar char="•"/>
+              <a:defRPr sz="1800" kern="1200">
+                <a:solidFill>
+                  <a:schemeClr val="tx1"/>
+                </a:solidFill>
+                <a:latin typeface="+mn-lt"/>
+                <a:ea typeface="+mn-ea"/>
+                <a:cs typeface="+mn-cs"/>
+              </a:defRPr>
+            </a:lvl6pPr>
+            <a:lvl7pPr marL="2971800" indent="-228600" algn="l" defTabSz="914400" rtl="0" eaLnBrk="1" latinLnBrk="0" hangingPunct="1">
+              <a:lnSpc>
+                <a:spcPct val="90000"/>
+              </a:lnSpc>
+              <a:spcBef>
+                <a:spcPts val="500"/>
+              </a:spcBef>
+              <a:buFont typeface="Arial" panose="020B0604020202020204" pitchFamily="34" charset="0"/>
+              <a:buChar char="•"/>
+              <a:defRPr sz="1800" kern="1200">
+                <a:solidFill>
+                  <a:schemeClr val="tx1"/>
+                </a:solidFill>
+                <a:latin typeface="+mn-lt"/>
+                <a:ea typeface="+mn-ea"/>
+                <a:cs typeface="+mn-cs"/>
+              </a:defRPr>
+            </a:lvl7pPr>
+            <a:lvl8pPr marL="3429000" indent="-228600" algn="l" defTabSz="914400" rtl="0" eaLnBrk="1" latinLnBrk="0" hangingPunct="1">
+              <a:lnSpc>
+                <a:spcPct val="90000"/>
+              </a:lnSpc>
+              <a:spcBef>
+                <a:spcPts val="500"/>
+              </a:spcBef>
+              <a:buFont typeface="Arial" panose="020B0604020202020204" pitchFamily="34" charset="0"/>
+              <a:buChar char="•"/>
+              <a:defRPr sz="1800" kern="1200">
+                <a:solidFill>
+                  <a:schemeClr val="tx1"/>
+                </a:solidFill>
+                <a:latin typeface="+mn-lt"/>
+                <a:ea typeface="+mn-ea"/>
+                <a:cs typeface="+mn-cs"/>
+              </a:defRPr>
+            </a:lvl8pPr>
+            <a:lvl9pPr marL="3886200" indent="-228600" algn="l" defTabSz="914400" rtl="0" eaLnBrk="1" latinLnBrk="0" hangingPunct="1">
+              <a:lnSpc>
+                <a:spcPct val="90000"/>
+              </a:lnSpc>
+              <a:spcBef>
+                <a:spcPts val="500"/>
+              </a:spcBef>
+              <a:buFont typeface="Arial" panose="020B0604020202020204" pitchFamily="34" charset="0"/>
+              <a:buChar char="•"/>
+              <a:defRPr sz="1800" kern="1200">
+                <a:solidFill>
+                  <a:schemeClr val="tx1"/>
+                </a:solidFill>
+                <a:latin typeface="+mn-lt"/>
+                <a:ea typeface="+mn-ea"/>
+                <a:cs typeface="+mn-cs"/>
+              </a:defRPr>
+            </a:lvl9pPr>
+          </a:lstStyle>
+          <a:p>
+            <a:pPr marL="0" indent="0">
+              <a:buNone/>
+            </a:pPr>
+            <a:r>
+              <a:rPr lang="en-GB" b="1" dirty="0"/>
+              <a:t>Density Plot</a:t>
+            </a:r>
+          </a:p>
+          <a:p>
+            <a:pPr marL="0" indent="0">
+              <a:buNone/>
+            </a:pPr>
+            <a:r>
+              <a:rPr lang="en-GB" sz="2000" dirty="0"/>
+              <a:t>Change the colours of your density functions from the default – “</a:t>
+            </a:r>
+            <a:r>
+              <a:rPr lang="en-GB" sz="2000" dirty="0" err="1"/>
+              <a:t>darkgreen</a:t>
+            </a:r>
+            <a:r>
+              <a:rPr lang="en-GB" sz="2000" dirty="0"/>
+              <a:t>” and “</a:t>
+            </a:r>
+            <a:r>
+              <a:rPr lang="en-GB" sz="2000" dirty="0" err="1"/>
+              <a:t>darkblue</a:t>
+            </a:r>
+            <a:r>
+              <a:rPr lang="en-GB" sz="2000" dirty="0"/>
+              <a:t>” are nice options. Also, give the legend a better name.</a:t>
+            </a:r>
+          </a:p>
+        </p:txBody>
+      </p:sp>
+      <p:sp>
+        <p:nvSpPr>
+          <p:cNvPr id="12" name="Content Placeholder 4">
+            <a:extLst>
+              <a:ext uri="{FF2B5EF4-FFF2-40B4-BE49-F238E27FC236}">
+                <a16:creationId xmlns:a16="http://schemas.microsoft.com/office/drawing/2014/main" id="{74BF79EB-C474-471C-8FBA-7D8F2FAF9382}"/>
+              </a:ext>
+            </a:extLst>
+          </p:cNvPr>
+          <p:cNvSpPr txBox="1">
+            <a:spLocks/>
+          </p:cNvSpPr>
+          <p:nvPr/>
+        </p:nvSpPr>
+        <p:spPr>
+          <a:xfrm>
+            <a:off x="8322366" y="1825625"/>
+            <a:ext cx="3117574" cy="4351338"/>
+          </a:xfrm>
+          <a:prstGeom prst="rect">
+            <a:avLst/>
+          </a:prstGeom>
+        </p:spPr>
+        <p:txBody>
+          <a:bodyPr vert="horz" lIns="91440" tIns="45720" rIns="91440" bIns="45720" rtlCol="0">
+            <a:normAutofit/>
+          </a:bodyPr>
+          <a:lstStyle>
+            <a:lvl1pPr marL="228600" indent="-228600" algn="l" defTabSz="914400" rtl="0" eaLnBrk="1" latinLnBrk="0" hangingPunct="1">
+              <a:lnSpc>
+                <a:spcPct val="90000"/>
+              </a:lnSpc>
+              <a:spcBef>
+                <a:spcPts val="1000"/>
+              </a:spcBef>
+              <a:buFont typeface="Arial" panose="020B0604020202020204" pitchFamily="34" charset="0"/>
+              <a:buChar char="•"/>
+              <a:defRPr sz="2800" kern="1200">
+                <a:solidFill>
+                  <a:schemeClr val="tx1"/>
+                </a:solidFill>
+                <a:latin typeface="+mn-lt"/>
+                <a:ea typeface="+mn-ea"/>
+                <a:cs typeface="+mn-cs"/>
+              </a:defRPr>
+            </a:lvl1pPr>
+            <a:lvl2pPr marL="685800" indent="-228600" algn="l" defTabSz="914400" rtl="0" eaLnBrk="1" latinLnBrk="0" hangingPunct="1">
+              <a:lnSpc>
+                <a:spcPct val="90000"/>
+              </a:lnSpc>
+              <a:spcBef>
+                <a:spcPts val="500"/>
+              </a:spcBef>
+              <a:buFont typeface="Arial" panose="020B0604020202020204" pitchFamily="34" charset="0"/>
+              <a:buChar char="•"/>
+              <a:defRPr sz="2400" kern="1200">
+                <a:solidFill>
+                  <a:schemeClr val="tx1"/>
+                </a:solidFill>
+                <a:latin typeface="+mn-lt"/>
+                <a:ea typeface="+mn-ea"/>
+                <a:cs typeface="+mn-cs"/>
+              </a:defRPr>
+            </a:lvl2pPr>
+            <a:lvl3pPr marL="1143000" indent="-228600" algn="l" defTabSz="914400" rtl="0" eaLnBrk="1" latinLnBrk="0" hangingPunct="1">
+              <a:lnSpc>
+                <a:spcPct val="90000"/>
+              </a:lnSpc>
+              <a:spcBef>
+                <a:spcPts val="500"/>
+              </a:spcBef>
+              <a:buFont typeface="Arial" panose="020B0604020202020204" pitchFamily="34" charset="0"/>
+              <a:buChar char="•"/>
+              <a:defRPr sz="2000" kern="1200">
+                <a:solidFill>
+                  <a:schemeClr val="tx1"/>
+                </a:solidFill>
+                <a:latin typeface="+mn-lt"/>
+                <a:ea typeface="+mn-ea"/>
+                <a:cs typeface="+mn-cs"/>
+              </a:defRPr>
+            </a:lvl3pPr>
+            <a:lvl4pPr marL="1600200" indent="-228600" algn="l" defTabSz="914400" rtl="0" eaLnBrk="1" latinLnBrk="0" hangingPunct="1">
+              <a:lnSpc>
+                <a:spcPct val="90000"/>
+              </a:lnSpc>
+              <a:spcBef>
+                <a:spcPts val="500"/>
+              </a:spcBef>
+              <a:buFont typeface="Arial" panose="020B0604020202020204" pitchFamily="34" charset="0"/>
+              <a:buChar char="•"/>
+              <a:defRPr sz="1800" kern="1200">
+                <a:solidFill>
+                  <a:schemeClr val="tx1"/>
+                </a:solidFill>
+                <a:latin typeface="+mn-lt"/>
+                <a:ea typeface="+mn-ea"/>
+                <a:cs typeface="+mn-cs"/>
+              </a:defRPr>
+            </a:lvl4pPr>
+            <a:lvl5pPr marL="2057400" indent="-228600" algn="l" defTabSz="914400" rtl="0" eaLnBrk="1" latinLnBrk="0" hangingPunct="1">
+              <a:lnSpc>
+                <a:spcPct val="90000"/>
+              </a:lnSpc>
+              <a:spcBef>
+                <a:spcPts val="500"/>
+              </a:spcBef>
+              <a:buFont typeface="Arial" panose="020B0604020202020204" pitchFamily="34" charset="0"/>
+              <a:buChar char="•"/>
+              <a:defRPr sz="1800" kern="1200">
+                <a:solidFill>
+                  <a:schemeClr val="tx1"/>
+                </a:solidFill>
+                <a:latin typeface="+mn-lt"/>
+                <a:ea typeface="+mn-ea"/>
+                <a:cs typeface="+mn-cs"/>
+              </a:defRPr>
+            </a:lvl5pPr>
+            <a:lvl6pPr marL="2514600" indent="-228600" algn="l" defTabSz="914400" rtl="0" eaLnBrk="1" latinLnBrk="0" hangingPunct="1">
+              <a:lnSpc>
+                <a:spcPct val="90000"/>
+              </a:lnSpc>
+              <a:spcBef>
+                <a:spcPts val="500"/>
+              </a:spcBef>
+              <a:buFont typeface="Arial" panose="020B0604020202020204" pitchFamily="34" charset="0"/>
+              <a:buChar char="•"/>
+              <a:defRPr sz="1800" kern="1200">
+                <a:solidFill>
+                  <a:schemeClr val="tx1"/>
+                </a:solidFill>
+                <a:latin typeface="+mn-lt"/>
+                <a:ea typeface="+mn-ea"/>
+                <a:cs typeface="+mn-cs"/>
+              </a:defRPr>
+            </a:lvl6pPr>
+            <a:lvl7pPr marL="2971800" indent="-228600" algn="l" defTabSz="914400" rtl="0" eaLnBrk="1" latinLnBrk="0" hangingPunct="1">
+              <a:lnSpc>
+                <a:spcPct val="90000"/>
+              </a:lnSpc>
+              <a:spcBef>
+                <a:spcPts val="500"/>
+              </a:spcBef>
+              <a:buFont typeface="Arial" panose="020B0604020202020204" pitchFamily="34" charset="0"/>
+              <a:buChar char="•"/>
+              <a:defRPr sz="1800" kern="1200">
+                <a:solidFill>
+                  <a:schemeClr val="tx1"/>
+                </a:solidFill>
+                <a:latin typeface="+mn-lt"/>
+                <a:ea typeface="+mn-ea"/>
+                <a:cs typeface="+mn-cs"/>
+              </a:defRPr>
+            </a:lvl7pPr>
+            <a:lvl8pPr marL="3429000" indent="-228600" algn="l" defTabSz="914400" rtl="0" eaLnBrk="1" latinLnBrk="0" hangingPunct="1">
+              <a:lnSpc>
+                <a:spcPct val="90000"/>
+              </a:lnSpc>
+              <a:spcBef>
+                <a:spcPts val="500"/>
+              </a:spcBef>
+              <a:buFont typeface="Arial" panose="020B0604020202020204" pitchFamily="34" charset="0"/>
+              <a:buChar char="•"/>
+              <a:defRPr sz="1800" kern="1200">
+                <a:solidFill>
+                  <a:schemeClr val="tx1"/>
+                </a:solidFill>
+                <a:latin typeface="+mn-lt"/>
+                <a:ea typeface="+mn-ea"/>
+                <a:cs typeface="+mn-cs"/>
+              </a:defRPr>
+            </a:lvl8pPr>
+            <a:lvl9pPr marL="3886200" indent="-228600" algn="l" defTabSz="914400" rtl="0" eaLnBrk="1" latinLnBrk="0" hangingPunct="1">
+              <a:lnSpc>
+                <a:spcPct val="90000"/>
+              </a:lnSpc>
+              <a:spcBef>
+                <a:spcPts val="500"/>
+              </a:spcBef>
+              <a:buFont typeface="Arial" panose="020B0604020202020204" pitchFamily="34" charset="0"/>
+              <a:buChar char="•"/>
+              <a:defRPr sz="1800" kern="1200">
+                <a:solidFill>
+                  <a:schemeClr val="tx1"/>
+                </a:solidFill>
+                <a:latin typeface="+mn-lt"/>
+                <a:ea typeface="+mn-ea"/>
+                <a:cs typeface="+mn-cs"/>
+              </a:defRPr>
+            </a:lvl9pPr>
+          </a:lstStyle>
+          <a:p>
+            <a:pPr marL="0" indent="0">
+              <a:buNone/>
+            </a:pPr>
+            <a:r>
+              <a:rPr lang="en-GB" b="1" dirty="0"/>
+              <a:t>Bar Chart</a:t>
+            </a:r>
+            <a:endParaRPr lang="en-GB" dirty="0"/>
+          </a:p>
+          <a:p>
+            <a:pPr marL="0" indent="0">
+              <a:buNone/>
+            </a:pPr>
+            <a:r>
+              <a:rPr lang="en-GB" sz="2000" dirty="0"/>
+              <a:t>Change the colours of your bars using a “brewer” palette.</a:t>
+            </a:r>
+          </a:p>
+        </p:txBody>
+      </p:sp>
+    </p:spTree>
+    <p:extLst>
+      <p:ext uri="{BB962C8B-B14F-4D97-AF65-F5344CB8AC3E}">
+        <p14:creationId xmlns:p14="http://schemas.microsoft.com/office/powerpoint/2010/main" val="2259423453"/>
+      </p:ext>
+    </p:extLst>
+  </p:cSld>
+  <p:clrMapOvr>
+    <a:masterClrMapping/>
+  </p:clrMapOvr>
+  <mc:AlternateContent xmlns:mc="http://schemas.openxmlformats.org/markup-compatibility/2006">
+    <mc:Choice xmlns:p14="http://schemas.microsoft.com/office/powerpoint/2010/main" Requires="p14">
+      <p:transition spd="med" p14:dur="700">
+        <p:fade/>
+      </p:transition>
+    </mc:Choice>
+    <mc:Fallback>
+      <p:transition spd="med">
+        <p:fade/>
+      </p:transition>
+    </mc:Fallback>
+  </mc:AlternateContent>
+</p:sld>
+</file>
+
+<file path=ppt/slides/slide9.xml><?xml version="1.0" encoding="utf-8"?>
+<p:sld xmlns:a="http://schemas.openxmlformats.org/drawingml/2006/main" xmlns:r="http://schemas.openxmlformats.org/officeDocument/2006/relationships" xmlns:p="http://schemas.openxmlformats.org/presentationml/2006/main">
+  <p:cSld>
+    <p:spTree>
+      <p:nvGrpSpPr>
+        <p:cNvPr id="1" name=""/>
+        <p:cNvGrpSpPr/>
+        <p:nvPr/>
+      </p:nvGrpSpPr>
+      <p:grpSpPr>
+        <a:xfrm>
+          <a:off x="0" y="0"/>
+          <a:ext cx="0" cy="0"/>
+          <a:chOff x="0" y="0"/>
+          <a:chExt cx="0" cy="0"/>
+        </a:xfrm>
+      </p:grpSpPr>
+      <p:sp>
+        <p:nvSpPr>
+          <p:cNvPr id="2" name="Title 1">
+            <a:extLst>
+              <a:ext uri="{FF2B5EF4-FFF2-40B4-BE49-F238E27FC236}">
+                <a16:creationId xmlns:a16="http://schemas.microsoft.com/office/drawing/2014/main" id="{F7660571-A91B-48AB-A5FD-14C4A69BB6C7}"/>
+              </a:ext>
+            </a:extLst>
+          </p:cNvPr>
+          <p:cNvSpPr>
+            <a:spLocks noGrp="1"/>
+          </p:cNvSpPr>
+          <p:nvPr>
+            <p:ph type="title"/>
+          </p:nvPr>
+        </p:nvSpPr>
+        <p:spPr/>
+        <p:txBody>
+          <a:bodyPr/>
+          <a:lstStyle/>
+          <a:p>
+            <a:r>
+              <a:rPr lang="en-GB" dirty="0">
+                <a:solidFill>
+                  <a:srgbClr val="404040"/>
+                </a:solidFill>
+              </a:rPr>
+              <a:t>Introducing </a:t>
+            </a:r>
+            <a:r>
+              <a:rPr lang="en-GB" dirty="0">
+                <a:solidFill>
+                  <a:srgbClr val="404040"/>
+                </a:solidFill>
+                <a:latin typeface="Cascadia Mono" panose="020B0609020000020004" pitchFamily="49" charset="0"/>
+                <a:ea typeface="Cascadia Mono" panose="020B0609020000020004" pitchFamily="49" charset="0"/>
+                <a:cs typeface="Cascadia Mono" panose="020B0609020000020004" pitchFamily="49" charset="0"/>
+              </a:rPr>
+              <a:t>facet()</a:t>
+            </a:r>
+          </a:p>
+        </p:txBody>
+      </p:sp>
+      <p:sp>
+        <p:nvSpPr>
+          <p:cNvPr id="5" name="Content Placeholder 4">
+            <a:extLst>
+              <a:ext uri="{FF2B5EF4-FFF2-40B4-BE49-F238E27FC236}">
+                <a16:creationId xmlns:a16="http://schemas.microsoft.com/office/drawing/2014/main" id="{95AF86B1-6330-40C4-9F51-C4083ACEA657}"/>
+              </a:ext>
+            </a:extLst>
+          </p:cNvPr>
+          <p:cNvSpPr>
+            <a:spLocks noGrp="1"/>
+          </p:cNvSpPr>
+          <p:nvPr>
+            <p:ph idx="1"/>
+          </p:nvPr>
+        </p:nvSpPr>
+        <p:spPr>
+          <a:xfrm>
+            <a:off x="838200" y="1825625"/>
+            <a:ext cx="3117574" cy="4351338"/>
+          </a:xfrm>
+        </p:spPr>
+        <p:txBody>
+          <a:bodyPr/>
+          <a:lstStyle/>
+          <a:p>
+            <a:pPr marL="0" indent="0">
+              <a:buNone/>
+            </a:pPr>
+            <a:r>
+              <a:rPr lang="en-GB" b="1" dirty="0"/>
+              <a:t>Scatter Plot</a:t>
+            </a:r>
+          </a:p>
+          <a:p>
+            <a:pPr marL="0" indent="0">
+              <a:buNone/>
+            </a:pPr>
+            <a:r>
+              <a:rPr lang="en-GB" sz="2000" dirty="0"/>
+              <a:t>Use all of the sites provided in “codes”. Facet by country to display the UK, Switzerland and Luxembourg in their own panels.</a:t>
+            </a:r>
+          </a:p>
+        </p:txBody>
+      </p:sp>
+      <p:sp>
+        <p:nvSpPr>
+          <p:cNvPr id="11" name="Content Placeholder 4">
+            <a:extLst>
+              <a:ext uri="{FF2B5EF4-FFF2-40B4-BE49-F238E27FC236}">
+                <a16:creationId xmlns:a16="http://schemas.microsoft.com/office/drawing/2014/main" id="{771148EC-1896-4790-88A1-FE4C4FAEF766}"/>
+              </a:ext>
+            </a:extLst>
+          </p:cNvPr>
+          <p:cNvSpPr txBox="1">
+            <a:spLocks/>
+          </p:cNvSpPr>
+          <p:nvPr/>
+        </p:nvSpPr>
+        <p:spPr>
+          <a:xfrm>
+            <a:off x="4580283" y="1825625"/>
+            <a:ext cx="3117574" cy="4351338"/>
+          </a:xfrm>
+          <a:prstGeom prst="rect">
+            <a:avLst/>
+          </a:prstGeom>
+        </p:spPr>
+        <p:txBody>
+          <a:bodyPr vert="horz" lIns="91440" tIns="45720" rIns="91440" bIns="45720" rtlCol="0">
+            <a:normAutofit/>
+          </a:bodyPr>
+          <a:lstStyle>
+            <a:lvl1pPr marL="228600" indent="-228600" algn="l" defTabSz="914400" rtl="0" eaLnBrk="1" latinLnBrk="0" hangingPunct="1">
+              <a:lnSpc>
+                <a:spcPct val="90000"/>
+              </a:lnSpc>
+              <a:spcBef>
+                <a:spcPts val="1000"/>
+              </a:spcBef>
+              <a:buFont typeface="Arial" panose="020B0604020202020204" pitchFamily="34" charset="0"/>
+              <a:buChar char="•"/>
+              <a:defRPr sz="2800" kern="1200">
+                <a:solidFill>
+                  <a:schemeClr val="tx1"/>
+                </a:solidFill>
+                <a:latin typeface="+mn-lt"/>
+                <a:ea typeface="+mn-ea"/>
+                <a:cs typeface="+mn-cs"/>
+              </a:defRPr>
+            </a:lvl1pPr>
+            <a:lvl2pPr marL="685800" indent="-228600" algn="l" defTabSz="914400" rtl="0" eaLnBrk="1" latinLnBrk="0" hangingPunct="1">
+              <a:lnSpc>
+                <a:spcPct val="90000"/>
+              </a:lnSpc>
+              <a:spcBef>
+                <a:spcPts val="500"/>
+              </a:spcBef>
+              <a:buFont typeface="Arial" panose="020B0604020202020204" pitchFamily="34" charset="0"/>
+              <a:buChar char="•"/>
+              <a:defRPr sz="2400" kern="1200">
+                <a:solidFill>
+                  <a:schemeClr val="tx1"/>
+                </a:solidFill>
+                <a:latin typeface="+mn-lt"/>
+                <a:ea typeface="+mn-ea"/>
+                <a:cs typeface="+mn-cs"/>
+              </a:defRPr>
+            </a:lvl2pPr>
+            <a:lvl3pPr marL="1143000" indent="-228600" algn="l" defTabSz="914400" rtl="0" eaLnBrk="1" latinLnBrk="0" hangingPunct="1">
+              <a:lnSpc>
+                <a:spcPct val="90000"/>
+              </a:lnSpc>
+              <a:spcBef>
+                <a:spcPts val="500"/>
+              </a:spcBef>
+              <a:buFont typeface="Arial" panose="020B0604020202020204" pitchFamily="34" charset="0"/>
+              <a:buChar char="•"/>
+              <a:defRPr sz="2000" kern="1200">
+                <a:solidFill>
+                  <a:schemeClr val="tx1"/>
+                </a:solidFill>
+                <a:latin typeface="+mn-lt"/>
+                <a:ea typeface="+mn-ea"/>
+                <a:cs typeface="+mn-cs"/>
+              </a:defRPr>
+            </a:lvl3pPr>
+            <a:lvl4pPr marL="1600200" indent="-228600" algn="l" defTabSz="914400" rtl="0" eaLnBrk="1" latinLnBrk="0" hangingPunct="1">
+              <a:lnSpc>
+                <a:spcPct val="90000"/>
+              </a:lnSpc>
+              <a:spcBef>
+                <a:spcPts val="500"/>
+              </a:spcBef>
+              <a:buFont typeface="Arial" panose="020B0604020202020204" pitchFamily="34" charset="0"/>
+              <a:buChar char="•"/>
+              <a:defRPr sz="1800" kern="1200">
+                <a:solidFill>
+                  <a:schemeClr val="tx1"/>
+                </a:solidFill>
+                <a:latin typeface="+mn-lt"/>
+                <a:ea typeface="+mn-ea"/>
+                <a:cs typeface="+mn-cs"/>
+              </a:defRPr>
+            </a:lvl4pPr>
+            <a:lvl5pPr marL="2057400" indent="-228600" algn="l" defTabSz="914400" rtl="0" eaLnBrk="1" latinLnBrk="0" hangingPunct="1">
+              <a:lnSpc>
+                <a:spcPct val="90000"/>
+              </a:lnSpc>
+              <a:spcBef>
+                <a:spcPts val="500"/>
+              </a:spcBef>
+              <a:buFont typeface="Arial" panose="020B0604020202020204" pitchFamily="34" charset="0"/>
+              <a:buChar char="•"/>
+              <a:defRPr sz="1800" kern="1200">
+                <a:solidFill>
+                  <a:schemeClr val="tx1"/>
+                </a:solidFill>
+                <a:latin typeface="+mn-lt"/>
+                <a:ea typeface="+mn-ea"/>
+                <a:cs typeface="+mn-cs"/>
+              </a:defRPr>
+            </a:lvl5pPr>
+            <a:lvl6pPr marL="2514600" indent="-228600" algn="l" defTabSz="914400" rtl="0" eaLnBrk="1" latinLnBrk="0" hangingPunct="1">
+              <a:lnSpc>
+                <a:spcPct val="90000"/>
+              </a:lnSpc>
+              <a:spcBef>
+                <a:spcPts val="500"/>
+              </a:spcBef>
+              <a:buFont typeface="Arial" panose="020B0604020202020204" pitchFamily="34" charset="0"/>
+              <a:buChar char="•"/>
+              <a:defRPr sz="1800" kern="1200">
+                <a:solidFill>
+                  <a:schemeClr val="tx1"/>
+                </a:solidFill>
+                <a:latin typeface="+mn-lt"/>
+                <a:ea typeface="+mn-ea"/>
+                <a:cs typeface="+mn-cs"/>
+              </a:defRPr>
+            </a:lvl6pPr>
+            <a:lvl7pPr marL="2971800" indent="-228600" algn="l" defTabSz="914400" rtl="0" eaLnBrk="1" latinLnBrk="0" hangingPunct="1">
+              <a:lnSpc>
+                <a:spcPct val="90000"/>
+              </a:lnSpc>
+              <a:spcBef>
+                <a:spcPts val="500"/>
+              </a:spcBef>
+              <a:buFont typeface="Arial" panose="020B0604020202020204" pitchFamily="34" charset="0"/>
+              <a:buChar char="•"/>
+              <a:defRPr sz="1800" kern="1200">
+                <a:solidFill>
+                  <a:schemeClr val="tx1"/>
+                </a:solidFill>
+                <a:latin typeface="+mn-lt"/>
+                <a:ea typeface="+mn-ea"/>
+                <a:cs typeface="+mn-cs"/>
+              </a:defRPr>
+            </a:lvl7pPr>
+            <a:lvl8pPr marL="3429000" indent="-228600" algn="l" defTabSz="914400" rtl="0" eaLnBrk="1" latinLnBrk="0" hangingPunct="1">
+              <a:lnSpc>
+                <a:spcPct val="90000"/>
+              </a:lnSpc>
+              <a:spcBef>
+                <a:spcPts val="500"/>
+              </a:spcBef>
+              <a:buFont typeface="Arial" panose="020B0604020202020204" pitchFamily="34" charset="0"/>
+              <a:buChar char="•"/>
+              <a:defRPr sz="1800" kern="1200">
+                <a:solidFill>
+                  <a:schemeClr val="tx1"/>
+                </a:solidFill>
+                <a:latin typeface="+mn-lt"/>
+                <a:ea typeface="+mn-ea"/>
+                <a:cs typeface="+mn-cs"/>
+              </a:defRPr>
+            </a:lvl8pPr>
+            <a:lvl9pPr marL="3886200" indent="-228600" algn="l" defTabSz="914400" rtl="0" eaLnBrk="1" latinLnBrk="0" hangingPunct="1">
+              <a:lnSpc>
+                <a:spcPct val="90000"/>
+              </a:lnSpc>
+              <a:spcBef>
+                <a:spcPts val="500"/>
+              </a:spcBef>
+              <a:buFont typeface="Arial" panose="020B0604020202020204" pitchFamily="34" charset="0"/>
+              <a:buChar char="•"/>
+              <a:defRPr sz="1800" kern="1200">
+                <a:solidFill>
+                  <a:schemeClr val="tx1"/>
+                </a:solidFill>
+                <a:latin typeface="+mn-lt"/>
+                <a:ea typeface="+mn-ea"/>
+                <a:cs typeface="+mn-cs"/>
+              </a:defRPr>
+            </a:lvl9pPr>
+          </a:lstStyle>
+          <a:p>
+            <a:pPr marL="0" indent="0">
+              <a:buNone/>
+            </a:pPr>
+            <a:r>
+              <a:rPr lang="en-GB" b="1" dirty="0"/>
+              <a:t>Density Plot</a:t>
+            </a:r>
+          </a:p>
+          <a:p>
+            <a:pPr marL="0" indent="0">
+              <a:buNone/>
+            </a:pPr>
+            <a:r>
+              <a:rPr lang="en-GB" sz="2000" dirty="0"/>
+              <a:t>Include all three pollutants – NO2, O3, PM25 – and all three countries – UK, France, Switzerland. Facet by both “country” and “pollutant”. You should end up with a 3x3 grid.</a:t>
+            </a:r>
+          </a:p>
+        </p:txBody>
+      </p:sp>
+      <p:sp>
+        <p:nvSpPr>
+          <p:cNvPr id="12" name="Content Placeholder 4">
+            <a:extLst>
+              <a:ext uri="{FF2B5EF4-FFF2-40B4-BE49-F238E27FC236}">
+                <a16:creationId xmlns:a16="http://schemas.microsoft.com/office/drawing/2014/main" id="{74BF79EB-C474-471C-8FBA-7D8F2FAF9382}"/>
+              </a:ext>
+            </a:extLst>
+          </p:cNvPr>
+          <p:cNvSpPr txBox="1">
+            <a:spLocks/>
+          </p:cNvSpPr>
+          <p:nvPr/>
+        </p:nvSpPr>
+        <p:spPr>
+          <a:xfrm>
+            <a:off x="8322366" y="1825625"/>
+            <a:ext cx="3117574" cy="4351338"/>
+          </a:xfrm>
+          <a:prstGeom prst="rect">
+            <a:avLst/>
+          </a:prstGeom>
+        </p:spPr>
+        <p:txBody>
+          <a:bodyPr vert="horz" lIns="91440" tIns="45720" rIns="91440" bIns="45720" rtlCol="0">
+            <a:normAutofit/>
+          </a:bodyPr>
+          <a:lstStyle>
+            <a:lvl1pPr marL="228600" indent="-228600" algn="l" defTabSz="914400" rtl="0" eaLnBrk="1" latinLnBrk="0" hangingPunct="1">
+              <a:lnSpc>
+                <a:spcPct val="90000"/>
+              </a:lnSpc>
+              <a:spcBef>
+                <a:spcPts val="1000"/>
+              </a:spcBef>
+              <a:buFont typeface="Arial" panose="020B0604020202020204" pitchFamily="34" charset="0"/>
+              <a:buChar char="•"/>
+              <a:defRPr sz="2800" kern="1200">
+                <a:solidFill>
+                  <a:schemeClr val="tx1"/>
+                </a:solidFill>
+                <a:latin typeface="+mn-lt"/>
+                <a:ea typeface="+mn-ea"/>
+                <a:cs typeface="+mn-cs"/>
+              </a:defRPr>
+            </a:lvl1pPr>
+            <a:lvl2pPr marL="685800" indent="-228600" algn="l" defTabSz="914400" rtl="0" eaLnBrk="1" latinLnBrk="0" hangingPunct="1">
+              <a:lnSpc>
+                <a:spcPct val="90000"/>
+              </a:lnSpc>
+              <a:spcBef>
+                <a:spcPts val="500"/>
+              </a:spcBef>
+              <a:buFont typeface="Arial" panose="020B0604020202020204" pitchFamily="34" charset="0"/>
+              <a:buChar char="•"/>
+              <a:defRPr sz="2400" kern="1200">
+                <a:solidFill>
+                  <a:schemeClr val="tx1"/>
+                </a:solidFill>
+                <a:latin typeface="+mn-lt"/>
+                <a:ea typeface="+mn-ea"/>
+                <a:cs typeface="+mn-cs"/>
+              </a:defRPr>
+            </a:lvl2pPr>
+            <a:lvl3pPr marL="1143000" indent="-228600" algn="l" defTabSz="914400" rtl="0" eaLnBrk="1" latinLnBrk="0" hangingPunct="1">
+              <a:lnSpc>
+                <a:spcPct val="90000"/>
+              </a:lnSpc>
+              <a:spcBef>
+                <a:spcPts val="500"/>
+              </a:spcBef>
+              <a:buFont typeface="Arial" panose="020B0604020202020204" pitchFamily="34" charset="0"/>
+              <a:buChar char="•"/>
+              <a:defRPr sz="2000" kern="1200">
+                <a:solidFill>
+                  <a:schemeClr val="tx1"/>
+                </a:solidFill>
+                <a:latin typeface="+mn-lt"/>
+                <a:ea typeface="+mn-ea"/>
+                <a:cs typeface="+mn-cs"/>
+              </a:defRPr>
+            </a:lvl3pPr>
+            <a:lvl4pPr marL="1600200" indent="-228600" algn="l" defTabSz="914400" rtl="0" eaLnBrk="1" latinLnBrk="0" hangingPunct="1">
+              <a:lnSpc>
+                <a:spcPct val="90000"/>
+              </a:lnSpc>
+              <a:spcBef>
+                <a:spcPts val="500"/>
+              </a:spcBef>
+              <a:buFont typeface="Arial" panose="020B0604020202020204" pitchFamily="34" charset="0"/>
+              <a:buChar char="•"/>
+              <a:defRPr sz="1800" kern="1200">
+                <a:solidFill>
+                  <a:schemeClr val="tx1"/>
+                </a:solidFill>
+                <a:latin typeface="+mn-lt"/>
+                <a:ea typeface="+mn-ea"/>
+                <a:cs typeface="+mn-cs"/>
+              </a:defRPr>
+            </a:lvl4pPr>
+            <a:lvl5pPr marL="2057400" indent="-228600" algn="l" defTabSz="914400" rtl="0" eaLnBrk="1" latinLnBrk="0" hangingPunct="1">
+              <a:lnSpc>
+                <a:spcPct val="90000"/>
+              </a:lnSpc>
+              <a:spcBef>
+                <a:spcPts val="500"/>
+              </a:spcBef>
+              <a:buFont typeface="Arial" panose="020B0604020202020204" pitchFamily="34" charset="0"/>
+              <a:buChar char="•"/>
+              <a:defRPr sz="1800" kern="1200">
+                <a:solidFill>
+                  <a:schemeClr val="tx1"/>
+                </a:solidFill>
+                <a:latin typeface="+mn-lt"/>
+                <a:ea typeface="+mn-ea"/>
+                <a:cs typeface="+mn-cs"/>
+              </a:defRPr>
+            </a:lvl5pPr>
+            <a:lvl6pPr marL="2514600" indent="-228600" algn="l" defTabSz="914400" rtl="0" eaLnBrk="1" latinLnBrk="0" hangingPunct="1">
+              <a:lnSpc>
+                <a:spcPct val="90000"/>
+              </a:lnSpc>
+              <a:spcBef>
+                <a:spcPts val="500"/>
+              </a:spcBef>
+              <a:buFont typeface="Arial" panose="020B0604020202020204" pitchFamily="34" charset="0"/>
+              <a:buChar char="•"/>
+              <a:defRPr sz="1800" kern="1200">
+                <a:solidFill>
+                  <a:schemeClr val="tx1"/>
+                </a:solidFill>
+                <a:latin typeface="+mn-lt"/>
+                <a:ea typeface="+mn-ea"/>
+                <a:cs typeface="+mn-cs"/>
+              </a:defRPr>
+            </a:lvl6pPr>
+            <a:lvl7pPr marL="2971800" indent="-228600" algn="l" defTabSz="914400" rtl="0" eaLnBrk="1" latinLnBrk="0" hangingPunct="1">
+              <a:lnSpc>
+                <a:spcPct val="90000"/>
+              </a:lnSpc>
+              <a:spcBef>
+                <a:spcPts val="500"/>
+              </a:spcBef>
+              <a:buFont typeface="Arial" panose="020B0604020202020204" pitchFamily="34" charset="0"/>
+              <a:buChar char="•"/>
+              <a:defRPr sz="1800" kern="1200">
+                <a:solidFill>
+                  <a:schemeClr val="tx1"/>
+                </a:solidFill>
+                <a:latin typeface="+mn-lt"/>
+                <a:ea typeface="+mn-ea"/>
+                <a:cs typeface="+mn-cs"/>
+              </a:defRPr>
+            </a:lvl7pPr>
+            <a:lvl8pPr marL="3429000" indent="-228600" algn="l" defTabSz="914400" rtl="0" eaLnBrk="1" latinLnBrk="0" hangingPunct="1">
+              <a:lnSpc>
+                <a:spcPct val="90000"/>
+              </a:lnSpc>
+              <a:spcBef>
+                <a:spcPts val="500"/>
+              </a:spcBef>
+              <a:buFont typeface="Arial" panose="020B0604020202020204" pitchFamily="34" charset="0"/>
+              <a:buChar char="•"/>
+              <a:defRPr sz="1800" kern="1200">
+                <a:solidFill>
+                  <a:schemeClr val="tx1"/>
+                </a:solidFill>
+                <a:latin typeface="+mn-lt"/>
+                <a:ea typeface="+mn-ea"/>
+                <a:cs typeface="+mn-cs"/>
+              </a:defRPr>
+            </a:lvl8pPr>
+            <a:lvl9pPr marL="3886200" indent="-228600" algn="l" defTabSz="914400" rtl="0" eaLnBrk="1" latinLnBrk="0" hangingPunct="1">
+              <a:lnSpc>
+                <a:spcPct val="90000"/>
+              </a:lnSpc>
+              <a:spcBef>
+                <a:spcPts val="500"/>
+              </a:spcBef>
+              <a:buFont typeface="Arial" panose="020B0604020202020204" pitchFamily="34" charset="0"/>
+              <a:buChar char="•"/>
+              <a:defRPr sz="1800" kern="1200">
+                <a:solidFill>
+                  <a:schemeClr val="tx1"/>
+                </a:solidFill>
+                <a:latin typeface="+mn-lt"/>
+                <a:ea typeface="+mn-ea"/>
+                <a:cs typeface="+mn-cs"/>
+              </a:defRPr>
+            </a:lvl9pPr>
+          </a:lstStyle>
+          <a:p>
+            <a:pPr marL="0" indent="0">
+              <a:buNone/>
+            </a:pPr>
+            <a:r>
+              <a:rPr lang="en-GB" b="1" dirty="0"/>
+              <a:t>Bar Chart</a:t>
+            </a:r>
+            <a:endParaRPr lang="en-GB" dirty="0"/>
+          </a:p>
+          <a:p>
+            <a:pPr marL="0" indent="0">
+              <a:buNone/>
+            </a:pPr>
+            <a:r>
+              <a:rPr lang="en-GB" sz="2000" dirty="0"/>
+              <a:t>Include all three pollutants – NO2, O3, PM25. Facet by pollutant, and make sure they’re on appropriate scales. Switch the positions of the facet labels to look like axis labels.</a:t>
+            </a:r>
+          </a:p>
+        </p:txBody>
+      </p:sp>
+    </p:spTree>
+    <p:extLst>
+      <p:ext uri="{BB962C8B-B14F-4D97-AF65-F5344CB8AC3E}">
+        <p14:creationId xmlns:p14="http://schemas.microsoft.com/office/powerpoint/2010/main" val="539678730"/>
       </p:ext>
     </p:extLst>
   </p:cSld>

--- a/workshop_dataviz/activities/dataviz.pptx
+++ b/workshop_dataviz/activities/dataviz.pptx
@@ -10,11 +10,13 @@
     <p:sldId id="258" r:id="rId4"/>
     <p:sldId id="259" r:id="rId5"/>
     <p:sldId id="260" r:id="rId6"/>
-    <p:sldId id="261" r:id="rId7"/>
-    <p:sldId id="262" r:id="rId8"/>
-    <p:sldId id="263" r:id="rId9"/>
-    <p:sldId id="264" r:id="rId10"/>
-    <p:sldId id="265" r:id="rId11"/>
+    <p:sldId id="271" r:id="rId7"/>
+    <p:sldId id="266" r:id="rId8"/>
+    <p:sldId id="267" r:id="rId9"/>
+    <p:sldId id="268" r:id="rId10"/>
+    <p:sldId id="269" r:id="rId11"/>
+    <p:sldId id="270" r:id="rId12"/>
+    <p:sldId id="272" r:id="rId13"/>
   </p:sldIdLst>
   <p:sldSz cx="12192000" cy="6858000"/>
   <p:notesSz cx="6858000" cy="9144000"/>
@@ -270,7 +272,7 @@
           <a:p>
             <a:fld id="{B4823784-055B-47C7-8EE2-A5A574FEE4E7}" type="datetimeFigureOut">
               <a:rPr lang="en-GB" smtClean="0"/>
-              <a:t>05/03/2022</a:t>
+              <a:t>07/03/2022</a:t>
             </a:fld>
             <a:endParaRPr lang="en-GB"/>
           </a:p>
@@ -470,7 +472,7 @@
           <a:p>
             <a:fld id="{B4823784-055B-47C7-8EE2-A5A574FEE4E7}" type="datetimeFigureOut">
               <a:rPr lang="en-GB" smtClean="0"/>
-              <a:t>05/03/2022</a:t>
+              <a:t>07/03/2022</a:t>
             </a:fld>
             <a:endParaRPr lang="en-GB"/>
           </a:p>
@@ -680,7 +682,7 @@
           <a:p>
             <a:fld id="{B4823784-055B-47C7-8EE2-A5A574FEE4E7}" type="datetimeFigureOut">
               <a:rPr lang="en-GB" smtClean="0"/>
-              <a:t>05/03/2022</a:t>
+              <a:t>07/03/2022</a:t>
             </a:fld>
             <a:endParaRPr lang="en-GB"/>
           </a:p>
@@ -880,7 +882,7 @@
           <a:p>
             <a:fld id="{B4823784-055B-47C7-8EE2-A5A574FEE4E7}" type="datetimeFigureOut">
               <a:rPr lang="en-GB" smtClean="0"/>
-              <a:t>05/03/2022</a:t>
+              <a:t>07/03/2022</a:t>
             </a:fld>
             <a:endParaRPr lang="en-GB"/>
           </a:p>
@@ -1156,7 +1158,7 @@
           <a:p>
             <a:fld id="{B4823784-055B-47C7-8EE2-A5A574FEE4E7}" type="datetimeFigureOut">
               <a:rPr lang="en-GB" smtClean="0"/>
-              <a:t>05/03/2022</a:t>
+              <a:t>07/03/2022</a:t>
             </a:fld>
             <a:endParaRPr lang="en-GB"/>
           </a:p>
@@ -1424,7 +1426,7 @@
           <a:p>
             <a:fld id="{B4823784-055B-47C7-8EE2-A5A574FEE4E7}" type="datetimeFigureOut">
               <a:rPr lang="en-GB" smtClean="0"/>
-              <a:t>05/03/2022</a:t>
+              <a:t>07/03/2022</a:t>
             </a:fld>
             <a:endParaRPr lang="en-GB"/>
           </a:p>
@@ -1839,7 +1841,7 @@
           <a:p>
             <a:fld id="{B4823784-055B-47C7-8EE2-A5A574FEE4E7}" type="datetimeFigureOut">
               <a:rPr lang="en-GB" smtClean="0"/>
-              <a:t>05/03/2022</a:t>
+              <a:t>07/03/2022</a:t>
             </a:fld>
             <a:endParaRPr lang="en-GB"/>
           </a:p>
@@ -1981,7 +1983,7 @@
           <a:p>
             <a:fld id="{B4823784-055B-47C7-8EE2-A5A574FEE4E7}" type="datetimeFigureOut">
               <a:rPr lang="en-GB" smtClean="0"/>
-              <a:t>05/03/2022</a:t>
+              <a:t>07/03/2022</a:t>
             </a:fld>
             <a:endParaRPr lang="en-GB"/>
           </a:p>
@@ -2094,7 +2096,7 @@
           <a:p>
             <a:fld id="{B4823784-055B-47C7-8EE2-A5A574FEE4E7}" type="datetimeFigureOut">
               <a:rPr lang="en-GB" smtClean="0"/>
-              <a:t>05/03/2022</a:t>
+              <a:t>07/03/2022</a:t>
             </a:fld>
             <a:endParaRPr lang="en-GB"/>
           </a:p>
@@ -2407,7 +2409,7 @@
           <a:p>
             <a:fld id="{B4823784-055B-47C7-8EE2-A5A574FEE4E7}" type="datetimeFigureOut">
               <a:rPr lang="en-GB" smtClean="0"/>
-              <a:t>05/03/2022</a:t>
+              <a:t>07/03/2022</a:t>
             </a:fld>
             <a:endParaRPr lang="en-GB"/>
           </a:p>
@@ -2696,7 +2698,7 @@
           <a:p>
             <a:fld id="{B4823784-055B-47C7-8EE2-A5A574FEE4E7}" type="datetimeFigureOut">
               <a:rPr lang="en-GB" smtClean="0"/>
-              <a:t>05/03/2022</a:t>
+              <a:t>07/03/2022</a:t>
             </a:fld>
             <a:endParaRPr lang="en-GB"/>
           </a:p>
@@ -2939,7 +2941,7 @@
           <a:p>
             <a:fld id="{B4823784-055B-47C7-8EE2-A5A574FEE4E7}" type="datetimeFigureOut">
               <a:rPr lang="en-GB" smtClean="0"/>
-              <a:t>05/03/2022</a:t>
+              <a:t>07/03/2022</a:t>
             </a:fld>
             <a:endParaRPr lang="en-GB"/>
           </a:p>
@@ -3606,24 +3608,50 @@
       </p:grpSpPr>
       <p:sp>
         <p:nvSpPr>
-          <p:cNvPr id="2" name="Title 1">
-            <a:extLst>
-              <a:ext uri="{FF2B5EF4-FFF2-40B4-BE49-F238E27FC236}">
-                <a16:creationId xmlns:a16="http://schemas.microsoft.com/office/drawing/2014/main" id="{F7660571-A91B-48AB-A5FD-14C4A69BB6C7}"/>
-              </a:ext>
-            </a:extLst>
-          </p:cNvPr>
-          <p:cNvSpPr>
-            <a:spLocks noGrp="1"/>
+          <p:cNvPr id="4" name="Title 1">
+            <a:extLst>
+              <a:ext uri="{FF2B5EF4-FFF2-40B4-BE49-F238E27FC236}">
+                <a16:creationId xmlns:a16="http://schemas.microsoft.com/office/drawing/2014/main" id="{628F7D28-481E-4A69-A682-302F6C64A8D8}"/>
+              </a:ext>
+            </a:extLst>
+          </p:cNvPr>
+          <p:cNvSpPr txBox="1">
+            <a:spLocks/>
           </p:cNvSpPr>
-          <p:nvPr>
-            <p:ph type="title"/>
-          </p:nvPr>
+          <p:nvPr/>
         </p:nvSpPr>
-        <p:spPr/>
+        <p:spPr>
+          <a:xfrm>
+            <a:off x="990600" y="517525"/>
+            <a:ext cx="10515600" cy="1325563"/>
+          </a:xfrm>
+          <a:prstGeom prst="rect">
+            <a:avLst/>
+          </a:prstGeom>
+        </p:spPr>
         <p:txBody>
-          <a:bodyPr/>
-          <a:lstStyle/>
+          <a:bodyPr vert="horz" lIns="91440" tIns="45720" rIns="91440" bIns="45720" rtlCol="0" anchor="ctr">
+            <a:normAutofit/>
+          </a:bodyPr>
+          <a:lstStyle>
+            <a:lvl1pPr algn="l" defTabSz="914400" rtl="0" eaLnBrk="1" latinLnBrk="0" hangingPunct="1">
+              <a:lnSpc>
+                <a:spcPct val="90000"/>
+              </a:lnSpc>
+              <a:spcBef>
+                <a:spcPct val="0"/>
+              </a:spcBef>
+              <a:buNone/>
+              <a:defRPr sz="4400" kern="1200">
+                <a:solidFill>
+                  <a:schemeClr val="tx1"/>
+                </a:solidFill>
+                <a:latin typeface="+mj-lt"/>
+                <a:ea typeface="+mj-ea"/>
+                <a:cs typeface="+mj-cs"/>
+              </a:defRPr>
+            </a:lvl1pPr>
+          </a:lstStyle>
           <a:p>
             <a:r>
               <a:rPr lang="en-GB" dirty="0">
@@ -3631,7 +3659,7 @@
                   <a:srgbClr val="404040"/>
                 </a:solidFill>
               </a:rPr>
-              <a:t>Refining with </a:t>
+              <a:t>Introducing </a:t>
             </a:r>
             <a:r>
               <a:rPr lang="en-GB" dirty="0">
@@ -3642,62 +3670,1055 @@
                 <a:ea typeface="Cascadia Mono" panose="020B0609020000020004" pitchFamily="49" charset="0"/>
                 <a:cs typeface="Cascadia Mono" panose="020B0609020000020004" pitchFamily="49" charset="0"/>
               </a:rPr>
-              <a:t>theme()</a:t>
-            </a:r>
+              <a:t>facet()</a:t>
+            </a:r>
+            <a:endParaRPr lang="en-GB" dirty="0">
+              <a:solidFill>
+                <a:srgbClr val="404040"/>
+              </a:solidFill>
+            </a:endParaRPr>
           </a:p>
         </p:txBody>
       </p:sp>
       <p:sp>
         <p:nvSpPr>
-          <p:cNvPr id="5" name="Content Placeholder 4">
-            <a:extLst>
-              <a:ext uri="{FF2B5EF4-FFF2-40B4-BE49-F238E27FC236}">
-                <a16:creationId xmlns:a16="http://schemas.microsoft.com/office/drawing/2014/main" id="{95AF86B1-6330-40C4-9F51-C4083ACEA657}"/>
-              </a:ext>
-            </a:extLst>
-          </p:cNvPr>
-          <p:cNvSpPr>
-            <a:spLocks noGrp="1"/>
-          </p:cNvSpPr>
-          <p:nvPr>
-            <p:ph idx="1"/>
-          </p:nvPr>
+          <p:cNvPr id="11" name="TextBox 10">
+            <a:extLst>
+              <a:ext uri="{FF2B5EF4-FFF2-40B4-BE49-F238E27FC236}">
+                <a16:creationId xmlns:a16="http://schemas.microsoft.com/office/drawing/2014/main" id="{F28EB515-03CE-44A7-85A7-16009FB0F227}"/>
+              </a:ext>
+            </a:extLst>
+          </p:cNvPr>
+          <p:cNvSpPr txBox="1"/>
+          <p:nvPr/>
         </p:nvSpPr>
         <p:spPr>
           <a:xfrm>
-            <a:off x="838200" y="1825625"/>
-            <a:ext cx="3117574" cy="4351338"/>
+            <a:off x="8300415" y="2135602"/>
+            <a:ext cx="3997889" cy="1631216"/>
           </a:xfrm>
+          <a:prstGeom prst="rect">
+            <a:avLst/>
+          </a:prstGeom>
+          <a:noFill/>
         </p:spPr>
         <p:txBody>
-          <a:bodyPr/>
+          <a:bodyPr wrap="square" rtlCol="0">
+            <a:spAutoFit/>
+          </a:bodyPr>
           <a:lstStyle/>
           <a:p>
-            <a:pPr marL="0" indent="0">
-              <a:buNone/>
-            </a:pPr>
-            <a:r>
-              <a:rPr lang="en-GB" b="1" dirty="0"/>
-              <a:t>Scatter Plot</a:t>
-            </a:r>
-          </a:p>
-          <a:p>
-            <a:pPr marL="0" indent="0">
-              <a:buNone/>
-            </a:pPr>
-            <a:r>
-              <a:rPr lang="en-GB" sz="2000" dirty="0"/>
-              <a:t>Pick a nice theme for your scatter plot. Remove the legend.</a:t>
+            <a:r>
+              <a:rPr lang="en-GB" sz="1000" dirty="0" err="1">
+                <a:latin typeface="Lucida Sans Typewriter" panose="020B0509030504030204" pitchFamily="49" charset="0"/>
+              </a:rPr>
+              <a:t>bar_data</a:t>
+            </a:r>
+            <a:r>
+              <a:rPr lang="en-GB" sz="1000" dirty="0">
+                <a:latin typeface="Lucida Sans Typewriter" panose="020B0509030504030204" pitchFamily="49" charset="0"/>
+              </a:rPr>
+              <a:t> %&gt;% </a:t>
+            </a:r>
+          </a:p>
+          <a:p>
+            <a:r>
+              <a:rPr lang="en-GB" sz="1000" dirty="0">
+                <a:latin typeface="Lucida Sans Typewriter" panose="020B0509030504030204" pitchFamily="49" charset="0"/>
+              </a:rPr>
+              <a:t>  </a:t>
+            </a:r>
+            <a:r>
+              <a:rPr lang="en-GB" sz="1000" dirty="0" err="1">
+                <a:latin typeface="Lucida Sans Typewriter" panose="020B0509030504030204" pitchFamily="49" charset="0"/>
+              </a:rPr>
+              <a:t>ggplot</a:t>
+            </a:r>
+            <a:r>
+              <a:rPr lang="en-GB" sz="1000" dirty="0">
+                <a:latin typeface="Lucida Sans Typewriter" panose="020B0509030504030204" pitchFamily="49" charset="0"/>
+              </a:rPr>
+              <a:t>(</a:t>
+            </a:r>
+            <a:r>
+              <a:rPr lang="en-GB" sz="1000" dirty="0" err="1">
+                <a:latin typeface="Lucida Sans Typewriter" panose="020B0509030504030204" pitchFamily="49" charset="0"/>
+              </a:rPr>
+              <a:t>aes</a:t>
+            </a:r>
+            <a:r>
+              <a:rPr lang="en-GB" sz="1000" dirty="0">
+                <a:latin typeface="Lucida Sans Typewriter" panose="020B0509030504030204" pitchFamily="49" charset="0"/>
+              </a:rPr>
+              <a:t>(y = country, </a:t>
+            </a:r>
+          </a:p>
+          <a:p>
+            <a:r>
+              <a:rPr lang="en-GB" sz="1000" dirty="0">
+                <a:latin typeface="Lucida Sans Typewriter" panose="020B0509030504030204" pitchFamily="49" charset="0"/>
+              </a:rPr>
+              <a:t>             x = </a:t>
+            </a:r>
+            <a:r>
+              <a:rPr lang="en-GB" sz="1000" dirty="0" err="1">
+                <a:latin typeface="Lucida Sans Typewriter" panose="020B0509030504030204" pitchFamily="49" charset="0"/>
+              </a:rPr>
+              <a:t>country_avg</a:t>
+            </a:r>
+            <a:r>
+              <a:rPr lang="en-GB" sz="1000" dirty="0">
+                <a:latin typeface="Lucida Sans Typewriter" panose="020B0509030504030204" pitchFamily="49" charset="0"/>
+              </a:rPr>
+              <a:t>,</a:t>
+            </a:r>
+          </a:p>
+          <a:p>
+            <a:r>
+              <a:rPr lang="en-GB" sz="1000" dirty="0">
+                <a:latin typeface="Lucida Sans Typewriter" panose="020B0509030504030204" pitchFamily="49" charset="0"/>
+              </a:rPr>
+              <a:t>             fill = </a:t>
+            </a:r>
+            <a:r>
+              <a:rPr lang="en-GB" sz="1000" dirty="0" err="1">
+                <a:latin typeface="Lucida Sans Typewriter" panose="020B0509030504030204" pitchFamily="49" charset="0"/>
+              </a:rPr>
+              <a:t>theYear</a:t>
+            </a:r>
+            <a:r>
+              <a:rPr lang="en-GB" sz="1000" dirty="0">
+                <a:latin typeface="Lucida Sans Typewriter" panose="020B0509030504030204" pitchFamily="49" charset="0"/>
+              </a:rPr>
+              <a:t>)) +</a:t>
+            </a:r>
+          </a:p>
+          <a:p>
+            <a:r>
+              <a:rPr lang="en-GB" sz="1000" dirty="0">
+                <a:latin typeface="Lucida Sans Typewriter" panose="020B0509030504030204" pitchFamily="49" charset="0"/>
+              </a:rPr>
+              <a:t>  </a:t>
+            </a:r>
+            <a:r>
+              <a:rPr lang="en-GB" sz="1000" dirty="0" err="1">
+                <a:latin typeface="Lucida Sans Typewriter" panose="020B0509030504030204" pitchFamily="49" charset="0"/>
+              </a:rPr>
+              <a:t>geom_col</a:t>
+            </a:r>
+            <a:r>
+              <a:rPr lang="en-GB" sz="1000" dirty="0">
+                <a:latin typeface="Lucida Sans Typewriter" panose="020B0509030504030204" pitchFamily="49" charset="0"/>
+              </a:rPr>
+              <a:t>(position = </a:t>
+            </a:r>
+            <a:r>
+              <a:rPr lang="en-GB" sz="1000" dirty="0" err="1">
+                <a:latin typeface="Lucida Sans Typewriter" panose="020B0509030504030204" pitchFamily="49" charset="0"/>
+              </a:rPr>
+              <a:t>position_dodge</a:t>
+            </a:r>
+            <a:r>
+              <a:rPr lang="en-GB" sz="1000" dirty="0">
+                <a:latin typeface="Lucida Sans Typewriter" panose="020B0509030504030204" pitchFamily="49" charset="0"/>
+              </a:rPr>
+              <a:t>()) +</a:t>
+            </a:r>
+          </a:p>
+          <a:p>
+            <a:r>
+              <a:rPr lang="en-GB" sz="1000" dirty="0">
+                <a:latin typeface="Lucida Sans Typewriter" panose="020B0509030504030204" pitchFamily="49" charset="0"/>
+              </a:rPr>
+              <a:t>  </a:t>
+            </a:r>
+            <a:r>
+              <a:rPr lang="en-GB" sz="1000" dirty="0" err="1">
+                <a:latin typeface="Lucida Sans Typewriter" panose="020B0509030504030204" pitchFamily="49" charset="0"/>
+              </a:rPr>
+              <a:t>scale_fill_brewer</a:t>
+            </a:r>
+            <a:r>
+              <a:rPr lang="en-GB" sz="1000" dirty="0">
+                <a:latin typeface="Lucida Sans Typewriter" panose="020B0509030504030204" pitchFamily="49" charset="0"/>
+              </a:rPr>
+              <a:t>(palette = "Set1") + </a:t>
+            </a:r>
+          </a:p>
+          <a:p>
+            <a:r>
+              <a:rPr lang="en-GB" sz="1000" dirty="0">
+                <a:latin typeface="Lucida Sans Typewriter" panose="020B0509030504030204" pitchFamily="49" charset="0"/>
+              </a:rPr>
+              <a:t>  theme(</a:t>
+            </a:r>
+            <a:r>
+              <a:rPr lang="en-GB" sz="1000" dirty="0" err="1">
+                <a:latin typeface="Lucida Sans Typewriter" panose="020B0509030504030204" pitchFamily="49" charset="0"/>
+              </a:rPr>
+              <a:t>strip.placement</a:t>
+            </a:r>
+            <a:r>
+              <a:rPr lang="en-GB" sz="1000" dirty="0">
+                <a:latin typeface="Lucida Sans Typewriter" panose="020B0509030504030204" pitchFamily="49" charset="0"/>
+              </a:rPr>
+              <a:t> = </a:t>
+            </a:r>
+            <a:r>
+              <a:rPr lang="en-GB" sz="1000" dirty="0">
+                <a:highlight>
+                  <a:srgbClr val="000000"/>
+                </a:highlight>
+                <a:latin typeface="Lucida Sans Typewriter" panose="020B0509030504030204" pitchFamily="49" charset="0"/>
+              </a:rPr>
+              <a:t>"outside"</a:t>
+            </a:r>
+            <a:r>
+              <a:rPr lang="en-GB" sz="1000" dirty="0">
+                <a:latin typeface="Lucida Sans Typewriter" panose="020B0509030504030204" pitchFamily="49" charset="0"/>
+              </a:rPr>
+              <a:t>) +</a:t>
+            </a:r>
+          </a:p>
+          <a:p>
+            <a:r>
+              <a:rPr lang="en-GB" sz="1000" dirty="0">
+                <a:latin typeface="Lucida Sans Typewriter" panose="020B0509030504030204" pitchFamily="49" charset="0"/>
+              </a:rPr>
+              <a:t>  </a:t>
+            </a:r>
+            <a:r>
+              <a:rPr lang="en-GB" sz="1000" dirty="0" err="1">
+                <a:latin typeface="Lucida Sans Typewriter" panose="020B0509030504030204" pitchFamily="49" charset="0"/>
+              </a:rPr>
+              <a:t>facet_</a:t>
+            </a:r>
+            <a:r>
+              <a:rPr lang="en-GB" sz="1000" dirty="0" err="1">
+                <a:highlight>
+                  <a:srgbClr val="000000"/>
+                </a:highlight>
+                <a:latin typeface="Lucida Sans Typewriter" panose="020B0509030504030204" pitchFamily="49" charset="0"/>
+              </a:rPr>
+              <a:t>wrap</a:t>
+            </a:r>
+            <a:r>
+              <a:rPr lang="en-GB" sz="1000" dirty="0">
+                <a:latin typeface="Lucida Sans Typewriter" panose="020B0509030504030204" pitchFamily="49" charset="0"/>
+              </a:rPr>
+              <a:t>(~</a:t>
+            </a:r>
+            <a:r>
+              <a:rPr lang="en-GB" sz="1000" dirty="0">
+                <a:highlight>
+                  <a:srgbClr val="000000"/>
+                </a:highlight>
+                <a:latin typeface="Lucida Sans Typewriter" panose="020B0509030504030204" pitchFamily="49" charset="0"/>
+              </a:rPr>
+              <a:t>name</a:t>
+            </a:r>
+            <a:r>
+              <a:rPr lang="en-GB" sz="1000" dirty="0">
+                <a:latin typeface="Lucida Sans Typewriter" panose="020B0509030504030204" pitchFamily="49" charset="0"/>
+              </a:rPr>
+              <a:t>, </a:t>
+            </a:r>
+          </a:p>
+          <a:p>
+            <a:r>
+              <a:rPr lang="en-GB" sz="1000" dirty="0">
+                <a:latin typeface="Lucida Sans Typewriter" panose="020B0509030504030204" pitchFamily="49" charset="0"/>
+              </a:rPr>
+              <a:t>              </a:t>
+            </a:r>
+            <a:r>
+              <a:rPr lang="en-GB" sz="1000" dirty="0">
+                <a:highlight>
+                  <a:srgbClr val="000000"/>
+                </a:highlight>
+                <a:latin typeface="Lucida Sans Typewriter" panose="020B0509030504030204" pitchFamily="49" charset="0"/>
+              </a:rPr>
+              <a:t>scales = "</a:t>
+            </a:r>
+            <a:r>
+              <a:rPr lang="en-GB" sz="1000" dirty="0" err="1">
+                <a:highlight>
+                  <a:srgbClr val="000000"/>
+                </a:highlight>
+                <a:latin typeface="Lucida Sans Typewriter" panose="020B0509030504030204" pitchFamily="49" charset="0"/>
+              </a:rPr>
+              <a:t>free_x</a:t>
+            </a:r>
+            <a:r>
+              <a:rPr lang="en-GB" sz="1000" dirty="0">
+                <a:highlight>
+                  <a:srgbClr val="000000"/>
+                </a:highlight>
+                <a:latin typeface="Lucida Sans Typewriter" panose="020B0509030504030204" pitchFamily="49" charset="0"/>
+              </a:rPr>
+              <a:t>"</a:t>
+            </a:r>
+            <a:r>
+              <a:rPr lang="en-GB" sz="1000" dirty="0">
+                <a:latin typeface="Lucida Sans Typewriter" panose="020B0509030504030204" pitchFamily="49" charset="0"/>
+              </a:rPr>
+              <a:t>, </a:t>
+            </a:r>
+          </a:p>
+          <a:p>
+            <a:r>
+              <a:rPr lang="en-GB" sz="1000" dirty="0">
+                <a:latin typeface="Lucida Sans Typewriter" panose="020B0509030504030204" pitchFamily="49" charset="0"/>
+              </a:rPr>
+              <a:t>              </a:t>
+            </a:r>
+            <a:r>
+              <a:rPr lang="en-GB" sz="1000" dirty="0" err="1">
+                <a:highlight>
+                  <a:srgbClr val="000000"/>
+                </a:highlight>
+                <a:latin typeface="Lucida Sans Typewriter" panose="020B0509030504030204" pitchFamily="49" charset="0"/>
+              </a:rPr>
+              <a:t>strip.position</a:t>
+            </a:r>
+            <a:r>
+              <a:rPr lang="en-GB" sz="1000" dirty="0">
+                <a:highlight>
+                  <a:srgbClr val="000000"/>
+                </a:highlight>
+                <a:latin typeface="Lucida Sans Typewriter" panose="020B0509030504030204" pitchFamily="49" charset="0"/>
+              </a:rPr>
+              <a:t> = "bottom"</a:t>
+            </a:r>
+            <a:r>
+              <a:rPr lang="en-GB" sz="1000" dirty="0">
+                <a:latin typeface="Lucida Sans Typewriter" panose="020B0509030504030204" pitchFamily="49" charset="0"/>
+              </a:rPr>
+              <a:t>)</a:t>
             </a:r>
           </a:p>
         </p:txBody>
       </p:sp>
+      <p:pic>
+        <p:nvPicPr>
+          <p:cNvPr id="17" name="Picture 16">
+            <a:extLst>
+              <a:ext uri="{FF2B5EF4-FFF2-40B4-BE49-F238E27FC236}">
+                <a16:creationId xmlns:a16="http://schemas.microsoft.com/office/drawing/2014/main" id="{46F19953-D9F4-42F5-92B7-62815E43123C}"/>
+              </a:ext>
+            </a:extLst>
+          </p:cNvPr>
+          <p:cNvPicPr>
+            <a:picLocks noChangeAspect="1"/>
+          </p:cNvPicPr>
+          <p:nvPr/>
+        </p:nvPicPr>
+        <p:blipFill>
+          <a:blip r:embed="rId2">
+            <a:extLst>
+              <a:ext uri="{28A0092B-C50C-407E-A947-70E740481C1C}">
+                <a14:useLocalDpi xmlns:a14="http://schemas.microsoft.com/office/drawing/2010/main" val="0"/>
+              </a:ext>
+            </a:extLst>
+          </a:blip>
+          <a:srcRect/>
+          <a:stretch/>
+        </p:blipFill>
+        <p:spPr>
+          <a:xfrm>
+            <a:off x="8699156" y="4476075"/>
+            <a:ext cx="3200407" cy="2133604"/>
+          </a:xfrm>
+          <a:prstGeom prst="rect">
+            <a:avLst/>
+          </a:prstGeom>
+        </p:spPr>
+      </p:pic>
       <p:sp>
         <p:nvSpPr>
-          <p:cNvPr id="11" name="Content Placeholder 4">
-            <a:extLst>
-              <a:ext uri="{FF2B5EF4-FFF2-40B4-BE49-F238E27FC236}">
-                <a16:creationId xmlns:a16="http://schemas.microsoft.com/office/drawing/2014/main" id="{771148EC-1896-4790-88A1-FE4C4FAEF766}"/>
+          <p:cNvPr id="8" name="TextBox 7">
+            <a:extLst>
+              <a:ext uri="{FF2B5EF4-FFF2-40B4-BE49-F238E27FC236}">
+                <a16:creationId xmlns:a16="http://schemas.microsoft.com/office/drawing/2014/main" id="{E0797F7B-6CEF-4A6A-8AD1-F166A139FC40}"/>
+              </a:ext>
+            </a:extLst>
+          </p:cNvPr>
+          <p:cNvSpPr txBox="1"/>
+          <p:nvPr/>
+        </p:nvSpPr>
+        <p:spPr>
+          <a:xfrm>
+            <a:off x="4230260" y="2135602"/>
+            <a:ext cx="4278385" cy="1477328"/>
+          </a:xfrm>
+          <a:prstGeom prst="rect">
+            <a:avLst/>
+          </a:prstGeom>
+          <a:noFill/>
+        </p:spPr>
+        <p:txBody>
+          <a:bodyPr wrap="square" rtlCol="0">
+            <a:spAutoFit/>
+          </a:bodyPr>
+          <a:lstStyle/>
+          <a:p>
+            <a:r>
+              <a:rPr lang="en-GB" sz="1000" dirty="0" err="1">
+                <a:latin typeface="Lucida Sans Typewriter" panose="020B0509030504030204" pitchFamily="49" charset="0"/>
+              </a:rPr>
+              <a:t>density_data</a:t>
+            </a:r>
+            <a:r>
+              <a:rPr lang="en-GB" sz="1000" dirty="0">
+                <a:latin typeface="Lucida Sans Typewriter" panose="020B0509030504030204" pitchFamily="49" charset="0"/>
+              </a:rPr>
+              <a:t> %&gt;% </a:t>
+            </a:r>
+          </a:p>
+          <a:p>
+            <a:r>
+              <a:rPr lang="en-GB" sz="1000" dirty="0">
+                <a:latin typeface="Lucida Sans Typewriter" panose="020B0509030504030204" pitchFamily="49" charset="0"/>
+              </a:rPr>
+              <a:t>  </a:t>
+            </a:r>
+            <a:r>
+              <a:rPr lang="en-GB" sz="1000" dirty="0" err="1">
+                <a:latin typeface="Lucida Sans Typewriter" panose="020B0509030504030204" pitchFamily="49" charset="0"/>
+              </a:rPr>
+              <a:t>ggplot</a:t>
+            </a:r>
+            <a:r>
+              <a:rPr lang="en-GB" sz="1000" dirty="0">
+                <a:latin typeface="Lucida Sans Typewriter" panose="020B0509030504030204" pitchFamily="49" charset="0"/>
+              </a:rPr>
+              <a:t>(</a:t>
+            </a:r>
+            <a:r>
+              <a:rPr lang="en-GB" sz="1000" dirty="0" err="1">
+                <a:latin typeface="Lucida Sans Typewriter" panose="020B0509030504030204" pitchFamily="49" charset="0"/>
+              </a:rPr>
+              <a:t>aes</a:t>
+            </a:r>
+            <a:r>
+              <a:rPr lang="en-GB" sz="1000" dirty="0">
+                <a:latin typeface="Lucida Sans Typewriter" panose="020B0509030504030204" pitchFamily="49" charset="0"/>
+              </a:rPr>
+              <a:t>(x = mean,</a:t>
+            </a:r>
+          </a:p>
+          <a:p>
+            <a:r>
+              <a:rPr lang="en-GB" sz="1000" dirty="0">
+                <a:latin typeface="Lucida Sans Typewriter" panose="020B0509030504030204" pitchFamily="49" charset="0"/>
+              </a:rPr>
+              <a:t>         </a:t>
+            </a:r>
+            <a:r>
+              <a:rPr lang="en-GB" sz="1000" dirty="0" err="1">
+                <a:latin typeface="Lucida Sans Typewriter" panose="020B0509030504030204" pitchFamily="49" charset="0"/>
+              </a:rPr>
+              <a:t>color</a:t>
+            </a:r>
+            <a:r>
+              <a:rPr lang="en-GB" sz="1000" dirty="0">
+                <a:latin typeface="Lucida Sans Typewriter" panose="020B0509030504030204" pitchFamily="49" charset="0"/>
+              </a:rPr>
+              <a:t> = </a:t>
+            </a:r>
+            <a:r>
+              <a:rPr lang="en-GB" sz="1000" dirty="0" err="1">
+                <a:latin typeface="Lucida Sans Typewriter" panose="020B0509030504030204" pitchFamily="49" charset="0"/>
+              </a:rPr>
+              <a:t>theYear</a:t>
+            </a:r>
+            <a:r>
+              <a:rPr lang="en-GB" sz="1000" dirty="0">
+                <a:latin typeface="Lucida Sans Typewriter" panose="020B0509030504030204" pitchFamily="49" charset="0"/>
+              </a:rPr>
+              <a:t>, fill = </a:t>
+            </a:r>
+            <a:r>
+              <a:rPr lang="en-GB" sz="1000" dirty="0" err="1">
+                <a:latin typeface="Lucida Sans Typewriter" panose="020B0509030504030204" pitchFamily="49" charset="0"/>
+              </a:rPr>
+              <a:t>theYear</a:t>
+            </a:r>
+            <a:r>
+              <a:rPr lang="en-GB" sz="1000" dirty="0">
+                <a:latin typeface="Lucida Sans Typewriter" panose="020B0509030504030204" pitchFamily="49" charset="0"/>
+              </a:rPr>
+              <a:t>)) +</a:t>
+            </a:r>
+          </a:p>
+          <a:p>
+            <a:r>
+              <a:rPr lang="en-GB" sz="1000" dirty="0">
+                <a:latin typeface="Lucida Sans Typewriter" panose="020B0509030504030204" pitchFamily="49" charset="0"/>
+              </a:rPr>
+              <a:t>  </a:t>
+            </a:r>
+            <a:r>
+              <a:rPr lang="en-GB" sz="1000" dirty="0" err="1">
+                <a:latin typeface="Lucida Sans Typewriter" panose="020B0509030504030204" pitchFamily="49" charset="0"/>
+              </a:rPr>
+              <a:t>geom_density</a:t>
+            </a:r>
+            <a:r>
+              <a:rPr lang="en-GB" sz="1000" dirty="0">
+                <a:latin typeface="Lucida Sans Typewriter" panose="020B0509030504030204" pitchFamily="49" charset="0"/>
+              </a:rPr>
+              <a:t>(alpha = .3, size = 1) +</a:t>
+            </a:r>
+          </a:p>
+          <a:p>
+            <a:r>
+              <a:rPr lang="en-GB" sz="1000" dirty="0">
+                <a:latin typeface="Lucida Sans Typewriter" panose="020B0509030504030204" pitchFamily="49" charset="0"/>
+              </a:rPr>
+              <a:t>  </a:t>
+            </a:r>
+            <a:r>
+              <a:rPr lang="en-GB" sz="1000" dirty="0" err="1">
+                <a:latin typeface="Lucida Sans Typewriter" panose="020B0509030504030204" pitchFamily="49" charset="0"/>
+              </a:rPr>
+              <a:t>scale_color_manual</a:t>
+            </a:r>
+            <a:r>
+              <a:rPr lang="en-GB" sz="1000" dirty="0">
+                <a:latin typeface="Lucida Sans Typewriter" panose="020B0509030504030204" pitchFamily="49" charset="0"/>
+              </a:rPr>
+              <a:t>(values = c("</a:t>
+            </a:r>
+            <a:r>
+              <a:rPr lang="en-GB" sz="1000" dirty="0" err="1">
+                <a:latin typeface="Lucida Sans Typewriter" panose="020B0509030504030204" pitchFamily="49" charset="0"/>
+              </a:rPr>
+              <a:t>darkgreen</a:t>
+            </a:r>
+            <a:r>
+              <a:rPr lang="en-GB" sz="1000" dirty="0">
+                <a:latin typeface="Lucida Sans Typewriter" panose="020B0509030504030204" pitchFamily="49" charset="0"/>
+              </a:rPr>
+              <a:t>",     </a:t>
+            </a:r>
+          </a:p>
+          <a:p>
+            <a:r>
+              <a:rPr lang="en-GB" sz="1000" dirty="0">
+                <a:latin typeface="Lucida Sans Typewriter" panose="020B0509030504030204" pitchFamily="49" charset="0"/>
+              </a:rPr>
+              <a:t>                                "</a:t>
+            </a:r>
+            <a:r>
+              <a:rPr lang="en-GB" sz="1000" dirty="0" err="1">
+                <a:latin typeface="Lucida Sans Typewriter" panose="020B0509030504030204" pitchFamily="49" charset="0"/>
+              </a:rPr>
+              <a:t>darkblue</a:t>
+            </a:r>
+            <a:r>
+              <a:rPr lang="en-GB" sz="1000" dirty="0">
+                <a:latin typeface="Lucida Sans Typewriter" panose="020B0509030504030204" pitchFamily="49" charset="0"/>
+              </a:rPr>
+              <a:t>")) +</a:t>
+            </a:r>
+          </a:p>
+          <a:p>
+            <a:r>
+              <a:rPr lang="en-GB" sz="1000" dirty="0">
+                <a:latin typeface="Lucida Sans Typewriter" panose="020B0509030504030204" pitchFamily="49" charset="0"/>
+              </a:rPr>
+              <a:t>  </a:t>
+            </a:r>
+            <a:r>
+              <a:rPr lang="en-GB" sz="1000" dirty="0" err="1">
+                <a:latin typeface="Lucida Sans Typewriter" panose="020B0509030504030204" pitchFamily="49" charset="0"/>
+              </a:rPr>
+              <a:t>scale_fill_manual</a:t>
+            </a:r>
+            <a:r>
+              <a:rPr lang="en-GB" sz="1000" dirty="0">
+                <a:latin typeface="Lucida Sans Typewriter" panose="020B0509030504030204" pitchFamily="49" charset="0"/>
+              </a:rPr>
+              <a:t>(values = c("</a:t>
+            </a:r>
+            <a:r>
+              <a:rPr lang="en-GB" sz="1000" dirty="0" err="1">
+                <a:latin typeface="Lucida Sans Typewriter" panose="020B0509030504030204" pitchFamily="49" charset="0"/>
+              </a:rPr>
+              <a:t>darkgreen</a:t>
+            </a:r>
+            <a:r>
+              <a:rPr lang="en-GB" sz="1000" dirty="0">
+                <a:latin typeface="Lucida Sans Typewriter" panose="020B0509030504030204" pitchFamily="49" charset="0"/>
+              </a:rPr>
+              <a:t>",  </a:t>
+            </a:r>
+          </a:p>
+          <a:p>
+            <a:r>
+              <a:rPr lang="en-GB" sz="1000" dirty="0">
+                <a:latin typeface="Lucida Sans Typewriter" panose="020B0509030504030204" pitchFamily="49" charset="0"/>
+              </a:rPr>
+              <a:t>                               "</a:t>
+            </a:r>
+            <a:r>
+              <a:rPr lang="en-GB" sz="1000" dirty="0" err="1">
+                <a:latin typeface="Lucida Sans Typewriter" panose="020B0509030504030204" pitchFamily="49" charset="0"/>
+              </a:rPr>
+              <a:t>darkblue</a:t>
+            </a:r>
+            <a:r>
+              <a:rPr lang="en-GB" sz="1000" dirty="0">
+                <a:latin typeface="Lucida Sans Typewriter" panose="020B0509030504030204" pitchFamily="49" charset="0"/>
+              </a:rPr>
+              <a:t>")) +</a:t>
+            </a:r>
+          </a:p>
+          <a:p>
+            <a:r>
+              <a:rPr lang="en-GB" sz="1000" dirty="0">
+                <a:latin typeface="Lucida Sans Typewriter" panose="020B0509030504030204" pitchFamily="49" charset="0"/>
+              </a:rPr>
+              <a:t>  </a:t>
+            </a:r>
+            <a:r>
+              <a:rPr lang="en-GB" sz="1000" dirty="0" err="1">
+                <a:latin typeface="Lucida Sans Typewriter" panose="020B0509030504030204" pitchFamily="49" charset="0"/>
+              </a:rPr>
+              <a:t>facet_grid</a:t>
+            </a:r>
+            <a:r>
+              <a:rPr lang="en-GB" sz="1000" dirty="0">
+                <a:latin typeface="Lucida Sans Typewriter" panose="020B0509030504030204" pitchFamily="49" charset="0"/>
+              </a:rPr>
+              <a:t>(</a:t>
+            </a:r>
+            <a:r>
+              <a:rPr lang="en-GB" sz="1000" dirty="0" err="1">
+                <a:highlight>
+                  <a:srgbClr val="000000"/>
+                </a:highlight>
+                <a:latin typeface="Lucida Sans Typewriter" panose="020B0509030504030204" pitchFamily="49" charset="0"/>
+              </a:rPr>
+              <a:t>country</a:t>
+            </a:r>
+            <a:r>
+              <a:rPr lang="en-GB" sz="1000" dirty="0" err="1">
+                <a:latin typeface="Lucida Sans Typewriter" panose="020B0509030504030204" pitchFamily="49" charset="0"/>
+              </a:rPr>
+              <a:t>~</a:t>
+            </a:r>
+            <a:r>
+              <a:rPr lang="en-GB" sz="1000" dirty="0" err="1">
+                <a:highlight>
+                  <a:srgbClr val="000000"/>
+                </a:highlight>
+                <a:latin typeface="Lucida Sans Typewriter" panose="020B0509030504030204" pitchFamily="49" charset="0"/>
+              </a:rPr>
+              <a:t>name</a:t>
+            </a:r>
+            <a:r>
+              <a:rPr lang="en-GB" sz="1000" dirty="0">
+                <a:latin typeface="Lucida Sans Typewriter" panose="020B0509030504030204" pitchFamily="49" charset="0"/>
+              </a:rPr>
+              <a:t>, </a:t>
+            </a:r>
+            <a:r>
+              <a:rPr lang="en-GB" sz="1000" dirty="0">
+                <a:highlight>
+                  <a:srgbClr val="000000"/>
+                </a:highlight>
+                <a:latin typeface="Lucida Sans Typewriter" panose="020B0509030504030204" pitchFamily="49" charset="0"/>
+              </a:rPr>
+              <a:t>scales = "free"</a:t>
+            </a:r>
+            <a:r>
+              <a:rPr lang="en-GB" sz="1000" dirty="0">
+                <a:latin typeface="Lucida Sans Typewriter" panose="020B0509030504030204" pitchFamily="49" charset="0"/>
+              </a:rPr>
+              <a:t>)</a:t>
+            </a:r>
+          </a:p>
+        </p:txBody>
+      </p:sp>
+      <p:pic>
+        <p:nvPicPr>
+          <p:cNvPr id="19" name="Picture 18">
+            <a:extLst>
+              <a:ext uri="{FF2B5EF4-FFF2-40B4-BE49-F238E27FC236}">
+                <a16:creationId xmlns:a16="http://schemas.microsoft.com/office/drawing/2014/main" id="{47ECDC3B-A443-488A-8AF2-BD72DF237BBE}"/>
+              </a:ext>
+            </a:extLst>
+          </p:cNvPr>
+          <p:cNvPicPr>
+            <a:picLocks noChangeAspect="1"/>
+          </p:cNvPicPr>
+          <p:nvPr/>
+        </p:nvPicPr>
+        <p:blipFill>
+          <a:blip r:embed="rId3">
+            <a:extLst>
+              <a:ext uri="{28A0092B-C50C-407E-A947-70E740481C1C}">
+                <a14:useLocalDpi xmlns:a14="http://schemas.microsoft.com/office/drawing/2010/main" val="0"/>
+              </a:ext>
+            </a:extLst>
+          </a:blip>
+          <a:srcRect/>
+          <a:stretch/>
+        </p:blipFill>
+        <p:spPr>
+          <a:xfrm>
+            <a:off x="4769249" y="4476075"/>
+            <a:ext cx="3200407" cy="2133604"/>
+          </a:xfrm>
+          <a:prstGeom prst="rect">
+            <a:avLst/>
+          </a:prstGeom>
+        </p:spPr>
+      </p:pic>
+      <p:pic>
+        <p:nvPicPr>
+          <p:cNvPr id="15" name="Picture 14">
+            <a:extLst>
+              <a:ext uri="{FF2B5EF4-FFF2-40B4-BE49-F238E27FC236}">
+                <a16:creationId xmlns:a16="http://schemas.microsoft.com/office/drawing/2014/main" id="{CA3B5DD2-E80E-4C6B-875C-AF00BD588072}"/>
+              </a:ext>
+            </a:extLst>
+          </p:cNvPr>
+          <p:cNvPicPr>
+            <a:picLocks noChangeAspect="1"/>
+          </p:cNvPicPr>
+          <p:nvPr/>
+        </p:nvPicPr>
+        <p:blipFill>
+          <a:blip r:embed="rId4">
+            <a:extLst>
+              <a:ext uri="{28A0092B-C50C-407E-A947-70E740481C1C}">
+                <a14:useLocalDpi xmlns:a14="http://schemas.microsoft.com/office/drawing/2010/main" val="0"/>
+              </a:ext>
+            </a:extLst>
+          </a:blip>
+          <a:srcRect/>
+          <a:stretch/>
+        </p:blipFill>
+        <p:spPr>
+          <a:xfrm>
+            <a:off x="699093" y="4567056"/>
+            <a:ext cx="3200407" cy="2133604"/>
+          </a:xfrm>
+          <a:prstGeom prst="rect">
+            <a:avLst/>
+          </a:prstGeom>
+        </p:spPr>
+      </p:pic>
+      <p:sp>
+        <p:nvSpPr>
+          <p:cNvPr id="5" name="TextBox 4">
+            <a:extLst>
+              <a:ext uri="{FF2B5EF4-FFF2-40B4-BE49-F238E27FC236}">
+                <a16:creationId xmlns:a16="http://schemas.microsoft.com/office/drawing/2014/main" id="{D1628F68-1744-4113-A1D5-8AC0B8037378}"/>
+              </a:ext>
+            </a:extLst>
+          </p:cNvPr>
+          <p:cNvSpPr txBox="1"/>
+          <p:nvPr/>
+        </p:nvSpPr>
+        <p:spPr>
+          <a:xfrm>
+            <a:off x="160104" y="2167014"/>
+            <a:ext cx="4278385" cy="1631216"/>
+          </a:xfrm>
+          <a:prstGeom prst="rect">
+            <a:avLst/>
+          </a:prstGeom>
+          <a:noFill/>
+        </p:spPr>
+        <p:txBody>
+          <a:bodyPr wrap="square" rtlCol="0">
+            <a:spAutoFit/>
+          </a:bodyPr>
+          <a:lstStyle/>
+          <a:p>
+            <a:r>
+              <a:rPr lang="en-GB" sz="1000" dirty="0" err="1">
+                <a:latin typeface="Lucida Sans Typewriter" panose="020B0509030504030204" pitchFamily="49" charset="0"/>
+              </a:rPr>
+              <a:t>scatter_data</a:t>
+            </a:r>
+            <a:r>
+              <a:rPr lang="en-GB" sz="1000" dirty="0">
+                <a:latin typeface="Lucida Sans Typewriter" panose="020B0509030504030204" pitchFamily="49" charset="0"/>
+              </a:rPr>
+              <a:t> %&gt;% </a:t>
+            </a:r>
+          </a:p>
+          <a:p>
+            <a:r>
+              <a:rPr lang="en-GB" sz="1000" dirty="0">
+                <a:latin typeface="Lucida Sans Typewriter" panose="020B0509030504030204" pitchFamily="49" charset="0"/>
+              </a:rPr>
+              <a:t>  </a:t>
+            </a:r>
+            <a:r>
+              <a:rPr lang="en-GB" sz="1000" dirty="0" err="1">
+                <a:latin typeface="Lucida Sans Typewriter" panose="020B0509030504030204" pitchFamily="49" charset="0"/>
+              </a:rPr>
+              <a:t>ggplot</a:t>
+            </a:r>
+            <a:r>
+              <a:rPr lang="en-GB" sz="1000" dirty="0">
+                <a:latin typeface="Lucida Sans Typewriter" panose="020B0509030504030204" pitchFamily="49" charset="0"/>
+              </a:rPr>
+              <a:t>(</a:t>
+            </a:r>
+            <a:r>
+              <a:rPr lang="en-GB" sz="1000" dirty="0" err="1">
+                <a:latin typeface="Lucida Sans Typewriter" panose="020B0509030504030204" pitchFamily="49" charset="0"/>
+              </a:rPr>
+              <a:t>aes</a:t>
+            </a:r>
+            <a:r>
+              <a:rPr lang="en-GB" sz="1000" dirty="0">
+                <a:latin typeface="Lucida Sans Typewriter" panose="020B0509030504030204" pitchFamily="49" charset="0"/>
+              </a:rPr>
+              <a:t>(x = o3, y = no2)) +</a:t>
+            </a:r>
+          </a:p>
+          <a:p>
+            <a:r>
+              <a:rPr lang="en-GB" sz="1000" dirty="0">
+                <a:latin typeface="Lucida Sans Typewriter" panose="020B0509030504030204" pitchFamily="49" charset="0"/>
+              </a:rPr>
+              <a:t>  </a:t>
+            </a:r>
+            <a:r>
+              <a:rPr lang="en-GB" sz="1000" dirty="0" err="1">
+                <a:latin typeface="Lucida Sans Typewriter" panose="020B0509030504030204" pitchFamily="49" charset="0"/>
+              </a:rPr>
+              <a:t>geom_point</a:t>
+            </a:r>
+            <a:r>
+              <a:rPr lang="en-GB" sz="1000" dirty="0">
+                <a:latin typeface="Lucida Sans Typewriter" panose="020B0509030504030204" pitchFamily="49" charset="0"/>
+              </a:rPr>
+              <a:t>(</a:t>
+            </a:r>
+            <a:r>
+              <a:rPr lang="en-GB" sz="1000" dirty="0" err="1">
+                <a:latin typeface="Lucida Sans Typewriter" panose="020B0509030504030204" pitchFamily="49" charset="0"/>
+              </a:rPr>
+              <a:t>aes</a:t>
+            </a:r>
+            <a:r>
+              <a:rPr lang="en-GB" sz="1000" dirty="0">
+                <a:latin typeface="Lucida Sans Typewriter" panose="020B0509030504030204" pitchFamily="49" charset="0"/>
+              </a:rPr>
+              <a:t>(</a:t>
+            </a:r>
+            <a:r>
+              <a:rPr lang="en-GB" sz="1000" dirty="0" err="1">
+                <a:latin typeface="Lucida Sans Typewriter" panose="020B0509030504030204" pitchFamily="49" charset="0"/>
+              </a:rPr>
+              <a:t>color</a:t>
+            </a:r>
+            <a:r>
+              <a:rPr lang="en-GB" sz="1000" dirty="0">
+                <a:latin typeface="Lucida Sans Typewriter" panose="020B0509030504030204" pitchFamily="49" charset="0"/>
+              </a:rPr>
+              <a:t> = code)) +</a:t>
+            </a:r>
+          </a:p>
+          <a:p>
+            <a:r>
+              <a:rPr lang="en-GB" sz="1000" dirty="0">
+                <a:latin typeface="Lucida Sans Typewriter" panose="020B0509030504030204" pitchFamily="49" charset="0"/>
+              </a:rPr>
+              <a:t>  </a:t>
+            </a:r>
+            <a:r>
+              <a:rPr lang="en-GB" sz="1000" dirty="0" err="1">
+                <a:latin typeface="Lucida Sans Typewriter" panose="020B0509030504030204" pitchFamily="49" charset="0"/>
+              </a:rPr>
+              <a:t>geom_smooth</a:t>
+            </a:r>
+            <a:r>
+              <a:rPr lang="en-GB" sz="1000" dirty="0">
+                <a:latin typeface="Lucida Sans Typewriter" panose="020B0509030504030204" pitchFamily="49" charset="0"/>
+              </a:rPr>
+              <a:t>(method = "</a:t>
+            </a:r>
+            <a:r>
+              <a:rPr lang="en-GB" sz="1000" dirty="0" err="1">
+                <a:latin typeface="Lucida Sans Typewriter" panose="020B0509030504030204" pitchFamily="49" charset="0"/>
+              </a:rPr>
+              <a:t>lm</a:t>
+            </a:r>
+            <a:r>
+              <a:rPr lang="en-GB" sz="1000" dirty="0">
+                <a:latin typeface="Lucida Sans Typewriter" panose="020B0509030504030204" pitchFamily="49" charset="0"/>
+              </a:rPr>
+              <a:t>",</a:t>
+            </a:r>
+          </a:p>
+          <a:p>
+            <a:r>
+              <a:rPr lang="en-GB" sz="1000" dirty="0">
+                <a:latin typeface="Lucida Sans Typewriter" panose="020B0509030504030204" pitchFamily="49" charset="0"/>
+              </a:rPr>
+              <a:t>              </a:t>
+            </a:r>
+            <a:r>
+              <a:rPr lang="en-GB" sz="1000" dirty="0" err="1">
+                <a:latin typeface="Lucida Sans Typewriter" panose="020B0509030504030204" pitchFamily="49" charset="0"/>
+              </a:rPr>
+              <a:t>aes</a:t>
+            </a:r>
+            <a:r>
+              <a:rPr lang="en-GB" sz="1000" dirty="0">
+                <a:latin typeface="Lucida Sans Typewriter" panose="020B0509030504030204" pitchFamily="49" charset="0"/>
+              </a:rPr>
+              <a:t>(group = code)) +</a:t>
+            </a:r>
+          </a:p>
+          <a:p>
+            <a:r>
+              <a:rPr lang="en-GB" sz="1000" dirty="0">
+                <a:latin typeface="Lucida Sans Typewriter" panose="020B0509030504030204" pitchFamily="49" charset="0"/>
+              </a:rPr>
+              <a:t>  </a:t>
+            </a:r>
+            <a:r>
+              <a:rPr lang="en-GB" sz="1000" dirty="0" err="1">
+                <a:latin typeface="Lucida Sans Typewriter" panose="020B0509030504030204" pitchFamily="49" charset="0"/>
+              </a:rPr>
+              <a:t>scale_x_continuous</a:t>
+            </a:r>
+            <a:r>
+              <a:rPr lang="en-GB" sz="1000" dirty="0">
+                <a:latin typeface="Lucida Sans Typewriter" panose="020B0509030504030204" pitchFamily="49" charset="0"/>
+              </a:rPr>
+              <a:t>(name = "Ozone",          </a:t>
+            </a:r>
+          </a:p>
+          <a:p>
+            <a:r>
+              <a:rPr lang="en-GB" sz="1000" dirty="0">
+                <a:latin typeface="Lucida Sans Typewriter" panose="020B0509030504030204" pitchFamily="49" charset="0"/>
+              </a:rPr>
+              <a:t>                     limits = c(0, NA)) + </a:t>
+            </a:r>
+          </a:p>
+          <a:p>
+            <a:r>
+              <a:rPr lang="en-GB" sz="1000" dirty="0">
+                <a:latin typeface="Lucida Sans Typewriter" panose="020B0509030504030204" pitchFamily="49" charset="0"/>
+              </a:rPr>
+              <a:t>  </a:t>
+            </a:r>
+            <a:r>
+              <a:rPr lang="en-GB" sz="1000" dirty="0" err="1">
+                <a:latin typeface="Lucida Sans Typewriter" panose="020B0509030504030204" pitchFamily="49" charset="0"/>
+              </a:rPr>
+              <a:t>scale_y_continuous</a:t>
+            </a:r>
+            <a:r>
+              <a:rPr lang="en-GB" sz="1000" dirty="0">
+                <a:latin typeface="Lucida Sans Typewriter" panose="020B0509030504030204" pitchFamily="49" charset="0"/>
+              </a:rPr>
+              <a:t>(name = "Nitrogen Dioxide", </a:t>
+            </a:r>
+          </a:p>
+          <a:p>
+            <a:r>
+              <a:rPr lang="en-GB" sz="1000" dirty="0">
+                <a:latin typeface="Lucida Sans Typewriter" panose="020B0509030504030204" pitchFamily="49" charset="0"/>
+              </a:rPr>
+              <a:t>                     limits = c(0, NA)) +</a:t>
+            </a:r>
+          </a:p>
+          <a:p>
+            <a:r>
+              <a:rPr lang="en-GB" sz="1000" dirty="0">
+                <a:latin typeface="Lucida Sans Typewriter" panose="020B0509030504030204" pitchFamily="49" charset="0"/>
+              </a:rPr>
+              <a:t>  </a:t>
+            </a:r>
+            <a:r>
+              <a:rPr lang="en-GB" sz="1000" dirty="0" err="1">
+                <a:latin typeface="Lucida Sans Typewriter" panose="020B0509030504030204" pitchFamily="49" charset="0"/>
+              </a:rPr>
+              <a:t>facet_</a:t>
+            </a:r>
+            <a:r>
+              <a:rPr lang="en-GB" sz="1000" dirty="0" err="1">
+                <a:highlight>
+                  <a:srgbClr val="000000"/>
+                </a:highlight>
+                <a:latin typeface="Lucida Sans Typewriter" panose="020B0509030504030204" pitchFamily="49" charset="0"/>
+              </a:rPr>
+              <a:t>wrap</a:t>
+            </a:r>
+            <a:r>
+              <a:rPr lang="en-GB" sz="1000" dirty="0">
+                <a:latin typeface="Lucida Sans Typewriter" panose="020B0509030504030204" pitchFamily="49" charset="0"/>
+              </a:rPr>
+              <a:t>(~</a:t>
+            </a:r>
+            <a:r>
+              <a:rPr lang="en-GB" sz="1000" dirty="0">
+                <a:highlight>
+                  <a:srgbClr val="000000"/>
+                </a:highlight>
+                <a:latin typeface="Lucida Sans Typewriter" panose="020B0509030504030204" pitchFamily="49" charset="0"/>
+              </a:rPr>
+              <a:t>country</a:t>
+            </a:r>
+            <a:r>
+              <a:rPr lang="en-GB" sz="1000" dirty="0">
+                <a:latin typeface="Lucida Sans Typewriter" panose="020B0509030504030204" pitchFamily="49" charset="0"/>
+              </a:rPr>
+              <a:t>)</a:t>
+            </a:r>
+          </a:p>
+        </p:txBody>
+      </p:sp>
+    </p:spTree>
+    <p:extLst>
+      <p:ext uri="{BB962C8B-B14F-4D97-AF65-F5344CB8AC3E}">
+        <p14:creationId xmlns:p14="http://schemas.microsoft.com/office/powerpoint/2010/main" val="4250758108"/>
+      </p:ext>
+    </p:extLst>
+  </p:cSld>
+  <p:clrMapOvr>
+    <a:masterClrMapping/>
+  </p:clrMapOvr>
+</p:sld>
+</file>
+
+<file path=ppt/slides/slide11.xml><?xml version="1.0" encoding="utf-8"?>
+<p:sld xmlns:a="http://schemas.openxmlformats.org/drawingml/2006/main" xmlns:r="http://schemas.openxmlformats.org/officeDocument/2006/relationships" xmlns:p="http://schemas.openxmlformats.org/presentationml/2006/main">
+  <p:cSld>
+    <p:spTree>
+      <p:nvGrpSpPr>
+        <p:cNvPr id="1" name=""/>
+        <p:cNvGrpSpPr/>
+        <p:nvPr/>
+      </p:nvGrpSpPr>
+      <p:grpSpPr>
+        <a:xfrm>
+          <a:off x="0" y="0"/>
+          <a:ext cx="0" cy="0"/>
+          <a:chOff x="0" y="0"/>
+          <a:chExt cx="0" cy="0"/>
+        </a:xfrm>
+      </p:grpSpPr>
+      <p:sp>
+        <p:nvSpPr>
+          <p:cNvPr id="4" name="Title 1">
+            <a:extLst>
+              <a:ext uri="{FF2B5EF4-FFF2-40B4-BE49-F238E27FC236}">
+                <a16:creationId xmlns:a16="http://schemas.microsoft.com/office/drawing/2014/main" id="{628F7D28-481E-4A69-A682-302F6C64A8D8}"/>
               </a:ext>
             </a:extLst>
           </p:cNvPr>
@@ -3708,409 +4729,1302 @@
         </p:nvSpPr>
         <p:spPr>
           <a:xfrm>
-            <a:off x="4580283" y="1825625"/>
-            <a:ext cx="3117574" cy="4351338"/>
+            <a:off x="990600" y="517525"/>
+            <a:ext cx="10515600" cy="1325563"/>
           </a:xfrm>
           <a:prstGeom prst="rect">
             <a:avLst/>
           </a:prstGeom>
         </p:spPr>
         <p:txBody>
-          <a:bodyPr vert="horz" lIns="91440" tIns="45720" rIns="91440" bIns="45720" rtlCol="0">
+          <a:bodyPr vert="horz" lIns="91440" tIns="45720" rIns="91440" bIns="45720" rtlCol="0" anchor="ctr">
             <a:normAutofit/>
           </a:bodyPr>
           <a:lstStyle>
-            <a:lvl1pPr marL="228600" indent="-228600" algn="l" defTabSz="914400" rtl="0" eaLnBrk="1" latinLnBrk="0" hangingPunct="1">
+            <a:lvl1pPr algn="l" defTabSz="914400" rtl="0" eaLnBrk="1" latinLnBrk="0" hangingPunct="1">
               <a:lnSpc>
                 <a:spcPct val="90000"/>
               </a:lnSpc>
               <a:spcBef>
-                <a:spcPts val="1000"/>
+                <a:spcPct val="0"/>
               </a:spcBef>
-              <a:buFont typeface="Arial" panose="020B0604020202020204" pitchFamily="34" charset="0"/>
-              <a:buChar char="•"/>
-              <a:defRPr sz="2800" kern="1200">
+              <a:buNone/>
+              <a:defRPr sz="4400" kern="1200">
                 <a:solidFill>
                   <a:schemeClr val="tx1"/>
                 </a:solidFill>
-                <a:latin typeface="+mn-lt"/>
-                <a:ea typeface="+mn-ea"/>
-                <a:cs typeface="+mn-cs"/>
+                <a:latin typeface="+mj-lt"/>
+                <a:ea typeface="+mj-ea"/>
+                <a:cs typeface="+mj-cs"/>
               </a:defRPr>
             </a:lvl1pPr>
-            <a:lvl2pPr marL="685800" indent="-228600" algn="l" defTabSz="914400" rtl="0" eaLnBrk="1" latinLnBrk="0" hangingPunct="1">
-              <a:lnSpc>
-                <a:spcPct val="90000"/>
-              </a:lnSpc>
-              <a:spcBef>
-                <a:spcPts val="500"/>
-              </a:spcBef>
-              <a:buFont typeface="Arial" panose="020B0604020202020204" pitchFamily="34" charset="0"/>
-              <a:buChar char="•"/>
-              <a:defRPr sz="2400" kern="1200">
+          </a:lstStyle>
+          <a:p>
+            <a:r>
+              <a:rPr lang="en-GB" dirty="0">
                 <a:solidFill>
-                  <a:schemeClr val="tx1"/>
+                  <a:srgbClr val="404040"/>
                 </a:solidFill>
-                <a:latin typeface="+mn-lt"/>
-                <a:ea typeface="+mn-ea"/>
-                <a:cs typeface="+mn-cs"/>
-              </a:defRPr>
-            </a:lvl2pPr>
-            <a:lvl3pPr marL="1143000" indent="-228600" algn="l" defTabSz="914400" rtl="0" eaLnBrk="1" latinLnBrk="0" hangingPunct="1">
-              <a:lnSpc>
-                <a:spcPct val="90000"/>
-              </a:lnSpc>
-              <a:spcBef>
-                <a:spcPts val="500"/>
-              </a:spcBef>
-              <a:buFont typeface="Arial" panose="020B0604020202020204" pitchFamily="34" charset="0"/>
-              <a:buChar char="•"/>
-              <a:defRPr sz="2000" kern="1200">
+              </a:rPr>
+              <a:t>Refining with </a:t>
+            </a:r>
+            <a:r>
+              <a:rPr lang="en-GB" dirty="0">
                 <a:solidFill>
-                  <a:schemeClr val="tx1"/>
+                  <a:srgbClr val="404040"/>
                 </a:solidFill>
-                <a:latin typeface="+mn-lt"/>
-                <a:ea typeface="+mn-ea"/>
-                <a:cs typeface="+mn-cs"/>
-              </a:defRPr>
-            </a:lvl3pPr>
-            <a:lvl4pPr marL="1600200" indent="-228600" algn="l" defTabSz="914400" rtl="0" eaLnBrk="1" latinLnBrk="0" hangingPunct="1">
-              <a:lnSpc>
-                <a:spcPct val="90000"/>
-              </a:lnSpc>
-              <a:spcBef>
-                <a:spcPts val="500"/>
-              </a:spcBef>
-              <a:buFont typeface="Arial" panose="020B0604020202020204" pitchFamily="34" charset="0"/>
-              <a:buChar char="•"/>
-              <a:defRPr sz="1800" kern="1200">
-                <a:solidFill>
-                  <a:schemeClr val="tx1"/>
-                </a:solidFill>
-                <a:latin typeface="+mn-lt"/>
-                <a:ea typeface="+mn-ea"/>
-                <a:cs typeface="+mn-cs"/>
-              </a:defRPr>
-            </a:lvl4pPr>
-            <a:lvl5pPr marL="2057400" indent="-228600" algn="l" defTabSz="914400" rtl="0" eaLnBrk="1" latinLnBrk="0" hangingPunct="1">
-              <a:lnSpc>
-                <a:spcPct val="90000"/>
-              </a:lnSpc>
-              <a:spcBef>
-                <a:spcPts val="500"/>
-              </a:spcBef>
-              <a:buFont typeface="Arial" panose="020B0604020202020204" pitchFamily="34" charset="0"/>
-              <a:buChar char="•"/>
-              <a:defRPr sz="1800" kern="1200">
-                <a:solidFill>
-                  <a:schemeClr val="tx1"/>
-                </a:solidFill>
-                <a:latin typeface="+mn-lt"/>
-                <a:ea typeface="+mn-ea"/>
-                <a:cs typeface="+mn-cs"/>
-              </a:defRPr>
-            </a:lvl5pPr>
-            <a:lvl6pPr marL="2514600" indent="-228600" algn="l" defTabSz="914400" rtl="0" eaLnBrk="1" latinLnBrk="0" hangingPunct="1">
-              <a:lnSpc>
-                <a:spcPct val="90000"/>
-              </a:lnSpc>
-              <a:spcBef>
-                <a:spcPts val="500"/>
-              </a:spcBef>
-              <a:buFont typeface="Arial" panose="020B0604020202020204" pitchFamily="34" charset="0"/>
-              <a:buChar char="•"/>
-              <a:defRPr sz="1800" kern="1200">
-                <a:solidFill>
-                  <a:schemeClr val="tx1"/>
-                </a:solidFill>
-                <a:latin typeface="+mn-lt"/>
-                <a:ea typeface="+mn-ea"/>
-                <a:cs typeface="+mn-cs"/>
-              </a:defRPr>
-            </a:lvl6pPr>
-            <a:lvl7pPr marL="2971800" indent="-228600" algn="l" defTabSz="914400" rtl="0" eaLnBrk="1" latinLnBrk="0" hangingPunct="1">
-              <a:lnSpc>
-                <a:spcPct val="90000"/>
-              </a:lnSpc>
-              <a:spcBef>
-                <a:spcPts val="500"/>
-              </a:spcBef>
-              <a:buFont typeface="Arial" panose="020B0604020202020204" pitchFamily="34" charset="0"/>
-              <a:buChar char="•"/>
-              <a:defRPr sz="1800" kern="1200">
-                <a:solidFill>
-                  <a:schemeClr val="tx1"/>
-                </a:solidFill>
-                <a:latin typeface="+mn-lt"/>
-                <a:ea typeface="+mn-ea"/>
-                <a:cs typeface="+mn-cs"/>
-              </a:defRPr>
-            </a:lvl7pPr>
-            <a:lvl8pPr marL="3429000" indent="-228600" algn="l" defTabSz="914400" rtl="0" eaLnBrk="1" latinLnBrk="0" hangingPunct="1">
-              <a:lnSpc>
-                <a:spcPct val="90000"/>
-              </a:lnSpc>
-              <a:spcBef>
-                <a:spcPts val="500"/>
-              </a:spcBef>
-              <a:buFont typeface="Arial" panose="020B0604020202020204" pitchFamily="34" charset="0"/>
-              <a:buChar char="•"/>
-              <a:defRPr sz="1800" kern="1200">
-                <a:solidFill>
-                  <a:schemeClr val="tx1"/>
-                </a:solidFill>
-                <a:latin typeface="+mn-lt"/>
-                <a:ea typeface="+mn-ea"/>
-                <a:cs typeface="+mn-cs"/>
-              </a:defRPr>
-            </a:lvl8pPr>
-            <a:lvl9pPr marL="3886200" indent="-228600" algn="l" defTabSz="914400" rtl="0" eaLnBrk="1" latinLnBrk="0" hangingPunct="1">
-              <a:lnSpc>
-                <a:spcPct val="90000"/>
-              </a:lnSpc>
-              <a:spcBef>
-                <a:spcPts val="500"/>
-              </a:spcBef>
-              <a:buFont typeface="Arial" panose="020B0604020202020204" pitchFamily="34" charset="0"/>
-              <a:buChar char="•"/>
-              <a:defRPr sz="1800" kern="1200">
-                <a:solidFill>
-                  <a:schemeClr val="tx1"/>
-                </a:solidFill>
-                <a:latin typeface="+mn-lt"/>
-                <a:ea typeface="+mn-ea"/>
-                <a:cs typeface="+mn-cs"/>
-              </a:defRPr>
-            </a:lvl9pPr>
-          </a:lstStyle>
-          <a:p>
-            <a:pPr marL="0" indent="0">
-              <a:buNone/>
-            </a:pPr>
-            <a:r>
-              <a:rPr lang="en-GB" b="1" dirty="0"/>
-              <a:t>Density Plot</a:t>
-            </a:r>
-          </a:p>
-          <a:p>
-            <a:pPr marL="0" indent="0">
-              <a:buNone/>
-            </a:pPr>
-            <a:r>
-              <a:rPr lang="en-GB" sz="2000" dirty="0"/>
-              <a:t>Pick a nice theme for your density plot. Put the legend at the top.</a:t>
-            </a:r>
+                <a:latin typeface="Cascadia Mono" panose="020B0609020000020004" pitchFamily="49" charset="0"/>
+                <a:ea typeface="Cascadia Mono" panose="020B0609020000020004" pitchFamily="49" charset="0"/>
+                <a:cs typeface="Cascadia Mono" panose="020B0609020000020004" pitchFamily="49" charset="0"/>
+              </a:rPr>
+              <a:t>theme()</a:t>
+            </a:r>
+            <a:endParaRPr lang="en-GB" dirty="0">
+              <a:solidFill>
+                <a:srgbClr val="404040"/>
+              </a:solidFill>
+            </a:endParaRPr>
           </a:p>
         </p:txBody>
       </p:sp>
       <p:sp>
         <p:nvSpPr>
-          <p:cNvPr id="12" name="Content Placeholder 4">
-            <a:extLst>
-              <a:ext uri="{FF2B5EF4-FFF2-40B4-BE49-F238E27FC236}">
-                <a16:creationId xmlns:a16="http://schemas.microsoft.com/office/drawing/2014/main" id="{74BF79EB-C474-471C-8FBA-7D8F2FAF9382}"/>
-              </a:ext>
-            </a:extLst>
-          </p:cNvPr>
-          <p:cNvSpPr txBox="1">
-            <a:spLocks/>
-          </p:cNvSpPr>
+          <p:cNvPr id="11" name="TextBox 10">
+            <a:extLst>
+              <a:ext uri="{FF2B5EF4-FFF2-40B4-BE49-F238E27FC236}">
+                <a16:creationId xmlns:a16="http://schemas.microsoft.com/office/drawing/2014/main" id="{F28EB515-03CE-44A7-85A7-16009FB0F227}"/>
+              </a:ext>
+            </a:extLst>
+          </p:cNvPr>
+          <p:cNvSpPr txBox="1"/>
           <p:nvPr/>
         </p:nvSpPr>
         <p:spPr>
           <a:xfrm>
-            <a:off x="8322366" y="1825625"/>
-            <a:ext cx="3117574" cy="4351338"/>
+            <a:off x="7991475" y="1491076"/>
+            <a:ext cx="4200525" cy="2554545"/>
+          </a:xfrm>
+          <a:prstGeom prst="rect">
+            <a:avLst/>
+          </a:prstGeom>
+          <a:noFill/>
+        </p:spPr>
+        <p:txBody>
+          <a:bodyPr wrap="square" rtlCol="0">
+            <a:spAutoFit/>
+          </a:bodyPr>
+          <a:lstStyle/>
+          <a:p>
+            <a:r>
+              <a:rPr lang="en-GB" sz="1000" dirty="0" err="1">
+                <a:latin typeface="Lucida Sans Typewriter" panose="020B0509030504030204" pitchFamily="49" charset="0"/>
+              </a:rPr>
+              <a:t>bar_data</a:t>
+            </a:r>
+            <a:r>
+              <a:rPr lang="en-GB" sz="1000" dirty="0">
+                <a:latin typeface="Lucida Sans Typewriter" panose="020B0509030504030204" pitchFamily="49" charset="0"/>
+              </a:rPr>
+              <a:t> %&gt;% </a:t>
+            </a:r>
+          </a:p>
+          <a:p>
+            <a:r>
+              <a:rPr lang="en-GB" sz="1000" dirty="0">
+                <a:latin typeface="Lucida Sans Typewriter" panose="020B0509030504030204" pitchFamily="49" charset="0"/>
+              </a:rPr>
+              <a:t>  </a:t>
+            </a:r>
+            <a:r>
+              <a:rPr lang="en-GB" sz="1000" dirty="0" err="1">
+                <a:latin typeface="Lucida Sans Typewriter" panose="020B0509030504030204" pitchFamily="49" charset="0"/>
+              </a:rPr>
+              <a:t>ggplot</a:t>
+            </a:r>
+            <a:r>
+              <a:rPr lang="en-GB" sz="1000" dirty="0">
+                <a:latin typeface="Lucida Sans Typewriter" panose="020B0509030504030204" pitchFamily="49" charset="0"/>
+              </a:rPr>
+              <a:t>(</a:t>
+            </a:r>
+            <a:r>
+              <a:rPr lang="en-GB" sz="1000" dirty="0" err="1">
+                <a:latin typeface="Lucida Sans Typewriter" panose="020B0509030504030204" pitchFamily="49" charset="0"/>
+              </a:rPr>
+              <a:t>aes</a:t>
+            </a:r>
+            <a:r>
+              <a:rPr lang="en-GB" sz="1000" dirty="0">
+                <a:latin typeface="Lucida Sans Typewriter" panose="020B0509030504030204" pitchFamily="49" charset="0"/>
+              </a:rPr>
+              <a:t>(y = country, </a:t>
+            </a:r>
+          </a:p>
+          <a:p>
+            <a:r>
+              <a:rPr lang="en-GB" sz="1000" dirty="0">
+                <a:latin typeface="Lucida Sans Typewriter" panose="020B0509030504030204" pitchFamily="49" charset="0"/>
+              </a:rPr>
+              <a:t>             x = </a:t>
+            </a:r>
+            <a:r>
+              <a:rPr lang="en-GB" sz="1000" dirty="0" err="1">
+                <a:latin typeface="Lucida Sans Typewriter" panose="020B0509030504030204" pitchFamily="49" charset="0"/>
+              </a:rPr>
+              <a:t>country_avg</a:t>
+            </a:r>
+            <a:r>
+              <a:rPr lang="en-GB" sz="1000" dirty="0">
+                <a:latin typeface="Lucida Sans Typewriter" panose="020B0509030504030204" pitchFamily="49" charset="0"/>
+              </a:rPr>
+              <a:t>,</a:t>
+            </a:r>
+          </a:p>
+          <a:p>
+            <a:r>
+              <a:rPr lang="en-GB" sz="1000" dirty="0">
+                <a:latin typeface="Lucida Sans Typewriter" panose="020B0509030504030204" pitchFamily="49" charset="0"/>
+              </a:rPr>
+              <a:t>             fill = </a:t>
+            </a:r>
+            <a:r>
+              <a:rPr lang="en-GB" sz="1000" dirty="0" err="1">
+                <a:latin typeface="Lucida Sans Typewriter" panose="020B0509030504030204" pitchFamily="49" charset="0"/>
+              </a:rPr>
+              <a:t>theYear</a:t>
+            </a:r>
+            <a:r>
+              <a:rPr lang="en-GB" sz="1000" dirty="0">
+                <a:latin typeface="Lucida Sans Typewriter" panose="020B0509030504030204" pitchFamily="49" charset="0"/>
+              </a:rPr>
+              <a:t>)) +</a:t>
+            </a:r>
+          </a:p>
+          <a:p>
+            <a:r>
+              <a:rPr lang="en-GB" sz="1000" dirty="0">
+                <a:latin typeface="Lucida Sans Typewriter" panose="020B0509030504030204" pitchFamily="49" charset="0"/>
+              </a:rPr>
+              <a:t>  </a:t>
+            </a:r>
+            <a:r>
+              <a:rPr lang="en-GB" sz="1000" dirty="0" err="1">
+                <a:latin typeface="Lucida Sans Typewriter" panose="020B0509030504030204" pitchFamily="49" charset="0"/>
+              </a:rPr>
+              <a:t>geom_col</a:t>
+            </a:r>
+            <a:r>
+              <a:rPr lang="en-GB" sz="1000" dirty="0">
+                <a:latin typeface="Lucida Sans Typewriter" panose="020B0509030504030204" pitchFamily="49" charset="0"/>
+              </a:rPr>
+              <a:t>(position = </a:t>
+            </a:r>
+            <a:r>
+              <a:rPr lang="en-GB" sz="1000" dirty="0" err="1">
+                <a:latin typeface="Lucida Sans Typewriter" panose="020B0509030504030204" pitchFamily="49" charset="0"/>
+              </a:rPr>
+              <a:t>position_dodge</a:t>
+            </a:r>
+            <a:r>
+              <a:rPr lang="en-GB" sz="1000" dirty="0">
+                <a:latin typeface="Lucida Sans Typewriter" panose="020B0509030504030204" pitchFamily="49" charset="0"/>
+              </a:rPr>
+              <a:t>()) +</a:t>
+            </a:r>
+          </a:p>
+          <a:p>
+            <a:r>
+              <a:rPr lang="en-GB" sz="1000" dirty="0">
+                <a:latin typeface="Lucida Sans Typewriter" panose="020B0509030504030204" pitchFamily="49" charset="0"/>
+              </a:rPr>
+              <a:t>  </a:t>
+            </a:r>
+            <a:r>
+              <a:rPr lang="en-GB" sz="1000" dirty="0" err="1">
+                <a:latin typeface="Lucida Sans Typewriter" panose="020B0509030504030204" pitchFamily="49" charset="0"/>
+              </a:rPr>
+              <a:t>scale_fill_brewer</a:t>
+            </a:r>
+            <a:r>
+              <a:rPr lang="en-GB" sz="1000" dirty="0">
+                <a:latin typeface="Lucida Sans Typewriter" panose="020B0509030504030204" pitchFamily="49" charset="0"/>
+              </a:rPr>
+              <a:t>(palette = "Set1") + </a:t>
+            </a:r>
+          </a:p>
+          <a:p>
+            <a:r>
+              <a:rPr lang="en-GB" sz="1000" dirty="0">
+                <a:latin typeface="Lucida Sans Typewriter" panose="020B0509030504030204" pitchFamily="49" charset="0"/>
+              </a:rPr>
+              <a:t>  theme(</a:t>
+            </a:r>
+            <a:r>
+              <a:rPr lang="en-GB" sz="1000" dirty="0" err="1">
+                <a:latin typeface="Lucida Sans Typewriter" panose="020B0509030504030204" pitchFamily="49" charset="0"/>
+              </a:rPr>
+              <a:t>strip.placement</a:t>
+            </a:r>
+            <a:r>
+              <a:rPr lang="en-GB" sz="1000" dirty="0">
+                <a:latin typeface="Lucida Sans Typewriter" panose="020B0509030504030204" pitchFamily="49" charset="0"/>
+              </a:rPr>
+              <a:t> = "outside") +</a:t>
+            </a:r>
+          </a:p>
+          <a:p>
+            <a:r>
+              <a:rPr lang="en-GB" sz="1000" dirty="0">
+                <a:latin typeface="Lucida Sans Typewriter" panose="020B0509030504030204" pitchFamily="49" charset="0"/>
+              </a:rPr>
+              <a:t>  </a:t>
+            </a:r>
+            <a:r>
+              <a:rPr lang="en-GB" sz="1000" dirty="0" err="1">
+                <a:latin typeface="Lucida Sans Typewriter" panose="020B0509030504030204" pitchFamily="49" charset="0"/>
+              </a:rPr>
+              <a:t>facet_wrap</a:t>
+            </a:r>
+            <a:r>
+              <a:rPr lang="en-GB" sz="1000" dirty="0">
+                <a:latin typeface="Lucida Sans Typewriter" panose="020B0509030504030204" pitchFamily="49" charset="0"/>
+              </a:rPr>
+              <a:t>(~name, </a:t>
+            </a:r>
+          </a:p>
+          <a:p>
+            <a:r>
+              <a:rPr lang="en-GB" sz="1000" dirty="0">
+                <a:latin typeface="Lucida Sans Typewriter" panose="020B0509030504030204" pitchFamily="49" charset="0"/>
+              </a:rPr>
+              <a:t>              scales = "</a:t>
+            </a:r>
+            <a:r>
+              <a:rPr lang="en-GB" sz="1000" dirty="0" err="1">
+                <a:latin typeface="Lucida Sans Typewriter" panose="020B0509030504030204" pitchFamily="49" charset="0"/>
+              </a:rPr>
+              <a:t>free_x</a:t>
+            </a:r>
+            <a:r>
+              <a:rPr lang="en-GB" sz="1000" dirty="0">
+                <a:latin typeface="Lucida Sans Typewriter" panose="020B0509030504030204" pitchFamily="49" charset="0"/>
+              </a:rPr>
+              <a:t>", </a:t>
+            </a:r>
+          </a:p>
+          <a:p>
+            <a:r>
+              <a:rPr lang="en-GB" sz="1000" dirty="0">
+                <a:latin typeface="Lucida Sans Typewriter" panose="020B0509030504030204" pitchFamily="49" charset="0"/>
+              </a:rPr>
+              <a:t>              </a:t>
+            </a:r>
+            <a:r>
+              <a:rPr lang="en-GB" sz="1000" dirty="0" err="1">
+                <a:latin typeface="Lucida Sans Typewriter" panose="020B0509030504030204" pitchFamily="49" charset="0"/>
+              </a:rPr>
+              <a:t>strip.position</a:t>
+            </a:r>
+            <a:r>
+              <a:rPr lang="en-GB" sz="1000" dirty="0">
+                <a:latin typeface="Lucida Sans Typewriter" panose="020B0509030504030204" pitchFamily="49" charset="0"/>
+              </a:rPr>
+              <a:t> = "bottom")+</a:t>
+            </a:r>
+            <a:br>
+              <a:rPr lang="en-GB" sz="1000" dirty="0">
+                <a:latin typeface="Lucida Sans Typewriter" panose="020B0509030504030204" pitchFamily="49" charset="0"/>
+              </a:rPr>
+            </a:br>
+            <a:r>
+              <a:rPr lang="en-GB" sz="1000" dirty="0">
+                <a:latin typeface="Lucida Sans Typewriter" panose="020B0509030504030204" pitchFamily="49" charset="0"/>
+              </a:rPr>
+              <a:t>    </a:t>
+            </a:r>
+            <a:r>
+              <a:rPr lang="en-GB" sz="1000" dirty="0" err="1">
+                <a:latin typeface="Lucida Sans Typewriter" panose="020B0509030504030204" pitchFamily="49" charset="0"/>
+              </a:rPr>
+              <a:t>theme_light</a:t>
+            </a:r>
+            <a:r>
+              <a:rPr lang="en-GB" sz="1000" dirty="0">
+                <a:latin typeface="Lucida Sans Typewriter" panose="020B0509030504030204" pitchFamily="49" charset="0"/>
+              </a:rPr>
+              <a:t>() +</a:t>
+            </a:r>
+          </a:p>
+          <a:p>
+            <a:r>
+              <a:rPr lang="en-GB" sz="1000" dirty="0">
+                <a:latin typeface="Lucida Sans Typewriter" panose="020B0509030504030204" pitchFamily="49" charset="0"/>
+              </a:rPr>
+              <a:t>  theme(</a:t>
+            </a:r>
+            <a:r>
+              <a:rPr lang="en-GB" sz="1000" dirty="0" err="1">
+                <a:highlight>
+                  <a:srgbClr val="000000"/>
+                </a:highlight>
+                <a:latin typeface="Lucida Sans Typewriter" panose="020B0509030504030204" pitchFamily="49" charset="0"/>
+              </a:rPr>
+              <a:t>legend.position</a:t>
+            </a:r>
+            <a:r>
+              <a:rPr lang="en-GB" sz="1000" dirty="0">
+                <a:highlight>
+                  <a:srgbClr val="000000"/>
+                </a:highlight>
+                <a:latin typeface="Lucida Sans Typewriter" panose="020B0509030504030204" pitchFamily="49" charset="0"/>
+              </a:rPr>
+              <a:t> = "top"</a:t>
+            </a:r>
+            <a:r>
+              <a:rPr lang="en-GB" sz="1000" dirty="0">
+                <a:latin typeface="Lucida Sans Typewriter" panose="020B0509030504030204" pitchFamily="49" charset="0"/>
+              </a:rPr>
+              <a:t>, </a:t>
+            </a:r>
+          </a:p>
+          <a:p>
+            <a:r>
+              <a:rPr lang="en-GB" sz="1000" dirty="0">
+                <a:latin typeface="Lucida Sans Typewriter" panose="020B0509030504030204" pitchFamily="49" charset="0"/>
+              </a:rPr>
+              <a:t>        </a:t>
+            </a:r>
+            <a:r>
+              <a:rPr lang="en-GB" sz="1000" dirty="0" err="1">
+                <a:highlight>
+                  <a:srgbClr val="000000"/>
+                </a:highlight>
+                <a:latin typeface="Lucida Sans Typewriter" panose="020B0509030504030204" pitchFamily="49" charset="0"/>
+              </a:rPr>
+              <a:t>strip.placement</a:t>
+            </a:r>
+            <a:r>
+              <a:rPr lang="en-GB" sz="1000" dirty="0">
+                <a:highlight>
+                  <a:srgbClr val="000000"/>
+                </a:highlight>
+                <a:latin typeface="Lucida Sans Typewriter" panose="020B0509030504030204" pitchFamily="49" charset="0"/>
+              </a:rPr>
+              <a:t> </a:t>
+            </a:r>
+            <a:r>
+              <a:rPr lang="en-GB" sz="1000" dirty="0">
+                <a:latin typeface="Lucida Sans Typewriter" panose="020B0509030504030204" pitchFamily="49" charset="0"/>
+              </a:rPr>
+              <a:t>= </a:t>
+            </a:r>
+            <a:r>
+              <a:rPr lang="en-GB" sz="1000" dirty="0">
+                <a:highlight>
+                  <a:srgbClr val="000000"/>
+                </a:highlight>
+                <a:latin typeface="Lucida Sans Typewriter" panose="020B0509030504030204" pitchFamily="49" charset="0"/>
+              </a:rPr>
+              <a:t>"outside"</a:t>
+            </a:r>
+            <a:r>
+              <a:rPr lang="en-GB" sz="1000" dirty="0">
+                <a:latin typeface="Lucida Sans Typewriter" panose="020B0509030504030204" pitchFamily="49" charset="0"/>
+              </a:rPr>
+              <a:t>,</a:t>
+            </a:r>
+          </a:p>
+          <a:p>
+            <a:r>
+              <a:rPr lang="en-GB" sz="1000" dirty="0">
+                <a:latin typeface="Lucida Sans Typewriter" panose="020B0509030504030204" pitchFamily="49" charset="0"/>
+              </a:rPr>
+              <a:t>        </a:t>
+            </a:r>
+            <a:r>
+              <a:rPr lang="en-GB" sz="1000" dirty="0" err="1">
+                <a:highlight>
+                  <a:srgbClr val="000000"/>
+                </a:highlight>
+                <a:latin typeface="Lucida Sans Typewriter" panose="020B0509030504030204" pitchFamily="49" charset="0"/>
+              </a:rPr>
+              <a:t>strip.text</a:t>
+            </a:r>
+            <a:r>
+              <a:rPr lang="en-GB" sz="1000" dirty="0">
+                <a:highlight>
+                  <a:srgbClr val="000000"/>
+                </a:highlight>
+                <a:latin typeface="Lucida Sans Typewriter" panose="020B0509030504030204" pitchFamily="49" charset="0"/>
+              </a:rPr>
+              <a:t> </a:t>
+            </a:r>
+            <a:r>
+              <a:rPr lang="en-GB" sz="1000" dirty="0">
+                <a:latin typeface="Lucida Sans Typewriter" panose="020B0509030504030204" pitchFamily="49" charset="0"/>
+              </a:rPr>
+              <a:t>= </a:t>
+            </a:r>
+            <a:r>
+              <a:rPr lang="en-GB" sz="1000" dirty="0" err="1">
+                <a:latin typeface="Lucida Sans Typewriter" panose="020B0509030504030204" pitchFamily="49" charset="0"/>
+              </a:rPr>
+              <a:t>element_</a:t>
+            </a:r>
+            <a:r>
+              <a:rPr lang="en-GB" sz="1000" dirty="0" err="1">
+                <a:highlight>
+                  <a:srgbClr val="000000"/>
+                </a:highlight>
+                <a:latin typeface="Lucida Sans Typewriter" panose="020B0509030504030204" pitchFamily="49" charset="0"/>
+              </a:rPr>
+              <a:t>text</a:t>
+            </a:r>
+            <a:r>
+              <a:rPr lang="en-GB" sz="1000" dirty="0">
+                <a:latin typeface="Lucida Sans Typewriter" panose="020B0509030504030204" pitchFamily="49" charset="0"/>
+              </a:rPr>
+              <a:t>(</a:t>
+            </a:r>
+            <a:r>
+              <a:rPr lang="en-GB" sz="1000" dirty="0" err="1">
+                <a:highlight>
+                  <a:srgbClr val="000000"/>
+                </a:highlight>
+                <a:latin typeface="Lucida Sans Typewriter" panose="020B0509030504030204" pitchFamily="49" charset="0"/>
+              </a:rPr>
+              <a:t>color</a:t>
+            </a:r>
+            <a:r>
+              <a:rPr lang="en-GB" sz="1000" dirty="0">
+                <a:latin typeface="Lucida Sans Typewriter" panose="020B0509030504030204" pitchFamily="49" charset="0"/>
+              </a:rPr>
+              <a:t> =</a:t>
+            </a:r>
+          </a:p>
+          <a:p>
+            <a:r>
+              <a:rPr lang="en-GB" sz="1000" dirty="0">
+                <a:latin typeface="Lucida Sans Typewriter" panose="020B0509030504030204" pitchFamily="49" charset="0"/>
+              </a:rPr>
+              <a:t>                                      </a:t>
+            </a:r>
+            <a:r>
+              <a:rPr lang="en-GB" sz="1000" dirty="0">
+                <a:highlight>
+                  <a:srgbClr val="000000"/>
+                </a:highlight>
+                <a:latin typeface="Lucida Sans Typewriter" panose="020B0509030504030204" pitchFamily="49" charset="0"/>
+              </a:rPr>
+              <a:t>"black"</a:t>
+            </a:r>
+            <a:r>
+              <a:rPr lang="en-GB" sz="1000" dirty="0">
+                <a:latin typeface="Lucida Sans Typewriter" panose="020B0509030504030204" pitchFamily="49" charset="0"/>
+              </a:rPr>
+              <a:t>),</a:t>
+            </a:r>
+          </a:p>
+          <a:p>
+            <a:r>
+              <a:rPr lang="en-GB" sz="1000" dirty="0">
+                <a:latin typeface="Lucida Sans Typewriter" panose="020B0509030504030204" pitchFamily="49" charset="0"/>
+              </a:rPr>
+              <a:t>        </a:t>
+            </a:r>
+            <a:r>
+              <a:rPr lang="en-GB" sz="1000" dirty="0" err="1">
+                <a:latin typeface="Lucida Sans Typewriter" panose="020B0509030504030204" pitchFamily="49" charset="0"/>
+              </a:rPr>
+              <a:t>strip.background</a:t>
+            </a:r>
+            <a:r>
+              <a:rPr lang="en-GB" sz="1000" dirty="0">
+                <a:latin typeface="Lucida Sans Typewriter" panose="020B0509030504030204" pitchFamily="49" charset="0"/>
+              </a:rPr>
+              <a:t> = </a:t>
+            </a:r>
+            <a:r>
+              <a:rPr lang="en-GB" sz="1000" dirty="0" err="1">
+                <a:latin typeface="Lucida Sans Typewriter" panose="020B0509030504030204" pitchFamily="49" charset="0"/>
+              </a:rPr>
+              <a:t>element_</a:t>
+            </a:r>
+            <a:r>
+              <a:rPr lang="en-GB" sz="1000" dirty="0" err="1">
+                <a:highlight>
+                  <a:srgbClr val="000000"/>
+                </a:highlight>
+                <a:latin typeface="Lucida Sans Typewriter" panose="020B0509030504030204" pitchFamily="49" charset="0"/>
+              </a:rPr>
+              <a:t>blank</a:t>
+            </a:r>
+            <a:r>
+              <a:rPr lang="en-GB" sz="1000" dirty="0">
+                <a:highlight>
+                  <a:srgbClr val="000000"/>
+                </a:highlight>
+                <a:latin typeface="Lucida Sans Typewriter" panose="020B0509030504030204" pitchFamily="49" charset="0"/>
+              </a:rPr>
+              <a:t>()</a:t>
+            </a:r>
+            <a:r>
+              <a:rPr lang="en-GB" sz="1000" dirty="0">
+                <a:latin typeface="Lucida Sans Typewriter" panose="020B0509030504030204" pitchFamily="49" charset="0"/>
+              </a:rPr>
+              <a:t>)</a:t>
+            </a:r>
+          </a:p>
+        </p:txBody>
+      </p:sp>
+      <p:pic>
+        <p:nvPicPr>
+          <p:cNvPr id="17" name="Picture 16">
+            <a:extLst>
+              <a:ext uri="{FF2B5EF4-FFF2-40B4-BE49-F238E27FC236}">
+                <a16:creationId xmlns:a16="http://schemas.microsoft.com/office/drawing/2014/main" id="{46F19953-D9F4-42F5-92B7-62815E43123C}"/>
+              </a:ext>
+            </a:extLst>
+          </p:cNvPr>
+          <p:cNvPicPr>
+            <a:picLocks noChangeAspect="1"/>
+          </p:cNvPicPr>
+          <p:nvPr/>
+        </p:nvPicPr>
+        <p:blipFill>
+          <a:blip r:embed="rId2">
+            <a:extLst>
+              <a:ext uri="{28A0092B-C50C-407E-A947-70E740481C1C}">
+                <a14:useLocalDpi xmlns:a14="http://schemas.microsoft.com/office/drawing/2010/main" val="0"/>
+              </a:ext>
+            </a:extLst>
+          </a:blip>
+          <a:srcRect/>
+          <a:stretch/>
+        </p:blipFill>
+        <p:spPr>
+          <a:xfrm>
+            <a:off x="8491534" y="4476075"/>
+            <a:ext cx="3200407" cy="2133604"/>
           </a:xfrm>
           <a:prstGeom prst="rect">
             <a:avLst/>
           </a:prstGeom>
         </p:spPr>
+      </p:pic>
+      <p:sp>
+        <p:nvSpPr>
+          <p:cNvPr id="8" name="TextBox 7">
+            <a:extLst>
+              <a:ext uri="{FF2B5EF4-FFF2-40B4-BE49-F238E27FC236}">
+                <a16:creationId xmlns:a16="http://schemas.microsoft.com/office/drawing/2014/main" id="{E0797F7B-6CEF-4A6A-8AD1-F166A139FC40}"/>
+              </a:ext>
+            </a:extLst>
+          </p:cNvPr>
+          <p:cNvSpPr txBox="1"/>
+          <p:nvPr/>
+        </p:nvSpPr>
+        <p:spPr>
+          <a:xfrm>
+            <a:off x="4062850" y="2260517"/>
+            <a:ext cx="4278385" cy="1785104"/>
+          </a:xfrm>
+          <a:prstGeom prst="rect">
+            <a:avLst/>
+          </a:prstGeom>
+          <a:noFill/>
+        </p:spPr>
         <p:txBody>
-          <a:bodyPr vert="horz" lIns="91440" tIns="45720" rIns="91440" bIns="45720" rtlCol="0">
-            <a:normAutofit/>
+          <a:bodyPr wrap="square" rtlCol="0">
+            <a:spAutoFit/>
           </a:bodyPr>
-          <a:lstStyle>
-            <a:lvl1pPr marL="228600" indent="-228600" algn="l" defTabSz="914400" rtl="0" eaLnBrk="1" latinLnBrk="0" hangingPunct="1">
-              <a:lnSpc>
-                <a:spcPct val="90000"/>
-              </a:lnSpc>
-              <a:spcBef>
-                <a:spcPts val="1000"/>
-              </a:spcBef>
-              <a:buFont typeface="Arial" panose="020B0604020202020204" pitchFamily="34" charset="0"/>
-              <a:buChar char="•"/>
-              <a:defRPr sz="2800" kern="1200">
-                <a:solidFill>
-                  <a:schemeClr val="tx1"/>
-                </a:solidFill>
-                <a:latin typeface="+mn-lt"/>
-                <a:ea typeface="+mn-ea"/>
-                <a:cs typeface="+mn-cs"/>
-              </a:defRPr>
-            </a:lvl1pPr>
-            <a:lvl2pPr marL="685800" indent="-228600" algn="l" defTabSz="914400" rtl="0" eaLnBrk="1" latinLnBrk="0" hangingPunct="1">
-              <a:lnSpc>
-                <a:spcPct val="90000"/>
-              </a:lnSpc>
-              <a:spcBef>
-                <a:spcPts val="500"/>
-              </a:spcBef>
-              <a:buFont typeface="Arial" panose="020B0604020202020204" pitchFamily="34" charset="0"/>
-              <a:buChar char="•"/>
-              <a:defRPr sz="2400" kern="1200">
-                <a:solidFill>
-                  <a:schemeClr val="tx1"/>
-                </a:solidFill>
-                <a:latin typeface="+mn-lt"/>
-                <a:ea typeface="+mn-ea"/>
-                <a:cs typeface="+mn-cs"/>
-              </a:defRPr>
-            </a:lvl2pPr>
-            <a:lvl3pPr marL="1143000" indent="-228600" algn="l" defTabSz="914400" rtl="0" eaLnBrk="1" latinLnBrk="0" hangingPunct="1">
-              <a:lnSpc>
-                <a:spcPct val="90000"/>
-              </a:lnSpc>
-              <a:spcBef>
-                <a:spcPts val="500"/>
-              </a:spcBef>
-              <a:buFont typeface="Arial" panose="020B0604020202020204" pitchFamily="34" charset="0"/>
-              <a:buChar char="•"/>
-              <a:defRPr sz="2000" kern="1200">
-                <a:solidFill>
-                  <a:schemeClr val="tx1"/>
-                </a:solidFill>
-                <a:latin typeface="+mn-lt"/>
-                <a:ea typeface="+mn-ea"/>
-                <a:cs typeface="+mn-cs"/>
-              </a:defRPr>
-            </a:lvl3pPr>
-            <a:lvl4pPr marL="1600200" indent="-228600" algn="l" defTabSz="914400" rtl="0" eaLnBrk="1" latinLnBrk="0" hangingPunct="1">
-              <a:lnSpc>
-                <a:spcPct val="90000"/>
-              </a:lnSpc>
-              <a:spcBef>
-                <a:spcPts val="500"/>
-              </a:spcBef>
-              <a:buFont typeface="Arial" panose="020B0604020202020204" pitchFamily="34" charset="0"/>
-              <a:buChar char="•"/>
-              <a:defRPr sz="1800" kern="1200">
-                <a:solidFill>
-                  <a:schemeClr val="tx1"/>
-                </a:solidFill>
-                <a:latin typeface="+mn-lt"/>
-                <a:ea typeface="+mn-ea"/>
-                <a:cs typeface="+mn-cs"/>
-              </a:defRPr>
-            </a:lvl4pPr>
-            <a:lvl5pPr marL="2057400" indent="-228600" algn="l" defTabSz="914400" rtl="0" eaLnBrk="1" latinLnBrk="0" hangingPunct="1">
-              <a:lnSpc>
-                <a:spcPct val="90000"/>
-              </a:lnSpc>
-              <a:spcBef>
-                <a:spcPts val="500"/>
-              </a:spcBef>
-              <a:buFont typeface="Arial" panose="020B0604020202020204" pitchFamily="34" charset="0"/>
-              <a:buChar char="•"/>
-              <a:defRPr sz="1800" kern="1200">
-                <a:solidFill>
-                  <a:schemeClr val="tx1"/>
-                </a:solidFill>
-                <a:latin typeface="+mn-lt"/>
-                <a:ea typeface="+mn-ea"/>
-                <a:cs typeface="+mn-cs"/>
-              </a:defRPr>
-            </a:lvl5pPr>
-            <a:lvl6pPr marL="2514600" indent="-228600" algn="l" defTabSz="914400" rtl="0" eaLnBrk="1" latinLnBrk="0" hangingPunct="1">
-              <a:lnSpc>
-                <a:spcPct val="90000"/>
-              </a:lnSpc>
-              <a:spcBef>
-                <a:spcPts val="500"/>
-              </a:spcBef>
-              <a:buFont typeface="Arial" panose="020B0604020202020204" pitchFamily="34" charset="0"/>
-              <a:buChar char="•"/>
-              <a:defRPr sz="1800" kern="1200">
-                <a:solidFill>
-                  <a:schemeClr val="tx1"/>
-                </a:solidFill>
-                <a:latin typeface="+mn-lt"/>
-                <a:ea typeface="+mn-ea"/>
-                <a:cs typeface="+mn-cs"/>
-              </a:defRPr>
-            </a:lvl6pPr>
-            <a:lvl7pPr marL="2971800" indent="-228600" algn="l" defTabSz="914400" rtl="0" eaLnBrk="1" latinLnBrk="0" hangingPunct="1">
-              <a:lnSpc>
-                <a:spcPct val="90000"/>
-              </a:lnSpc>
-              <a:spcBef>
-                <a:spcPts val="500"/>
-              </a:spcBef>
-              <a:buFont typeface="Arial" panose="020B0604020202020204" pitchFamily="34" charset="0"/>
-              <a:buChar char="•"/>
-              <a:defRPr sz="1800" kern="1200">
-                <a:solidFill>
-                  <a:schemeClr val="tx1"/>
-                </a:solidFill>
-                <a:latin typeface="+mn-lt"/>
-                <a:ea typeface="+mn-ea"/>
-                <a:cs typeface="+mn-cs"/>
-              </a:defRPr>
-            </a:lvl7pPr>
-            <a:lvl8pPr marL="3429000" indent="-228600" algn="l" defTabSz="914400" rtl="0" eaLnBrk="1" latinLnBrk="0" hangingPunct="1">
-              <a:lnSpc>
-                <a:spcPct val="90000"/>
-              </a:lnSpc>
-              <a:spcBef>
-                <a:spcPts val="500"/>
-              </a:spcBef>
-              <a:buFont typeface="Arial" panose="020B0604020202020204" pitchFamily="34" charset="0"/>
-              <a:buChar char="•"/>
-              <a:defRPr sz="1800" kern="1200">
-                <a:solidFill>
-                  <a:schemeClr val="tx1"/>
-                </a:solidFill>
-                <a:latin typeface="+mn-lt"/>
-                <a:ea typeface="+mn-ea"/>
-                <a:cs typeface="+mn-cs"/>
-              </a:defRPr>
-            </a:lvl8pPr>
-            <a:lvl9pPr marL="3886200" indent="-228600" algn="l" defTabSz="914400" rtl="0" eaLnBrk="1" latinLnBrk="0" hangingPunct="1">
-              <a:lnSpc>
-                <a:spcPct val="90000"/>
-              </a:lnSpc>
-              <a:spcBef>
-                <a:spcPts val="500"/>
-              </a:spcBef>
-              <a:buFont typeface="Arial" panose="020B0604020202020204" pitchFamily="34" charset="0"/>
-              <a:buChar char="•"/>
-              <a:defRPr sz="1800" kern="1200">
-                <a:solidFill>
-                  <a:schemeClr val="tx1"/>
-                </a:solidFill>
-                <a:latin typeface="+mn-lt"/>
-                <a:ea typeface="+mn-ea"/>
-                <a:cs typeface="+mn-cs"/>
-              </a:defRPr>
-            </a:lvl9pPr>
-          </a:lstStyle>
-          <a:p>
-            <a:pPr marL="0" indent="0">
-              <a:buNone/>
-            </a:pPr>
-            <a:r>
-              <a:rPr lang="en-GB" b="1" dirty="0"/>
-              <a:t>Bar Chart</a:t>
-            </a:r>
-            <a:endParaRPr lang="en-GB" dirty="0"/>
-          </a:p>
-          <a:p>
-            <a:pPr marL="0" indent="0">
-              <a:buNone/>
-            </a:pPr>
-            <a:r>
-              <a:rPr lang="en-GB" sz="2000" dirty="0"/>
-              <a:t>Pick a nice theme for your bar chart. Put the legend at the top. Try to remove the borders around the facet labels so they look more like axis labels </a:t>
+          <a:lstStyle/>
+          <a:p>
+            <a:r>
+              <a:rPr lang="en-GB" sz="1000" dirty="0" err="1">
+                <a:latin typeface="Lucida Sans Typewriter" panose="020B0509030504030204" pitchFamily="49" charset="0"/>
+              </a:rPr>
+              <a:t>density_data</a:t>
+            </a:r>
+            <a:r>
+              <a:rPr lang="en-GB" sz="1000" dirty="0">
+                <a:latin typeface="Lucida Sans Typewriter" panose="020B0509030504030204" pitchFamily="49" charset="0"/>
+              </a:rPr>
+              <a:t> %&gt;% </a:t>
+            </a:r>
+          </a:p>
+          <a:p>
+            <a:r>
+              <a:rPr lang="en-GB" sz="1000" dirty="0">
+                <a:latin typeface="Lucida Sans Typewriter" panose="020B0509030504030204" pitchFamily="49" charset="0"/>
+              </a:rPr>
+              <a:t>  </a:t>
+            </a:r>
+            <a:r>
+              <a:rPr lang="en-GB" sz="1000" dirty="0" err="1">
+                <a:latin typeface="Lucida Sans Typewriter" panose="020B0509030504030204" pitchFamily="49" charset="0"/>
+              </a:rPr>
+              <a:t>ggplot</a:t>
+            </a:r>
+            <a:r>
+              <a:rPr lang="en-GB" sz="1000" dirty="0">
+                <a:latin typeface="Lucida Sans Typewriter" panose="020B0509030504030204" pitchFamily="49" charset="0"/>
+              </a:rPr>
+              <a:t>(</a:t>
+            </a:r>
+            <a:r>
+              <a:rPr lang="en-GB" sz="1000" dirty="0" err="1">
+                <a:latin typeface="Lucida Sans Typewriter" panose="020B0509030504030204" pitchFamily="49" charset="0"/>
+              </a:rPr>
+              <a:t>aes</a:t>
+            </a:r>
+            <a:r>
+              <a:rPr lang="en-GB" sz="1000" dirty="0">
+                <a:latin typeface="Lucida Sans Typewriter" panose="020B0509030504030204" pitchFamily="49" charset="0"/>
+              </a:rPr>
+              <a:t>(x = mean,</a:t>
+            </a:r>
+          </a:p>
+          <a:p>
+            <a:r>
+              <a:rPr lang="en-GB" sz="1000" dirty="0">
+                <a:latin typeface="Lucida Sans Typewriter" panose="020B0509030504030204" pitchFamily="49" charset="0"/>
+              </a:rPr>
+              <a:t>         </a:t>
+            </a:r>
+            <a:r>
+              <a:rPr lang="en-GB" sz="1000" dirty="0" err="1">
+                <a:latin typeface="Lucida Sans Typewriter" panose="020B0509030504030204" pitchFamily="49" charset="0"/>
+              </a:rPr>
+              <a:t>color</a:t>
+            </a:r>
+            <a:r>
+              <a:rPr lang="en-GB" sz="1000" dirty="0">
+                <a:latin typeface="Lucida Sans Typewriter" panose="020B0509030504030204" pitchFamily="49" charset="0"/>
+              </a:rPr>
+              <a:t> = </a:t>
+            </a:r>
+            <a:r>
+              <a:rPr lang="en-GB" sz="1000" dirty="0" err="1">
+                <a:latin typeface="Lucida Sans Typewriter" panose="020B0509030504030204" pitchFamily="49" charset="0"/>
+              </a:rPr>
+              <a:t>theYear</a:t>
+            </a:r>
+            <a:r>
+              <a:rPr lang="en-GB" sz="1000" dirty="0">
+                <a:latin typeface="Lucida Sans Typewriter" panose="020B0509030504030204" pitchFamily="49" charset="0"/>
+              </a:rPr>
+              <a:t>, fill = </a:t>
+            </a:r>
+            <a:r>
+              <a:rPr lang="en-GB" sz="1000" dirty="0" err="1">
+                <a:latin typeface="Lucida Sans Typewriter" panose="020B0509030504030204" pitchFamily="49" charset="0"/>
+              </a:rPr>
+              <a:t>theYear</a:t>
+            </a:r>
+            <a:r>
+              <a:rPr lang="en-GB" sz="1000" dirty="0">
+                <a:latin typeface="Lucida Sans Typewriter" panose="020B0509030504030204" pitchFamily="49" charset="0"/>
+              </a:rPr>
+              <a:t>)) +</a:t>
+            </a:r>
+          </a:p>
+          <a:p>
+            <a:r>
+              <a:rPr lang="en-GB" sz="1000" dirty="0">
+                <a:latin typeface="Lucida Sans Typewriter" panose="020B0509030504030204" pitchFamily="49" charset="0"/>
+              </a:rPr>
+              <a:t>  </a:t>
+            </a:r>
+            <a:r>
+              <a:rPr lang="en-GB" sz="1000" dirty="0" err="1">
+                <a:latin typeface="Lucida Sans Typewriter" panose="020B0509030504030204" pitchFamily="49" charset="0"/>
+              </a:rPr>
+              <a:t>geom_density</a:t>
+            </a:r>
+            <a:r>
+              <a:rPr lang="en-GB" sz="1000" dirty="0">
+                <a:latin typeface="Lucida Sans Typewriter" panose="020B0509030504030204" pitchFamily="49" charset="0"/>
+              </a:rPr>
+              <a:t>(alpha = .3, size = 1) +</a:t>
+            </a:r>
+          </a:p>
+          <a:p>
+            <a:r>
+              <a:rPr lang="en-GB" sz="1000" dirty="0">
+                <a:latin typeface="Lucida Sans Typewriter" panose="020B0509030504030204" pitchFamily="49" charset="0"/>
+              </a:rPr>
+              <a:t>  </a:t>
+            </a:r>
+            <a:r>
+              <a:rPr lang="en-GB" sz="1000" dirty="0" err="1">
+                <a:latin typeface="Lucida Sans Typewriter" panose="020B0509030504030204" pitchFamily="49" charset="0"/>
+              </a:rPr>
+              <a:t>scale_color_manual</a:t>
+            </a:r>
+            <a:r>
+              <a:rPr lang="en-GB" sz="1000" dirty="0">
+                <a:latin typeface="Lucida Sans Typewriter" panose="020B0509030504030204" pitchFamily="49" charset="0"/>
+              </a:rPr>
+              <a:t>(values = c("</a:t>
+            </a:r>
+            <a:r>
+              <a:rPr lang="en-GB" sz="1000" dirty="0" err="1">
+                <a:latin typeface="Lucida Sans Typewriter" panose="020B0509030504030204" pitchFamily="49" charset="0"/>
+              </a:rPr>
+              <a:t>darkgreen</a:t>
+            </a:r>
+            <a:r>
+              <a:rPr lang="en-GB" sz="1000" dirty="0">
+                <a:latin typeface="Lucida Sans Typewriter" panose="020B0509030504030204" pitchFamily="49" charset="0"/>
+              </a:rPr>
+              <a:t>",     </a:t>
+            </a:r>
+          </a:p>
+          <a:p>
+            <a:r>
+              <a:rPr lang="en-GB" sz="1000" dirty="0">
+                <a:latin typeface="Lucida Sans Typewriter" panose="020B0509030504030204" pitchFamily="49" charset="0"/>
+              </a:rPr>
+              <a:t>                                "</a:t>
+            </a:r>
+            <a:r>
+              <a:rPr lang="en-GB" sz="1000" dirty="0" err="1">
+                <a:latin typeface="Lucida Sans Typewriter" panose="020B0509030504030204" pitchFamily="49" charset="0"/>
+              </a:rPr>
+              <a:t>darkblue</a:t>
+            </a:r>
+            <a:r>
+              <a:rPr lang="en-GB" sz="1000" dirty="0">
+                <a:latin typeface="Lucida Sans Typewriter" panose="020B0509030504030204" pitchFamily="49" charset="0"/>
+              </a:rPr>
+              <a:t>")) +</a:t>
+            </a:r>
+          </a:p>
+          <a:p>
+            <a:r>
+              <a:rPr lang="en-GB" sz="1000" dirty="0">
+                <a:latin typeface="Lucida Sans Typewriter" panose="020B0509030504030204" pitchFamily="49" charset="0"/>
+              </a:rPr>
+              <a:t>  </a:t>
+            </a:r>
+            <a:r>
+              <a:rPr lang="en-GB" sz="1000" dirty="0" err="1">
+                <a:latin typeface="Lucida Sans Typewriter" panose="020B0509030504030204" pitchFamily="49" charset="0"/>
+              </a:rPr>
+              <a:t>scale_fill_manual</a:t>
+            </a:r>
+            <a:r>
+              <a:rPr lang="en-GB" sz="1000" dirty="0">
+                <a:latin typeface="Lucida Sans Typewriter" panose="020B0509030504030204" pitchFamily="49" charset="0"/>
+              </a:rPr>
+              <a:t>(values = c("</a:t>
+            </a:r>
+            <a:r>
+              <a:rPr lang="en-GB" sz="1000" dirty="0" err="1">
+                <a:latin typeface="Lucida Sans Typewriter" panose="020B0509030504030204" pitchFamily="49" charset="0"/>
+              </a:rPr>
+              <a:t>darkgreen</a:t>
+            </a:r>
+            <a:r>
+              <a:rPr lang="en-GB" sz="1000" dirty="0">
+                <a:latin typeface="Lucida Sans Typewriter" panose="020B0509030504030204" pitchFamily="49" charset="0"/>
+              </a:rPr>
+              <a:t>",  </a:t>
+            </a:r>
+          </a:p>
+          <a:p>
+            <a:r>
+              <a:rPr lang="en-GB" sz="1000" dirty="0">
+                <a:latin typeface="Lucida Sans Typewriter" panose="020B0509030504030204" pitchFamily="49" charset="0"/>
+              </a:rPr>
+              <a:t>                               "</a:t>
+            </a:r>
+            <a:r>
+              <a:rPr lang="en-GB" sz="1000" dirty="0" err="1">
+                <a:latin typeface="Lucida Sans Typewriter" panose="020B0509030504030204" pitchFamily="49" charset="0"/>
+              </a:rPr>
+              <a:t>darkblue</a:t>
+            </a:r>
+            <a:r>
+              <a:rPr lang="en-GB" sz="1000" dirty="0">
+                <a:latin typeface="Lucida Sans Typewriter" panose="020B0509030504030204" pitchFamily="49" charset="0"/>
+              </a:rPr>
+              <a:t>")) +</a:t>
+            </a:r>
+          </a:p>
+          <a:p>
+            <a:r>
+              <a:rPr lang="en-GB" sz="1000" dirty="0">
+                <a:latin typeface="Lucida Sans Typewriter" panose="020B0509030504030204" pitchFamily="49" charset="0"/>
+              </a:rPr>
+              <a:t>  </a:t>
+            </a:r>
+            <a:r>
+              <a:rPr lang="en-GB" sz="1000" dirty="0" err="1">
+                <a:latin typeface="Lucida Sans Typewriter" panose="020B0509030504030204" pitchFamily="49" charset="0"/>
+              </a:rPr>
+              <a:t>facet_grid</a:t>
+            </a:r>
+            <a:r>
+              <a:rPr lang="en-GB" sz="1000" dirty="0">
+                <a:latin typeface="Lucida Sans Typewriter" panose="020B0509030504030204" pitchFamily="49" charset="0"/>
+              </a:rPr>
+              <a:t>(</a:t>
+            </a:r>
+            <a:r>
+              <a:rPr lang="en-GB" sz="1000" dirty="0" err="1">
+                <a:latin typeface="Lucida Sans Typewriter" panose="020B0509030504030204" pitchFamily="49" charset="0"/>
+              </a:rPr>
+              <a:t>country~name</a:t>
+            </a:r>
+            <a:r>
+              <a:rPr lang="en-GB" sz="1000" dirty="0">
+                <a:latin typeface="Lucida Sans Typewriter" panose="020B0509030504030204" pitchFamily="49" charset="0"/>
+              </a:rPr>
+              <a:t>, scales = "free") +</a:t>
+            </a:r>
+            <a:br>
+              <a:rPr lang="en-GB" sz="1000" dirty="0">
+                <a:latin typeface="Lucida Sans Typewriter" panose="020B0509030504030204" pitchFamily="49" charset="0"/>
+              </a:rPr>
+            </a:br>
+            <a:r>
+              <a:rPr lang="en-GB" sz="1000" dirty="0">
+                <a:latin typeface="Lucida Sans Typewriter" panose="020B0509030504030204" pitchFamily="49" charset="0"/>
+              </a:rPr>
+              <a:t>  </a:t>
+            </a:r>
+            <a:r>
+              <a:rPr lang="en-GB" sz="1000" dirty="0" err="1">
+                <a:latin typeface="Lucida Sans Typewriter" panose="020B0509030504030204" pitchFamily="49" charset="0"/>
+              </a:rPr>
+              <a:t>theme_</a:t>
+            </a:r>
+            <a:r>
+              <a:rPr lang="en-GB" sz="1000" dirty="0" err="1">
+                <a:highlight>
+                  <a:srgbClr val="000000"/>
+                </a:highlight>
+                <a:latin typeface="Lucida Sans Typewriter" panose="020B0509030504030204" pitchFamily="49" charset="0"/>
+              </a:rPr>
+              <a:t>light</a:t>
+            </a:r>
+            <a:r>
+              <a:rPr lang="en-GB" sz="1000" dirty="0">
+                <a:latin typeface="Lucida Sans Typewriter" panose="020B0509030504030204" pitchFamily="49" charset="0"/>
+              </a:rPr>
+              <a:t>() +</a:t>
+            </a:r>
+          </a:p>
+          <a:p>
+            <a:r>
+              <a:rPr lang="en-GB" sz="1000" dirty="0">
+                <a:latin typeface="Lucida Sans Typewriter" panose="020B0509030504030204" pitchFamily="49" charset="0"/>
+              </a:rPr>
+              <a:t>  theme(</a:t>
+            </a:r>
+            <a:r>
+              <a:rPr lang="en-GB" sz="1000" dirty="0" err="1">
+                <a:highlight>
+                  <a:srgbClr val="000000"/>
+                </a:highlight>
+                <a:latin typeface="Lucida Sans Typewriter" panose="020B0509030504030204" pitchFamily="49" charset="0"/>
+              </a:rPr>
+              <a:t>legend.position</a:t>
+            </a:r>
+            <a:r>
+              <a:rPr lang="en-GB" sz="1000" dirty="0">
+                <a:highlight>
+                  <a:srgbClr val="000000"/>
+                </a:highlight>
+                <a:latin typeface="Lucida Sans Typewriter" panose="020B0509030504030204" pitchFamily="49" charset="0"/>
+              </a:rPr>
+              <a:t> = "top"</a:t>
+            </a:r>
+            <a:r>
+              <a:rPr lang="en-GB" sz="1000" dirty="0">
+                <a:latin typeface="Lucida Sans Typewriter" panose="020B0509030504030204" pitchFamily="49" charset="0"/>
+              </a:rPr>
+              <a:t>)</a:t>
+            </a:r>
+          </a:p>
+        </p:txBody>
+      </p:sp>
+      <p:pic>
+        <p:nvPicPr>
+          <p:cNvPr id="19" name="Picture 18">
+            <a:extLst>
+              <a:ext uri="{FF2B5EF4-FFF2-40B4-BE49-F238E27FC236}">
+                <a16:creationId xmlns:a16="http://schemas.microsoft.com/office/drawing/2014/main" id="{47ECDC3B-A443-488A-8AF2-BD72DF237BBE}"/>
+              </a:ext>
+            </a:extLst>
+          </p:cNvPr>
+          <p:cNvPicPr>
+            <a:picLocks noChangeAspect="1"/>
+          </p:cNvPicPr>
+          <p:nvPr/>
+        </p:nvPicPr>
+        <p:blipFill>
+          <a:blip r:embed="rId3">
+            <a:extLst>
+              <a:ext uri="{28A0092B-C50C-407E-A947-70E740481C1C}">
+                <a14:useLocalDpi xmlns:a14="http://schemas.microsoft.com/office/drawing/2010/main" val="0"/>
+              </a:ext>
+            </a:extLst>
+          </a:blip>
+          <a:srcRect/>
+          <a:stretch/>
+        </p:blipFill>
+        <p:spPr>
+          <a:xfrm>
+            <a:off x="4601839" y="4476075"/>
+            <a:ext cx="3200407" cy="2133604"/>
+          </a:xfrm>
+          <a:prstGeom prst="rect">
+            <a:avLst/>
+          </a:prstGeom>
+        </p:spPr>
+      </p:pic>
+      <p:pic>
+        <p:nvPicPr>
+          <p:cNvPr id="15" name="Picture 14">
+            <a:extLst>
+              <a:ext uri="{FF2B5EF4-FFF2-40B4-BE49-F238E27FC236}">
+                <a16:creationId xmlns:a16="http://schemas.microsoft.com/office/drawing/2014/main" id="{CA3B5DD2-E80E-4C6B-875C-AF00BD588072}"/>
+              </a:ext>
+            </a:extLst>
+          </p:cNvPr>
+          <p:cNvPicPr>
+            <a:picLocks noChangeAspect="1"/>
+          </p:cNvPicPr>
+          <p:nvPr/>
+        </p:nvPicPr>
+        <p:blipFill>
+          <a:blip r:embed="rId4">
+            <a:extLst>
+              <a:ext uri="{28A0092B-C50C-407E-A947-70E740481C1C}">
+                <a14:useLocalDpi xmlns:a14="http://schemas.microsoft.com/office/drawing/2010/main" val="0"/>
+              </a:ext>
+            </a:extLst>
+          </a:blip>
+          <a:srcRect/>
+          <a:stretch/>
+        </p:blipFill>
+        <p:spPr>
+          <a:xfrm>
+            <a:off x="673213" y="4567056"/>
+            <a:ext cx="3200407" cy="2133604"/>
+          </a:xfrm>
+          <a:prstGeom prst="rect">
+            <a:avLst/>
+          </a:prstGeom>
+        </p:spPr>
+      </p:pic>
+      <p:sp>
+        <p:nvSpPr>
+          <p:cNvPr id="5" name="TextBox 4">
+            <a:extLst>
+              <a:ext uri="{FF2B5EF4-FFF2-40B4-BE49-F238E27FC236}">
+                <a16:creationId xmlns:a16="http://schemas.microsoft.com/office/drawing/2014/main" id="{D1628F68-1744-4113-A1D5-8AC0B8037378}"/>
+              </a:ext>
+            </a:extLst>
+          </p:cNvPr>
+          <p:cNvSpPr txBox="1"/>
+          <p:nvPr/>
+        </p:nvSpPr>
+        <p:spPr>
+          <a:xfrm>
+            <a:off x="134224" y="2106629"/>
+            <a:ext cx="4278385" cy="1938992"/>
+          </a:xfrm>
+          <a:prstGeom prst="rect">
+            <a:avLst/>
+          </a:prstGeom>
+          <a:noFill/>
+        </p:spPr>
+        <p:txBody>
+          <a:bodyPr wrap="square" rtlCol="0">
+            <a:spAutoFit/>
+          </a:bodyPr>
+          <a:lstStyle/>
+          <a:p>
+            <a:r>
+              <a:rPr lang="en-GB" sz="1000" dirty="0" err="1">
+                <a:latin typeface="Lucida Sans Typewriter" panose="020B0509030504030204" pitchFamily="49" charset="0"/>
+              </a:rPr>
+              <a:t>scatter_data</a:t>
+            </a:r>
+            <a:r>
+              <a:rPr lang="en-GB" sz="1000" dirty="0">
+                <a:latin typeface="Lucida Sans Typewriter" panose="020B0509030504030204" pitchFamily="49" charset="0"/>
+              </a:rPr>
+              <a:t> %&gt;% </a:t>
+            </a:r>
+          </a:p>
+          <a:p>
+            <a:r>
+              <a:rPr lang="en-GB" sz="1000" dirty="0">
+                <a:latin typeface="Lucida Sans Typewriter" panose="020B0509030504030204" pitchFamily="49" charset="0"/>
+              </a:rPr>
+              <a:t>  </a:t>
+            </a:r>
+            <a:r>
+              <a:rPr lang="en-GB" sz="1000" dirty="0" err="1">
+                <a:latin typeface="Lucida Sans Typewriter" panose="020B0509030504030204" pitchFamily="49" charset="0"/>
+              </a:rPr>
+              <a:t>ggplot</a:t>
+            </a:r>
+            <a:r>
+              <a:rPr lang="en-GB" sz="1000" dirty="0">
+                <a:latin typeface="Lucida Sans Typewriter" panose="020B0509030504030204" pitchFamily="49" charset="0"/>
+              </a:rPr>
+              <a:t>(</a:t>
+            </a:r>
+            <a:r>
+              <a:rPr lang="en-GB" sz="1000" dirty="0" err="1">
+                <a:latin typeface="Lucida Sans Typewriter" panose="020B0509030504030204" pitchFamily="49" charset="0"/>
+              </a:rPr>
+              <a:t>aes</a:t>
+            </a:r>
+            <a:r>
+              <a:rPr lang="en-GB" sz="1000" dirty="0">
+                <a:latin typeface="Lucida Sans Typewriter" panose="020B0509030504030204" pitchFamily="49" charset="0"/>
+              </a:rPr>
+              <a:t>(x = o3, y = no2)) +</a:t>
+            </a:r>
+          </a:p>
+          <a:p>
+            <a:r>
+              <a:rPr lang="en-GB" sz="1000" dirty="0">
+                <a:latin typeface="Lucida Sans Typewriter" panose="020B0509030504030204" pitchFamily="49" charset="0"/>
+              </a:rPr>
+              <a:t>  </a:t>
+            </a:r>
+            <a:r>
+              <a:rPr lang="en-GB" sz="1000" dirty="0" err="1">
+                <a:latin typeface="Lucida Sans Typewriter" panose="020B0509030504030204" pitchFamily="49" charset="0"/>
+              </a:rPr>
+              <a:t>geom_point</a:t>
+            </a:r>
+            <a:r>
+              <a:rPr lang="en-GB" sz="1000" dirty="0">
+                <a:latin typeface="Lucida Sans Typewriter" panose="020B0509030504030204" pitchFamily="49" charset="0"/>
+              </a:rPr>
+              <a:t>(</a:t>
+            </a:r>
+            <a:r>
+              <a:rPr lang="en-GB" sz="1000" dirty="0" err="1">
+                <a:latin typeface="Lucida Sans Typewriter" panose="020B0509030504030204" pitchFamily="49" charset="0"/>
+              </a:rPr>
+              <a:t>aes</a:t>
+            </a:r>
+            <a:r>
+              <a:rPr lang="en-GB" sz="1000" dirty="0">
+                <a:latin typeface="Lucida Sans Typewriter" panose="020B0509030504030204" pitchFamily="49" charset="0"/>
+              </a:rPr>
+              <a:t>(</a:t>
+            </a:r>
+            <a:r>
+              <a:rPr lang="en-GB" sz="1000" dirty="0" err="1">
+                <a:latin typeface="Lucida Sans Typewriter" panose="020B0509030504030204" pitchFamily="49" charset="0"/>
+              </a:rPr>
+              <a:t>color</a:t>
+            </a:r>
+            <a:r>
+              <a:rPr lang="en-GB" sz="1000" dirty="0">
+                <a:latin typeface="Lucida Sans Typewriter" panose="020B0509030504030204" pitchFamily="49" charset="0"/>
+              </a:rPr>
+              <a:t> = code)) +</a:t>
+            </a:r>
+          </a:p>
+          <a:p>
+            <a:r>
+              <a:rPr lang="en-GB" sz="1000" dirty="0">
+                <a:latin typeface="Lucida Sans Typewriter" panose="020B0509030504030204" pitchFamily="49" charset="0"/>
+              </a:rPr>
+              <a:t>  </a:t>
+            </a:r>
+            <a:r>
+              <a:rPr lang="en-GB" sz="1000" dirty="0" err="1">
+                <a:latin typeface="Lucida Sans Typewriter" panose="020B0509030504030204" pitchFamily="49" charset="0"/>
+              </a:rPr>
+              <a:t>geom_smooth</a:t>
+            </a:r>
+            <a:r>
+              <a:rPr lang="en-GB" sz="1000" dirty="0">
+                <a:latin typeface="Lucida Sans Typewriter" panose="020B0509030504030204" pitchFamily="49" charset="0"/>
+              </a:rPr>
+              <a:t>(method = "</a:t>
+            </a:r>
+            <a:r>
+              <a:rPr lang="en-GB" sz="1000" dirty="0" err="1">
+                <a:latin typeface="Lucida Sans Typewriter" panose="020B0509030504030204" pitchFamily="49" charset="0"/>
+              </a:rPr>
+              <a:t>lm</a:t>
+            </a:r>
+            <a:r>
+              <a:rPr lang="en-GB" sz="1000" dirty="0">
+                <a:latin typeface="Lucida Sans Typewriter" panose="020B0509030504030204" pitchFamily="49" charset="0"/>
+              </a:rPr>
+              <a:t>",</a:t>
+            </a:r>
+          </a:p>
+          <a:p>
+            <a:r>
+              <a:rPr lang="en-GB" sz="1000" dirty="0">
+                <a:latin typeface="Lucida Sans Typewriter" panose="020B0509030504030204" pitchFamily="49" charset="0"/>
+              </a:rPr>
+              <a:t>              </a:t>
+            </a:r>
+            <a:r>
+              <a:rPr lang="en-GB" sz="1000" dirty="0" err="1">
+                <a:latin typeface="Lucida Sans Typewriter" panose="020B0509030504030204" pitchFamily="49" charset="0"/>
+              </a:rPr>
+              <a:t>aes</a:t>
+            </a:r>
+            <a:r>
+              <a:rPr lang="en-GB" sz="1000" dirty="0">
+                <a:latin typeface="Lucida Sans Typewriter" panose="020B0509030504030204" pitchFamily="49" charset="0"/>
+              </a:rPr>
+              <a:t>(group = code)) +</a:t>
+            </a:r>
+          </a:p>
+          <a:p>
+            <a:r>
+              <a:rPr lang="en-GB" sz="1000" dirty="0">
+                <a:latin typeface="Lucida Sans Typewriter" panose="020B0509030504030204" pitchFamily="49" charset="0"/>
+              </a:rPr>
+              <a:t>  </a:t>
+            </a:r>
+            <a:r>
+              <a:rPr lang="en-GB" sz="1000" dirty="0" err="1">
+                <a:latin typeface="Lucida Sans Typewriter" panose="020B0509030504030204" pitchFamily="49" charset="0"/>
+              </a:rPr>
+              <a:t>scale_x_continuous</a:t>
+            </a:r>
+            <a:r>
+              <a:rPr lang="en-GB" sz="1000" dirty="0">
+                <a:latin typeface="Lucida Sans Typewriter" panose="020B0509030504030204" pitchFamily="49" charset="0"/>
+              </a:rPr>
+              <a:t>(name = "Ozone",          </a:t>
+            </a:r>
+          </a:p>
+          <a:p>
+            <a:r>
+              <a:rPr lang="en-GB" sz="1000" dirty="0">
+                <a:latin typeface="Lucida Sans Typewriter" panose="020B0509030504030204" pitchFamily="49" charset="0"/>
+              </a:rPr>
+              <a:t>                     limits = c(0, NA)) + </a:t>
+            </a:r>
+          </a:p>
+          <a:p>
+            <a:r>
+              <a:rPr lang="en-GB" sz="1000" dirty="0">
+                <a:latin typeface="Lucida Sans Typewriter" panose="020B0509030504030204" pitchFamily="49" charset="0"/>
+              </a:rPr>
+              <a:t>  </a:t>
+            </a:r>
+            <a:r>
+              <a:rPr lang="en-GB" sz="1000" dirty="0" err="1">
+                <a:latin typeface="Lucida Sans Typewriter" panose="020B0509030504030204" pitchFamily="49" charset="0"/>
+              </a:rPr>
+              <a:t>scale_y_continuous</a:t>
+            </a:r>
+            <a:r>
+              <a:rPr lang="en-GB" sz="1000" dirty="0">
+                <a:latin typeface="Lucida Sans Typewriter" panose="020B0509030504030204" pitchFamily="49" charset="0"/>
+              </a:rPr>
+              <a:t>(name = "Nitrogen Dioxide", </a:t>
+            </a:r>
+          </a:p>
+          <a:p>
+            <a:r>
+              <a:rPr lang="en-GB" sz="1000" dirty="0">
+                <a:latin typeface="Lucida Sans Typewriter" panose="020B0509030504030204" pitchFamily="49" charset="0"/>
+              </a:rPr>
+              <a:t>                     limits = c(0, NA)) +</a:t>
+            </a:r>
+          </a:p>
+          <a:p>
+            <a:r>
+              <a:rPr lang="en-GB" sz="1000" dirty="0">
+                <a:latin typeface="Lucida Sans Typewriter" panose="020B0509030504030204" pitchFamily="49" charset="0"/>
+              </a:rPr>
+              <a:t>  </a:t>
+            </a:r>
+            <a:r>
+              <a:rPr lang="en-GB" sz="1000" dirty="0" err="1">
+                <a:latin typeface="Lucida Sans Typewriter" panose="020B0509030504030204" pitchFamily="49" charset="0"/>
+              </a:rPr>
+              <a:t>facet_wrap</a:t>
+            </a:r>
+            <a:r>
+              <a:rPr lang="en-GB" sz="1000" dirty="0">
+                <a:latin typeface="Lucida Sans Typewriter" panose="020B0509030504030204" pitchFamily="49" charset="0"/>
+              </a:rPr>
+              <a:t>(~country) +</a:t>
+            </a:r>
+          </a:p>
+          <a:p>
+            <a:r>
+              <a:rPr lang="en-GB" sz="1000" dirty="0">
+                <a:latin typeface="Lucida Sans Typewriter" panose="020B0509030504030204" pitchFamily="49" charset="0"/>
+              </a:rPr>
+              <a:t>  </a:t>
+            </a:r>
+            <a:r>
+              <a:rPr lang="en-GB" sz="1000" dirty="0" err="1">
+                <a:latin typeface="Lucida Sans Typewriter" panose="020B0509030504030204" pitchFamily="49" charset="0"/>
+              </a:rPr>
+              <a:t>theme_</a:t>
+            </a:r>
+            <a:r>
+              <a:rPr lang="en-GB" sz="1000" dirty="0" err="1">
+                <a:highlight>
+                  <a:srgbClr val="000000"/>
+                </a:highlight>
+                <a:latin typeface="Lucida Sans Typewriter" panose="020B0509030504030204" pitchFamily="49" charset="0"/>
+              </a:rPr>
+              <a:t>light</a:t>
+            </a:r>
+            <a:r>
+              <a:rPr lang="en-GB" sz="1000" dirty="0">
+                <a:latin typeface="Lucida Sans Typewriter" panose="020B0509030504030204" pitchFamily="49" charset="0"/>
+              </a:rPr>
+              <a:t>() +</a:t>
+            </a:r>
+          </a:p>
+          <a:p>
+            <a:r>
+              <a:rPr lang="en-GB" sz="1000" dirty="0">
+                <a:latin typeface="Lucida Sans Typewriter" panose="020B0509030504030204" pitchFamily="49" charset="0"/>
+              </a:rPr>
+              <a:t>  theme(</a:t>
+            </a:r>
+            <a:r>
+              <a:rPr lang="en-GB" sz="1000" dirty="0" err="1">
+                <a:highlight>
+                  <a:srgbClr val="000000"/>
+                </a:highlight>
+                <a:latin typeface="Lucida Sans Typewriter" panose="020B0509030504030204" pitchFamily="49" charset="0"/>
+              </a:rPr>
+              <a:t>legend.position</a:t>
+            </a:r>
+            <a:r>
+              <a:rPr lang="en-GB" sz="1000" dirty="0">
+                <a:highlight>
+                  <a:srgbClr val="000000"/>
+                </a:highlight>
+                <a:latin typeface="Lucida Sans Typewriter" panose="020B0509030504030204" pitchFamily="49" charset="0"/>
+              </a:rPr>
+              <a:t> = "none"</a:t>
+            </a:r>
+            <a:r>
+              <a:rPr lang="en-GB" sz="1000" dirty="0">
+                <a:latin typeface="Lucida Sans Typewriter" panose="020B0509030504030204" pitchFamily="49" charset="0"/>
+              </a:rPr>
+              <a:t>)</a:t>
             </a:r>
           </a:p>
         </p:txBody>
@@ -4118,20 +6032,227 @@
     </p:spTree>
     <p:extLst>
       <p:ext uri="{BB962C8B-B14F-4D97-AF65-F5344CB8AC3E}">
-        <p14:creationId xmlns:p14="http://schemas.microsoft.com/office/powerpoint/2010/main" val="1468276885"/>
+        <p14:creationId xmlns:p14="http://schemas.microsoft.com/office/powerpoint/2010/main" val="3443805980"/>
       </p:ext>
     </p:extLst>
   </p:cSld>
   <p:clrMapOvr>
     <a:masterClrMapping/>
   </p:clrMapOvr>
-  <mc:AlternateContent xmlns:mc="http://schemas.openxmlformats.org/markup-compatibility/2006">
-    <mc:Choice xmlns:p14="http://schemas.microsoft.com/office/powerpoint/2010/main" Requires="p14">
+</p:sld>
+</file>
+
+<file path=ppt/slides/slide12.xml><?xml version="1.0" encoding="utf-8"?>
+<p:sld xmlns:a="http://schemas.openxmlformats.org/drawingml/2006/main" xmlns:r="http://schemas.openxmlformats.org/officeDocument/2006/relationships" xmlns:p="http://schemas.openxmlformats.org/presentationml/2006/main">
+  <p:cSld>
+    <p:spTree>
+      <p:nvGrpSpPr>
+        <p:cNvPr id="1" name=""/>
+        <p:cNvGrpSpPr/>
+        <p:nvPr/>
+      </p:nvGrpSpPr>
+      <p:grpSpPr>
+        <a:xfrm>
+          <a:off x="0" y="0"/>
+          <a:ext cx="0" cy="0"/>
+          <a:chOff x="0" y="0"/>
+          <a:chExt cx="0" cy="0"/>
+        </a:xfrm>
+      </p:grpSpPr>
+      <p:pic>
+        <p:nvPicPr>
+          <p:cNvPr id="6" name="Picture 5">
+            <a:extLst>
+              <a:ext uri="{FF2B5EF4-FFF2-40B4-BE49-F238E27FC236}">
+                <a16:creationId xmlns:a16="http://schemas.microsoft.com/office/drawing/2014/main" id="{30FEEBAF-2FF7-468D-96A5-68F8CD41ECDB}"/>
+              </a:ext>
+            </a:extLst>
+          </p:cNvPr>
+          <p:cNvPicPr>
+            <a:picLocks noChangeAspect="1"/>
+          </p:cNvPicPr>
+          <p:nvPr/>
+        </p:nvPicPr>
+        <p:blipFill>
+          <a:blip r:embed="rId2">
+            <a:extLst>
+              <a:ext uri="{BEBA8EAE-BF5A-486C-A8C5-ECC9F3942E4B}">
+                <a14:imgProps xmlns:a14="http://schemas.microsoft.com/office/drawing/2010/main">
+                  <a14:imgLayer r:embed="rId3">
+                    <a14:imgEffect>
+                      <a14:sharpenSoften amount="-50000"/>
+                    </a14:imgEffect>
+                    <a14:imgEffect>
+                      <a14:saturation sat="66000"/>
+                    </a14:imgEffect>
+                    <a14:imgEffect>
+                      <a14:brightnessContrast contrast="40000"/>
+                    </a14:imgEffect>
+                  </a14:imgLayer>
+                </a14:imgProps>
+              </a:ext>
+            </a:extLst>
+          </a:blip>
+          <a:stretch>
+            <a:fillRect/>
+          </a:stretch>
+        </p:blipFill>
+        <p:spPr>
+          <a:xfrm>
+            <a:off x="1394792" y="784293"/>
+            <a:ext cx="9273208" cy="5741802"/>
+          </a:xfrm>
+          <a:prstGeom prst="rect">
+            <a:avLst/>
+          </a:prstGeom>
+        </p:spPr>
+      </p:pic>
+      <p:sp>
+        <p:nvSpPr>
+          <p:cNvPr id="7" name="Rectangle 6">
+            <a:extLst>
+              <a:ext uri="{FF2B5EF4-FFF2-40B4-BE49-F238E27FC236}">
+                <a16:creationId xmlns:a16="http://schemas.microsoft.com/office/drawing/2014/main" id="{4929E5B1-D3B9-4052-ADB3-A4B6B285F466}"/>
+              </a:ext>
+            </a:extLst>
+          </p:cNvPr>
+          <p:cNvSpPr/>
+          <p:nvPr/>
+        </p:nvSpPr>
+        <p:spPr>
+          <a:xfrm>
+            <a:off x="0" y="2493677"/>
+            <a:ext cx="12192000" cy="1987616"/>
+          </a:xfrm>
+          <a:prstGeom prst="rect">
+            <a:avLst/>
+          </a:prstGeom>
+          <a:solidFill>
+            <a:schemeClr val="tx1">
+              <a:lumMod val="75000"/>
+              <a:lumOff val="25000"/>
+            </a:schemeClr>
+          </a:solidFill>
+          <a:ln>
+            <a:noFill/>
+          </a:ln>
+        </p:spPr>
+        <p:style>
+          <a:lnRef idx="2">
+            <a:schemeClr val="accent1">
+              <a:shade val="50000"/>
+            </a:schemeClr>
+          </a:lnRef>
+          <a:fillRef idx="1">
+            <a:schemeClr val="accent1"/>
+          </a:fillRef>
+          <a:effectRef idx="0">
+            <a:schemeClr val="accent1"/>
+          </a:effectRef>
+          <a:fontRef idx="minor">
+            <a:schemeClr val="lt1"/>
+          </a:fontRef>
+        </p:style>
+        <p:txBody>
+          <a:bodyPr rtlCol="0" anchor="ctr"/>
+          <a:lstStyle/>
+          <a:p>
+            <a:pPr algn="ctr"/>
+            <a:endParaRPr lang="en-GB"/>
+          </a:p>
+        </p:txBody>
+      </p:sp>
+      <p:sp>
+        <p:nvSpPr>
+          <p:cNvPr id="2" name="Title 1">
+            <a:extLst>
+              <a:ext uri="{FF2B5EF4-FFF2-40B4-BE49-F238E27FC236}">
+                <a16:creationId xmlns:a16="http://schemas.microsoft.com/office/drawing/2014/main" id="{76E844CB-E93A-44E4-BEA0-0073489614CE}"/>
+              </a:ext>
+            </a:extLst>
+          </p:cNvPr>
+          <p:cNvSpPr>
+            <a:spLocks noGrp="1"/>
+          </p:cNvSpPr>
+          <p:nvPr>
+            <p:ph type="ctrTitle"/>
+          </p:nvPr>
+        </p:nvSpPr>
+        <p:spPr>
+          <a:xfrm>
+            <a:off x="1524000" y="2608403"/>
+            <a:ext cx="9144000" cy="1758165"/>
+          </a:xfrm>
+        </p:spPr>
+        <p:txBody>
+          <a:bodyPr/>
+          <a:lstStyle/>
+          <a:p>
+            <a:r>
+              <a:rPr lang="en-GB" dirty="0">
+                <a:solidFill>
+                  <a:schemeClr val="bg1"/>
+                </a:solidFill>
+              </a:rPr>
+              <a:t>Learners’ </a:t>
+            </a:r>
+            <a:r>
+              <a:rPr lang="en-GB" dirty="0">
+                <a:solidFill>
+                  <a:schemeClr val="bg1"/>
+                </a:solidFill>
+                <a:latin typeface="Cascadia Mono" panose="020B0609020000020004" pitchFamily="49" charset="0"/>
+                <a:ea typeface="Cascadia Mono" panose="020B0609020000020004" pitchFamily="49" charset="0"/>
+                <a:cs typeface="Cascadia Mono" panose="020B0609020000020004" pitchFamily="49" charset="0"/>
+              </a:rPr>
+              <a:t>{ggplot2}</a:t>
+            </a:r>
+            <a:br>
+              <a:rPr lang="en-GB" dirty="0">
+                <a:solidFill>
+                  <a:schemeClr val="bg1"/>
+                </a:solidFill>
+                <a:latin typeface="Cascadia Mono" panose="020B0609020000020004" pitchFamily="49" charset="0"/>
+                <a:ea typeface="Cascadia Mono" panose="020B0609020000020004" pitchFamily="49" charset="0"/>
+                <a:cs typeface="Cascadia Mono" panose="020B0609020000020004" pitchFamily="49" charset="0"/>
+              </a:rPr>
+            </a:br>
+            <a:r>
+              <a:rPr lang="en-GB" dirty="0">
+                <a:solidFill>
+                  <a:schemeClr val="bg1"/>
+                </a:solidFill>
+              </a:rPr>
+              <a:t>Questions</a:t>
+            </a:r>
+            <a:endParaRPr lang="en-GB" dirty="0">
+              <a:solidFill>
+                <a:schemeClr val="bg1"/>
+              </a:solidFill>
+              <a:latin typeface="Cascadia Mono" panose="020B0609020000020004" pitchFamily="49" charset="0"/>
+              <a:ea typeface="Cascadia Mono" panose="020B0609020000020004" pitchFamily="49" charset="0"/>
+              <a:cs typeface="Cascadia Mono" panose="020B0609020000020004" pitchFamily="49" charset="0"/>
+            </a:endParaRPr>
+          </a:p>
+        </p:txBody>
+      </p:sp>
+    </p:spTree>
+    <p:extLst>
+      <p:ext uri="{BB962C8B-B14F-4D97-AF65-F5344CB8AC3E}">
+        <p14:creationId xmlns:p14="http://schemas.microsoft.com/office/powerpoint/2010/main" val="3477423033"/>
+      </p:ext>
+    </p:extLst>
+  </p:cSld>
+  <p:clrMapOvr>
+    <a:masterClrMapping/>
+  </p:clrMapOvr>
+  <mc:AlternateContent xmlns:mc="http://schemas.openxmlformats.org/markup-compatibility/2006" xmlns:p14="http://schemas.microsoft.com/office/powerpoint/2010/main">
+    <mc:Choice Requires="p14">
       <p:transition spd="med" p14:dur="700">
         <p:fade/>
       </p:transition>
     </mc:Choice>
-    <mc:Fallback>
+    <mc:Fallback xmlns="">
       <p:transition spd="med">
         <p:fade/>
       </p:transition>
@@ -5443,17 +7564,17 @@
                   <a:srgbClr val="404040"/>
                 </a:solidFill>
               </a:rPr>
-              <a:t>Some simple plots</a:t>
+              <a:t>What are we doing?</a:t>
             </a:r>
           </a:p>
         </p:txBody>
       </p:sp>
       <p:sp>
         <p:nvSpPr>
-          <p:cNvPr id="5" name="Content Placeholder 4">
-            <a:extLst>
-              <a:ext uri="{FF2B5EF4-FFF2-40B4-BE49-F238E27FC236}">
-                <a16:creationId xmlns:a16="http://schemas.microsoft.com/office/drawing/2014/main" id="{95AF86B1-6330-40C4-9F51-C4083ACEA657}"/>
+          <p:cNvPr id="3" name="Content Placeholder 2">
+            <a:extLst>
+              <a:ext uri="{FF2B5EF4-FFF2-40B4-BE49-F238E27FC236}">
+                <a16:creationId xmlns:a16="http://schemas.microsoft.com/office/drawing/2014/main" id="{B415CE86-BB6C-4114-BAA7-2C3F4996B34D}"/>
               </a:ext>
             </a:extLst>
           </p:cNvPr>
@@ -5464,478 +7585,77 @@
             <p:ph idx="1"/>
           </p:nvPr>
         </p:nvSpPr>
-        <p:spPr>
-          <a:xfrm>
-            <a:off x="838200" y="1825625"/>
-            <a:ext cx="3117574" cy="4351338"/>
-          </a:xfrm>
-        </p:spPr>
+        <p:spPr/>
         <p:txBody>
-          <a:bodyPr/>
-          <a:lstStyle/>
-          <a:p>
-            <a:pPr marL="0" indent="0">
-              <a:buNone/>
-            </a:pPr>
-            <a:r>
-              <a:rPr lang="en-GB" b="1" dirty="0"/>
-              <a:t>Scatter Plot</a:t>
-            </a:r>
-          </a:p>
-          <a:p>
-            <a:pPr marL="0" indent="0">
-              <a:buNone/>
-            </a:pPr>
-            <a:r>
-              <a:rPr lang="en-GB" sz="2000" dirty="0"/>
-              <a:t>Plot a scatter of O</a:t>
-            </a:r>
-            <a:r>
-              <a:rPr lang="en-GB" sz="2000" baseline="-25000" dirty="0"/>
-              <a:t>3</a:t>
-            </a:r>
-            <a:r>
-              <a:rPr lang="en-GB" sz="2000" dirty="0"/>
-              <a:t> to NO</a:t>
-            </a:r>
-            <a:r>
-              <a:rPr lang="en-GB" sz="2000" baseline="-25000" dirty="0"/>
-              <a:t>2</a:t>
-            </a:r>
-            <a:r>
-              <a:rPr lang="en-GB" sz="2000" dirty="0"/>
-              <a:t> just for Marylebone Road (code == “MY1”) and fit a smooth through it.</a:t>
-            </a:r>
-          </a:p>
-        </p:txBody>
-      </p:sp>
-      <p:sp>
-        <p:nvSpPr>
-          <p:cNvPr id="11" name="Content Placeholder 4">
-            <a:extLst>
-              <a:ext uri="{FF2B5EF4-FFF2-40B4-BE49-F238E27FC236}">
-                <a16:creationId xmlns:a16="http://schemas.microsoft.com/office/drawing/2014/main" id="{771148EC-1896-4790-88A1-FE4C4FAEF766}"/>
-              </a:ext>
-            </a:extLst>
-          </p:cNvPr>
-          <p:cNvSpPr txBox="1">
-            <a:spLocks/>
-          </p:cNvSpPr>
-          <p:nvPr/>
-        </p:nvSpPr>
-        <p:spPr>
-          <a:xfrm>
-            <a:off x="4580283" y="1825625"/>
-            <a:ext cx="3117574" cy="4351338"/>
-          </a:xfrm>
-          <a:prstGeom prst="rect">
-            <a:avLst/>
-          </a:prstGeom>
-        </p:spPr>
-        <p:txBody>
-          <a:bodyPr vert="horz" lIns="91440" tIns="45720" rIns="91440" bIns="45720" rtlCol="0">
+          <a:bodyPr>
             <a:normAutofit/>
           </a:bodyPr>
-          <a:lstStyle>
-            <a:lvl1pPr marL="228600" indent="-228600" algn="l" defTabSz="914400" rtl="0" eaLnBrk="1" latinLnBrk="0" hangingPunct="1">
-              <a:lnSpc>
-                <a:spcPct val="90000"/>
-              </a:lnSpc>
-              <a:spcBef>
-                <a:spcPts val="1000"/>
-              </a:spcBef>
-              <a:buFont typeface="Arial" panose="020B0604020202020204" pitchFamily="34" charset="0"/>
-              <a:buChar char="•"/>
-              <a:defRPr sz="2800" kern="1200">
+          <a:lstStyle/>
+          <a:p>
+            <a:r>
+              <a:rPr lang="en-GB" dirty="0">
                 <a:solidFill>
-                  <a:schemeClr val="tx1"/>
+                  <a:srgbClr val="404040"/>
                 </a:solidFill>
-                <a:latin typeface="+mn-lt"/>
-                <a:ea typeface="+mn-ea"/>
-                <a:cs typeface="+mn-cs"/>
-              </a:defRPr>
-            </a:lvl1pPr>
-            <a:lvl2pPr marL="685800" indent="-228600" algn="l" defTabSz="914400" rtl="0" eaLnBrk="1" latinLnBrk="0" hangingPunct="1">
-              <a:lnSpc>
-                <a:spcPct val="90000"/>
-              </a:lnSpc>
-              <a:spcBef>
-                <a:spcPts val="500"/>
-              </a:spcBef>
-              <a:buFont typeface="Arial" panose="020B0604020202020204" pitchFamily="34" charset="0"/>
-              <a:buChar char="•"/>
-              <a:defRPr sz="2400" kern="1200">
+              </a:rPr>
+              <a:t>We are going to take you through {ggplot2} syntax step by step.</a:t>
+            </a:r>
+          </a:p>
+          <a:p>
+            <a:pPr lvl="1"/>
+            <a:r>
+              <a:rPr lang="en-GB" dirty="0">
                 <a:solidFill>
-                  <a:schemeClr val="tx1"/>
+                  <a:srgbClr val="404040"/>
                 </a:solidFill>
-                <a:latin typeface="+mn-lt"/>
-                <a:ea typeface="+mn-ea"/>
-                <a:cs typeface="+mn-cs"/>
-              </a:defRPr>
-            </a:lvl2pPr>
-            <a:lvl3pPr marL="1143000" indent="-228600" algn="l" defTabSz="914400" rtl="0" eaLnBrk="1" latinLnBrk="0" hangingPunct="1">
-              <a:lnSpc>
-                <a:spcPct val="90000"/>
-              </a:lnSpc>
-              <a:spcBef>
-                <a:spcPts val="500"/>
-              </a:spcBef>
-              <a:buFont typeface="Arial" panose="020B0604020202020204" pitchFamily="34" charset="0"/>
-              <a:buChar char="•"/>
-              <a:defRPr sz="2000" kern="1200">
+              </a:rPr>
+              <a:t>Data, Aesthetics, Scales, Facets, Themes</a:t>
+            </a:r>
+          </a:p>
+          <a:p>
+            <a:pPr lvl="1"/>
+            <a:endParaRPr lang="en-GB" dirty="0">
+              <a:solidFill>
+                <a:srgbClr val="404040"/>
+              </a:solidFill>
+            </a:endParaRPr>
+          </a:p>
+          <a:p>
+            <a:r>
+              <a:rPr lang="en-GB" dirty="0">
                 <a:solidFill>
-                  <a:schemeClr val="tx1"/>
+                  <a:srgbClr val="404040"/>
                 </a:solidFill>
-                <a:latin typeface="+mn-lt"/>
-                <a:ea typeface="+mn-ea"/>
-                <a:cs typeface="+mn-cs"/>
-              </a:defRPr>
-            </a:lvl3pPr>
-            <a:lvl4pPr marL="1600200" indent="-228600" algn="l" defTabSz="914400" rtl="0" eaLnBrk="1" latinLnBrk="0" hangingPunct="1">
-              <a:lnSpc>
-                <a:spcPct val="90000"/>
-              </a:lnSpc>
-              <a:spcBef>
-                <a:spcPts val="500"/>
-              </a:spcBef>
-              <a:buFont typeface="Arial" panose="020B0604020202020204" pitchFamily="34" charset="0"/>
-              <a:buChar char="•"/>
-              <a:defRPr sz="1800" kern="1200">
+              </a:rPr>
+              <a:t>We (Jack &amp; Will) will be constructing a timeseries to demonstrate.</a:t>
+            </a:r>
+          </a:p>
+          <a:p>
+            <a:endParaRPr lang="en-GB" dirty="0">
+              <a:solidFill>
+                <a:srgbClr val="404040"/>
+              </a:solidFill>
+            </a:endParaRPr>
+          </a:p>
+          <a:p>
+            <a:r>
+              <a:rPr lang="en-GB" dirty="0">
                 <a:solidFill>
-                  <a:schemeClr val="tx1"/>
+                  <a:srgbClr val="404040"/>
                 </a:solidFill>
-                <a:latin typeface="+mn-lt"/>
-                <a:ea typeface="+mn-ea"/>
-                <a:cs typeface="+mn-cs"/>
-              </a:defRPr>
-            </a:lvl4pPr>
-            <a:lvl5pPr marL="2057400" indent="-228600" algn="l" defTabSz="914400" rtl="0" eaLnBrk="1" latinLnBrk="0" hangingPunct="1">
-              <a:lnSpc>
-                <a:spcPct val="90000"/>
-              </a:lnSpc>
-              <a:spcBef>
-                <a:spcPts val="500"/>
-              </a:spcBef>
-              <a:buFont typeface="Arial" panose="020B0604020202020204" pitchFamily="34" charset="0"/>
-              <a:buChar char="•"/>
-              <a:defRPr sz="1800" kern="1200">
+              </a:rPr>
+              <a:t>You’ll be building three plots as we go – by the end you’ll have made a scatter plot, a bar chart, and a density function.</a:t>
+            </a:r>
+          </a:p>
+          <a:p>
+            <a:pPr lvl="1"/>
+            <a:r>
+              <a:rPr lang="en-GB" dirty="0">
                 <a:solidFill>
-                  <a:schemeClr val="tx1"/>
+                  <a:srgbClr val="404040"/>
                 </a:solidFill>
-                <a:latin typeface="+mn-lt"/>
-                <a:ea typeface="+mn-ea"/>
-                <a:cs typeface="+mn-cs"/>
-              </a:defRPr>
-            </a:lvl5pPr>
-            <a:lvl6pPr marL="2514600" indent="-228600" algn="l" defTabSz="914400" rtl="0" eaLnBrk="1" latinLnBrk="0" hangingPunct="1">
-              <a:lnSpc>
-                <a:spcPct val="90000"/>
-              </a:lnSpc>
-              <a:spcBef>
-                <a:spcPts val="500"/>
-              </a:spcBef>
-              <a:buFont typeface="Arial" panose="020B0604020202020204" pitchFamily="34" charset="0"/>
-              <a:buChar char="•"/>
-              <a:defRPr sz="1800" kern="1200">
-                <a:solidFill>
-                  <a:schemeClr val="tx1"/>
-                </a:solidFill>
-                <a:latin typeface="+mn-lt"/>
-                <a:ea typeface="+mn-ea"/>
-                <a:cs typeface="+mn-cs"/>
-              </a:defRPr>
-            </a:lvl6pPr>
-            <a:lvl7pPr marL="2971800" indent="-228600" algn="l" defTabSz="914400" rtl="0" eaLnBrk="1" latinLnBrk="0" hangingPunct="1">
-              <a:lnSpc>
-                <a:spcPct val="90000"/>
-              </a:lnSpc>
-              <a:spcBef>
-                <a:spcPts val="500"/>
-              </a:spcBef>
-              <a:buFont typeface="Arial" panose="020B0604020202020204" pitchFamily="34" charset="0"/>
-              <a:buChar char="•"/>
-              <a:defRPr sz="1800" kern="1200">
-                <a:solidFill>
-                  <a:schemeClr val="tx1"/>
-                </a:solidFill>
-                <a:latin typeface="+mn-lt"/>
-                <a:ea typeface="+mn-ea"/>
-                <a:cs typeface="+mn-cs"/>
-              </a:defRPr>
-            </a:lvl7pPr>
-            <a:lvl8pPr marL="3429000" indent="-228600" algn="l" defTabSz="914400" rtl="0" eaLnBrk="1" latinLnBrk="0" hangingPunct="1">
-              <a:lnSpc>
-                <a:spcPct val="90000"/>
-              </a:lnSpc>
-              <a:spcBef>
-                <a:spcPts val="500"/>
-              </a:spcBef>
-              <a:buFont typeface="Arial" panose="020B0604020202020204" pitchFamily="34" charset="0"/>
-              <a:buChar char="•"/>
-              <a:defRPr sz="1800" kern="1200">
-                <a:solidFill>
-                  <a:schemeClr val="tx1"/>
-                </a:solidFill>
-                <a:latin typeface="+mn-lt"/>
-                <a:ea typeface="+mn-ea"/>
-                <a:cs typeface="+mn-cs"/>
-              </a:defRPr>
-            </a:lvl8pPr>
-            <a:lvl9pPr marL="3886200" indent="-228600" algn="l" defTabSz="914400" rtl="0" eaLnBrk="1" latinLnBrk="0" hangingPunct="1">
-              <a:lnSpc>
-                <a:spcPct val="90000"/>
-              </a:lnSpc>
-              <a:spcBef>
-                <a:spcPts val="500"/>
-              </a:spcBef>
-              <a:buFont typeface="Arial" panose="020B0604020202020204" pitchFamily="34" charset="0"/>
-              <a:buChar char="•"/>
-              <a:defRPr sz="1800" kern="1200">
-                <a:solidFill>
-                  <a:schemeClr val="tx1"/>
-                </a:solidFill>
-                <a:latin typeface="+mn-lt"/>
-                <a:ea typeface="+mn-ea"/>
-                <a:cs typeface="+mn-cs"/>
-              </a:defRPr>
-            </a:lvl9pPr>
-          </a:lstStyle>
-          <a:p>
-            <a:pPr marL="0" indent="0">
-              <a:buNone/>
-            </a:pPr>
-            <a:r>
-              <a:rPr lang="en-GB" b="1" dirty="0"/>
-              <a:t>Density Plot</a:t>
-            </a:r>
-          </a:p>
-          <a:p>
-            <a:pPr marL="0" indent="0">
-              <a:buNone/>
-            </a:pPr>
-            <a:r>
-              <a:rPr lang="en-GB" sz="2000" dirty="0"/>
-              <a:t>Plot a density function of NO2, just for the UK.</a:t>
-            </a:r>
-          </a:p>
-        </p:txBody>
-      </p:sp>
-      <p:sp>
-        <p:nvSpPr>
-          <p:cNvPr id="12" name="Content Placeholder 4">
-            <a:extLst>
-              <a:ext uri="{FF2B5EF4-FFF2-40B4-BE49-F238E27FC236}">
-                <a16:creationId xmlns:a16="http://schemas.microsoft.com/office/drawing/2014/main" id="{74BF79EB-C474-471C-8FBA-7D8F2FAF9382}"/>
-              </a:ext>
-            </a:extLst>
-          </p:cNvPr>
-          <p:cNvSpPr txBox="1">
-            <a:spLocks/>
-          </p:cNvSpPr>
-          <p:nvPr/>
-        </p:nvSpPr>
-        <p:spPr>
-          <a:xfrm>
-            <a:off x="8322366" y="1825625"/>
-            <a:ext cx="3117574" cy="4351338"/>
-          </a:xfrm>
-          <a:prstGeom prst="rect">
-            <a:avLst/>
-          </a:prstGeom>
-        </p:spPr>
-        <p:txBody>
-          <a:bodyPr vert="horz" lIns="91440" tIns="45720" rIns="91440" bIns="45720" rtlCol="0">
-            <a:normAutofit/>
-          </a:bodyPr>
-          <a:lstStyle>
-            <a:lvl1pPr marL="228600" indent="-228600" algn="l" defTabSz="914400" rtl="0" eaLnBrk="1" latinLnBrk="0" hangingPunct="1">
-              <a:lnSpc>
-                <a:spcPct val="90000"/>
-              </a:lnSpc>
-              <a:spcBef>
-                <a:spcPts val="1000"/>
-              </a:spcBef>
-              <a:buFont typeface="Arial" panose="020B0604020202020204" pitchFamily="34" charset="0"/>
-              <a:buChar char="•"/>
-              <a:defRPr sz="2800" kern="1200">
-                <a:solidFill>
-                  <a:schemeClr val="tx1"/>
-                </a:solidFill>
-                <a:latin typeface="+mn-lt"/>
-                <a:ea typeface="+mn-ea"/>
-                <a:cs typeface="+mn-cs"/>
-              </a:defRPr>
-            </a:lvl1pPr>
-            <a:lvl2pPr marL="685800" indent="-228600" algn="l" defTabSz="914400" rtl="0" eaLnBrk="1" latinLnBrk="0" hangingPunct="1">
-              <a:lnSpc>
-                <a:spcPct val="90000"/>
-              </a:lnSpc>
-              <a:spcBef>
-                <a:spcPts val="500"/>
-              </a:spcBef>
-              <a:buFont typeface="Arial" panose="020B0604020202020204" pitchFamily="34" charset="0"/>
-              <a:buChar char="•"/>
-              <a:defRPr sz="2400" kern="1200">
-                <a:solidFill>
-                  <a:schemeClr val="tx1"/>
-                </a:solidFill>
-                <a:latin typeface="+mn-lt"/>
-                <a:ea typeface="+mn-ea"/>
-                <a:cs typeface="+mn-cs"/>
-              </a:defRPr>
-            </a:lvl2pPr>
-            <a:lvl3pPr marL="1143000" indent="-228600" algn="l" defTabSz="914400" rtl="0" eaLnBrk="1" latinLnBrk="0" hangingPunct="1">
-              <a:lnSpc>
-                <a:spcPct val="90000"/>
-              </a:lnSpc>
-              <a:spcBef>
-                <a:spcPts val="500"/>
-              </a:spcBef>
-              <a:buFont typeface="Arial" panose="020B0604020202020204" pitchFamily="34" charset="0"/>
-              <a:buChar char="•"/>
-              <a:defRPr sz="2000" kern="1200">
-                <a:solidFill>
-                  <a:schemeClr val="tx1"/>
-                </a:solidFill>
-                <a:latin typeface="+mn-lt"/>
-                <a:ea typeface="+mn-ea"/>
-                <a:cs typeface="+mn-cs"/>
-              </a:defRPr>
-            </a:lvl3pPr>
-            <a:lvl4pPr marL="1600200" indent="-228600" algn="l" defTabSz="914400" rtl="0" eaLnBrk="1" latinLnBrk="0" hangingPunct="1">
-              <a:lnSpc>
-                <a:spcPct val="90000"/>
-              </a:lnSpc>
-              <a:spcBef>
-                <a:spcPts val="500"/>
-              </a:spcBef>
-              <a:buFont typeface="Arial" panose="020B0604020202020204" pitchFamily="34" charset="0"/>
-              <a:buChar char="•"/>
-              <a:defRPr sz="1800" kern="1200">
-                <a:solidFill>
-                  <a:schemeClr val="tx1"/>
-                </a:solidFill>
-                <a:latin typeface="+mn-lt"/>
-                <a:ea typeface="+mn-ea"/>
-                <a:cs typeface="+mn-cs"/>
-              </a:defRPr>
-            </a:lvl4pPr>
-            <a:lvl5pPr marL="2057400" indent="-228600" algn="l" defTabSz="914400" rtl="0" eaLnBrk="1" latinLnBrk="0" hangingPunct="1">
-              <a:lnSpc>
-                <a:spcPct val="90000"/>
-              </a:lnSpc>
-              <a:spcBef>
-                <a:spcPts val="500"/>
-              </a:spcBef>
-              <a:buFont typeface="Arial" panose="020B0604020202020204" pitchFamily="34" charset="0"/>
-              <a:buChar char="•"/>
-              <a:defRPr sz="1800" kern="1200">
-                <a:solidFill>
-                  <a:schemeClr val="tx1"/>
-                </a:solidFill>
-                <a:latin typeface="+mn-lt"/>
-                <a:ea typeface="+mn-ea"/>
-                <a:cs typeface="+mn-cs"/>
-              </a:defRPr>
-            </a:lvl5pPr>
-            <a:lvl6pPr marL="2514600" indent="-228600" algn="l" defTabSz="914400" rtl="0" eaLnBrk="1" latinLnBrk="0" hangingPunct="1">
-              <a:lnSpc>
-                <a:spcPct val="90000"/>
-              </a:lnSpc>
-              <a:spcBef>
-                <a:spcPts val="500"/>
-              </a:spcBef>
-              <a:buFont typeface="Arial" panose="020B0604020202020204" pitchFamily="34" charset="0"/>
-              <a:buChar char="•"/>
-              <a:defRPr sz="1800" kern="1200">
-                <a:solidFill>
-                  <a:schemeClr val="tx1"/>
-                </a:solidFill>
-                <a:latin typeface="+mn-lt"/>
-                <a:ea typeface="+mn-ea"/>
-                <a:cs typeface="+mn-cs"/>
-              </a:defRPr>
-            </a:lvl6pPr>
-            <a:lvl7pPr marL="2971800" indent="-228600" algn="l" defTabSz="914400" rtl="0" eaLnBrk="1" latinLnBrk="0" hangingPunct="1">
-              <a:lnSpc>
-                <a:spcPct val="90000"/>
-              </a:lnSpc>
-              <a:spcBef>
-                <a:spcPts val="500"/>
-              </a:spcBef>
-              <a:buFont typeface="Arial" panose="020B0604020202020204" pitchFamily="34" charset="0"/>
-              <a:buChar char="•"/>
-              <a:defRPr sz="1800" kern="1200">
-                <a:solidFill>
-                  <a:schemeClr val="tx1"/>
-                </a:solidFill>
-                <a:latin typeface="+mn-lt"/>
-                <a:ea typeface="+mn-ea"/>
-                <a:cs typeface="+mn-cs"/>
-              </a:defRPr>
-            </a:lvl7pPr>
-            <a:lvl8pPr marL="3429000" indent="-228600" algn="l" defTabSz="914400" rtl="0" eaLnBrk="1" latinLnBrk="0" hangingPunct="1">
-              <a:lnSpc>
-                <a:spcPct val="90000"/>
-              </a:lnSpc>
-              <a:spcBef>
-                <a:spcPts val="500"/>
-              </a:spcBef>
-              <a:buFont typeface="Arial" panose="020B0604020202020204" pitchFamily="34" charset="0"/>
-              <a:buChar char="•"/>
-              <a:defRPr sz="1800" kern="1200">
-                <a:solidFill>
-                  <a:schemeClr val="tx1"/>
-                </a:solidFill>
-                <a:latin typeface="+mn-lt"/>
-                <a:ea typeface="+mn-ea"/>
-                <a:cs typeface="+mn-cs"/>
-              </a:defRPr>
-            </a:lvl8pPr>
-            <a:lvl9pPr marL="3886200" indent="-228600" algn="l" defTabSz="914400" rtl="0" eaLnBrk="1" latinLnBrk="0" hangingPunct="1">
-              <a:lnSpc>
-                <a:spcPct val="90000"/>
-              </a:lnSpc>
-              <a:spcBef>
-                <a:spcPts val="500"/>
-              </a:spcBef>
-              <a:buFont typeface="Arial" panose="020B0604020202020204" pitchFamily="34" charset="0"/>
-              <a:buChar char="•"/>
-              <a:defRPr sz="1800" kern="1200">
-                <a:solidFill>
-                  <a:schemeClr val="tx1"/>
-                </a:solidFill>
-                <a:latin typeface="+mn-lt"/>
-                <a:ea typeface="+mn-ea"/>
-                <a:cs typeface="+mn-cs"/>
-              </a:defRPr>
-            </a:lvl9pPr>
-          </a:lstStyle>
-          <a:p>
-            <a:pPr marL="0" indent="0">
-              <a:buNone/>
-            </a:pPr>
-            <a:r>
-              <a:rPr lang="en-GB" b="1" dirty="0"/>
-              <a:t>Bar Chart</a:t>
-            </a:r>
-            <a:endParaRPr lang="en-GB" dirty="0"/>
-          </a:p>
-          <a:p>
-            <a:pPr marL="0" indent="0">
-              <a:buNone/>
-            </a:pPr>
-            <a:r>
-              <a:rPr lang="en-GB" sz="2000" dirty="0"/>
-              <a:t>Plot a bar chart showing the average NO</a:t>
-            </a:r>
-            <a:r>
-              <a:rPr lang="en-GB" sz="2000" baseline="-25000" dirty="0"/>
-              <a:t>2 </a:t>
-            </a:r>
-            <a:r>
-              <a:rPr lang="en-GB" sz="2000" dirty="0"/>
-              <a:t>in the UK before and after 2020.</a:t>
+              </a:rPr>
+              <a:t>Please find the three .R files and the data in the “activity” folder.</a:t>
             </a:r>
           </a:p>
         </p:txBody>
@@ -5943,7 +7663,7 @@
     </p:spTree>
     <p:extLst>
       <p:ext uri="{BB962C8B-B14F-4D97-AF65-F5344CB8AC3E}">
-        <p14:creationId xmlns:p14="http://schemas.microsoft.com/office/powerpoint/2010/main" val="4283274071"/>
+        <p14:creationId xmlns:p14="http://schemas.microsoft.com/office/powerpoint/2010/main" val="1935577042"/>
       </p:ext>
     </p:extLst>
   </p:cSld>
@@ -5984,117 +7704,10 @@
       </p:grpSpPr>
       <p:sp>
         <p:nvSpPr>
-          <p:cNvPr id="2" name="Title 1">
-            <a:extLst>
-              <a:ext uri="{FF2B5EF4-FFF2-40B4-BE49-F238E27FC236}">
-                <a16:creationId xmlns:a16="http://schemas.microsoft.com/office/drawing/2014/main" id="{F7660571-A91B-48AB-A5FD-14C4A69BB6C7}"/>
-              </a:ext>
-            </a:extLst>
-          </p:cNvPr>
-          <p:cNvSpPr>
-            <a:spLocks noGrp="1"/>
-          </p:cNvSpPr>
-          <p:nvPr>
-            <p:ph type="title"/>
-          </p:nvPr>
-        </p:nvSpPr>
-        <p:spPr/>
-        <p:txBody>
-          <a:bodyPr/>
-          <a:lstStyle/>
-          <a:p>
-            <a:r>
-              <a:rPr lang="en-GB" dirty="0">
-                <a:solidFill>
-                  <a:srgbClr val="404040"/>
-                </a:solidFill>
-              </a:rPr>
-              <a:t>Further use of </a:t>
-            </a:r>
-            <a:r>
-              <a:rPr lang="en-GB" dirty="0" err="1">
-                <a:solidFill>
-                  <a:srgbClr val="404040"/>
-                </a:solidFill>
-                <a:latin typeface="Cascadia Mono" panose="020B0609020000020004" pitchFamily="49" charset="0"/>
-                <a:ea typeface="Cascadia Mono" panose="020B0609020000020004" pitchFamily="49" charset="0"/>
-                <a:cs typeface="Cascadia Mono" panose="020B0609020000020004" pitchFamily="49" charset="0"/>
-              </a:rPr>
-              <a:t>aes</a:t>
-            </a:r>
-            <a:r>
-              <a:rPr lang="en-GB" dirty="0">
-                <a:solidFill>
-                  <a:srgbClr val="404040"/>
-                </a:solidFill>
-                <a:latin typeface="Cascadia Mono" panose="020B0609020000020004" pitchFamily="49" charset="0"/>
-                <a:ea typeface="Cascadia Mono" panose="020B0609020000020004" pitchFamily="49" charset="0"/>
-                <a:cs typeface="Cascadia Mono" panose="020B0609020000020004" pitchFamily="49" charset="0"/>
-              </a:rPr>
-              <a:t>()</a:t>
-            </a:r>
-          </a:p>
-        </p:txBody>
-      </p:sp>
-      <p:sp>
-        <p:nvSpPr>
-          <p:cNvPr id="5" name="Content Placeholder 4">
-            <a:extLst>
-              <a:ext uri="{FF2B5EF4-FFF2-40B4-BE49-F238E27FC236}">
-                <a16:creationId xmlns:a16="http://schemas.microsoft.com/office/drawing/2014/main" id="{95AF86B1-6330-40C4-9F51-C4083ACEA657}"/>
-              </a:ext>
-            </a:extLst>
-          </p:cNvPr>
-          <p:cNvSpPr>
-            <a:spLocks noGrp="1"/>
-          </p:cNvSpPr>
-          <p:nvPr>
-            <p:ph idx="1"/>
-          </p:nvPr>
-        </p:nvSpPr>
-        <p:spPr>
-          <a:xfrm>
-            <a:off x="838200" y="1825625"/>
-            <a:ext cx="3117574" cy="4351338"/>
-          </a:xfrm>
-        </p:spPr>
-        <p:txBody>
-          <a:bodyPr/>
-          <a:lstStyle/>
-          <a:p>
-            <a:pPr marL="0" indent="0">
-              <a:buNone/>
-            </a:pPr>
-            <a:r>
-              <a:rPr lang="en-GB" b="1" dirty="0"/>
-              <a:t>Scatter Plot</a:t>
-            </a:r>
-          </a:p>
-          <a:p>
-            <a:pPr marL="0" indent="0">
-              <a:buNone/>
-            </a:pPr>
-            <a:r>
-              <a:rPr lang="en-GB" sz="2000" dirty="0"/>
-              <a:t>Add the site “KC1” to your plot, and colour by the site code. Make sure the trend lines are plotted </a:t>
-            </a:r>
-            <a:r>
-              <a:rPr lang="en-GB" sz="2000" i="1" dirty="0"/>
-              <a:t>per site</a:t>
-            </a:r>
-            <a:r>
-              <a:rPr lang="en-GB" sz="2000" dirty="0"/>
-              <a:t> and not overall.</a:t>
-            </a:r>
-          </a:p>
-        </p:txBody>
-      </p:sp>
-      <p:sp>
-        <p:nvSpPr>
-          <p:cNvPr id="11" name="Content Placeholder 4">
-            <a:extLst>
-              <a:ext uri="{FF2B5EF4-FFF2-40B4-BE49-F238E27FC236}">
-                <a16:creationId xmlns:a16="http://schemas.microsoft.com/office/drawing/2014/main" id="{771148EC-1896-4790-88A1-FE4C4FAEF766}"/>
+          <p:cNvPr id="4" name="Title 1">
+            <a:extLst>
+              <a:ext uri="{FF2B5EF4-FFF2-40B4-BE49-F238E27FC236}">
+                <a16:creationId xmlns:a16="http://schemas.microsoft.com/office/drawing/2014/main" id="{628F7D28-481E-4A69-A682-302F6C64A8D8}"/>
               </a:ext>
             </a:extLst>
           </p:cNvPr>
@@ -6105,435 +7718,660 @@
         </p:nvSpPr>
         <p:spPr>
           <a:xfrm>
-            <a:off x="4580283" y="1825625"/>
-            <a:ext cx="3117574" cy="4351338"/>
+            <a:off x="990600" y="517525"/>
+            <a:ext cx="10515600" cy="1325563"/>
           </a:xfrm>
           <a:prstGeom prst="rect">
             <a:avLst/>
           </a:prstGeom>
         </p:spPr>
         <p:txBody>
-          <a:bodyPr vert="horz" lIns="91440" tIns="45720" rIns="91440" bIns="45720" rtlCol="0">
+          <a:bodyPr vert="horz" lIns="91440" tIns="45720" rIns="91440" bIns="45720" rtlCol="0" anchor="ctr">
             <a:normAutofit/>
           </a:bodyPr>
           <a:lstStyle>
-            <a:lvl1pPr marL="228600" indent="-228600" algn="l" defTabSz="914400" rtl="0" eaLnBrk="1" latinLnBrk="0" hangingPunct="1">
+            <a:lvl1pPr algn="l" defTabSz="914400" rtl="0" eaLnBrk="1" latinLnBrk="0" hangingPunct="1">
               <a:lnSpc>
                 <a:spcPct val="90000"/>
               </a:lnSpc>
               <a:spcBef>
-                <a:spcPts val="1000"/>
+                <a:spcPct val="0"/>
               </a:spcBef>
-              <a:buFont typeface="Arial" panose="020B0604020202020204" pitchFamily="34" charset="0"/>
-              <a:buChar char="•"/>
-              <a:defRPr sz="2800" kern="1200">
+              <a:buNone/>
+              <a:defRPr sz="4400" kern="1200">
                 <a:solidFill>
                   <a:schemeClr val="tx1"/>
                 </a:solidFill>
-                <a:latin typeface="+mn-lt"/>
-                <a:ea typeface="+mn-ea"/>
-                <a:cs typeface="+mn-cs"/>
+                <a:latin typeface="+mj-lt"/>
+                <a:ea typeface="+mj-ea"/>
+                <a:cs typeface="+mj-cs"/>
               </a:defRPr>
             </a:lvl1pPr>
-            <a:lvl2pPr marL="685800" indent="-228600" algn="l" defTabSz="914400" rtl="0" eaLnBrk="1" latinLnBrk="0" hangingPunct="1">
-              <a:lnSpc>
-                <a:spcPct val="90000"/>
-              </a:lnSpc>
-              <a:spcBef>
-                <a:spcPts val="500"/>
-              </a:spcBef>
-              <a:buFont typeface="Arial" panose="020B0604020202020204" pitchFamily="34" charset="0"/>
-              <a:buChar char="•"/>
-              <a:defRPr sz="2400" kern="1200">
+          </a:lstStyle>
+          <a:p>
+            <a:r>
+              <a:rPr lang="en-GB">
                 <a:solidFill>
-                  <a:schemeClr val="tx1"/>
+                  <a:srgbClr val="404040"/>
                 </a:solidFill>
-                <a:latin typeface="+mn-lt"/>
-                <a:ea typeface="+mn-ea"/>
-                <a:cs typeface="+mn-cs"/>
-              </a:defRPr>
-            </a:lvl2pPr>
-            <a:lvl3pPr marL="1143000" indent="-228600" algn="l" defTabSz="914400" rtl="0" eaLnBrk="1" latinLnBrk="0" hangingPunct="1">
-              <a:lnSpc>
-                <a:spcPct val="90000"/>
-              </a:lnSpc>
-              <a:spcBef>
-                <a:spcPts val="500"/>
-              </a:spcBef>
-              <a:buFont typeface="Arial" panose="020B0604020202020204" pitchFamily="34" charset="0"/>
-              <a:buChar char="•"/>
-              <a:defRPr sz="2000" kern="1200">
-                <a:solidFill>
-                  <a:schemeClr val="tx1"/>
-                </a:solidFill>
-                <a:latin typeface="+mn-lt"/>
-                <a:ea typeface="+mn-ea"/>
-                <a:cs typeface="+mn-cs"/>
-              </a:defRPr>
-            </a:lvl3pPr>
-            <a:lvl4pPr marL="1600200" indent="-228600" algn="l" defTabSz="914400" rtl="0" eaLnBrk="1" latinLnBrk="0" hangingPunct="1">
-              <a:lnSpc>
-                <a:spcPct val="90000"/>
-              </a:lnSpc>
-              <a:spcBef>
-                <a:spcPts val="500"/>
-              </a:spcBef>
-              <a:buFont typeface="Arial" panose="020B0604020202020204" pitchFamily="34" charset="0"/>
-              <a:buChar char="•"/>
-              <a:defRPr sz="1800" kern="1200">
-                <a:solidFill>
-                  <a:schemeClr val="tx1"/>
-                </a:solidFill>
-                <a:latin typeface="+mn-lt"/>
-                <a:ea typeface="+mn-ea"/>
-                <a:cs typeface="+mn-cs"/>
-              </a:defRPr>
-            </a:lvl4pPr>
-            <a:lvl5pPr marL="2057400" indent="-228600" algn="l" defTabSz="914400" rtl="0" eaLnBrk="1" latinLnBrk="0" hangingPunct="1">
-              <a:lnSpc>
-                <a:spcPct val="90000"/>
-              </a:lnSpc>
-              <a:spcBef>
-                <a:spcPts val="500"/>
-              </a:spcBef>
-              <a:buFont typeface="Arial" panose="020B0604020202020204" pitchFamily="34" charset="0"/>
-              <a:buChar char="•"/>
-              <a:defRPr sz="1800" kern="1200">
-                <a:solidFill>
-                  <a:schemeClr val="tx1"/>
-                </a:solidFill>
-                <a:latin typeface="+mn-lt"/>
-                <a:ea typeface="+mn-ea"/>
-                <a:cs typeface="+mn-cs"/>
-              </a:defRPr>
-            </a:lvl5pPr>
-            <a:lvl6pPr marL="2514600" indent="-228600" algn="l" defTabSz="914400" rtl="0" eaLnBrk="1" latinLnBrk="0" hangingPunct="1">
-              <a:lnSpc>
-                <a:spcPct val="90000"/>
-              </a:lnSpc>
-              <a:spcBef>
-                <a:spcPts val="500"/>
-              </a:spcBef>
-              <a:buFont typeface="Arial" panose="020B0604020202020204" pitchFamily="34" charset="0"/>
-              <a:buChar char="•"/>
-              <a:defRPr sz="1800" kern="1200">
-                <a:solidFill>
-                  <a:schemeClr val="tx1"/>
-                </a:solidFill>
-                <a:latin typeface="+mn-lt"/>
-                <a:ea typeface="+mn-ea"/>
-                <a:cs typeface="+mn-cs"/>
-              </a:defRPr>
-            </a:lvl6pPr>
-            <a:lvl7pPr marL="2971800" indent="-228600" algn="l" defTabSz="914400" rtl="0" eaLnBrk="1" latinLnBrk="0" hangingPunct="1">
-              <a:lnSpc>
-                <a:spcPct val="90000"/>
-              </a:lnSpc>
-              <a:spcBef>
-                <a:spcPts val="500"/>
-              </a:spcBef>
-              <a:buFont typeface="Arial" panose="020B0604020202020204" pitchFamily="34" charset="0"/>
-              <a:buChar char="•"/>
-              <a:defRPr sz="1800" kern="1200">
-                <a:solidFill>
-                  <a:schemeClr val="tx1"/>
-                </a:solidFill>
-                <a:latin typeface="+mn-lt"/>
-                <a:ea typeface="+mn-ea"/>
-                <a:cs typeface="+mn-cs"/>
-              </a:defRPr>
-            </a:lvl7pPr>
-            <a:lvl8pPr marL="3429000" indent="-228600" algn="l" defTabSz="914400" rtl="0" eaLnBrk="1" latinLnBrk="0" hangingPunct="1">
-              <a:lnSpc>
-                <a:spcPct val="90000"/>
-              </a:lnSpc>
-              <a:spcBef>
-                <a:spcPts val="500"/>
-              </a:spcBef>
-              <a:buFont typeface="Arial" panose="020B0604020202020204" pitchFamily="34" charset="0"/>
-              <a:buChar char="•"/>
-              <a:defRPr sz="1800" kern="1200">
-                <a:solidFill>
-                  <a:schemeClr val="tx1"/>
-                </a:solidFill>
-                <a:latin typeface="+mn-lt"/>
-                <a:ea typeface="+mn-ea"/>
-                <a:cs typeface="+mn-cs"/>
-              </a:defRPr>
-            </a:lvl8pPr>
-            <a:lvl9pPr marL="3886200" indent="-228600" algn="l" defTabSz="914400" rtl="0" eaLnBrk="1" latinLnBrk="0" hangingPunct="1">
-              <a:lnSpc>
-                <a:spcPct val="90000"/>
-              </a:lnSpc>
-              <a:spcBef>
-                <a:spcPts val="500"/>
-              </a:spcBef>
-              <a:buFont typeface="Arial" panose="020B0604020202020204" pitchFamily="34" charset="0"/>
-              <a:buChar char="•"/>
-              <a:defRPr sz="1800" kern="1200">
-                <a:solidFill>
-                  <a:schemeClr val="tx1"/>
-                </a:solidFill>
-                <a:latin typeface="+mn-lt"/>
-                <a:ea typeface="+mn-ea"/>
-                <a:cs typeface="+mn-cs"/>
-              </a:defRPr>
-            </a:lvl9pPr>
-          </a:lstStyle>
-          <a:p>
-            <a:pPr marL="0" indent="0">
-              <a:buNone/>
-            </a:pPr>
-            <a:r>
-              <a:rPr lang="en-GB" b="1" dirty="0"/>
-              <a:t>Density Plot</a:t>
-            </a:r>
-          </a:p>
-          <a:p>
-            <a:pPr marL="0" indent="0">
-              <a:buNone/>
-            </a:pPr>
-            <a:r>
-              <a:rPr lang="en-GB" sz="2000" dirty="0"/>
-              <a:t>Plot two density functions – one before and one after 2020. Fill them with colour, but make them transparent so they can both be seen </a:t>
-            </a:r>
+              </a:rPr>
+              <a:t>Some simple plots</a:t>
+            </a:r>
+            <a:endParaRPr lang="en-GB" dirty="0">
+              <a:solidFill>
+                <a:srgbClr val="404040"/>
+              </a:solidFill>
+            </a:endParaRPr>
           </a:p>
         </p:txBody>
       </p:sp>
       <p:sp>
         <p:nvSpPr>
-          <p:cNvPr id="12" name="Content Placeholder 4">
-            <a:extLst>
-              <a:ext uri="{FF2B5EF4-FFF2-40B4-BE49-F238E27FC236}">
-                <a16:creationId xmlns:a16="http://schemas.microsoft.com/office/drawing/2014/main" id="{74BF79EB-C474-471C-8FBA-7D8F2FAF9382}"/>
-              </a:ext>
-            </a:extLst>
-          </p:cNvPr>
-          <p:cNvSpPr txBox="1">
-            <a:spLocks/>
-          </p:cNvSpPr>
+          <p:cNvPr id="5" name="TextBox 4">
+            <a:extLst>
+              <a:ext uri="{FF2B5EF4-FFF2-40B4-BE49-F238E27FC236}">
+                <a16:creationId xmlns:a16="http://schemas.microsoft.com/office/drawing/2014/main" id="{D1628F68-1744-4113-A1D5-8AC0B8037378}"/>
+              </a:ext>
+            </a:extLst>
+          </p:cNvPr>
+          <p:cNvSpPr txBox="1"/>
           <p:nvPr/>
         </p:nvSpPr>
         <p:spPr>
           <a:xfrm>
-            <a:off x="8322366" y="1825625"/>
-            <a:ext cx="3117574" cy="4351338"/>
+            <a:off x="554812" y="2051295"/>
+            <a:ext cx="3552148" cy="861774"/>
+          </a:xfrm>
+          <a:prstGeom prst="rect">
+            <a:avLst/>
+          </a:prstGeom>
+          <a:noFill/>
+        </p:spPr>
+        <p:txBody>
+          <a:bodyPr wrap="square" rtlCol="0">
+            <a:spAutoFit/>
+          </a:bodyPr>
+          <a:lstStyle/>
+          <a:p>
+            <a:r>
+              <a:rPr lang="en-GB" sz="1000" dirty="0" err="1">
+                <a:latin typeface="Lucida Sans Typewriter" panose="020B0509030504030204" pitchFamily="49" charset="0"/>
+              </a:rPr>
+              <a:t>scatter_data</a:t>
+            </a:r>
+            <a:r>
+              <a:rPr lang="en-GB" sz="1000" dirty="0">
+                <a:latin typeface="Lucida Sans Typewriter" panose="020B0509030504030204" pitchFamily="49" charset="0"/>
+              </a:rPr>
+              <a:t> %&gt;% </a:t>
+            </a:r>
+          </a:p>
+          <a:p>
+            <a:r>
+              <a:rPr lang="en-GB" sz="1000" dirty="0">
+                <a:latin typeface="Lucida Sans Typewriter" panose="020B0509030504030204" pitchFamily="49" charset="0"/>
+              </a:rPr>
+              <a:t>  filter(code == "MY1") %&gt;% </a:t>
+            </a:r>
+          </a:p>
+          <a:p>
+            <a:r>
+              <a:rPr lang="en-GB" sz="1000" dirty="0">
+                <a:latin typeface="Lucida Sans Typewriter" panose="020B0509030504030204" pitchFamily="49" charset="0"/>
+              </a:rPr>
+              <a:t>  </a:t>
+            </a:r>
+            <a:r>
+              <a:rPr lang="en-GB" sz="1000" dirty="0" err="1">
+                <a:latin typeface="Lucida Sans Typewriter" panose="020B0509030504030204" pitchFamily="49" charset="0"/>
+              </a:rPr>
+              <a:t>ggplot</a:t>
+            </a:r>
+            <a:r>
+              <a:rPr lang="en-GB" sz="1000" dirty="0">
+                <a:latin typeface="Lucida Sans Typewriter" panose="020B0509030504030204" pitchFamily="49" charset="0"/>
+              </a:rPr>
+              <a:t>(</a:t>
+            </a:r>
+            <a:r>
+              <a:rPr lang="en-GB" sz="1000" dirty="0" err="1">
+                <a:highlight>
+                  <a:srgbClr val="000000"/>
+                </a:highlight>
+                <a:latin typeface="Lucida Sans Typewriter" panose="020B0509030504030204" pitchFamily="49" charset="0"/>
+              </a:rPr>
+              <a:t>aes</a:t>
+            </a:r>
+            <a:r>
+              <a:rPr lang="en-GB" sz="1000" dirty="0">
+                <a:highlight>
+                  <a:srgbClr val="000000"/>
+                </a:highlight>
+                <a:latin typeface="Lucida Sans Typewriter" panose="020B0509030504030204" pitchFamily="49" charset="0"/>
+              </a:rPr>
+              <a:t>(x = o3, y = no2)</a:t>
+            </a:r>
+            <a:r>
+              <a:rPr lang="en-GB" sz="1000" dirty="0">
+                <a:latin typeface="Lucida Sans Typewriter" panose="020B0509030504030204" pitchFamily="49" charset="0"/>
+              </a:rPr>
+              <a:t>) +</a:t>
+            </a:r>
+          </a:p>
+          <a:p>
+            <a:r>
+              <a:rPr lang="en-GB" sz="1000" dirty="0">
+                <a:latin typeface="Lucida Sans Typewriter" panose="020B0509030504030204" pitchFamily="49" charset="0"/>
+              </a:rPr>
+              <a:t>  </a:t>
+            </a:r>
+            <a:r>
+              <a:rPr lang="en-GB" sz="1000" dirty="0" err="1">
+                <a:latin typeface="Lucida Sans Typewriter" panose="020B0509030504030204" pitchFamily="49" charset="0"/>
+              </a:rPr>
+              <a:t>geom_</a:t>
+            </a:r>
+            <a:r>
+              <a:rPr lang="en-GB" sz="1000" dirty="0" err="1">
+                <a:highlight>
+                  <a:srgbClr val="000000"/>
+                </a:highlight>
+                <a:latin typeface="Lucida Sans Typewriter" panose="020B0509030504030204" pitchFamily="49" charset="0"/>
+              </a:rPr>
+              <a:t>point</a:t>
+            </a:r>
+            <a:r>
+              <a:rPr lang="en-GB" sz="1000" dirty="0">
+                <a:latin typeface="Lucida Sans Typewriter" panose="020B0509030504030204" pitchFamily="49" charset="0"/>
+              </a:rPr>
+              <a:t>() +</a:t>
+            </a:r>
+          </a:p>
+          <a:p>
+            <a:r>
+              <a:rPr lang="en-GB" sz="1000" dirty="0">
+                <a:latin typeface="Lucida Sans Typewriter" panose="020B0509030504030204" pitchFamily="49" charset="0"/>
+              </a:rPr>
+              <a:t>  </a:t>
+            </a:r>
+            <a:r>
+              <a:rPr lang="en-GB" sz="1000" dirty="0" err="1">
+                <a:latin typeface="Lucida Sans Typewriter" panose="020B0509030504030204" pitchFamily="49" charset="0"/>
+              </a:rPr>
+              <a:t>geom_</a:t>
+            </a:r>
+            <a:r>
+              <a:rPr lang="en-GB" sz="1000" dirty="0" err="1">
+                <a:highlight>
+                  <a:srgbClr val="000000"/>
+                </a:highlight>
+                <a:latin typeface="Lucida Sans Typewriter" panose="020B0509030504030204" pitchFamily="49" charset="0"/>
+              </a:rPr>
+              <a:t>smooth</a:t>
+            </a:r>
+            <a:r>
+              <a:rPr lang="en-GB" sz="1000" dirty="0">
+                <a:latin typeface="Lucida Sans Typewriter" panose="020B0509030504030204" pitchFamily="49" charset="0"/>
+              </a:rPr>
+              <a:t>(method = "</a:t>
+            </a:r>
+            <a:r>
+              <a:rPr lang="en-GB" sz="1000" dirty="0" err="1">
+                <a:latin typeface="Lucida Sans Typewriter" panose="020B0509030504030204" pitchFamily="49" charset="0"/>
+              </a:rPr>
+              <a:t>lm</a:t>
+            </a:r>
+            <a:r>
+              <a:rPr lang="en-GB" sz="1000" dirty="0">
+                <a:latin typeface="Lucida Sans Typewriter" panose="020B0509030504030204" pitchFamily="49" charset="0"/>
+              </a:rPr>
+              <a:t>")</a:t>
+            </a:r>
+          </a:p>
+        </p:txBody>
+      </p:sp>
+      <p:pic>
+        <p:nvPicPr>
+          <p:cNvPr id="15" name="Picture 14">
+            <a:extLst>
+              <a:ext uri="{FF2B5EF4-FFF2-40B4-BE49-F238E27FC236}">
+                <a16:creationId xmlns:a16="http://schemas.microsoft.com/office/drawing/2014/main" id="{CA3B5DD2-E80E-4C6B-875C-AF00BD588072}"/>
+              </a:ext>
+            </a:extLst>
+          </p:cNvPr>
+          <p:cNvPicPr>
+            <a:picLocks noChangeAspect="1"/>
+          </p:cNvPicPr>
+          <p:nvPr/>
+        </p:nvPicPr>
+        <p:blipFill>
+          <a:blip r:embed="rId2">
+            <a:extLst>
+              <a:ext uri="{28A0092B-C50C-407E-A947-70E740481C1C}">
+                <a14:useLocalDpi xmlns:a14="http://schemas.microsoft.com/office/drawing/2010/main" val="0"/>
+              </a:ext>
+            </a:extLst>
+          </a:blip>
+          <a:stretch>
+            <a:fillRect/>
+          </a:stretch>
+        </p:blipFill>
+        <p:spPr>
+          <a:xfrm>
+            <a:off x="730683" y="4049098"/>
+            <a:ext cx="3200407" cy="2133604"/>
           </a:xfrm>
           <a:prstGeom prst="rect">
             <a:avLst/>
           </a:prstGeom>
         </p:spPr>
+      </p:pic>
+      <p:sp>
+        <p:nvSpPr>
+          <p:cNvPr id="11" name="TextBox 10">
+            <a:extLst>
+              <a:ext uri="{FF2B5EF4-FFF2-40B4-BE49-F238E27FC236}">
+                <a16:creationId xmlns:a16="http://schemas.microsoft.com/office/drawing/2014/main" id="{F28EB515-03CE-44A7-85A7-16009FB0F227}"/>
+              </a:ext>
+            </a:extLst>
+          </p:cNvPr>
+          <p:cNvSpPr txBox="1"/>
+          <p:nvPr/>
+        </p:nvSpPr>
+        <p:spPr>
+          <a:xfrm>
+            <a:off x="7864144" y="2073311"/>
+            <a:ext cx="3997889" cy="861774"/>
+          </a:xfrm>
+          <a:prstGeom prst="rect">
+            <a:avLst/>
+          </a:prstGeom>
+          <a:noFill/>
+        </p:spPr>
         <p:txBody>
-          <a:bodyPr vert="horz" lIns="91440" tIns="45720" rIns="91440" bIns="45720" rtlCol="0">
-            <a:normAutofit/>
+          <a:bodyPr wrap="square" rtlCol="0">
+            <a:spAutoFit/>
           </a:bodyPr>
-          <a:lstStyle>
-            <a:lvl1pPr marL="228600" indent="-228600" algn="l" defTabSz="914400" rtl="0" eaLnBrk="1" latinLnBrk="0" hangingPunct="1">
-              <a:lnSpc>
-                <a:spcPct val="90000"/>
-              </a:lnSpc>
-              <a:spcBef>
-                <a:spcPts val="1000"/>
-              </a:spcBef>
-              <a:buFont typeface="Arial" panose="020B0604020202020204" pitchFamily="34" charset="0"/>
-              <a:buChar char="•"/>
-              <a:defRPr sz="2800" kern="1200">
-                <a:solidFill>
-                  <a:schemeClr val="tx1"/>
-                </a:solidFill>
-                <a:latin typeface="+mn-lt"/>
-                <a:ea typeface="+mn-ea"/>
-                <a:cs typeface="+mn-cs"/>
-              </a:defRPr>
-            </a:lvl1pPr>
-            <a:lvl2pPr marL="685800" indent="-228600" algn="l" defTabSz="914400" rtl="0" eaLnBrk="1" latinLnBrk="0" hangingPunct="1">
-              <a:lnSpc>
-                <a:spcPct val="90000"/>
-              </a:lnSpc>
-              <a:spcBef>
-                <a:spcPts val="500"/>
-              </a:spcBef>
-              <a:buFont typeface="Arial" panose="020B0604020202020204" pitchFamily="34" charset="0"/>
-              <a:buChar char="•"/>
-              <a:defRPr sz="2400" kern="1200">
-                <a:solidFill>
-                  <a:schemeClr val="tx1"/>
-                </a:solidFill>
-                <a:latin typeface="+mn-lt"/>
-                <a:ea typeface="+mn-ea"/>
-                <a:cs typeface="+mn-cs"/>
-              </a:defRPr>
-            </a:lvl2pPr>
-            <a:lvl3pPr marL="1143000" indent="-228600" algn="l" defTabSz="914400" rtl="0" eaLnBrk="1" latinLnBrk="0" hangingPunct="1">
-              <a:lnSpc>
-                <a:spcPct val="90000"/>
-              </a:lnSpc>
-              <a:spcBef>
-                <a:spcPts val="500"/>
-              </a:spcBef>
-              <a:buFont typeface="Arial" panose="020B0604020202020204" pitchFamily="34" charset="0"/>
-              <a:buChar char="•"/>
-              <a:defRPr sz="2000" kern="1200">
-                <a:solidFill>
-                  <a:schemeClr val="tx1"/>
-                </a:solidFill>
-                <a:latin typeface="+mn-lt"/>
-                <a:ea typeface="+mn-ea"/>
-                <a:cs typeface="+mn-cs"/>
-              </a:defRPr>
-            </a:lvl3pPr>
-            <a:lvl4pPr marL="1600200" indent="-228600" algn="l" defTabSz="914400" rtl="0" eaLnBrk="1" latinLnBrk="0" hangingPunct="1">
-              <a:lnSpc>
-                <a:spcPct val="90000"/>
-              </a:lnSpc>
-              <a:spcBef>
-                <a:spcPts val="500"/>
-              </a:spcBef>
-              <a:buFont typeface="Arial" panose="020B0604020202020204" pitchFamily="34" charset="0"/>
-              <a:buChar char="•"/>
-              <a:defRPr sz="1800" kern="1200">
-                <a:solidFill>
-                  <a:schemeClr val="tx1"/>
-                </a:solidFill>
-                <a:latin typeface="+mn-lt"/>
-                <a:ea typeface="+mn-ea"/>
-                <a:cs typeface="+mn-cs"/>
-              </a:defRPr>
-            </a:lvl4pPr>
-            <a:lvl5pPr marL="2057400" indent="-228600" algn="l" defTabSz="914400" rtl="0" eaLnBrk="1" latinLnBrk="0" hangingPunct="1">
-              <a:lnSpc>
-                <a:spcPct val="90000"/>
-              </a:lnSpc>
-              <a:spcBef>
-                <a:spcPts val="500"/>
-              </a:spcBef>
-              <a:buFont typeface="Arial" panose="020B0604020202020204" pitchFamily="34" charset="0"/>
-              <a:buChar char="•"/>
-              <a:defRPr sz="1800" kern="1200">
-                <a:solidFill>
-                  <a:schemeClr val="tx1"/>
-                </a:solidFill>
-                <a:latin typeface="+mn-lt"/>
-                <a:ea typeface="+mn-ea"/>
-                <a:cs typeface="+mn-cs"/>
-              </a:defRPr>
-            </a:lvl5pPr>
-            <a:lvl6pPr marL="2514600" indent="-228600" algn="l" defTabSz="914400" rtl="0" eaLnBrk="1" latinLnBrk="0" hangingPunct="1">
-              <a:lnSpc>
-                <a:spcPct val="90000"/>
-              </a:lnSpc>
-              <a:spcBef>
-                <a:spcPts val="500"/>
-              </a:spcBef>
-              <a:buFont typeface="Arial" panose="020B0604020202020204" pitchFamily="34" charset="0"/>
-              <a:buChar char="•"/>
-              <a:defRPr sz="1800" kern="1200">
-                <a:solidFill>
-                  <a:schemeClr val="tx1"/>
-                </a:solidFill>
-                <a:latin typeface="+mn-lt"/>
-                <a:ea typeface="+mn-ea"/>
-                <a:cs typeface="+mn-cs"/>
-              </a:defRPr>
-            </a:lvl6pPr>
-            <a:lvl7pPr marL="2971800" indent="-228600" algn="l" defTabSz="914400" rtl="0" eaLnBrk="1" latinLnBrk="0" hangingPunct="1">
-              <a:lnSpc>
-                <a:spcPct val="90000"/>
-              </a:lnSpc>
-              <a:spcBef>
-                <a:spcPts val="500"/>
-              </a:spcBef>
-              <a:buFont typeface="Arial" panose="020B0604020202020204" pitchFamily="34" charset="0"/>
-              <a:buChar char="•"/>
-              <a:defRPr sz="1800" kern="1200">
-                <a:solidFill>
-                  <a:schemeClr val="tx1"/>
-                </a:solidFill>
-                <a:latin typeface="+mn-lt"/>
-                <a:ea typeface="+mn-ea"/>
-                <a:cs typeface="+mn-cs"/>
-              </a:defRPr>
-            </a:lvl7pPr>
-            <a:lvl8pPr marL="3429000" indent="-228600" algn="l" defTabSz="914400" rtl="0" eaLnBrk="1" latinLnBrk="0" hangingPunct="1">
-              <a:lnSpc>
-                <a:spcPct val="90000"/>
-              </a:lnSpc>
-              <a:spcBef>
-                <a:spcPts val="500"/>
-              </a:spcBef>
-              <a:buFont typeface="Arial" panose="020B0604020202020204" pitchFamily="34" charset="0"/>
-              <a:buChar char="•"/>
-              <a:defRPr sz="1800" kern="1200">
-                <a:solidFill>
-                  <a:schemeClr val="tx1"/>
-                </a:solidFill>
-                <a:latin typeface="+mn-lt"/>
-                <a:ea typeface="+mn-ea"/>
-                <a:cs typeface="+mn-cs"/>
-              </a:defRPr>
-            </a:lvl8pPr>
-            <a:lvl9pPr marL="3886200" indent="-228600" algn="l" defTabSz="914400" rtl="0" eaLnBrk="1" latinLnBrk="0" hangingPunct="1">
-              <a:lnSpc>
-                <a:spcPct val="90000"/>
-              </a:lnSpc>
-              <a:spcBef>
-                <a:spcPts val="500"/>
-              </a:spcBef>
-              <a:buFont typeface="Arial" panose="020B0604020202020204" pitchFamily="34" charset="0"/>
-              <a:buChar char="•"/>
-              <a:defRPr sz="1800" kern="1200">
-                <a:solidFill>
-                  <a:schemeClr val="tx1"/>
-                </a:solidFill>
-                <a:latin typeface="+mn-lt"/>
-                <a:ea typeface="+mn-ea"/>
-                <a:cs typeface="+mn-cs"/>
-              </a:defRPr>
-            </a:lvl9pPr>
-          </a:lstStyle>
-          <a:p>
-            <a:pPr marL="0" indent="0">
-              <a:buNone/>
-            </a:pPr>
-            <a:r>
-              <a:rPr lang="en-GB" b="1" dirty="0"/>
-              <a:t>Bar Chart</a:t>
-            </a:r>
-            <a:endParaRPr lang="en-GB" dirty="0"/>
-          </a:p>
-          <a:p>
-            <a:pPr marL="0" indent="0">
-              <a:buNone/>
-            </a:pPr>
-            <a:r>
-              <a:rPr lang="en-GB" sz="2000" dirty="0"/>
-              <a:t>Change your bar chart to include every country, not just the UK. Colour the bars by year instead. You may need to use a “position” argument.</a:t>
+          <a:lstStyle/>
+          <a:p>
+            <a:r>
+              <a:rPr lang="en-GB" sz="1000" dirty="0" err="1">
+                <a:latin typeface="Lucida Sans Typewriter" panose="020B0509030504030204" pitchFamily="49" charset="0"/>
+              </a:rPr>
+              <a:t>bar_data</a:t>
+            </a:r>
+            <a:r>
+              <a:rPr lang="en-GB" sz="1000" dirty="0">
+                <a:latin typeface="Lucida Sans Typewriter" panose="020B0509030504030204" pitchFamily="49" charset="0"/>
+              </a:rPr>
+              <a:t> %&gt;%</a:t>
+            </a:r>
+          </a:p>
+          <a:p>
+            <a:r>
+              <a:rPr lang="en-GB" sz="1000" dirty="0">
+                <a:latin typeface="Lucida Sans Typewriter" panose="020B0509030504030204" pitchFamily="49" charset="0"/>
+              </a:rPr>
+              <a:t>  filter(name == "no2“,</a:t>
+            </a:r>
+          </a:p>
+          <a:p>
+            <a:r>
+              <a:rPr lang="en-GB" sz="1000" dirty="0">
+                <a:latin typeface="Lucida Sans Typewriter" panose="020B0509030504030204" pitchFamily="49" charset="0"/>
+              </a:rPr>
+              <a:t>         country == "</a:t>
+            </a:r>
+            <a:r>
+              <a:rPr lang="en-GB" sz="1000" dirty="0" err="1">
+                <a:latin typeface="Lucida Sans Typewriter" panose="020B0509030504030204" pitchFamily="49" charset="0"/>
+              </a:rPr>
+              <a:t>united_kingdom</a:t>
+            </a:r>
+            <a:r>
+              <a:rPr lang="en-GB" sz="1000" dirty="0">
+                <a:latin typeface="Lucida Sans Typewriter" panose="020B0509030504030204" pitchFamily="49" charset="0"/>
+              </a:rPr>
+              <a:t>") %&gt;% </a:t>
+            </a:r>
+          </a:p>
+          <a:p>
+            <a:r>
+              <a:rPr lang="en-GB" sz="1000" dirty="0">
+                <a:latin typeface="Lucida Sans Typewriter" panose="020B0509030504030204" pitchFamily="49" charset="0"/>
+              </a:rPr>
+              <a:t>  </a:t>
+            </a:r>
+            <a:r>
+              <a:rPr lang="en-GB" sz="1000" dirty="0" err="1">
+                <a:latin typeface="Lucida Sans Typewriter" panose="020B0509030504030204" pitchFamily="49" charset="0"/>
+              </a:rPr>
+              <a:t>ggplot</a:t>
+            </a:r>
+            <a:r>
+              <a:rPr lang="en-GB" sz="1000" dirty="0">
+                <a:latin typeface="Lucida Sans Typewriter" panose="020B0509030504030204" pitchFamily="49" charset="0"/>
+              </a:rPr>
+              <a:t>(</a:t>
+            </a:r>
+            <a:r>
+              <a:rPr lang="en-GB" sz="1000" dirty="0" err="1">
+                <a:highlight>
+                  <a:srgbClr val="000000"/>
+                </a:highlight>
+                <a:latin typeface="Lucida Sans Typewriter" panose="020B0509030504030204" pitchFamily="49" charset="0"/>
+              </a:rPr>
+              <a:t>aes</a:t>
+            </a:r>
+            <a:r>
+              <a:rPr lang="en-GB" sz="1000" dirty="0">
+                <a:highlight>
+                  <a:srgbClr val="000000"/>
+                </a:highlight>
+                <a:latin typeface="Lucida Sans Typewriter" panose="020B0509030504030204" pitchFamily="49" charset="0"/>
+              </a:rPr>
+              <a:t>(y = </a:t>
+            </a:r>
+            <a:r>
+              <a:rPr lang="en-GB" sz="1000" dirty="0" err="1">
+                <a:highlight>
+                  <a:srgbClr val="000000"/>
+                </a:highlight>
+                <a:latin typeface="Lucida Sans Typewriter" panose="020B0509030504030204" pitchFamily="49" charset="0"/>
+              </a:rPr>
+              <a:t>theYear</a:t>
+            </a:r>
+            <a:r>
+              <a:rPr lang="en-GB" sz="1000" dirty="0">
+                <a:highlight>
+                  <a:srgbClr val="000000"/>
+                </a:highlight>
+                <a:latin typeface="Lucida Sans Typewriter" panose="020B0509030504030204" pitchFamily="49" charset="0"/>
+              </a:rPr>
+              <a:t>, x = </a:t>
+            </a:r>
+            <a:r>
+              <a:rPr lang="en-GB" sz="1000" dirty="0" err="1">
+                <a:highlight>
+                  <a:srgbClr val="000000"/>
+                </a:highlight>
+                <a:latin typeface="Lucida Sans Typewriter" panose="020B0509030504030204" pitchFamily="49" charset="0"/>
+              </a:rPr>
+              <a:t>country_avg</a:t>
+            </a:r>
+            <a:r>
+              <a:rPr lang="en-GB" sz="1000" dirty="0">
+                <a:highlight>
+                  <a:srgbClr val="000000"/>
+                </a:highlight>
+                <a:latin typeface="Lucida Sans Typewriter" panose="020B0509030504030204" pitchFamily="49" charset="0"/>
+              </a:rPr>
+              <a:t>)</a:t>
+            </a:r>
+            <a:r>
+              <a:rPr lang="en-GB" sz="1000" dirty="0">
+                <a:latin typeface="Lucida Sans Typewriter" panose="020B0509030504030204" pitchFamily="49" charset="0"/>
+              </a:rPr>
+              <a:t>) +</a:t>
+            </a:r>
+          </a:p>
+          <a:p>
+            <a:r>
+              <a:rPr lang="en-GB" sz="1000" dirty="0">
+                <a:latin typeface="Lucida Sans Typewriter" panose="020B0509030504030204" pitchFamily="49" charset="0"/>
+              </a:rPr>
+              <a:t>  </a:t>
+            </a:r>
+            <a:r>
+              <a:rPr lang="en-GB" sz="1000" dirty="0" err="1">
+                <a:latin typeface="Lucida Sans Typewriter" panose="020B0509030504030204" pitchFamily="49" charset="0"/>
+              </a:rPr>
+              <a:t>geom_</a:t>
+            </a:r>
+            <a:r>
+              <a:rPr lang="en-GB" sz="1000" dirty="0" err="1">
+                <a:highlight>
+                  <a:srgbClr val="000000"/>
+                </a:highlight>
+                <a:latin typeface="Lucida Sans Typewriter" panose="020B0509030504030204" pitchFamily="49" charset="0"/>
+              </a:rPr>
+              <a:t>col</a:t>
+            </a:r>
+            <a:r>
+              <a:rPr lang="en-GB" sz="1000" dirty="0">
+                <a:latin typeface="Lucida Sans Typewriter" panose="020B0509030504030204" pitchFamily="49" charset="0"/>
+              </a:rPr>
+              <a:t>()</a:t>
             </a:r>
           </a:p>
         </p:txBody>
       </p:sp>
+      <p:pic>
+        <p:nvPicPr>
+          <p:cNvPr id="17" name="Picture 16">
+            <a:extLst>
+              <a:ext uri="{FF2B5EF4-FFF2-40B4-BE49-F238E27FC236}">
+                <a16:creationId xmlns:a16="http://schemas.microsoft.com/office/drawing/2014/main" id="{46F19953-D9F4-42F5-92B7-62815E43123C}"/>
+              </a:ext>
+            </a:extLst>
+          </p:cNvPr>
+          <p:cNvPicPr>
+            <a:picLocks noChangeAspect="1"/>
+          </p:cNvPicPr>
+          <p:nvPr/>
+        </p:nvPicPr>
+        <p:blipFill>
+          <a:blip r:embed="rId3">
+            <a:extLst>
+              <a:ext uri="{28A0092B-C50C-407E-A947-70E740481C1C}">
+                <a14:useLocalDpi xmlns:a14="http://schemas.microsoft.com/office/drawing/2010/main" val="0"/>
+              </a:ext>
+            </a:extLst>
+          </a:blip>
+          <a:stretch>
+            <a:fillRect/>
+          </a:stretch>
+        </p:blipFill>
+        <p:spPr>
+          <a:xfrm>
+            <a:off x="8262885" y="4049098"/>
+            <a:ext cx="3200407" cy="2133604"/>
+          </a:xfrm>
+          <a:prstGeom prst="rect">
+            <a:avLst/>
+          </a:prstGeom>
+        </p:spPr>
+      </p:pic>
+      <p:sp>
+        <p:nvSpPr>
+          <p:cNvPr id="8" name="TextBox 7">
+            <a:extLst>
+              <a:ext uri="{FF2B5EF4-FFF2-40B4-BE49-F238E27FC236}">
+                <a16:creationId xmlns:a16="http://schemas.microsoft.com/office/drawing/2014/main" id="{E0797F7B-6CEF-4A6A-8AD1-F166A139FC40}"/>
+              </a:ext>
+            </a:extLst>
+          </p:cNvPr>
+          <p:cNvSpPr txBox="1"/>
+          <p:nvPr/>
+        </p:nvSpPr>
+        <p:spPr>
+          <a:xfrm>
+            <a:off x="4324854" y="2073311"/>
+            <a:ext cx="3321396" cy="861774"/>
+          </a:xfrm>
+          <a:prstGeom prst="rect">
+            <a:avLst/>
+          </a:prstGeom>
+          <a:noFill/>
+        </p:spPr>
+        <p:txBody>
+          <a:bodyPr wrap="square" rtlCol="0">
+            <a:spAutoFit/>
+          </a:bodyPr>
+          <a:lstStyle/>
+          <a:p>
+            <a:r>
+              <a:rPr lang="en-GB" sz="1000" dirty="0" err="1">
+                <a:latin typeface="Lucida Sans Typewriter" panose="020B0509030504030204" pitchFamily="49" charset="0"/>
+              </a:rPr>
+              <a:t>density_data</a:t>
+            </a:r>
+            <a:r>
+              <a:rPr lang="en-GB" sz="1000" dirty="0">
+                <a:latin typeface="Lucida Sans Typewriter" panose="020B0509030504030204" pitchFamily="49" charset="0"/>
+              </a:rPr>
+              <a:t> %&gt;% </a:t>
+            </a:r>
+          </a:p>
+          <a:p>
+            <a:r>
+              <a:rPr lang="en-GB" sz="1000" dirty="0">
+                <a:latin typeface="Lucida Sans Typewriter" panose="020B0509030504030204" pitchFamily="49" charset="0"/>
+              </a:rPr>
+              <a:t>  filter(country == "</a:t>
+            </a:r>
+            <a:r>
+              <a:rPr lang="en-GB" sz="1000" dirty="0" err="1">
+                <a:latin typeface="Lucida Sans Typewriter" panose="020B0509030504030204" pitchFamily="49" charset="0"/>
+              </a:rPr>
+              <a:t>united_kingdom</a:t>
+            </a:r>
+            <a:r>
+              <a:rPr lang="en-GB" sz="1000" dirty="0">
+                <a:latin typeface="Lucida Sans Typewriter" panose="020B0509030504030204" pitchFamily="49" charset="0"/>
+              </a:rPr>
+              <a:t>",</a:t>
+            </a:r>
+          </a:p>
+          <a:p>
+            <a:r>
+              <a:rPr lang="en-GB" sz="1000" dirty="0">
+                <a:latin typeface="Lucida Sans Typewriter" panose="020B0509030504030204" pitchFamily="49" charset="0"/>
+              </a:rPr>
+              <a:t>         name == "no2") %&gt;% </a:t>
+            </a:r>
+          </a:p>
+          <a:p>
+            <a:r>
+              <a:rPr lang="en-GB" sz="1000" dirty="0">
+                <a:latin typeface="Lucida Sans Typewriter" panose="020B0509030504030204" pitchFamily="49" charset="0"/>
+              </a:rPr>
+              <a:t>  </a:t>
+            </a:r>
+            <a:r>
+              <a:rPr lang="en-GB" sz="1000" dirty="0" err="1">
+                <a:latin typeface="Lucida Sans Typewriter" panose="020B0509030504030204" pitchFamily="49" charset="0"/>
+              </a:rPr>
+              <a:t>ggplot</a:t>
+            </a:r>
+            <a:r>
+              <a:rPr lang="en-GB" sz="1000" dirty="0">
+                <a:latin typeface="Lucida Sans Typewriter" panose="020B0509030504030204" pitchFamily="49" charset="0"/>
+              </a:rPr>
+              <a:t>(</a:t>
+            </a:r>
+            <a:r>
+              <a:rPr lang="en-GB" sz="1000" dirty="0" err="1">
+                <a:highlight>
+                  <a:srgbClr val="000000"/>
+                </a:highlight>
+                <a:latin typeface="Lucida Sans Typewriter" panose="020B0509030504030204" pitchFamily="49" charset="0"/>
+              </a:rPr>
+              <a:t>aes</a:t>
+            </a:r>
+            <a:r>
+              <a:rPr lang="en-GB" sz="1000" dirty="0">
+                <a:highlight>
+                  <a:srgbClr val="000000"/>
+                </a:highlight>
+                <a:latin typeface="Lucida Sans Typewriter" panose="020B0509030504030204" pitchFamily="49" charset="0"/>
+              </a:rPr>
+              <a:t>(x = mean)</a:t>
+            </a:r>
+            <a:r>
+              <a:rPr lang="en-GB" sz="1000" dirty="0">
+                <a:latin typeface="Lucida Sans Typewriter" panose="020B0509030504030204" pitchFamily="49" charset="0"/>
+              </a:rPr>
+              <a:t>) +</a:t>
+            </a:r>
+          </a:p>
+          <a:p>
+            <a:r>
+              <a:rPr lang="en-GB" sz="1000" dirty="0">
+                <a:latin typeface="Lucida Sans Typewriter" panose="020B0509030504030204" pitchFamily="49" charset="0"/>
+              </a:rPr>
+              <a:t>  </a:t>
+            </a:r>
+            <a:r>
+              <a:rPr lang="en-GB" sz="1000" dirty="0" err="1">
+                <a:latin typeface="Lucida Sans Typewriter" panose="020B0509030504030204" pitchFamily="49" charset="0"/>
+              </a:rPr>
+              <a:t>geom_</a:t>
+            </a:r>
+            <a:r>
+              <a:rPr lang="en-GB" sz="1000" dirty="0" err="1">
+                <a:highlight>
+                  <a:srgbClr val="000000"/>
+                </a:highlight>
+                <a:latin typeface="Lucida Sans Typewriter" panose="020B0509030504030204" pitchFamily="49" charset="0"/>
+              </a:rPr>
+              <a:t>density</a:t>
+            </a:r>
+            <a:r>
+              <a:rPr lang="en-GB" sz="1000" dirty="0">
+                <a:latin typeface="Lucida Sans Typewriter" panose="020B0509030504030204" pitchFamily="49" charset="0"/>
+              </a:rPr>
+              <a:t>()</a:t>
+            </a:r>
+          </a:p>
+        </p:txBody>
+      </p:sp>
+      <p:pic>
+        <p:nvPicPr>
+          <p:cNvPr id="19" name="Picture 18">
+            <a:extLst>
+              <a:ext uri="{FF2B5EF4-FFF2-40B4-BE49-F238E27FC236}">
+                <a16:creationId xmlns:a16="http://schemas.microsoft.com/office/drawing/2014/main" id="{47ECDC3B-A443-488A-8AF2-BD72DF237BBE}"/>
+              </a:ext>
+            </a:extLst>
+          </p:cNvPr>
+          <p:cNvPicPr>
+            <a:picLocks noChangeAspect="1"/>
+          </p:cNvPicPr>
+          <p:nvPr/>
+        </p:nvPicPr>
+        <p:blipFill>
+          <a:blip r:embed="rId4">
+            <a:extLst>
+              <a:ext uri="{28A0092B-C50C-407E-A947-70E740481C1C}">
+                <a14:useLocalDpi xmlns:a14="http://schemas.microsoft.com/office/drawing/2010/main" val="0"/>
+              </a:ext>
+            </a:extLst>
+          </a:blip>
+          <a:stretch>
+            <a:fillRect/>
+          </a:stretch>
+        </p:blipFill>
+        <p:spPr>
+          <a:xfrm>
+            <a:off x="4385349" y="4049098"/>
+            <a:ext cx="3200407" cy="2133604"/>
+          </a:xfrm>
+          <a:prstGeom prst="rect">
+            <a:avLst/>
+          </a:prstGeom>
+        </p:spPr>
+      </p:pic>
     </p:spTree>
     <p:extLst>
       <p:ext uri="{BB962C8B-B14F-4D97-AF65-F5344CB8AC3E}">
-        <p14:creationId xmlns:p14="http://schemas.microsoft.com/office/powerpoint/2010/main" val="2686623842"/>
+        <p14:creationId xmlns:p14="http://schemas.microsoft.com/office/powerpoint/2010/main" val="2147566929"/>
       </p:ext>
     </p:extLst>
   </p:cSld>
   <p:clrMapOvr>
     <a:masterClrMapping/>
   </p:clrMapOvr>
-  <mc:AlternateContent xmlns:mc="http://schemas.openxmlformats.org/markup-compatibility/2006">
-    <mc:Choice xmlns:p14="http://schemas.microsoft.com/office/powerpoint/2010/main" Requires="p14">
-      <p:transition spd="med" p14:dur="700">
-        <p:fade/>
-      </p:transition>
-    </mc:Choice>
-    <mc:Fallback>
-      <p:transition spd="med">
-        <p:fade/>
-      </p:transition>
-    </mc:Fallback>
-  </mc:AlternateContent>
 </p:sld>
 </file>
 
@@ -6556,24 +8394,50 @@
       </p:grpSpPr>
       <p:sp>
         <p:nvSpPr>
-          <p:cNvPr id="2" name="Title 1">
-            <a:extLst>
-              <a:ext uri="{FF2B5EF4-FFF2-40B4-BE49-F238E27FC236}">
-                <a16:creationId xmlns:a16="http://schemas.microsoft.com/office/drawing/2014/main" id="{F7660571-A91B-48AB-A5FD-14C4A69BB6C7}"/>
-              </a:ext>
-            </a:extLst>
-          </p:cNvPr>
-          <p:cNvSpPr>
-            <a:spLocks noGrp="1"/>
+          <p:cNvPr id="4" name="Title 1">
+            <a:extLst>
+              <a:ext uri="{FF2B5EF4-FFF2-40B4-BE49-F238E27FC236}">
+                <a16:creationId xmlns:a16="http://schemas.microsoft.com/office/drawing/2014/main" id="{628F7D28-481E-4A69-A682-302F6C64A8D8}"/>
+              </a:ext>
+            </a:extLst>
+          </p:cNvPr>
+          <p:cNvSpPr txBox="1">
+            <a:spLocks/>
           </p:cNvSpPr>
-          <p:nvPr>
-            <p:ph type="title"/>
-          </p:nvPr>
+          <p:nvPr/>
         </p:nvSpPr>
-        <p:spPr/>
+        <p:spPr>
+          <a:xfrm>
+            <a:off x="990600" y="517525"/>
+            <a:ext cx="10515600" cy="1325563"/>
+          </a:xfrm>
+          <a:prstGeom prst="rect">
+            <a:avLst/>
+          </a:prstGeom>
+        </p:spPr>
         <p:txBody>
-          <a:bodyPr/>
-          <a:lstStyle/>
+          <a:bodyPr vert="horz" lIns="91440" tIns="45720" rIns="91440" bIns="45720" rtlCol="0" anchor="ctr">
+            <a:normAutofit/>
+          </a:bodyPr>
+          <a:lstStyle>
+            <a:lvl1pPr algn="l" defTabSz="914400" rtl="0" eaLnBrk="1" latinLnBrk="0" hangingPunct="1">
+              <a:lnSpc>
+                <a:spcPct val="90000"/>
+              </a:lnSpc>
+              <a:spcBef>
+                <a:spcPct val="0"/>
+              </a:spcBef>
+              <a:buNone/>
+              <a:defRPr sz="4400" kern="1200">
+                <a:solidFill>
+                  <a:schemeClr val="tx1"/>
+                </a:solidFill>
+                <a:latin typeface="+mj-lt"/>
+                <a:ea typeface="+mj-ea"/>
+                <a:cs typeface="+mj-cs"/>
+              </a:defRPr>
+            </a:lvl1pPr>
+          </a:lstStyle>
           <a:p>
             <a:r>
               <a:rPr lang="en-GB" dirty="0">
@@ -6581,7 +8445,18 @@
                   <a:srgbClr val="404040"/>
                 </a:solidFill>
               </a:rPr>
-              <a:t>Applications of </a:t>
+              <a:t>Further use of </a:t>
+            </a:r>
+            <a:r>
+              <a:rPr lang="en-GB" dirty="0" err="1">
+                <a:solidFill>
+                  <a:srgbClr val="404040"/>
+                </a:solidFill>
+                <a:latin typeface="Cascadia Mono" panose="020B0609020000020004" pitchFamily="49" charset="0"/>
+                <a:ea typeface="Cascadia Mono" panose="020B0609020000020004" pitchFamily="49" charset="0"/>
+                <a:cs typeface="Cascadia Mono" panose="020B0609020000020004" pitchFamily="49" charset="0"/>
+              </a:rPr>
+              <a:t>aes</a:t>
             </a:r>
             <a:r>
               <a:rPr lang="en-GB" dirty="0">
@@ -6592,517 +8467,730 @@
                 <a:ea typeface="Cascadia Mono" panose="020B0609020000020004" pitchFamily="49" charset="0"/>
                 <a:cs typeface="Cascadia Mono" panose="020B0609020000020004" pitchFamily="49" charset="0"/>
               </a:rPr>
-              <a:t>scale_*_*()</a:t>
-            </a:r>
+              <a:t>()</a:t>
+            </a:r>
+            <a:endParaRPr lang="en-GB" dirty="0">
+              <a:solidFill>
+                <a:srgbClr val="404040"/>
+              </a:solidFill>
+            </a:endParaRPr>
           </a:p>
         </p:txBody>
       </p:sp>
       <p:sp>
         <p:nvSpPr>
-          <p:cNvPr id="5" name="Content Placeholder 4">
-            <a:extLst>
-              <a:ext uri="{FF2B5EF4-FFF2-40B4-BE49-F238E27FC236}">
-                <a16:creationId xmlns:a16="http://schemas.microsoft.com/office/drawing/2014/main" id="{95AF86B1-6330-40C4-9F51-C4083ACEA657}"/>
-              </a:ext>
-            </a:extLst>
-          </p:cNvPr>
-          <p:cNvSpPr>
-            <a:spLocks noGrp="1"/>
-          </p:cNvSpPr>
-          <p:nvPr>
-            <p:ph idx="1"/>
-          </p:nvPr>
-        </p:nvSpPr>
-        <p:spPr>
-          <a:xfrm>
-            <a:off x="838200" y="1825625"/>
-            <a:ext cx="3117574" cy="4351338"/>
-          </a:xfrm>
-        </p:spPr>
-        <p:txBody>
-          <a:bodyPr/>
-          <a:lstStyle/>
-          <a:p>
-            <a:pPr marL="0" indent="0">
-              <a:buNone/>
-            </a:pPr>
-            <a:r>
-              <a:rPr lang="en-GB" b="1" dirty="0"/>
-              <a:t>Scatter Plot</a:t>
-            </a:r>
-          </a:p>
-          <a:p>
-            <a:pPr marL="0" indent="0">
-              <a:buNone/>
-            </a:pPr>
-            <a:r>
-              <a:rPr lang="en-GB" sz="2000" dirty="0"/>
-              <a:t>Make the x and y axes of your plot go to zero. Also, label them “Ozone” and “Nitrogen Dioxide” in full.</a:t>
-            </a:r>
-          </a:p>
-        </p:txBody>
-      </p:sp>
-      <p:sp>
-        <p:nvSpPr>
-          <p:cNvPr id="11" name="Content Placeholder 4">
-            <a:extLst>
-              <a:ext uri="{FF2B5EF4-FFF2-40B4-BE49-F238E27FC236}">
-                <a16:creationId xmlns:a16="http://schemas.microsoft.com/office/drawing/2014/main" id="{771148EC-1896-4790-88A1-FE4C4FAEF766}"/>
-              </a:ext>
-            </a:extLst>
-          </p:cNvPr>
-          <p:cNvSpPr txBox="1">
-            <a:spLocks/>
-          </p:cNvSpPr>
+          <p:cNvPr id="5" name="TextBox 4">
+            <a:extLst>
+              <a:ext uri="{FF2B5EF4-FFF2-40B4-BE49-F238E27FC236}">
+                <a16:creationId xmlns:a16="http://schemas.microsoft.com/office/drawing/2014/main" id="{D1628F68-1744-4113-A1D5-8AC0B8037378}"/>
+              </a:ext>
+            </a:extLst>
+          </p:cNvPr>
+          <p:cNvSpPr txBox="1"/>
           <p:nvPr/>
         </p:nvSpPr>
         <p:spPr>
           <a:xfrm>
-            <a:off x="4580283" y="1825625"/>
-            <a:ext cx="3117574" cy="4351338"/>
+            <a:off x="578390" y="1975074"/>
+            <a:ext cx="3552148" cy="1015663"/>
+          </a:xfrm>
+          <a:prstGeom prst="rect">
+            <a:avLst/>
+          </a:prstGeom>
+          <a:noFill/>
+        </p:spPr>
+        <p:txBody>
+          <a:bodyPr wrap="square" rtlCol="0">
+            <a:spAutoFit/>
+          </a:bodyPr>
+          <a:lstStyle/>
+          <a:p>
+            <a:r>
+              <a:rPr lang="en-GB" sz="1000" dirty="0" err="1">
+                <a:latin typeface="Lucida Sans Typewriter" panose="020B0509030504030204" pitchFamily="49" charset="0"/>
+              </a:rPr>
+              <a:t>scatter_data</a:t>
+            </a:r>
+            <a:r>
+              <a:rPr lang="en-GB" sz="1000" dirty="0">
+                <a:latin typeface="Lucida Sans Typewriter" panose="020B0509030504030204" pitchFamily="49" charset="0"/>
+              </a:rPr>
+              <a:t> %&gt;% </a:t>
+            </a:r>
+          </a:p>
+          <a:p>
+            <a:r>
+              <a:rPr lang="en-GB" sz="1000" dirty="0">
+                <a:latin typeface="Lucida Sans Typewriter" panose="020B0509030504030204" pitchFamily="49" charset="0"/>
+              </a:rPr>
+              <a:t>  filter(code %in% c("MY1", "KC1")) %&gt;% </a:t>
+            </a:r>
+          </a:p>
+          <a:p>
+            <a:r>
+              <a:rPr lang="en-GB" sz="1000" dirty="0">
+                <a:latin typeface="Lucida Sans Typewriter" panose="020B0509030504030204" pitchFamily="49" charset="0"/>
+              </a:rPr>
+              <a:t>  </a:t>
+            </a:r>
+            <a:r>
+              <a:rPr lang="en-GB" sz="1000" dirty="0" err="1">
+                <a:latin typeface="Lucida Sans Typewriter" panose="020B0509030504030204" pitchFamily="49" charset="0"/>
+              </a:rPr>
+              <a:t>ggplot</a:t>
+            </a:r>
+            <a:r>
+              <a:rPr lang="en-GB" sz="1000" dirty="0">
+                <a:latin typeface="Lucida Sans Typewriter" panose="020B0509030504030204" pitchFamily="49" charset="0"/>
+              </a:rPr>
+              <a:t>(</a:t>
+            </a:r>
+            <a:r>
+              <a:rPr lang="en-GB" sz="1000" dirty="0" err="1">
+                <a:latin typeface="Lucida Sans Typewriter" panose="020B0509030504030204" pitchFamily="49" charset="0"/>
+              </a:rPr>
+              <a:t>aes</a:t>
+            </a:r>
+            <a:r>
+              <a:rPr lang="en-GB" sz="1000" dirty="0">
+                <a:latin typeface="Lucida Sans Typewriter" panose="020B0509030504030204" pitchFamily="49" charset="0"/>
+              </a:rPr>
+              <a:t>(x = o3, y = no2)) +</a:t>
+            </a:r>
+          </a:p>
+          <a:p>
+            <a:r>
+              <a:rPr lang="en-GB" sz="1000" dirty="0">
+                <a:latin typeface="Lucida Sans Typewriter" panose="020B0509030504030204" pitchFamily="49" charset="0"/>
+              </a:rPr>
+              <a:t>  </a:t>
+            </a:r>
+            <a:r>
+              <a:rPr lang="en-GB" sz="1000" dirty="0" err="1">
+                <a:latin typeface="Lucida Sans Typewriter" panose="020B0509030504030204" pitchFamily="49" charset="0"/>
+              </a:rPr>
+              <a:t>geom_point</a:t>
+            </a:r>
+            <a:r>
+              <a:rPr lang="en-GB" sz="1000" dirty="0">
+                <a:latin typeface="Lucida Sans Typewriter" panose="020B0509030504030204" pitchFamily="49" charset="0"/>
+              </a:rPr>
+              <a:t>(</a:t>
+            </a:r>
+            <a:r>
+              <a:rPr lang="en-GB" sz="1000" dirty="0" err="1">
+                <a:latin typeface="Lucida Sans Typewriter" panose="020B0509030504030204" pitchFamily="49" charset="0"/>
+              </a:rPr>
+              <a:t>aes</a:t>
+            </a:r>
+            <a:r>
+              <a:rPr lang="en-GB" sz="1000" dirty="0">
+                <a:latin typeface="Lucida Sans Typewriter" panose="020B0509030504030204" pitchFamily="49" charset="0"/>
+              </a:rPr>
+              <a:t>(</a:t>
+            </a:r>
+            <a:r>
+              <a:rPr lang="en-GB" sz="1000" dirty="0" err="1">
+                <a:highlight>
+                  <a:srgbClr val="000000"/>
+                </a:highlight>
+                <a:latin typeface="Lucida Sans Typewriter" panose="020B0509030504030204" pitchFamily="49" charset="0"/>
+              </a:rPr>
+              <a:t>color</a:t>
+            </a:r>
+            <a:r>
+              <a:rPr lang="en-GB" sz="1000" dirty="0">
+                <a:highlight>
+                  <a:srgbClr val="000000"/>
+                </a:highlight>
+                <a:latin typeface="Lucida Sans Typewriter" panose="020B0509030504030204" pitchFamily="49" charset="0"/>
+              </a:rPr>
+              <a:t> = code</a:t>
+            </a:r>
+            <a:r>
+              <a:rPr lang="en-GB" sz="1000" dirty="0">
+                <a:latin typeface="Lucida Sans Typewriter" panose="020B0509030504030204" pitchFamily="49" charset="0"/>
+              </a:rPr>
+              <a:t>)) +</a:t>
+            </a:r>
+          </a:p>
+          <a:p>
+            <a:r>
+              <a:rPr lang="en-GB" sz="1000" dirty="0">
+                <a:latin typeface="Lucida Sans Typewriter" panose="020B0509030504030204" pitchFamily="49" charset="0"/>
+              </a:rPr>
+              <a:t>  </a:t>
+            </a:r>
+            <a:r>
+              <a:rPr lang="en-GB" sz="1000" dirty="0" err="1">
+                <a:latin typeface="Lucida Sans Typewriter" panose="020B0509030504030204" pitchFamily="49" charset="0"/>
+              </a:rPr>
+              <a:t>geom_smooth</a:t>
+            </a:r>
+            <a:r>
+              <a:rPr lang="en-GB" sz="1000" dirty="0">
+                <a:latin typeface="Lucida Sans Typewriter" panose="020B0509030504030204" pitchFamily="49" charset="0"/>
+              </a:rPr>
+              <a:t>(method = "</a:t>
+            </a:r>
+            <a:r>
+              <a:rPr lang="en-GB" sz="1000" dirty="0" err="1">
+                <a:latin typeface="Lucida Sans Typewriter" panose="020B0509030504030204" pitchFamily="49" charset="0"/>
+              </a:rPr>
+              <a:t>lm</a:t>
+            </a:r>
+            <a:r>
+              <a:rPr lang="en-GB" sz="1000" dirty="0">
+                <a:latin typeface="Lucida Sans Typewriter" panose="020B0509030504030204" pitchFamily="49" charset="0"/>
+              </a:rPr>
+              <a:t>",</a:t>
+            </a:r>
+            <a:br>
+              <a:rPr lang="en-GB" sz="1000" dirty="0">
+                <a:latin typeface="Lucida Sans Typewriter" panose="020B0509030504030204" pitchFamily="49" charset="0"/>
+              </a:rPr>
+            </a:br>
+            <a:r>
+              <a:rPr lang="en-GB" sz="1000" dirty="0">
+                <a:latin typeface="Lucida Sans Typewriter" panose="020B0509030504030204" pitchFamily="49" charset="0"/>
+              </a:rPr>
+              <a:t>              </a:t>
+            </a:r>
+            <a:r>
+              <a:rPr lang="en-GB" sz="1000" dirty="0" err="1">
+                <a:latin typeface="Lucida Sans Typewriter" panose="020B0509030504030204" pitchFamily="49" charset="0"/>
+              </a:rPr>
+              <a:t>aes</a:t>
+            </a:r>
+            <a:r>
+              <a:rPr lang="en-GB" sz="1000" dirty="0">
+                <a:latin typeface="Lucida Sans Typewriter" panose="020B0509030504030204" pitchFamily="49" charset="0"/>
+              </a:rPr>
+              <a:t>(</a:t>
+            </a:r>
+            <a:r>
+              <a:rPr lang="en-GB" sz="1000" dirty="0">
+                <a:highlight>
+                  <a:srgbClr val="000000"/>
+                </a:highlight>
+                <a:latin typeface="Lucida Sans Typewriter" panose="020B0509030504030204" pitchFamily="49" charset="0"/>
+              </a:rPr>
+              <a:t>group = code</a:t>
+            </a:r>
+            <a:r>
+              <a:rPr lang="en-GB" sz="1000" dirty="0">
+                <a:latin typeface="Lucida Sans Typewriter" panose="020B0509030504030204" pitchFamily="49" charset="0"/>
+              </a:rPr>
+              <a:t>))</a:t>
+            </a:r>
+          </a:p>
+        </p:txBody>
+      </p:sp>
+      <p:pic>
+        <p:nvPicPr>
+          <p:cNvPr id="15" name="Picture 14">
+            <a:extLst>
+              <a:ext uri="{FF2B5EF4-FFF2-40B4-BE49-F238E27FC236}">
+                <a16:creationId xmlns:a16="http://schemas.microsoft.com/office/drawing/2014/main" id="{CA3B5DD2-E80E-4C6B-875C-AF00BD588072}"/>
+              </a:ext>
+            </a:extLst>
+          </p:cNvPr>
+          <p:cNvPicPr>
+            <a:picLocks noChangeAspect="1"/>
+          </p:cNvPicPr>
+          <p:nvPr/>
+        </p:nvPicPr>
+        <p:blipFill>
+          <a:blip r:embed="rId2">
+            <a:extLst>
+              <a:ext uri="{28A0092B-C50C-407E-A947-70E740481C1C}">
+                <a14:useLocalDpi xmlns:a14="http://schemas.microsoft.com/office/drawing/2010/main" val="0"/>
+              </a:ext>
+            </a:extLst>
+          </a:blip>
+          <a:srcRect/>
+          <a:stretch/>
+        </p:blipFill>
+        <p:spPr>
+          <a:xfrm>
+            <a:off x="754261" y="4023218"/>
+            <a:ext cx="3200407" cy="2133604"/>
           </a:xfrm>
           <a:prstGeom prst="rect">
             <a:avLst/>
           </a:prstGeom>
         </p:spPr>
-        <p:txBody>
-          <a:bodyPr vert="horz" lIns="91440" tIns="45720" rIns="91440" bIns="45720" rtlCol="0">
-            <a:normAutofit/>
-          </a:bodyPr>
-          <a:lstStyle>
-            <a:lvl1pPr marL="228600" indent="-228600" algn="l" defTabSz="914400" rtl="0" eaLnBrk="1" latinLnBrk="0" hangingPunct="1">
-              <a:lnSpc>
-                <a:spcPct val="90000"/>
-              </a:lnSpc>
-              <a:spcBef>
-                <a:spcPts val="1000"/>
-              </a:spcBef>
-              <a:buFont typeface="Arial" panose="020B0604020202020204" pitchFamily="34" charset="0"/>
-              <a:buChar char="•"/>
-              <a:defRPr sz="2800" kern="1200">
-                <a:solidFill>
-                  <a:schemeClr val="tx1"/>
-                </a:solidFill>
-                <a:latin typeface="+mn-lt"/>
-                <a:ea typeface="+mn-ea"/>
-                <a:cs typeface="+mn-cs"/>
-              </a:defRPr>
-            </a:lvl1pPr>
-            <a:lvl2pPr marL="685800" indent="-228600" algn="l" defTabSz="914400" rtl="0" eaLnBrk="1" latinLnBrk="0" hangingPunct="1">
-              <a:lnSpc>
-                <a:spcPct val="90000"/>
-              </a:lnSpc>
-              <a:spcBef>
-                <a:spcPts val="500"/>
-              </a:spcBef>
-              <a:buFont typeface="Arial" panose="020B0604020202020204" pitchFamily="34" charset="0"/>
-              <a:buChar char="•"/>
-              <a:defRPr sz="2400" kern="1200">
-                <a:solidFill>
-                  <a:schemeClr val="tx1"/>
-                </a:solidFill>
-                <a:latin typeface="+mn-lt"/>
-                <a:ea typeface="+mn-ea"/>
-                <a:cs typeface="+mn-cs"/>
-              </a:defRPr>
-            </a:lvl2pPr>
-            <a:lvl3pPr marL="1143000" indent="-228600" algn="l" defTabSz="914400" rtl="0" eaLnBrk="1" latinLnBrk="0" hangingPunct="1">
-              <a:lnSpc>
-                <a:spcPct val="90000"/>
-              </a:lnSpc>
-              <a:spcBef>
-                <a:spcPts val="500"/>
-              </a:spcBef>
-              <a:buFont typeface="Arial" panose="020B0604020202020204" pitchFamily="34" charset="0"/>
-              <a:buChar char="•"/>
-              <a:defRPr sz="2000" kern="1200">
-                <a:solidFill>
-                  <a:schemeClr val="tx1"/>
-                </a:solidFill>
-                <a:latin typeface="+mn-lt"/>
-                <a:ea typeface="+mn-ea"/>
-                <a:cs typeface="+mn-cs"/>
-              </a:defRPr>
-            </a:lvl3pPr>
-            <a:lvl4pPr marL="1600200" indent="-228600" algn="l" defTabSz="914400" rtl="0" eaLnBrk="1" latinLnBrk="0" hangingPunct="1">
-              <a:lnSpc>
-                <a:spcPct val="90000"/>
-              </a:lnSpc>
-              <a:spcBef>
-                <a:spcPts val="500"/>
-              </a:spcBef>
-              <a:buFont typeface="Arial" panose="020B0604020202020204" pitchFamily="34" charset="0"/>
-              <a:buChar char="•"/>
-              <a:defRPr sz="1800" kern="1200">
-                <a:solidFill>
-                  <a:schemeClr val="tx1"/>
-                </a:solidFill>
-                <a:latin typeface="+mn-lt"/>
-                <a:ea typeface="+mn-ea"/>
-                <a:cs typeface="+mn-cs"/>
-              </a:defRPr>
-            </a:lvl4pPr>
-            <a:lvl5pPr marL="2057400" indent="-228600" algn="l" defTabSz="914400" rtl="0" eaLnBrk="1" latinLnBrk="0" hangingPunct="1">
-              <a:lnSpc>
-                <a:spcPct val="90000"/>
-              </a:lnSpc>
-              <a:spcBef>
-                <a:spcPts val="500"/>
-              </a:spcBef>
-              <a:buFont typeface="Arial" panose="020B0604020202020204" pitchFamily="34" charset="0"/>
-              <a:buChar char="•"/>
-              <a:defRPr sz="1800" kern="1200">
-                <a:solidFill>
-                  <a:schemeClr val="tx1"/>
-                </a:solidFill>
-                <a:latin typeface="+mn-lt"/>
-                <a:ea typeface="+mn-ea"/>
-                <a:cs typeface="+mn-cs"/>
-              </a:defRPr>
-            </a:lvl5pPr>
-            <a:lvl6pPr marL="2514600" indent="-228600" algn="l" defTabSz="914400" rtl="0" eaLnBrk="1" latinLnBrk="0" hangingPunct="1">
-              <a:lnSpc>
-                <a:spcPct val="90000"/>
-              </a:lnSpc>
-              <a:spcBef>
-                <a:spcPts val="500"/>
-              </a:spcBef>
-              <a:buFont typeface="Arial" panose="020B0604020202020204" pitchFamily="34" charset="0"/>
-              <a:buChar char="•"/>
-              <a:defRPr sz="1800" kern="1200">
-                <a:solidFill>
-                  <a:schemeClr val="tx1"/>
-                </a:solidFill>
-                <a:latin typeface="+mn-lt"/>
-                <a:ea typeface="+mn-ea"/>
-                <a:cs typeface="+mn-cs"/>
-              </a:defRPr>
-            </a:lvl6pPr>
-            <a:lvl7pPr marL="2971800" indent="-228600" algn="l" defTabSz="914400" rtl="0" eaLnBrk="1" latinLnBrk="0" hangingPunct="1">
-              <a:lnSpc>
-                <a:spcPct val="90000"/>
-              </a:lnSpc>
-              <a:spcBef>
-                <a:spcPts val="500"/>
-              </a:spcBef>
-              <a:buFont typeface="Arial" panose="020B0604020202020204" pitchFamily="34" charset="0"/>
-              <a:buChar char="•"/>
-              <a:defRPr sz="1800" kern="1200">
-                <a:solidFill>
-                  <a:schemeClr val="tx1"/>
-                </a:solidFill>
-                <a:latin typeface="+mn-lt"/>
-                <a:ea typeface="+mn-ea"/>
-                <a:cs typeface="+mn-cs"/>
-              </a:defRPr>
-            </a:lvl7pPr>
-            <a:lvl8pPr marL="3429000" indent="-228600" algn="l" defTabSz="914400" rtl="0" eaLnBrk="1" latinLnBrk="0" hangingPunct="1">
-              <a:lnSpc>
-                <a:spcPct val="90000"/>
-              </a:lnSpc>
-              <a:spcBef>
-                <a:spcPts val="500"/>
-              </a:spcBef>
-              <a:buFont typeface="Arial" panose="020B0604020202020204" pitchFamily="34" charset="0"/>
-              <a:buChar char="•"/>
-              <a:defRPr sz="1800" kern="1200">
-                <a:solidFill>
-                  <a:schemeClr val="tx1"/>
-                </a:solidFill>
-                <a:latin typeface="+mn-lt"/>
-                <a:ea typeface="+mn-ea"/>
-                <a:cs typeface="+mn-cs"/>
-              </a:defRPr>
-            </a:lvl8pPr>
-            <a:lvl9pPr marL="3886200" indent="-228600" algn="l" defTabSz="914400" rtl="0" eaLnBrk="1" latinLnBrk="0" hangingPunct="1">
-              <a:lnSpc>
-                <a:spcPct val="90000"/>
-              </a:lnSpc>
-              <a:spcBef>
-                <a:spcPts val="500"/>
-              </a:spcBef>
-              <a:buFont typeface="Arial" panose="020B0604020202020204" pitchFamily="34" charset="0"/>
-              <a:buChar char="•"/>
-              <a:defRPr sz="1800" kern="1200">
-                <a:solidFill>
-                  <a:schemeClr val="tx1"/>
-                </a:solidFill>
-                <a:latin typeface="+mn-lt"/>
-                <a:ea typeface="+mn-ea"/>
-                <a:cs typeface="+mn-cs"/>
-              </a:defRPr>
-            </a:lvl9pPr>
-          </a:lstStyle>
-          <a:p>
-            <a:pPr marL="0" indent="0">
-              <a:buNone/>
-            </a:pPr>
-            <a:r>
-              <a:rPr lang="en-GB" b="1" dirty="0"/>
-              <a:t>Density Plot</a:t>
-            </a:r>
-          </a:p>
-          <a:p>
-            <a:pPr marL="0" indent="0">
-              <a:buNone/>
-            </a:pPr>
-            <a:r>
-              <a:rPr lang="en-GB" sz="2000" dirty="0"/>
-              <a:t>Change the colours of your density functions from the default – “</a:t>
-            </a:r>
-            <a:r>
-              <a:rPr lang="en-GB" sz="2000" dirty="0" err="1"/>
-              <a:t>darkgreen</a:t>
-            </a:r>
-            <a:r>
-              <a:rPr lang="en-GB" sz="2000" dirty="0"/>
-              <a:t>” and “</a:t>
-            </a:r>
-            <a:r>
-              <a:rPr lang="en-GB" sz="2000" dirty="0" err="1"/>
-              <a:t>darkblue</a:t>
-            </a:r>
-            <a:r>
-              <a:rPr lang="en-GB" sz="2000" dirty="0"/>
-              <a:t>” are nice options. Also, give the legend a better name.</a:t>
-            </a:r>
-          </a:p>
-        </p:txBody>
-      </p:sp>
+      </p:pic>
       <p:sp>
         <p:nvSpPr>
-          <p:cNvPr id="12" name="Content Placeholder 4">
-            <a:extLst>
-              <a:ext uri="{FF2B5EF4-FFF2-40B4-BE49-F238E27FC236}">
-                <a16:creationId xmlns:a16="http://schemas.microsoft.com/office/drawing/2014/main" id="{74BF79EB-C474-471C-8FBA-7D8F2FAF9382}"/>
-              </a:ext>
-            </a:extLst>
-          </p:cNvPr>
-          <p:cNvSpPr txBox="1">
-            <a:spLocks/>
-          </p:cNvSpPr>
+          <p:cNvPr id="11" name="TextBox 10">
+            <a:extLst>
+              <a:ext uri="{FF2B5EF4-FFF2-40B4-BE49-F238E27FC236}">
+                <a16:creationId xmlns:a16="http://schemas.microsoft.com/office/drawing/2014/main" id="{F28EB515-03CE-44A7-85A7-16009FB0F227}"/>
+              </a:ext>
+            </a:extLst>
+          </p:cNvPr>
+          <p:cNvSpPr txBox="1"/>
           <p:nvPr/>
         </p:nvSpPr>
         <p:spPr>
           <a:xfrm>
-            <a:off x="8322366" y="1825625"/>
-            <a:ext cx="3117574" cy="4351338"/>
+            <a:off x="7864144" y="1975074"/>
+            <a:ext cx="3997889" cy="1015663"/>
+          </a:xfrm>
+          <a:prstGeom prst="rect">
+            <a:avLst/>
+          </a:prstGeom>
+          <a:noFill/>
+        </p:spPr>
+        <p:txBody>
+          <a:bodyPr wrap="square" rtlCol="0">
+            <a:spAutoFit/>
+          </a:bodyPr>
+          <a:lstStyle/>
+          <a:p>
+            <a:r>
+              <a:rPr lang="en-GB" sz="1000" dirty="0" err="1">
+                <a:latin typeface="Lucida Sans Typewriter" panose="020B0509030504030204" pitchFamily="49" charset="0"/>
+              </a:rPr>
+              <a:t>bar_data</a:t>
+            </a:r>
+            <a:r>
+              <a:rPr lang="en-GB" sz="1000" dirty="0">
+                <a:latin typeface="Lucida Sans Typewriter" panose="020B0509030504030204" pitchFamily="49" charset="0"/>
+              </a:rPr>
+              <a:t> %&gt;% </a:t>
+            </a:r>
+          </a:p>
+          <a:p>
+            <a:r>
+              <a:rPr lang="en-GB" sz="1000" dirty="0">
+                <a:latin typeface="Lucida Sans Typewriter" panose="020B0509030504030204" pitchFamily="49" charset="0"/>
+              </a:rPr>
+              <a:t>  filter(name == "no2") %&gt;% </a:t>
+            </a:r>
+          </a:p>
+          <a:p>
+            <a:r>
+              <a:rPr lang="en-GB" sz="1000" dirty="0">
+                <a:latin typeface="Lucida Sans Typewriter" panose="020B0509030504030204" pitchFamily="49" charset="0"/>
+              </a:rPr>
+              <a:t>  </a:t>
+            </a:r>
+            <a:r>
+              <a:rPr lang="en-GB" sz="1000" dirty="0" err="1">
+                <a:latin typeface="Lucida Sans Typewriter" panose="020B0509030504030204" pitchFamily="49" charset="0"/>
+              </a:rPr>
+              <a:t>ggplot</a:t>
+            </a:r>
+            <a:r>
+              <a:rPr lang="en-GB" sz="1000" dirty="0">
+                <a:latin typeface="Lucida Sans Typewriter" panose="020B0509030504030204" pitchFamily="49" charset="0"/>
+              </a:rPr>
+              <a:t>(</a:t>
+            </a:r>
+            <a:r>
+              <a:rPr lang="en-GB" sz="1000" dirty="0" err="1">
+                <a:latin typeface="Lucida Sans Typewriter" panose="020B0509030504030204" pitchFamily="49" charset="0"/>
+              </a:rPr>
+              <a:t>aes</a:t>
+            </a:r>
+            <a:r>
+              <a:rPr lang="en-GB" sz="1000" dirty="0">
+                <a:latin typeface="Lucida Sans Typewriter" panose="020B0509030504030204" pitchFamily="49" charset="0"/>
+              </a:rPr>
+              <a:t>(y = country,</a:t>
+            </a:r>
+          </a:p>
+          <a:p>
+            <a:r>
+              <a:rPr lang="en-GB" sz="1000" dirty="0">
+                <a:latin typeface="Lucida Sans Typewriter" panose="020B0509030504030204" pitchFamily="49" charset="0"/>
+              </a:rPr>
+              <a:t>             x = </a:t>
+            </a:r>
+            <a:r>
+              <a:rPr lang="en-GB" sz="1000" dirty="0" err="1">
+                <a:latin typeface="Lucida Sans Typewriter" panose="020B0509030504030204" pitchFamily="49" charset="0"/>
+              </a:rPr>
+              <a:t>country_avg</a:t>
+            </a:r>
+            <a:r>
+              <a:rPr lang="en-GB" sz="1000" dirty="0">
+                <a:latin typeface="Lucida Sans Typewriter" panose="020B0509030504030204" pitchFamily="49" charset="0"/>
+              </a:rPr>
+              <a:t>,</a:t>
+            </a:r>
+          </a:p>
+          <a:p>
+            <a:r>
+              <a:rPr lang="en-GB" sz="1000" dirty="0">
+                <a:latin typeface="Lucida Sans Typewriter" panose="020B0509030504030204" pitchFamily="49" charset="0"/>
+              </a:rPr>
+              <a:t>             </a:t>
+            </a:r>
+            <a:r>
+              <a:rPr lang="en-GB" sz="1000" dirty="0">
+                <a:highlight>
+                  <a:srgbClr val="000000"/>
+                </a:highlight>
+                <a:latin typeface="Lucida Sans Typewriter" panose="020B0509030504030204" pitchFamily="49" charset="0"/>
+              </a:rPr>
+              <a:t>fill = </a:t>
+            </a:r>
+            <a:r>
+              <a:rPr lang="en-GB" sz="1000" dirty="0" err="1">
+                <a:highlight>
+                  <a:srgbClr val="000000"/>
+                </a:highlight>
+                <a:latin typeface="Lucida Sans Typewriter" panose="020B0509030504030204" pitchFamily="49" charset="0"/>
+              </a:rPr>
+              <a:t>theYear</a:t>
+            </a:r>
+            <a:r>
+              <a:rPr lang="en-GB" sz="1000" dirty="0">
+                <a:latin typeface="Lucida Sans Typewriter" panose="020B0509030504030204" pitchFamily="49" charset="0"/>
+              </a:rPr>
+              <a:t>)) +</a:t>
+            </a:r>
+          </a:p>
+          <a:p>
+            <a:r>
+              <a:rPr lang="en-GB" sz="1000" dirty="0">
+                <a:latin typeface="Lucida Sans Typewriter" panose="020B0509030504030204" pitchFamily="49" charset="0"/>
+              </a:rPr>
+              <a:t>  </a:t>
+            </a:r>
+            <a:r>
+              <a:rPr lang="en-GB" sz="1000" dirty="0" err="1">
+                <a:latin typeface="Lucida Sans Typewriter" panose="020B0509030504030204" pitchFamily="49" charset="0"/>
+              </a:rPr>
+              <a:t>geom_col</a:t>
+            </a:r>
+            <a:r>
+              <a:rPr lang="en-GB" sz="1000" dirty="0">
+                <a:latin typeface="Lucida Sans Typewriter" panose="020B0509030504030204" pitchFamily="49" charset="0"/>
+              </a:rPr>
+              <a:t>(position = </a:t>
+            </a:r>
+            <a:r>
+              <a:rPr lang="en-GB" sz="1000" dirty="0" err="1">
+                <a:highlight>
+                  <a:srgbClr val="000000"/>
+                </a:highlight>
+                <a:latin typeface="Lucida Sans Typewriter" panose="020B0509030504030204" pitchFamily="49" charset="0"/>
+              </a:rPr>
+              <a:t>position_dodge</a:t>
+            </a:r>
+            <a:r>
+              <a:rPr lang="en-GB" sz="1000" dirty="0">
+                <a:highlight>
+                  <a:srgbClr val="000000"/>
+                </a:highlight>
+                <a:latin typeface="Lucida Sans Typewriter" panose="020B0509030504030204" pitchFamily="49" charset="0"/>
+              </a:rPr>
+              <a:t>()</a:t>
+            </a:r>
+            <a:r>
+              <a:rPr lang="en-GB" sz="1000" dirty="0">
+                <a:latin typeface="Lucida Sans Typewriter" panose="020B0509030504030204" pitchFamily="49" charset="0"/>
+              </a:rPr>
+              <a:t>)</a:t>
+            </a:r>
+          </a:p>
+        </p:txBody>
+      </p:sp>
+      <p:pic>
+        <p:nvPicPr>
+          <p:cNvPr id="17" name="Picture 16">
+            <a:extLst>
+              <a:ext uri="{FF2B5EF4-FFF2-40B4-BE49-F238E27FC236}">
+                <a16:creationId xmlns:a16="http://schemas.microsoft.com/office/drawing/2014/main" id="{46F19953-D9F4-42F5-92B7-62815E43123C}"/>
+              </a:ext>
+            </a:extLst>
+          </p:cNvPr>
+          <p:cNvPicPr>
+            <a:picLocks noChangeAspect="1"/>
+          </p:cNvPicPr>
+          <p:nvPr/>
+        </p:nvPicPr>
+        <p:blipFill>
+          <a:blip r:embed="rId3">
+            <a:extLst>
+              <a:ext uri="{28A0092B-C50C-407E-A947-70E740481C1C}">
+                <a14:useLocalDpi xmlns:a14="http://schemas.microsoft.com/office/drawing/2010/main" val="0"/>
+              </a:ext>
+            </a:extLst>
+          </a:blip>
+          <a:srcRect/>
+          <a:stretch/>
+        </p:blipFill>
+        <p:spPr>
+          <a:xfrm>
+            <a:off x="8262885" y="4023218"/>
+            <a:ext cx="3200407" cy="2133604"/>
           </a:xfrm>
           <a:prstGeom prst="rect">
             <a:avLst/>
           </a:prstGeom>
         </p:spPr>
+      </p:pic>
+      <p:sp>
+        <p:nvSpPr>
+          <p:cNvPr id="8" name="TextBox 7">
+            <a:extLst>
+              <a:ext uri="{FF2B5EF4-FFF2-40B4-BE49-F238E27FC236}">
+                <a16:creationId xmlns:a16="http://schemas.microsoft.com/office/drawing/2014/main" id="{E0797F7B-6CEF-4A6A-8AD1-F166A139FC40}"/>
+              </a:ext>
+            </a:extLst>
+          </p:cNvPr>
+          <p:cNvSpPr txBox="1"/>
+          <p:nvPr/>
+        </p:nvSpPr>
+        <p:spPr>
+          <a:xfrm>
+            <a:off x="4336643" y="1975074"/>
+            <a:ext cx="3321396" cy="1169551"/>
+          </a:xfrm>
+          <a:prstGeom prst="rect">
+            <a:avLst/>
+          </a:prstGeom>
+          <a:noFill/>
+        </p:spPr>
         <p:txBody>
-          <a:bodyPr vert="horz" lIns="91440" tIns="45720" rIns="91440" bIns="45720" rtlCol="0">
-            <a:normAutofit/>
+          <a:bodyPr wrap="square" rtlCol="0">
+            <a:spAutoFit/>
           </a:bodyPr>
-          <a:lstStyle>
-            <a:lvl1pPr marL="228600" indent="-228600" algn="l" defTabSz="914400" rtl="0" eaLnBrk="1" latinLnBrk="0" hangingPunct="1">
-              <a:lnSpc>
-                <a:spcPct val="90000"/>
-              </a:lnSpc>
-              <a:spcBef>
-                <a:spcPts val="1000"/>
-              </a:spcBef>
-              <a:buFont typeface="Arial" panose="020B0604020202020204" pitchFamily="34" charset="0"/>
-              <a:buChar char="•"/>
-              <a:defRPr sz="2800" kern="1200">
-                <a:solidFill>
-                  <a:schemeClr val="tx1"/>
-                </a:solidFill>
-                <a:latin typeface="+mn-lt"/>
-                <a:ea typeface="+mn-ea"/>
-                <a:cs typeface="+mn-cs"/>
-              </a:defRPr>
-            </a:lvl1pPr>
-            <a:lvl2pPr marL="685800" indent="-228600" algn="l" defTabSz="914400" rtl="0" eaLnBrk="1" latinLnBrk="0" hangingPunct="1">
-              <a:lnSpc>
-                <a:spcPct val="90000"/>
-              </a:lnSpc>
-              <a:spcBef>
-                <a:spcPts val="500"/>
-              </a:spcBef>
-              <a:buFont typeface="Arial" panose="020B0604020202020204" pitchFamily="34" charset="0"/>
-              <a:buChar char="•"/>
-              <a:defRPr sz="2400" kern="1200">
-                <a:solidFill>
-                  <a:schemeClr val="tx1"/>
-                </a:solidFill>
-                <a:latin typeface="+mn-lt"/>
-                <a:ea typeface="+mn-ea"/>
-                <a:cs typeface="+mn-cs"/>
-              </a:defRPr>
-            </a:lvl2pPr>
-            <a:lvl3pPr marL="1143000" indent="-228600" algn="l" defTabSz="914400" rtl="0" eaLnBrk="1" latinLnBrk="0" hangingPunct="1">
-              <a:lnSpc>
-                <a:spcPct val="90000"/>
-              </a:lnSpc>
-              <a:spcBef>
-                <a:spcPts val="500"/>
-              </a:spcBef>
-              <a:buFont typeface="Arial" panose="020B0604020202020204" pitchFamily="34" charset="0"/>
-              <a:buChar char="•"/>
-              <a:defRPr sz="2000" kern="1200">
-                <a:solidFill>
-                  <a:schemeClr val="tx1"/>
-                </a:solidFill>
-                <a:latin typeface="+mn-lt"/>
-                <a:ea typeface="+mn-ea"/>
-                <a:cs typeface="+mn-cs"/>
-              </a:defRPr>
-            </a:lvl3pPr>
-            <a:lvl4pPr marL="1600200" indent="-228600" algn="l" defTabSz="914400" rtl="0" eaLnBrk="1" latinLnBrk="0" hangingPunct="1">
-              <a:lnSpc>
-                <a:spcPct val="90000"/>
-              </a:lnSpc>
-              <a:spcBef>
-                <a:spcPts val="500"/>
-              </a:spcBef>
-              <a:buFont typeface="Arial" panose="020B0604020202020204" pitchFamily="34" charset="0"/>
-              <a:buChar char="•"/>
-              <a:defRPr sz="1800" kern="1200">
-                <a:solidFill>
-                  <a:schemeClr val="tx1"/>
-                </a:solidFill>
-                <a:latin typeface="+mn-lt"/>
-                <a:ea typeface="+mn-ea"/>
-                <a:cs typeface="+mn-cs"/>
-              </a:defRPr>
-            </a:lvl4pPr>
-            <a:lvl5pPr marL="2057400" indent="-228600" algn="l" defTabSz="914400" rtl="0" eaLnBrk="1" latinLnBrk="0" hangingPunct="1">
-              <a:lnSpc>
-                <a:spcPct val="90000"/>
-              </a:lnSpc>
-              <a:spcBef>
-                <a:spcPts val="500"/>
-              </a:spcBef>
-              <a:buFont typeface="Arial" panose="020B0604020202020204" pitchFamily="34" charset="0"/>
-              <a:buChar char="•"/>
-              <a:defRPr sz="1800" kern="1200">
-                <a:solidFill>
-                  <a:schemeClr val="tx1"/>
-                </a:solidFill>
-                <a:latin typeface="+mn-lt"/>
-                <a:ea typeface="+mn-ea"/>
-                <a:cs typeface="+mn-cs"/>
-              </a:defRPr>
-            </a:lvl5pPr>
-            <a:lvl6pPr marL="2514600" indent="-228600" algn="l" defTabSz="914400" rtl="0" eaLnBrk="1" latinLnBrk="0" hangingPunct="1">
-              <a:lnSpc>
-                <a:spcPct val="90000"/>
-              </a:lnSpc>
-              <a:spcBef>
-                <a:spcPts val="500"/>
-              </a:spcBef>
-              <a:buFont typeface="Arial" panose="020B0604020202020204" pitchFamily="34" charset="0"/>
-              <a:buChar char="•"/>
-              <a:defRPr sz="1800" kern="1200">
-                <a:solidFill>
-                  <a:schemeClr val="tx1"/>
-                </a:solidFill>
-                <a:latin typeface="+mn-lt"/>
-                <a:ea typeface="+mn-ea"/>
-                <a:cs typeface="+mn-cs"/>
-              </a:defRPr>
-            </a:lvl6pPr>
-            <a:lvl7pPr marL="2971800" indent="-228600" algn="l" defTabSz="914400" rtl="0" eaLnBrk="1" latinLnBrk="0" hangingPunct="1">
-              <a:lnSpc>
-                <a:spcPct val="90000"/>
-              </a:lnSpc>
-              <a:spcBef>
-                <a:spcPts val="500"/>
-              </a:spcBef>
-              <a:buFont typeface="Arial" panose="020B0604020202020204" pitchFamily="34" charset="0"/>
-              <a:buChar char="•"/>
-              <a:defRPr sz="1800" kern="1200">
-                <a:solidFill>
-                  <a:schemeClr val="tx1"/>
-                </a:solidFill>
-                <a:latin typeface="+mn-lt"/>
-                <a:ea typeface="+mn-ea"/>
-                <a:cs typeface="+mn-cs"/>
-              </a:defRPr>
-            </a:lvl7pPr>
-            <a:lvl8pPr marL="3429000" indent="-228600" algn="l" defTabSz="914400" rtl="0" eaLnBrk="1" latinLnBrk="0" hangingPunct="1">
-              <a:lnSpc>
-                <a:spcPct val="90000"/>
-              </a:lnSpc>
-              <a:spcBef>
-                <a:spcPts val="500"/>
-              </a:spcBef>
-              <a:buFont typeface="Arial" panose="020B0604020202020204" pitchFamily="34" charset="0"/>
-              <a:buChar char="•"/>
-              <a:defRPr sz="1800" kern="1200">
-                <a:solidFill>
-                  <a:schemeClr val="tx1"/>
-                </a:solidFill>
-                <a:latin typeface="+mn-lt"/>
-                <a:ea typeface="+mn-ea"/>
-                <a:cs typeface="+mn-cs"/>
-              </a:defRPr>
-            </a:lvl8pPr>
-            <a:lvl9pPr marL="3886200" indent="-228600" algn="l" defTabSz="914400" rtl="0" eaLnBrk="1" latinLnBrk="0" hangingPunct="1">
-              <a:lnSpc>
-                <a:spcPct val="90000"/>
-              </a:lnSpc>
-              <a:spcBef>
-                <a:spcPts val="500"/>
-              </a:spcBef>
-              <a:buFont typeface="Arial" panose="020B0604020202020204" pitchFamily="34" charset="0"/>
-              <a:buChar char="•"/>
-              <a:defRPr sz="1800" kern="1200">
-                <a:solidFill>
-                  <a:schemeClr val="tx1"/>
-                </a:solidFill>
-                <a:latin typeface="+mn-lt"/>
-                <a:ea typeface="+mn-ea"/>
-                <a:cs typeface="+mn-cs"/>
-              </a:defRPr>
-            </a:lvl9pPr>
-          </a:lstStyle>
-          <a:p>
-            <a:pPr marL="0" indent="0">
-              <a:buNone/>
-            </a:pPr>
-            <a:r>
-              <a:rPr lang="en-GB" b="1" dirty="0"/>
-              <a:t>Bar Chart</a:t>
-            </a:r>
-            <a:endParaRPr lang="en-GB" dirty="0"/>
-          </a:p>
-          <a:p>
-            <a:pPr marL="0" indent="0">
-              <a:buNone/>
-            </a:pPr>
-            <a:r>
-              <a:rPr lang="en-GB" sz="2000" dirty="0"/>
-              <a:t>Change the colours of your bars using a “brewer” palette.</a:t>
+          <a:lstStyle/>
+          <a:p>
+            <a:r>
+              <a:rPr lang="en-GB" sz="1000" dirty="0" err="1">
+                <a:latin typeface="Lucida Sans Typewriter" panose="020B0509030504030204" pitchFamily="49" charset="0"/>
+              </a:rPr>
+              <a:t>density_data</a:t>
+            </a:r>
+            <a:r>
+              <a:rPr lang="en-GB" sz="1000" dirty="0">
+                <a:latin typeface="Lucida Sans Typewriter" panose="020B0509030504030204" pitchFamily="49" charset="0"/>
+              </a:rPr>
+              <a:t> %&gt;% </a:t>
+            </a:r>
+          </a:p>
+          <a:p>
+            <a:r>
+              <a:rPr lang="en-GB" sz="1000" dirty="0">
+                <a:latin typeface="Lucida Sans Typewriter" panose="020B0509030504030204" pitchFamily="49" charset="0"/>
+              </a:rPr>
+              <a:t>  filter(country == "</a:t>
+            </a:r>
+            <a:r>
+              <a:rPr lang="en-GB" sz="1000" dirty="0" err="1">
+                <a:latin typeface="Lucida Sans Typewriter" panose="020B0509030504030204" pitchFamily="49" charset="0"/>
+              </a:rPr>
+              <a:t>united_kingdom</a:t>
+            </a:r>
+            <a:r>
+              <a:rPr lang="en-GB" sz="1000" dirty="0">
+                <a:latin typeface="Lucida Sans Typewriter" panose="020B0509030504030204" pitchFamily="49" charset="0"/>
+              </a:rPr>
+              <a:t>",</a:t>
+            </a:r>
+          </a:p>
+          <a:p>
+            <a:r>
+              <a:rPr lang="en-GB" sz="1000" dirty="0">
+                <a:latin typeface="Lucida Sans Typewriter" panose="020B0509030504030204" pitchFamily="49" charset="0"/>
+              </a:rPr>
+              <a:t>         name == "no2") %&gt;% </a:t>
+            </a:r>
+          </a:p>
+          <a:p>
+            <a:r>
+              <a:rPr lang="en-GB" sz="1000" dirty="0">
+                <a:latin typeface="Lucida Sans Typewriter" panose="020B0509030504030204" pitchFamily="49" charset="0"/>
+              </a:rPr>
+              <a:t>  </a:t>
+            </a:r>
+            <a:r>
+              <a:rPr lang="en-GB" sz="1000" dirty="0" err="1">
+                <a:latin typeface="Lucida Sans Typewriter" panose="020B0509030504030204" pitchFamily="49" charset="0"/>
+              </a:rPr>
+              <a:t>ggplot</a:t>
+            </a:r>
+            <a:r>
+              <a:rPr lang="en-GB" sz="1000" dirty="0">
+                <a:latin typeface="Lucida Sans Typewriter" panose="020B0509030504030204" pitchFamily="49" charset="0"/>
+              </a:rPr>
+              <a:t>(</a:t>
+            </a:r>
+            <a:r>
+              <a:rPr lang="en-GB" sz="1000" dirty="0" err="1">
+                <a:latin typeface="Lucida Sans Typewriter" panose="020B0509030504030204" pitchFamily="49" charset="0"/>
+              </a:rPr>
+              <a:t>aes</a:t>
+            </a:r>
+            <a:r>
+              <a:rPr lang="en-GB" sz="1000" dirty="0">
+                <a:latin typeface="Lucida Sans Typewriter" panose="020B0509030504030204" pitchFamily="49" charset="0"/>
+              </a:rPr>
+              <a:t>(x = mean,</a:t>
+            </a:r>
+          </a:p>
+          <a:p>
+            <a:r>
+              <a:rPr lang="en-GB" sz="1000" dirty="0">
+                <a:latin typeface="Lucida Sans Typewriter" panose="020B0509030504030204" pitchFamily="49" charset="0"/>
+              </a:rPr>
+              <a:t>             </a:t>
+            </a:r>
+            <a:r>
+              <a:rPr lang="en-GB" sz="1000" dirty="0" err="1">
+                <a:highlight>
+                  <a:srgbClr val="000000"/>
+                </a:highlight>
+                <a:latin typeface="Lucida Sans Typewriter" panose="020B0509030504030204" pitchFamily="49" charset="0"/>
+              </a:rPr>
+              <a:t>color</a:t>
+            </a:r>
+            <a:r>
+              <a:rPr lang="en-GB" sz="1000" dirty="0">
+                <a:highlight>
+                  <a:srgbClr val="000000"/>
+                </a:highlight>
+                <a:latin typeface="Lucida Sans Typewriter" panose="020B0509030504030204" pitchFamily="49" charset="0"/>
+              </a:rPr>
+              <a:t> = </a:t>
+            </a:r>
+            <a:r>
+              <a:rPr lang="en-GB" sz="1000" dirty="0" err="1">
+                <a:highlight>
+                  <a:srgbClr val="000000"/>
+                </a:highlight>
+                <a:latin typeface="Lucida Sans Typewriter" panose="020B0509030504030204" pitchFamily="49" charset="0"/>
+              </a:rPr>
+              <a:t>theYear</a:t>
+            </a:r>
+            <a:r>
+              <a:rPr lang="en-GB" sz="1000" dirty="0">
+                <a:latin typeface="Lucida Sans Typewriter" panose="020B0509030504030204" pitchFamily="49" charset="0"/>
+              </a:rPr>
+              <a:t>,</a:t>
+            </a:r>
+          </a:p>
+          <a:p>
+            <a:r>
+              <a:rPr lang="en-GB" sz="1000" dirty="0">
+                <a:latin typeface="Lucida Sans Typewriter" panose="020B0509030504030204" pitchFamily="49" charset="0"/>
+              </a:rPr>
+              <a:t>             </a:t>
+            </a:r>
+            <a:r>
+              <a:rPr lang="en-GB" sz="1000" dirty="0">
+                <a:highlight>
+                  <a:srgbClr val="000000"/>
+                </a:highlight>
+                <a:latin typeface="Lucida Sans Typewriter" panose="020B0509030504030204" pitchFamily="49" charset="0"/>
+              </a:rPr>
+              <a:t>fill = </a:t>
+            </a:r>
+            <a:r>
+              <a:rPr lang="en-GB" sz="1000" dirty="0" err="1">
+                <a:highlight>
+                  <a:srgbClr val="000000"/>
+                </a:highlight>
+                <a:latin typeface="Lucida Sans Typewriter" panose="020B0509030504030204" pitchFamily="49" charset="0"/>
+              </a:rPr>
+              <a:t>theYear</a:t>
+            </a:r>
+            <a:r>
+              <a:rPr lang="en-GB" sz="1000" dirty="0">
+                <a:latin typeface="Lucida Sans Typewriter" panose="020B0509030504030204" pitchFamily="49" charset="0"/>
+              </a:rPr>
+              <a:t>)) +</a:t>
+            </a:r>
+          </a:p>
+          <a:p>
+            <a:r>
+              <a:rPr lang="en-GB" sz="1000" dirty="0">
+                <a:latin typeface="Lucida Sans Typewriter" panose="020B0509030504030204" pitchFamily="49" charset="0"/>
+              </a:rPr>
+              <a:t>  </a:t>
+            </a:r>
+            <a:r>
+              <a:rPr lang="en-GB" sz="1000" dirty="0" err="1">
+                <a:latin typeface="Lucida Sans Typewriter" panose="020B0509030504030204" pitchFamily="49" charset="0"/>
+              </a:rPr>
+              <a:t>geom_density</a:t>
+            </a:r>
+            <a:r>
+              <a:rPr lang="en-GB" sz="1000" dirty="0">
+                <a:latin typeface="Lucida Sans Typewriter" panose="020B0509030504030204" pitchFamily="49" charset="0"/>
+              </a:rPr>
+              <a:t>(</a:t>
+            </a:r>
+            <a:r>
+              <a:rPr lang="en-GB" sz="1000" dirty="0">
+                <a:highlight>
+                  <a:srgbClr val="000000"/>
+                </a:highlight>
+                <a:latin typeface="Lucida Sans Typewriter" panose="020B0509030504030204" pitchFamily="49" charset="0"/>
+              </a:rPr>
+              <a:t>alpha = .3</a:t>
+            </a:r>
+            <a:r>
+              <a:rPr lang="en-GB" sz="1000" dirty="0">
+                <a:latin typeface="Lucida Sans Typewriter" panose="020B0509030504030204" pitchFamily="49" charset="0"/>
+              </a:rPr>
+              <a:t>)</a:t>
             </a:r>
           </a:p>
         </p:txBody>
       </p:sp>
+      <p:pic>
+        <p:nvPicPr>
+          <p:cNvPr id="19" name="Picture 18">
+            <a:extLst>
+              <a:ext uri="{FF2B5EF4-FFF2-40B4-BE49-F238E27FC236}">
+                <a16:creationId xmlns:a16="http://schemas.microsoft.com/office/drawing/2014/main" id="{47ECDC3B-A443-488A-8AF2-BD72DF237BBE}"/>
+              </a:ext>
+            </a:extLst>
+          </p:cNvPr>
+          <p:cNvPicPr>
+            <a:picLocks noChangeAspect="1"/>
+          </p:cNvPicPr>
+          <p:nvPr/>
+        </p:nvPicPr>
+        <p:blipFill>
+          <a:blip r:embed="rId4">
+            <a:extLst>
+              <a:ext uri="{28A0092B-C50C-407E-A947-70E740481C1C}">
+                <a14:useLocalDpi xmlns:a14="http://schemas.microsoft.com/office/drawing/2010/main" val="0"/>
+              </a:ext>
+            </a:extLst>
+          </a:blip>
+          <a:srcRect/>
+          <a:stretch/>
+        </p:blipFill>
+        <p:spPr>
+          <a:xfrm>
+            <a:off x="4397138" y="4023218"/>
+            <a:ext cx="3200407" cy="2133604"/>
+          </a:xfrm>
+          <a:prstGeom prst="rect">
+            <a:avLst/>
+          </a:prstGeom>
+        </p:spPr>
+      </p:pic>
     </p:spTree>
     <p:extLst>
       <p:ext uri="{BB962C8B-B14F-4D97-AF65-F5344CB8AC3E}">
-        <p14:creationId xmlns:p14="http://schemas.microsoft.com/office/powerpoint/2010/main" val="2259423453"/>
+        <p14:creationId xmlns:p14="http://schemas.microsoft.com/office/powerpoint/2010/main" val="2096677301"/>
       </p:ext>
     </p:extLst>
   </p:cSld>
   <p:clrMapOvr>
     <a:masterClrMapping/>
   </p:clrMapOvr>
-  <mc:AlternateContent xmlns:mc="http://schemas.openxmlformats.org/markup-compatibility/2006">
-    <mc:Choice xmlns:p14="http://schemas.microsoft.com/office/powerpoint/2010/main" Requires="p14">
-      <p:transition spd="med" p14:dur="700">
-        <p:fade/>
-      </p:transition>
-    </mc:Choice>
-    <mc:Fallback>
-      <p:transition spd="med">
-        <p:fade/>
-      </p:transition>
-    </mc:Fallback>
-  </mc:AlternateContent>
 </p:sld>
 </file>
 
@@ -7125,24 +9213,50 @@
       </p:grpSpPr>
       <p:sp>
         <p:nvSpPr>
-          <p:cNvPr id="2" name="Title 1">
-            <a:extLst>
-              <a:ext uri="{FF2B5EF4-FFF2-40B4-BE49-F238E27FC236}">
-                <a16:creationId xmlns:a16="http://schemas.microsoft.com/office/drawing/2014/main" id="{F7660571-A91B-48AB-A5FD-14C4A69BB6C7}"/>
-              </a:ext>
-            </a:extLst>
-          </p:cNvPr>
-          <p:cNvSpPr>
-            <a:spLocks noGrp="1"/>
+          <p:cNvPr id="4" name="Title 1">
+            <a:extLst>
+              <a:ext uri="{FF2B5EF4-FFF2-40B4-BE49-F238E27FC236}">
+                <a16:creationId xmlns:a16="http://schemas.microsoft.com/office/drawing/2014/main" id="{628F7D28-481E-4A69-A682-302F6C64A8D8}"/>
+              </a:ext>
+            </a:extLst>
+          </p:cNvPr>
+          <p:cNvSpPr txBox="1">
+            <a:spLocks/>
           </p:cNvSpPr>
-          <p:nvPr>
-            <p:ph type="title"/>
-          </p:nvPr>
+          <p:nvPr/>
         </p:nvSpPr>
-        <p:spPr/>
+        <p:spPr>
+          <a:xfrm>
+            <a:off x="990600" y="517525"/>
+            <a:ext cx="10515600" cy="1325563"/>
+          </a:xfrm>
+          <a:prstGeom prst="rect">
+            <a:avLst/>
+          </a:prstGeom>
+        </p:spPr>
         <p:txBody>
-          <a:bodyPr/>
-          <a:lstStyle/>
+          <a:bodyPr vert="horz" lIns="91440" tIns="45720" rIns="91440" bIns="45720" rtlCol="0" anchor="ctr">
+            <a:normAutofit/>
+          </a:bodyPr>
+          <a:lstStyle>
+            <a:lvl1pPr algn="l" defTabSz="914400" rtl="0" eaLnBrk="1" latinLnBrk="0" hangingPunct="1">
+              <a:lnSpc>
+                <a:spcPct val="90000"/>
+              </a:lnSpc>
+              <a:spcBef>
+                <a:spcPct val="0"/>
+              </a:spcBef>
+              <a:buNone/>
+              <a:defRPr sz="4400" kern="1200">
+                <a:solidFill>
+                  <a:schemeClr val="tx1"/>
+                </a:solidFill>
+                <a:latin typeface="+mj-lt"/>
+                <a:ea typeface="+mj-ea"/>
+                <a:cs typeface="+mj-cs"/>
+              </a:defRPr>
+            </a:lvl1pPr>
+          </a:lstStyle>
           <a:p>
             <a:r>
               <a:rPr lang="en-GB" dirty="0">
@@ -7150,7 +9264,7 @@
                   <a:srgbClr val="404040"/>
                 </a:solidFill>
               </a:rPr>
-              <a:t>Introducing </a:t>
+              <a:t>Applications of </a:t>
             </a:r>
             <a:r>
               <a:rPr lang="en-GB" dirty="0">
@@ -7161,501 +9275,1022 @@
                 <a:ea typeface="Cascadia Mono" panose="020B0609020000020004" pitchFamily="49" charset="0"/>
                 <a:cs typeface="Cascadia Mono" panose="020B0609020000020004" pitchFamily="49" charset="0"/>
               </a:rPr>
-              <a:t>facet()</a:t>
-            </a:r>
+              <a:t>scale_*_*()</a:t>
+            </a:r>
+            <a:endParaRPr lang="en-GB" dirty="0">
+              <a:solidFill>
+                <a:srgbClr val="404040"/>
+              </a:solidFill>
+            </a:endParaRPr>
           </a:p>
         </p:txBody>
       </p:sp>
       <p:sp>
         <p:nvSpPr>
-          <p:cNvPr id="5" name="Content Placeholder 4">
-            <a:extLst>
-              <a:ext uri="{FF2B5EF4-FFF2-40B4-BE49-F238E27FC236}">
-                <a16:creationId xmlns:a16="http://schemas.microsoft.com/office/drawing/2014/main" id="{95AF86B1-6330-40C4-9F51-C4083ACEA657}"/>
-              </a:ext>
-            </a:extLst>
-          </p:cNvPr>
-          <p:cNvSpPr>
-            <a:spLocks noGrp="1"/>
-          </p:cNvSpPr>
-          <p:nvPr>
-            <p:ph idx="1"/>
-          </p:nvPr>
-        </p:nvSpPr>
-        <p:spPr>
-          <a:xfrm>
-            <a:off x="838200" y="1825625"/>
-            <a:ext cx="3117574" cy="4351338"/>
-          </a:xfrm>
-        </p:spPr>
-        <p:txBody>
-          <a:bodyPr/>
-          <a:lstStyle/>
-          <a:p>
-            <a:pPr marL="0" indent="0">
-              <a:buNone/>
-            </a:pPr>
-            <a:r>
-              <a:rPr lang="en-GB" b="1" dirty="0"/>
-              <a:t>Scatter Plot</a:t>
-            </a:r>
-          </a:p>
-          <a:p>
-            <a:pPr marL="0" indent="0">
-              <a:buNone/>
-            </a:pPr>
-            <a:r>
-              <a:rPr lang="en-GB" sz="2000" dirty="0"/>
-              <a:t>Use all of the sites provided in “codes”. Facet by country to display the UK, Switzerland and Luxembourg in their own panels.</a:t>
-            </a:r>
-          </a:p>
-        </p:txBody>
-      </p:sp>
-      <p:sp>
-        <p:nvSpPr>
-          <p:cNvPr id="11" name="Content Placeholder 4">
-            <a:extLst>
-              <a:ext uri="{FF2B5EF4-FFF2-40B4-BE49-F238E27FC236}">
-                <a16:creationId xmlns:a16="http://schemas.microsoft.com/office/drawing/2014/main" id="{771148EC-1896-4790-88A1-FE4C4FAEF766}"/>
-              </a:ext>
-            </a:extLst>
-          </p:cNvPr>
-          <p:cNvSpPr txBox="1">
-            <a:spLocks/>
-          </p:cNvSpPr>
+          <p:cNvPr id="5" name="TextBox 4">
+            <a:extLst>
+              <a:ext uri="{FF2B5EF4-FFF2-40B4-BE49-F238E27FC236}">
+                <a16:creationId xmlns:a16="http://schemas.microsoft.com/office/drawing/2014/main" id="{D1628F68-1744-4113-A1D5-8AC0B8037378}"/>
+              </a:ext>
+            </a:extLst>
+          </p:cNvPr>
+          <p:cNvSpPr txBox="1"/>
           <p:nvPr/>
         </p:nvSpPr>
         <p:spPr>
           <a:xfrm>
-            <a:off x="4580283" y="1825625"/>
-            <a:ext cx="3117574" cy="4351338"/>
+            <a:off x="134224" y="1874500"/>
+            <a:ext cx="4278385" cy="1631216"/>
+          </a:xfrm>
+          <a:prstGeom prst="rect">
+            <a:avLst/>
+          </a:prstGeom>
+          <a:noFill/>
+        </p:spPr>
+        <p:txBody>
+          <a:bodyPr wrap="square" rtlCol="0">
+            <a:spAutoFit/>
+          </a:bodyPr>
+          <a:lstStyle/>
+          <a:p>
+            <a:r>
+              <a:rPr lang="en-GB" sz="1000" dirty="0" err="1">
+                <a:latin typeface="Lucida Sans Typewriter" panose="020B0509030504030204" pitchFamily="49" charset="0"/>
+              </a:rPr>
+              <a:t>scatter_data</a:t>
+            </a:r>
+            <a:r>
+              <a:rPr lang="en-GB" sz="1000" dirty="0">
+                <a:latin typeface="Lucida Sans Typewriter" panose="020B0509030504030204" pitchFamily="49" charset="0"/>
+              </a:rPr>
+              <a:t> %&gt;% </a:t>
+            </a:r>
+          </a:p>
+          <a:p>
+            <a:r>
+              <a:rPr lang="en-GB" sz="1000" dirty="0">
+                <a:latin typeface="Lucida Sans Typewriter" panose="020B0509030504030204" pitchFamily="49" charset="0"/>
+              </a:rPr>
+              <a:t>  filter(code %in% c("MY1", "KC1")) %&gt;% </a:t>
+            </a:r>
+          </a:p>
+          <a:p>
+            <a:r>
+              <a:rPr lang="en-GB" sz="1000" dirty="0">
+                <a:latin typeface="Lucida Sans Typewriter" panose="020B0509030504030204" pitchFamily="49" charset="0"/>
+              </a:rPr>
+              <a:t>  </a:t>
+            </a:r>
+            <a:r>
+              <a:rPr lang="en-GB" sz="1000" dirty="0" err="1">
+                <a:latin typeface="Lucida Sans Typewriter" panose="020B0509030504030204" pitchFamily="49" charset="0"/>
+              </a:rPr>
+              <a:t>ggplot</a:t>
+            </a:r>
+            <a:r>
+              <a:rPr lang="en-GB" sz="1000" dirty="0">
+                <a:latin typeface="Lucida Sans Typewriter" panose="020B0509030504030204" pitchFamily="49" charset="0"/>
+              </a:rPr>
+              <a:t>(</a:t>
+            </a:r>
+            <a:r>
+              <a:rPr lang="en-GB" sz="1000" dirty="0" err="1">
+                <a:latin typeface="Lucida Sans Typewriter" panose="020B0509030504030204" pitchFamily="49" charset="0"/>
+              </a:rPr>
+              <a:t>aes</a:t>
+            </a:r>
+            <a:r>
+              <a:rPr lang="en-GB" sz="1000" dirty="0">
+                <a:latin typeface="Lucida Sans Typewriter" panose="020B0509030504030204" pitchFamily="49" charset="0"/>
+              </a:rPr>
+              <a:t>(x = o3, y = no2)) +</a:t>
+            </a:r>
+          </a:p>
+          <a:p>
+            <a:r>
+              <a:rPr lang="en-GB" sz="1000" dirty="0">
+                <a:latin typeface="Lucida Sans Typewriter" panose="020B0509030504030204" pitchFamily="49" charset="0"/>
+              </a:rPr>
+              <a:t>  </a:t>
+            </a:r>
+            <a:r>
+              <a:rPr lang="en-GB" sz="1000" dirty="0" err="1">
+                <a:latin typeface="Lucida Sans Typewriter" panose="020B0509030504030204" pitchFamily="49" charset="0"/>
+              </a:rPr>
+              <a:t>geom_point</a:t>
+            </a:r>
+            <a:r>
+              <a:rPr lang="en-GB" sz="1000" dirty="0">
+                <a:latin typeface="Lucida Sans Typewriter" panose="020B0509030504030204" pitchFamily="49" charset="0"/>
+              </a:rPr>
+              <a:t>(</a:t>
+            </a:r>
+            <a:r>
+              <a:rPr lang="en-GB" sz="1000" dirty="0" err="1">
+                <a:latin typeface="Lucida Sans Typewriter" panose="020B0509030504030204" pitchFamily="49" charset="0"/>
+              </a:rPr>
+              <a:t>aes</a:t>
+            </a:r>
+            <a:r>
+              <a:rPr lang="en-GB" sz="1000" dirty="0">
+                <a:latin typeface="Lucida Sans Typewriter" panose="020B0509030504030204" pitchFamily="49" charset="0"/>
+              </a:rPr>
+              <a:t>(</a:t>
+            </a:r>
+            <a:r>
+              <a:rPr lang="en-GB" sz="1000" dirty="0" err="1">
+                <a:latin typeface="Lucida Sans Typewriter" panose="020B0509030504030204" pitchFamily="49" charset="0"/>
+              </a:rPr>
+              <a:t>color</a:t>
+            </a:r>
+            <a:r>
+              <a:rPr lang="en-GB" sz="1000" dirty="0">
+                <a:latin typeface="Lucida Sans Typewriter" panose="020B0509030504030204" pitchFamily="49" charset="0"/>
+              </a:rPr>
+              <a:t> = code)) +</a:t>
+            </a:r>
+          </a:p>
+          <a:p>
+            <a:r>
+              <a:rPr lang="en-GB" sz="1000" dirty="0">
+                <a:latin typeface="Lucida Sans Typewriter" panose="020B0509030504030204" pitchFamily="49" charset="0"/>
+              </a:rPr>
+              <a:t>  </a:t>
+            </a:r>
+            <a:r>
+              <a:rPr lang="en-GB" sz="1000" dirty="0" err="1">
+                <a:latin typeface="Lucida Sans Typewriter" panose="020B0509030504030204" pitchFamily="49" charset="0"/>
+              </a:rPr>
+              <a:t>geom_smooth</a:t>
+            </a:r>
+            <a:r>
+              <a:rPr lang="en-GB" sz="1000" dirty="0">
+                <a:latin typeface="Lucida Sans Typewriter" panose="020B0509030504030204" pitchFamily="49" charset="0"/>
+              </a:rPr>
+              <a:t>(method = "</a:t>
+            </a:r>
+            <a:r>
+              <a:rPr lang="en-GB" sz="1000" dirty="0" err="1">
+                <a:latin typeface="Lucida Sans Typewriter" panose="020B0509030504030204" pitchFamily="49" charset="0"/>
+              </a:rPr>
+              <a:t>lm</a:t>
+            </a:r>
+            <a:r>
+              <a:rPr lang="en-GB" sz="1000" dirty="0">
+                <a:latin typeface="Lucida Sans Typewriter" panose="020B0509030504030204" pitchFamily="49" charset="0"/>
+              </a:rPr>
+              <a:t>",</a:t>
+            </a:r>
+          </a:p>
+          <a:p>
+            <a:r>
+              <a:rPr lang="en-GB" sz="1000" dirty="0">
+                <a:latin typeface="Lucida Sans Typewriter" panose="020B0509030504030204" pitchFamily="49" charset="0"/>
+              </a:rPr>
+              <a:t>              </a:t>
+            </a:r>
+            <a:r>
+              <a:rPr lang="en-GB" sz="1000" dirty="0" err="1">
+                <a:latin typeface="Lucida Sans Typewriter" panose="020B0509030504030204" pitchFamily="49" charset="0"/>
+              </a:rPr>
+              <a:t>aes</a:t>
+            </a:r>
+            <a:r>
+              <a:rPr lang="en-GB" sz="1000" dirty="0">
+                <a:latin typeface="Lucida Sans Typewriter" panose="020B0509030504030204" pitchFamily="49" charset="0"/>
+              </a:rPr>
+              <a:t>(group = code)) +</a:t>
+            </a:r>
+          </a:p>
+          <a:p>
+            <a:r>
+              <a:rPr lang="en-GB" sz="1000" dirty="0">
+                <a:latin typeface="Lucida Sans Typewriter" panose="020B0509030504030204" pitchFamily="49" charset="0"/>
+              </a:rPr>
+              <a:t>  </a:t>
+            </a:r>
+            <a:r>
+              <a:rPr lang="en-GB" sz="1000" dirty="0" err="1">
+                <a:latin typeface="Lucida Sans Typewriter" panose="020B0509030504030204" pitchFamily="49" charset="0"/>
+              </a:rPr>
+              <a:t>scale_</a:t>
+            </a:r>
+            <a:r>
+              <a:rPr lang="en-GB" sz="1000" dirty="0" err="1">
+                <a:highlight>
+                  <a:srgbClr val="000000"/>
+                </a:highlight>
+                <a:latin typeface="Lucida Sans Typewriter" panose="020B0509030504030204" pitchFamily="49" charset="0"/>
+              </a:rPr>
+              <a:t>x_continuous</a:t>
+            </a:r>
+            <a:r>
+              <a:rPr lang="en-GB" sz="1000" dirty="0">
+                <a:latin typeface="Lucida Sans Typewriter" panose="020B0509030504030204" pitchFamily="49" charset="0"/>
+              </a:rPr>
+              <a:t>(</a:t>
+            </a:r>
+            <a:r>
+              <a:rPr lang="en-GB" sz="1000" dirty="0">
+                <a:highlight>
+                  <a:srgbClr val="000000"/>
+                </a:highlight>
+                <a:latin typeface="Lucida Sans Typewriter" panose="020B0509030504030204" pitchFamily="49" charset="0"/>
+              </a:rPr>
+              <a:t>name = "Ozone"</a:t>
+            </a:r>
+            <a:r>
+              <a:rPr lang="en-GB" sz="1000" dirty="0">
+                <a:latin typeface="Lucida Sans Typewriter" panose="020B0509030504030204" pitchFamily="49" charset="0"/>
+              </a:rPr>
+              <a:t>,          </a:t>
+            </a:r>
+          </a:p>
+          <a:p>
+            <a:r>
+              <a:rPr lang="en-GB" sz="1000" dirty="0">
+                <a:latin typeface="Lucida Sans Typewriter" panose="020B0509030504030204" pitchFamily="49" charset="0"/>
+              </a:rPr>
+              <a:t>                     </a:t>
+            </a:r>
+            <a:r>
+              <a:rPr lang="en-GB" sz="1000" dirty="0">
+                <a:highlight>
+                  <a:srgbClr val="000000"/>
+                </a:highlight>
+                <a:latin typeface="Lucida Sans Typewriter" panose="020B0509030504030204" pitchFamily="49" charset="0"/>
+              </a:rPr>
+              <a:t>limits</a:t>
+            </a:r>
+            <a:r>
+              <a:rPr lang="en-GB" sz="1000" dirty="0">
+                <a:latin typeface="Lucida Sans Typewriter" panose="020B0509030504030204" pitchFamily="49" charset="0"/>
+              </a:rPr>
+              <a:t> = c(0, NA)) +</a:t>
+            </a:r>
+          </a:p>
+          <a:p>
+            <a:r>
+              <a:rPr lang="en-GB" sz="1000" dirty="0">
+                <a:latin typeface="Lucida Sans Typewriter" panose="020B0509030504030204" pitchFamily="49" charset="0"/>
+              </a:rPr>
+              <a:t>  </a:t>
+            </a:r>
+            <a:r>
+              <a:rPr lang="en-GB" sz="1000" dirty="0" err="1">
+                <a:latin typeface="Lucida Sans Typewriter" panose="020B0509030504030204" pitchFamily="49" charset="0"/>
+              </a:rPr>
+              <a:t>scale_</a:t>
+            </a:r>
+            <a:r>
+              <a:rPr lang="en-GB" sz="1000" dirty="0" err="1">
+                <a:highlight>
+                  <a:srgbClr val="000000"/>
+                </a:highlight>
+                <a:latin typeface="Lucida Sans Typewriter" panose="020B0509030504030204" pitchFamily="49" charset="0"/>
+              </a:rPr>
+              <a:t>y_continuous</a:t>
+            </a:r>
+            <a:r>
+              <a:rPr lang="en-GB" sz="1000" dirty="0">
+                <a:latin typeface="Lucida Sans Typewriter" panose="020B0509030504030204" pitchFamily="49" charset="0"/>
+              </a:rPr>
+              <a:t>(</a:t>
+            </a:r>
+            <a:r>
+              <a:rPr lang="en-GB" sz="1000" dirty="0">
+                <a:highlight>
+                  <a:srgbClr val="000000"/>
+                </a:highlight>
+                <a:latin typeface="Lucida Sans Typewriter" panose="020B0509030504030204" pitchFamily="49" charset="0"/>
+              </a:rPr>
+              <a:t>name = "Nitrogen Dioxide"</a:t>
+            </a:r>
+            <a:r>
+              <a:rPr lang="en-GB" sz="1000" dirty="0">
+                <a:latin typeface="Lucida Sans Typewriter" panose="020B0509030504030204" pitchFamily="49" charset="0"/>
+              </a:rPr>
+              <a:t>, </a:t>
+            </a:r>
+          </a:p>
+          <a:p>
+            <a:r>
+              <a:rPr lang="en-GB" sz="1000" dirty="0">
+                <a:latin typeface="Lucida Sans Typewriter" panose="020B0509030504030204" pitchFamily="49" charset="0"/>
+              </a:rPr>
+              <a:t>                     </a:t>
+            </a:r>
+            <a:r>
+              <a:rPr lang="en-GB" sz="1000" dirty="0">
+                <a:highlight>
+                  <a:srgbClr val="000000"/>
+                </a:highlight>
+                <a:latin typeface="Lucida Sans Typewriter" panose="020B0509030504030204" pitchFamily="49" charset="0"/>
+              </a:rPr>
+              <a:t>limits</a:t>
+            </a:r>
+            <a:r>
+              <a:rPr lang="en-GB" sz="1000" dirty="0">
+                <a:latin typeface="Lucida Sans Typewriter" panose="020B0509030504030204" pitchFamily="49" charset="0"/>
+              </a:rPr>
+              <a:t> = c(0, NA))</a:t>
+            </a:r>
+          </a:p>
+        </p:txBody>
+      </p:sp>
+      <p:pic>
+        <p:nvPicPr>
+          <p:cNvPr id="15" name="Picture 14">
+            <a:extLst>
+              <a:ext uri="{FF2B5EF4-FFF2-40B4-BE49-F238E27FC236}">
+                <a16:creationId xmlns:a16="http://schemas.microsoft.com/office/drawing/2014/main" id="{CA3B5DD2-E80E-4C6B-875C-AF00BD588072}"/>
+              </a:ext>
+            </a:extLst>
+          </p:cNvPr>
+          <p:cNvPicPr>
+            <a:picLocks noChangeAspect="1"/>
+          </p:cNvPicPr>
+          <p:nvPr/>
+        </p:nvPicPr>
+        <p:blipFill>
+          <a:blip r:embed="rId2">
+            <a:extLst>
+              <a:ext uri="{28A0092B-C50C-407E-A947-70E740481C1C}">
+                <a14:useLocalDpi xmlns:a14="http://schemas.microsoft.com/office/drawing/2010/main" val="0"/>
+              </a:ext>
+            </a:extLst>
+          </a:blip>
+          <a:srcRect/>
+          <a:stretch/>
+        </p:blipFill>
+        <p:spPr>
+          <a:xfrm>
+            <a:off x="673213" y="4023218"/>
+            <a:ext cx="3200407" cy="2133604"/>
           </a:xfrm>
           <a:prstGeom prst="rect">
             <a:avLst/>
           </a:prstGeom>
         </p:spPr>
-        <p:txBody>
-          <a:bodyPr vert="horz" lIns="91440" tIns="45720" rIns="91440" bIns="45720" rtlCol="0">
-            <a:normAutofit/>
-          </a:bodyPr>
-          <a:lstStyle>
-            <a:lvl1pPr marL="228600" indent="-228600" algn="l" defTabSz="914400" rtl="0" eaLnBrk="1" latinLnBrk="0" hangingPunct="1">
-              <a:lnSpc>
-                <a:spcPct val="90000"/>
-              </a:lnSpc>
-              <a:spcBef>
-                <a:spcPts val="1000"/>
-              </a:spcBef>
-              <a:buFont typeface="Arial" panose="020B0604020202020204" pitchFamily="34" charset="0"/>
-              <a:buChar char="•"/>
-              <a:defRPr sz="2800" kern="1200">
-                <a:solidFill>
-                  <a:schemeClr val="tx1"/>
-                </a:solidFill>
-                <a:latin typeface="+mn-lt"/>
-                <a:ea typeface="+mn-ea"/>
-                <a:cs typeface="+mn-cs"/>
-              </a:defRPr>
-            </a:lvl1pPr>
-            <a:lvl2pPr marL="685800" indent="-228600" algn="l" defTabSz="914400" rtl="0" eaLnBrk="1" latinLnBrk="0" hangingPunct="1">
-              <a:lnSpc>
-                <a:spcPct val="90000"/>
-              </a:lnSpc>
-              <a:spcBef>
-                <a:spcPts val="500"/>
-              </a:spcBef>
-              <a:buFont typeface="Arial" panose="020B0604020202020204" pitchFamily="34" charset="0"/>
-              <a:buChar char="•"/>
-              <a:defRPr sz="2400" kern="1200">
-                <a:solidFill>
-                  <a:schemeClr val="tx1"/>
-                </a:solidFill>
-                <a:latin typeface="+mn-lt"/>
-                <a:ea typeface="+mn-ea"/>
-                <a:cs typeface="+mn-cs"/>
-              </a:defRPr>
-            </a:lvl2pPr>
-            <a:lvl3pPr marL="1143000" indent="-228600" algn="l" defTabSz="914400" rtl="0" eaLnBrk="1" latinLnBrk="0" hangingPunct="1">
-              <a:lnSpc>
-                <a:spcPct val="90000"/>
-              </a:lnSpc>
-              <a:spcBef>
-                <a:spcPts val="500"/>
-              </a:spcBef>
-              <a:buFont typeface="Arial" panose="020B0604020202020204" pitchFamily="34" charset="0"/>
-              <a:buChar char="•"/>
-              <a:defRPr sz="2000" kern="1200">
-                <a:solidFill>
-                  <a:schemeClr val="tx1"/>
-                </a:solidFill>
-                <a:latin typeface="+mn-lt"/>
-                <a:ea typeface="+mn-ea"/>
-                <a:cs typeface="+mn-cs"/>
-              </a:defRPr>
-            </a:lvl3pPr>
-            <a:lvl4pPr marL="1600200" indent="-228600" algn="l" defTabSz="914400" rtl="0" eaLnBrk="1" latinLnBrk="0" hangingPunct="1">
-              <a:lnSpc>
-                <a:spcPct val="90000"/>
-              </a:lnSpc>
-              <a:spcBef>
-                <a:spcPts val="500"/>
-              </a:spcBef>
-              <a:buFont typeface="Arial" panose="020B0604020202020204" pitchFamily="34" charset="0"/>
-              <a:buChar char="•"/>
-              <a:defRPr sz="1800" kern="1200">
-                <a:solidFill>
-                  <a:schemeClr val="tx1"/>
-                </a:solidFill>
-                <a:latin typeface="+mn-lt"/>
-                <a:ea typeface="+mn-ea"/>
-                <a:cs typeface="+mn-cs"/>
-              </a:defRPr>
-            </a:lvl4pPr>
-            <a:lvl5pPr marL="2057400" indent="-228600" algn="l" defTabSz="914400" rtl="0" eaLnBrk="1" latinLnBrk="0" hangingPunct="1">
-              <a:lnSpc>
-                <a:spcPct val="90000"/>
-              </a:lnSpc>
-              <a:spcBef>
-                <a:spcPts val="500"/>
-              </a:spcBef>
-              <a:buFont typeface="Arial" panose="020B0604020202020204" pitchFamily="34" charset="0"/>
-              <a:buChar char="•"/>
-              <a:defRPr sz="1800" kern="1200">
-                <a:solidFill>
-                  <a:schemeClr val="tx1"/>
-                </a:solidFill>
-                <a:latin typeface="+mn-lt"/>
-                <a:ea typeface="+mn-ea"/>
-                <a:cs typeface="+mn-cs"/>
-              </a:defRPr>
-            </a:lvl5pPr>
-            <a:lvl6pPr marL="2514600" indent="-228600" algn="l" defTabSz="914400" rtl="0" eaLnBrk="1" latinLnBrk="0" hangingPunct="1">
-              <a:lnSpc>
-                <a:spcPct val="90000"/>
-              </a:lnSpc>
-              <a:spcBef>
-                <a:spcPts val="500"/>
-              </a:spcBef>
-              <a:buFont typeface="Arial" panose="020B0604020202020204" pitchFamily="34" charset="0"/>
-              <a:buChar char="•"/>
-              <a:defRPr sz="1800" kern="1200">
-                <a:solidFill>
-                  <a:schemeClr val="tx1"/>
-                </a:solidFill>
-                <a:latin typeface="+mn-lt"/>
-                <a:ea typeface="+mn-ea"/>
-                <a:cs typeface="+mn-cs"/>
-              </a:defRPr>
-            </a:lvl6pPr>
-            <a:lvl7pPr marL="2971800" indent="-228600" algn="l" defTabSz="914400" rtl="0" eaLnBrk="1" latinLnBrk="0" hangingPunct="1">
-              <a:lnSpc>
-                <a:spcPct val="90000"/>
-              </a:lnSpc>
-              <a:spcBef>
-                <a:spcPts val="500"/>
-              </a:spcBef>
-              <a:buFont typeface="Arial" panose="020B0604020202020204" pitchFamily="34" charset="0"/>
-              <a:buChar char="•"/>
-              <a:defRPr sz="1800" kern="1200">
-                <a:solidFill>
-                  <a:schemeClr val="tx1"/>
-                </a:solidFill>
-                <a:latin typeface="+mn-lt"/>
-                <a:ea typeface="+mn-ea"/>
-                <a:cs typeface="+mn-cs"/>
-              </a:defRPr>
-            </a:lvl7pPr>
-            <a:lvl8pPr marL="3429000" indent="-228600" algn="l" defTabSz="914400" rtl="0" eaLnBrk="1" latinLnBrk="0" hangingPunct="1">
-              <a:lnSpc>
-                <a:spcPct val="90000"/>
-              </a:lnSpc>
-              <a:spcBef>
-                <a:spcPts val="500"/>
-              </a:spcBef>
-              <a:buFont typeface="Arial" panose="020B0604020202020204" pitchFamily="34" charset="0"/>
-              <a:buChar char="•"/>
-              <a:defRPr sz="1800" kern="1200">
-                <a:solidFill>
-                  <a:schemeClr val="tx1"/>
-                </a:solidFill>
-                <a:latin typeface="+mn-lt"/>
-                <a:ea typeface="+mn-ea"/>
-                <a:cs typeface="+mn-cs"/>
-              </a:defRPr>
-            </a:lvl8pPr>
-            <a:lvl9pPr marL="3886200" indent="-228600" algn="l" defTabSz="914400" rtl="0" eaLnBrk="1" latinLnBrk="0" hangingPunct="1">
-              <a:lnSpc>
-                <a:spcPct val="90000"/>
-              </a:lnSpc>
-              <a:spcBef>
-                <a:spcPts val="500"/>
-              </a:spcBef>
-              <a:buFont typeface="Arial" panose="020B0604020202020204" pitchFamily="34" charset="0"/>
-              <a:buChar char="•"/>
-              <a:defRPr sz="1800" kern="1200">
-                <a:solidFill>
-                  <a:schemeClr val="tx1"/>
-                </a:solidFill>
-                <a:latin typeface="+mn-lt"/>
-                <a:ea typeface="+mn-ea"/>
-                <a:cs typeface="+mn-cs"/>
-              </a:defRPr>
-            </a:lvl9pPr>
-          </a:lstStyle>
-          <a:p>
-            <a:pPr marL="0" indent="0">
-              <a:buNone/>
-            </a:pPr>
-            <a:r>
-              <a:rPr lang="en-GB" b="1" dirty="0"/>
-              <a:t>Density Plot</a:t>
-            </a:r>
-          </a:p>
-          <a:p>
-            <a:pPr marL="0" indent="0">
-              <a:buNone/>
-            </a:pPr>
-            <a:r>
-              <a:rPr lang="en-GB" sz="2000" dirty="0"/>
-              <a:t>Include all three pollutants – NO2, O3, PM25 – and all three countries – UK, France, Switzerland. Facet by both “country” and “pollutant”. You should end up with a 3x3 grid.</a:t>
-            </a:r>
-          </a:p>
-        </p:txBody>
-      </p:sp>
+      </p:pic>
       <p:sp>
         <p:nvSpPr>
-          <p:cNvPr id="12" name="Content Placeholder 4">
-            <a:extLst>
-              <a:ext uri="{FF2B5EF4-FFF2-40B4-BE49-F238E27FC236}">
-                <a16:creationId xmlns:a16="http://schemas.microsoft.com/office/drawing/2014/main" id="{74BF79EB-C474-471C-8FBA-7D8F2FAF9382}"/>
-              </a:ext>
-            </a:extLst>
-          </p:cNvPr>
-          <p:cNvSpPr txBox="1">
-            <a:spLocks/>
-          </p:cNvSpPr>
+          <p:cNvPr id="11" name="TextBox 10">
+            <a:extLst>
+              <a:ext uri="{FF2B5EF4-FFF2-40B4-BE49-F238E27FC236}">
+                <a16:creationId xmlns:a16="http://schemas.microsoft.com/office/drawing/2014/main" id="{F28EB515-03CE-44A7-85A7-16009FB0F227}"/>
+              </a:ext>
+            </a:extLst>
+          </p:cNvPr>
+          <p:cNvSpPr txBox="1"/>
           <p:nvPr/>
         </p:nvSpPr>
         <p:spPr>
           <a:xfrm>
-            <a:off x="8322366" y="1825625"/>
-            <a:ext cx="3117574" cy="4351338"/>
+            <a:off x="8274535" y="1843088"/>
+            <a:ext cx="3997889" cy="1169551"/>
+          </a:xfrm>
+          <a:prstGeom prst="rect">
+            <a:avLst/>
+          </a:prstGeom>
+          <a:noFill/>
+        </p:spPr>
+        <p:txBody>
+          <a:bodyPr wrap="square" rtlCol="0">
+            <a:spAutoFit/>
+          </a:bodyPr>
+          <a:lstStyle/>
+          <a:p>
+            <a:r>
+              <a:rPr lang="en-GB" sz="1000" dirty="0" err="1">
+                <a:latin typeface="Lucida Sans Typewriter" panose="020B0509030504030204" pitchFamily="49" charset="0"/>
+              </a:rPr>
+              <a:t>bar_data</a:t>
+            </a:r>
+            <a:r>
+              <a:rPr lang="en-GB" sz="1000" dirty="0">
+                <a:latin typeface="Lucida Sans Typewriter" panose="020B0509030504030204" pitchFamily="49" charset="0"/>
+              </a:rPr>
+              <a:t> %&gt;% </a:t>
+            </a:r>
+          </a:p>
+          <a:p>
+            <a:r>
+              <a:rPr lang="en-GB" sz="1000" dirty="0">
+                <a:latin typeface="Lucida Sans Typewriter" panose="020B0509030504030204" pitchFamily="49" charset="0"/>
+              </a:rPr>
+              <a:t>  filter(name == "no2") %&gt;% </a:t>
+            </a:r>
+          </a:p>
+          <a:p>
+            <a:r>
+              <a:rPr lang="en-GB" sz="1000" dirty="0">
+                <a:latin typeface="Lucida Sans Typewriter" panose="020B0509030504030204" pitchFamily="49" charset="0"/>
+              </a:rPr>
+              <a:t>  </a:t>
+            </a:r>
+            <a:r>
+              <a:rPr lang="en-GB" sz="1000" dirty="0" err="1">
+                <a:latin typeface="Lucida Sans Typewriter" panose="020B0509030504030204" pitchFamily="49" charset="0"/>
+              </a:rPr>
+              <a:t>ggplot</a:t>
+            </a:r>
+            <a:r>
+              <a:rPr lang="en-GB" sz="1000" dirty="0">
+                <a:latin typeface="Lucida Sans Typewriter" panose="020B0509030504030204" pitchFamily="49" charset="0"/>
+              </a:rPr>
+              <a:t>(</a:t>
+            </a:r>
+            <a:r>
+              <a:rPr lang="en-GB" sz="1000" dirty="0" err="1">
+                <a:latin typeface="Lucida Sans Typewriter" panose="020B0509030504030204" pitchFamily="49" charset="0"/>
+              </a:rPr>
+              <a:t>aes</a:t>
+            </a:r>
+            <a:r>
+              <a:rPr lang="en-GB" sz="1000" dirty="0">
+                <a:latin typeface="Lucida Sans Typewriter" panose="020B0509030504030204" pitchFamily="49" charset="0"/>
+              </a:rPr>
+              <a:t>(y = country, </a:t>
+            </a:r>
+          </a:p>
+          <a:p>
+            <a:r>
+              <a:rPr lang="en-GB" sz="1000" dirty="0">
+                <a:latin typeface="Lucida Sans Typewriter" panose="020B0509030504030204" pitchFamily="49" charset="0"/>
+              </a:rPr>
+              <a:t>             x = </a:t>
+            </a:r>
+            <a:r>
+              <a:rPr lang="en-GB" sz="1000" dirty="0" err="1">
+                <a:latin typeface="Lucida Sans Typewriter" panose="020B0509030504030204" pitchFamily="49" charset="0"/>
+              </a:rPr>
+              <a:t>country_avg</a:t>
+            </a:r>
+            <a:r>
+              <a:rPr lang="en-GB" sz="1000" dirty="0">
+                <a:latin typeface="Lucida Sans Typewriter" panose="020B0509030504030204" pitchFamily="49" charset="0"/>
+              </a:rPr>
+              <a:t>,</a:t>
+            </a:r>
+          </a:p>
+          <a:p>
+            <a:r>
+              <a:rPr lang="en-GB" sz="1000" dirty="0">
+                <a:latin typeface="Lucida Sans Typewriter" panose="020B0509030504030204" pitchFamily="49" charset="0"/>
+              </a:rPr>
+              <a:t>             fill = </a:t>
+            </a:r>
+            <a:r>
+              <a:rPr lang="en-GB" sz="1000" dirty="0" err="1">
+                <a:latin typeface="Lucida Sans Typewriter" panose="020B0509030504030204" pitchFamily="49" charset="0"/>
+              </a:rPr>
+              <a:t>theYear</a:t>
+            </a:r>
+            <a:r>
+              <a:rPr lang="en-GB" sz="1000" dirty="0">
+                <a:latin typeface="Lucida Sans Typewriter" panose="020B0509030504030204" pitchFamily="49" charset="0"/>
+              </a:rPr>
+              <a:t>)) +</a:t>
+            </a:r>
+          </a:p>
+          <a:p>
+            <a:r>
+              <a:rPr lang="en-GB" sz="1000" dirty="0">
+                <a:latin typeface="Lucida Sans Typewriter" panose="020B0509030504030204" pitchFamily="49" charset="0"/>
+              </a:rPr>
+              <a:t>  </a:t>
+            </a:r>
+            <a:r>
+              <a:rPr lang="en-GB" sz="1000" dirty="0" err="1">
+                <a:latin typeface="Lucida Sans Typewriter" panose="020B0509030504030204" pitchFamily="49" charset="0"/>
+              </a:rPr>
+              <a:t>geom_col</a:t>
+            </a:r>
+            <a:r>
+              <a:rPr lang="en-GB" sz="1000" dirty="0">
+                <a:latin typeface="Lucida Sans Typewriter" panose="020B0509030504030204" pitchFamily="49" charset="0"/>
+              </a:rPr>
+              <a:t>(position = </a:t>
+            </a:r>
+            <a:r>
+              <a:rPr lang="en-GB" sz="1000" dirty="0" err="1">
+                <a:latin typeface="Lucida Sans Typewriter" panose="020B0509030504030204" pitchFamily="49" charset="0"/>
+              </a:rPr>
+              <a:t>position_dodge</a:t>
+            </a:r>
+            <a:r>
+              <a:rPr lang="en-GB" sz="1000" dirty="0">
+                <a:latin typeface="Lucida Sans Typewriter" panose="020B0509030504030204" pitchFamily="49" charset="0"/>
+              </a:rPr>
+              <a:t>()) +</a:t>
+            </a:r>
+          </a:p>
+          <a:p>
+            <a:r>
+              <a:rPr lang="en-GB" sz="1000" dirty="0">
+                <a:latin typeface="Lucida Sans Typewriter" panose="020B0509030504030204" pitchFamily="49" charset="0"/>
+              </a:rPr>
+              <a:t>  </a:t>
+            </a:r>
+            <a:r>
+              <a:rPr lang="en-GB" sz="1000" dirty="0" err="1">
+                <a:latin typeface="Lucida Sans Typewriter" panose="020B0509030504030204" pitchFamily="49" charset="0"/>
+              </a:rPr>
+              <a:t>scale_</a:t>
+            </a:r>
+            <a:r>
+              <a:rPr lang="en-GB" sz="1000" dirty="0" err="1">
+                <a:highlight>
+                  <a:srgbClr val="000000"/>
+                </a:highlight>
+                <a:latin typeface="Lucida Sans Typewriter" panose="020B0509030504030204" pitchFamily="49" charset="0"/>
+              </a:rPr>
+              <a:t>fill</a:t>
+            </a:r>
+            <a:r>
+              <a:rPr lang="en-GB" sz="1000" dirty="0" err="1">
+                <a:latin typeface="Lucida Sans Typewriter" panose="020B0509030504030204" pitchFamily="49" charset="0"/>
+              </a:rPr>
+              <a:t>_brewer</a:t>
+            </a:r>
+            <a:r>
+              <a:rPr lang="en-GB" sz="1000" dirty="0">
+                <a:latin typeface="Lucida Sans Typewriter" panose="020B0509030504030204" pitchFamily="49" charset="0"/>
+              </a:rPr>
+              <a:t>(</a:t>
+            </a:r>
+            <a:r>
+              <a:rPr lang="en-GB" sz="1000" dirty="0">
+                <a:highlight>
+                  <a:srgbClr val="000000"/>
+                </a:highlight>
+                <a:latin typeface="Lucida Sans Typewriter" panose="020B0509030504030204" pitchFamily="49" charset="0"/>
+              </a:rPr>
+              <a:t>palette = "Set1"</a:t>
+            </a:r>
+            <a:r>
+              <a:rPr lang="en-GB" sz="1000" dirty="0">
+                <a:latin typeface="Lucida Sans Typewriter" panose="020B0509030504030204" pitchFamily="49" charset="0"/>
+              </a:rPr>
+              <a:t>)</a:t>
+            </a:r>
+          </a:p>
+        </p:txBody>
+      </p:sp>
+      <p:pic>
+        <p:nvPicPr>
+          <p:cNvPr id="17" name="Picture 16">
+            <a:extLst>
+              <a:ext uri="{FF2B5EF4-FFF2-40B4-BE49-F238E27FC236}">
+                <a16:creationId xmlns:a16="http://schemas.microsoft.com/office/drawing/2014/main" id="{46F19953-D9F4-42F5-92B7-62815E43123C}"/>
+              </a:ext>
+            </a:extLst>
+          </p:cNvPr>
+          <p:cNvPicPr>
+            <a:picLocks noChangeAspect="1"/>
+          </p:cNvPicPr>
+          <p:nvPr/>
+        </p:nvPicPr>
+        <p:blipFill>
+          <a:blip r:embed="rId3">
+            <a:extLst>
+              <a:ext uri="{28A0092B-C50C-407E-A947-70E740481C1C}">
+                <a14:useLocalDpi xmlns:a14="http://schemas.microsoft.com/office/drawing/2010/main" val="0"/>
+              </a:ext>
+            </a:extLst>
+          </a:blip>
+          <a:srcRect/>
+          <a:stretch/>
+        </p:blipFill>
+        <p:spPr>
+          <a:xfrm>
+            <a:off x="8673276" y="4023218"/>
+            <a:ext cx="3200407" cy="2133604"/>
           </a:xfrm>
           <a:prstGeom prst="rect">
             <a:avLst/>
           </a:prstGeom>
         </p:spPr>
+      </p:pic>
+      <p:sp>
+        <p:nvSpPr>
+          <p:cNvPr id="8" name="TextBox 7">
+            <a:extLst>
+              <a:ext uri="{FF2B5EF4-FFF2-40B4-BE49-F238E27FC236}">
+                <a16:creationId xmlns:a16="http://schemas.microsoft.com/office/drawing/2014/main" id="{E0797F7B-6CEF-4A6A-8AD1-F166A139FC40}"/>
+              </a:ext>
+            </a:extLst>
+          </p:cNvPr>
+          <p:cNvSpPr txBox="1"/>
+          <p:nvPr/>
+        </p:nvSpPr>
+        <p:spPr>
+          <a:xfrm>
+            <a:off x="4204380" y="1843088"/>
+            <a:ext cx="4278385" cy="1631216"/>
+          </a:xfrm>
+          <a:prstGeom prst="rect">
+            <a:avLst/>
+          </a:prstGeom>
+          <a:noFill/>
+        </p:spPr>
         <p:txBody>
-          <a:bodyPr vert="horz" lIns="91440" tIns="45720" rIns="91440" bIns="45720" rtlCol="0">
-            <a:normAutofit/>
+          <a:bodyPr wrap="square" rtlCol="0">
+            <a:spAutoFit/>
           </a:bodyPr>
-          <a:lstStyle>
-            <a:lvl1pPr marL="228600" indent="-228600" algn="l" defTabSz="914400" rtl="0" eaLnBrk="1" latinLnBrk="0" hangingPunct="1">
-              <a:lnSpc>
-                <a:spcPct val="90000"/>
-              </a:lnSpc>
-              <a:spcBef>
-                <a:spcPts val="1000"/>
-              </a:spcBef>
-              <a:buFont typeface="Arial" panose="020B0604020202020204" pitchFamily="34" charset="0"/>
-              <a:buChar char="•"/>
-              <a:defRPr sz="2800" kern="1200">
-                <a:solidFill>
-                  <a:schemeClr val="tx1"/>
-                </a:solidFill>
-                <a:latin typeface="+mn-lt"/>
-                <a:ea typeface="+mn-ea"/>
-                <a:cs typeface="+mn-cs"/>
-              </a:defRPr>
-            </a:lvl1pPr>
-            <a:lvl2pPr marL="685800" indent="-228600" algn="l" defTabSz="914400" rtl="0" eaLnBrk="1" latinLnBrk="0" hangingPunct="1">
-              <a:lnSpc>
-                <a:spcPct val="90000"/>
-              </a:lnSpc>
-              <a:spcBef>
-                <a:spcPts val="500"/>
-              </a:spcBef>
-              <a:buFont typeface="Arial" panose="020B0604020202020204" pitchFamily="34" charset="0"/>
-              <a:buChar char="•"/>
-              <a:defRPr sz="2400" kern="1200">
-                <a:solidFill>
-                  <a:schemeClr val="tx1"/>
-                </a:solidFill>
-                <a:latin typeface="+mn-lt"/>
-                <a:ea typeface="+mn-ea"/>
-                <a:cs typeface="+mn-cs"/>
-              </a:defRPr>
-            </a:lvl2pPr>
-            <a:lvl3pPr marL="1143000" indent="-228600" algn="l" defTabSz="914400" rtl="0" eaLnBrk="1" latinLnBrk="0" hangingPunct="1">
-              <a:lnSpc>
-                <a:spcPct val="90000"/>
-              </a:lnSpc>
-              <a:spcBef>
-                <a:spcPts val="500"/>
-              </a:spcBef>
-              <a:buFont typeface="Arial" panose="020B0604020202020204" pitchFamily="34" charset="0"/>
-              <a:buChar char="•"/>
-              <a:defRPr sz="2000" kern="1200">
-                <a:solidFill>
-                  <a:schemeClr val="tx1"/>
-                </a:solidFill>
-                <a:latin typeface="+mn-lt"/>
-                <a:ea typeface="+mn-ea"/>
-                <a:cs typeface="+mn-cs"/>
-              </a:defRPr>
-            </a:lvl3pPr>
-            <a:lvl4pPr marL="1600200" indent="-228600" algn="l" defTabSz="914400" rtl="0" eaLnBrk="1" latinLnBrk="0" hangingPunct="1">
-              <a:lnSpc>
-                <a:spcPct val="90000"/>
-              </a:lnSpc>
-              <a:spcBef>
-                <a:spcPts val="500"/>
-              </a:spcBef>
-              <a:buFont typeface="Arial" panose="020B0604020202020204" pitchFamily="34" charset="0"/>
-              <a:buChar char="•"/>
-              <a:defRPr sz="1800" kern="1200">
-                <a:solidFill>
-                  <a:schemeClr val="tx1"/>
-                </a:solidFill>
-                <a:latin typeface="+mn-lt"/>
-                <a:ea typeface="+mn-ea"/>
-                <a:cs typeface="+mn-cs"/>
-              </a:defRPr>
-            </a:lvl4pPr>
-            <a:lvl5pPr marL="2057400" indent="-228600" algn="l" defTabSz="914400" rtl="0" eaLnBrk="1" latinLnBrk="0" hangingPunct="1">
-              <a:lnSpc>
-                <a:spcPct val="90000"/>
-              </a:lnSpc>
-              <a:spcBef>
-                <a:spcPts val="500"/>
-              </a:spcBef>
-              <a:buFont typeface="Arial" panose="020B0604020202020204" pitchFamily="34" charset="0"/>
-              <a:buChar char="•"/>
-              <a:defRPr sz="1800" kern="1200">
-                <a:solidFill>
-                  <a:schemeClr val="tx1"/>
-                </a:solidFill>
-                <a:latin typeface="+mn-lt"/>
-                <a:ea typeface="+mn-ea"/>
-                <a:cs typeface="+mn-cs"/>
-              </a:defRPr>
-            </a:lvl5pPr>
-            <a:lvl6pPr marL="2514600" indent="-228600" algn="l" defTabSz="914400" rtl="0" eaLnBrk="1" latinLnBrk="0" hangingPunct="1">
-              <a:lnSpc>
-                <a:spcPct val="90000"/>
-              </a:lnSpc>
-              <a:spcBef>
-                <a:spcPts val="500"/>
-              </a:spcBef>
-              <a:buFont typeface="Arial" panose="020B0604020202020204" pitchFamily="34" charset="0"/>
-              <a:buChar char="•"/>
-              <a:defRPr sz="1800" kern="1200">
-                <a:solidFill>
-                  <a:schemeClr val="tx1"/>
-                </a:solidFill>
-                <a:latin typeface="+mn-lt"/>
-                <a:ea typeface="+mn-ea"/>
-                <a:cs typeface="+mn-cs"/>
-              </a:defRPr>
-            </a:lvl6pPr>
-            <a:lvl7pPr marL="2971800" indent="-228600" algn="l" defTabSz="914400" rtl="0" eaLnBrk="1" latinLnBrk="0" hangingPunct="1">
-              <a:lnSpc>
-                <a:spcPct val="90000"/>
-              </a:lnSpc>
-              <a:spcBef>
-                <a:spcPts val="500"/>
-              </a:spcBef>
-              <a:buFont typeface="Arial" panose="020B0604020202020204" pitchFamily="34" charset="0"/>
-              <a:buChar char="•"/>
-              <a:defRPr sz="1800" kern="1200">
-                <a:solidFill>
-                  <a:schemeClr val="tx1"/>
-                </a:solidFill>
-                <a:latin typeface="+mn-lt"/>
-                <a:ea typeface="+mn-ea"/>
-                <a:cs typeface="+mn-cs"/>
-              </a:defRPr>
-            </a:lvl7pPr>
-            <a:lvl8pPr marL="3429000" indent="-228600" algn="l" defTabSz="914400" rtl="0" eaLnBrk="1" latinLnBrk="0" hangingPunct="1">
-              <a:lnSpc>
-                <a:spcPct val="90000"/>
-              </a:lnSpc>
-              <a:spcBef>
-                <a:spcPts val="500"/>
-              </a:spcBef>
-              <a:buFont typeface="Arial" panose="020B0604020202020204" pitchFamily="34" charset="0"/>
-              <a:buChar char="•"/>
-              <a:defRPr sz="1800" kern="1200">
-                <a:solidFill>
-                  <a:schemeClr val="tx1"/>
-                </a:solidFill>
-                <a:latin typeface="+mn-lt"/>
-                <a:ea typeface="+mn-ea"/>
-                <a:cs typeface="+mn-cs"/>
-              </a:defRPr>
-            </a:lvl8pPr>
-            <a:lvl9pPr marL="3886200" indent="-228600" algn="l" defTabSz="914400" rtl="0" eaLnBrk="1" latinLnBrk="0" hangingPunct="1">
-              <a:lnSpc>
-                <a:spcPct val="90000"/>
-              </a:lnSpc>
-              <a:spcBef>
-                <a:spcPts val="500"/>
-              </a:spcBef>
-              <a:buFont typeface="Arial" panose="020B0604020202020204" pitchFamily="34" charset="0"/>
-              <a:buChar char="•"/>
-              <a:defRPr sz="1800" kern="1200">
-                <a:solidFill>
-                  <a:schemeClr val="tx1"/>
-                </a:solidFill>
-                <a:latin typeface="+mn-lt"/>
-                <a:ea typeface="+mn-ea"/>
-                <a:cs typeface="+mn-cs"/>
-              </a:defRPr>
-            </a:lvl9pPr>
-          </a:lstStyle>
-          <a:p>
-            <a:pPr marL="0" indent="0">
-              <a:buNone/>
-            </a:pPr>
-            <a:r>
-              <a:rPr lang="en-GB" b="1" dirty="0"/>
-              <a:t>Bar Chart</a:t>
-            </a:r>
-            <a:endParaRPr lang="en-GB" dirty="0"/>
-          </a:p>
-          <a:p>
-            <a:pPr marL="0" indent="0">
-              <a:buNone/>
-            </a:pPr>
-            <a:r>
-              <a:rPr lang="en-GB" sz="2000" dirty="0"/>
-              <a:t>Include all three pollutants – NO2, O3, PM25. Facet by pollutant, and make sure they’re on appropriate scales. Switch the positions of the facet labels to look like axis labels.</a:t>
+          <a:lstStyle/>
+          <a:p>
+            <a:r>
+              <a:rPr lang="en-GB" sz="1000" dirty="0" err="1">
+                <a:latin typeface="Lucida Sans Typewriter" panose="020B0509030504030204" pitchFamily="49" charset="0"/>
+              </a:rPr>
+              <a:t>density_data</a:t>
+            </a:r>
+            <a:r>
+              <a:rPr lang="en-GB" sz="1000" dirty="0">
+                <a:latin typeface="Lucida Sans Typewriter" panose="020B0509030504030204" pitchFamily="49" charset="0"/>
+              </a:rPr>
+              <a:t> %&gt;% </a:t>
+            </a:r>
+          </a:p>
+          <a:p>
+            <a:r>
+              <a:rPr lang="en-GB" sz="1000" dirty="0">
+                <a:latin typeface="Lucida Sans Typewriter" panose="020B0509030504030204" pitchFamily="49" charset="0"/>
+              </a:rPr>
+              <a:t>  filter(country == "</a:t>
+            </a:r>
+            <a:r>
+              <a:rPr lang="en-GB" sz="1000" dirty="0" err="1">
+                <a:latin typeface="Lucida Sans Typewriter" panose="020B0509030504030204" pitchFamily="49" charset="0"/>
+              </a:rPr>
+              <a:t>united_kingdom</a:t>
+            </a:r>
+            <a:r>
+              <a:rPr lang="en-GB" sz="1000" dirty="0">
+                <a:latin typeface="Lucida Sans Typewriter" panose="020B0509030504030204" pitchFamily="49" charset="0"/>
+              </a:rPr>
+              <a:t>",</a:t>
+            </a:r>
+          </a:p>
+          <a:p>
+            <a:r>
+              <a:rPr lang="en-GB" sz="1000" dirty="0">
+                <a:latin typeface="Lucida Sans Typewriter" panose="020B0509030504030204" pitchFamily="49" charset="0"/>
+              </a:rPr>
+              <a:t>         name == "no2") %&gt;% </a:t>
+            </a:r>
+          </a:p>
+          <a:p>
+            <a:r>
+              <a:rPr lang="en-GB" sz="1000" dirty="0">
+                <a:latin typeface="Lucida Sans Typewriter" panose="020B0509030504030204" pitchFamily="49" charset="0"/>
+              </a:rPr>
+              <a:t>  </a:t>
+            </a:r>
+            <a:r>
+              <a:rPr lang="en-GB" sz="1000" dirty="0" err="1">
+                <a:latin typeface="Lucida Sans Typewriter" panose="020B0509030504030204" pitchFamily="49" charset="0"/>
+              </a:rPr>
+              <a:t>ggplot</a:t>
+            </a:r>
+            <a:r>
+              <a:rPr lang="en-GB" sz="1000" dirty="0">
+                <a:latin typeface="Lucida Sans Typewriter" panose="020B0509030504030204" pitchFamily="49" charset="0"/>
+              </a:rPr>
+              <a:t>(</a:t>
+            </a:r>
+            <a:r>
+              <a:rPr lang="en-GB" sz="1000" dirty="0" err="1">
+                <a:latin typeface="Lucida Sans Typewriter" panose="020B0509030504030204" pitchFamily="49" charset="0"/>
+              </a:rPr>
+              <a:t>aes</a:t>
+            </a:r>
+            <a:r>
+              <a:rPr lang="en-GB" sz="1000" dirty="0">
+                <a:latin typeface="Lucida Sans Typewriter" panose="020B0509030504030204" pitchFamily="49" charset="0"/>
+              </a:rPr>
+              <a:t>(x = mean,</a:t>
+            </a:r>
+          </a:p>
+          <a:p>
+            <a:r>
+              <a:rPr lang="en-GB" sz="1000" dirty="0">
+                <a:latin typeface="Lucida Sans Typewriter" panose="020B0509030504030204" pitchFamily="49" charset="0"/>
+              </a:rPr>
+              <a:t>         </a:t>
+            </a:r>
+            <a:r>
+              <a:rPr lang="en-GB" sz="1000" dirty="0" err="1">
+                <a:latin typeface="Lucida Sans Typewriter" panose="020B0509030504030204" pitchFamily="49" charset="0"/>
+              </a:rPr>
+              <a:t>color</a:t>
+            </a:r>
+            <a:r>
+              <a:rPr lang="en-GB" sz="1000" dirty="0">
+                <a:latin typeface="Lucida Sans Typewriter" panose="020B0509030504030204" pitchFamily="49" charset="0"/>
+              </a:rPr>
+              <a:t> = </a:t>
+            </a:r>
+            <a:r>
+              <a:rPr lang="en-GB" sz="1000" dirty="0" err="1">
+                <a:latin typeface="Lucida Sans Typewriter" panose="020B0509030504030204" pitchFamily="49" charset="0"/>
+              </a:rPr>
+              <a:t>theYear</a:t>
+            </a:r>
+            <a:r>
+              <a:rPr lang="en-GB" sz="1000" dirty="0">
+                <a:latin typeface="Lucida Sans Typewriter" panose="020B0509030504030204" pitchFamily="49" charset="0"/>
+              </a:rPr>
+              <a:t>, fill = </a:t>
+            </a:r>
+            <a:r>
+              <a:rPr lang="en-GB" sz="1000" dirty="0" err="1">
+                <a:latin typeface="Lucida Sans Typewriter" panose="020B0509030504030204" pitchFamily="49" charset="0"/>
+              </a:rPr>
+              <a:t>theYear</a:t>
+            </a:r>
+            <a:r>
+              <a:rPr lang="en-GB" sz="1000" dirty="0">
+                <a:latin typeface="Lucida Sans Typewriter" panose="020B0509030504030204" pitchFamily="49" charset="0"/>
+              </a:rPr>
+              <a:t>)) +</a:t>
+            </a:r>
+          </a:p>
+          <a:p>
+            <a:r>
+              <a:rPr lang="en-GB" sz="1000" dirty="0">
+                <a:latin typeface="Lucida Sans Typewriter" panose="020B0509030504030204" pitchFamily="49" charset="0"/>
+              </a:rPr>
+              <a:t>  </a:t>
+            </a:r>
+            <a:r>
+              <a:rPr lang="en-GB" sz="1000" dirty="0" err="1">
+                <a:latin typeface="Lucida Sans Typewriter" panose="020B0509030504030204" pitchFamily="49" charset="0"/>
+              </a:rPr>
+              <a:t>geom_density</a:t>
+            </a:r>
+            <a:r>
+              <a:rPr lang="en-GB" sz="1000" dirty="0">
+                <a:latin typeface="Lucida Sans Typewriter" panose="020B0509030504030204" pitchFamily="49" charset="0"/>
+              </a:rPr>
+              <a:t>(alpha = .3, size = 1) +</a:t>
+            </a:r>
+          </a:p>
+          <a:p>
+            <a:r>
+              <a:rPr lang="en-GB" sz="1000" dirty="0">
+                <a:latin typeface="Lucida Sans Typewriter" panose="020B0509030504030204" pitchFamily="49" charset="0"/>
+              </a:rPr>
+              <a:t>  </a:t>
+            </a:r>
+            <a:r>
+              <a:rPr lang="en-GB" sz="1000" dirty="0" err="1">
+                <a:latin typeface="Lucida Sans Typewriter" panose="020B0509030504030204" pitchFamily="49" charset="0"/>
+              </a:rPr>
+              <a:t>scale_</a:t>
+            </a:r>
+            <a:r>
+              <a:rPr lang="en-GB" sz="1000" dirty="0" err="1">
+                <a:highlight>
+                  <a:srgbClr val="000000"/>
+                </a:highlight>
+                <a:latin typeface="Lucida Sans Typewriter" panose="020B0509030504030204" pitchFamily="49" charset="0"/>
+              </a:rPr>
+              <a:t>color_manual</a:t>
+            </a:r>
+            <a:r>
+              <a:rPr lang="en-GB" sz="1000" dirty="0">
+                <a:latin typeface="Lucida Sans Typewriter" panose="020B0509030504030204" pitchFamily="49" charset="0"/>
+              </a:rPr>
+              <a:t>(values = c(</a:t>
+            </a:r>
+            <a:r>
+              <a:rPr lang="en-GB" sz="1000" dirty="0">
+                <a:highlight>
+                  <a:srgbClr val="000000"/>
+                </a:highlight>
+                <a:latin typeface="Lucida Sans Typewriter" panose="020B0509030504030204" pitchFamily="49" charset="0"/>
+              </a:rPr>
+              <a:t>"</a:t>
+            </a:r>
+            <a:r>
+              <a:rPr lang="en-GB" sz="1000" dirty="0" err="1">
+                <a:highlight>
+                  <a:srgbClr val="000000"/>
+                </a:highlight>
+                <a:latin typeface="Lucida Sans Typewriter" panose="020B0509030504030204" pitchFamily="49" charset="0"/>
+              </a:rPr>
+              <a:t>darkgreen</a:t>
+            </a:r>
+            <a:r>
+              <a:rPr lang="en-GB" sz="1000" dirty="0">
+                <a:highlight>
+                  <a:srgbClr val="000000"/>
+                </a:highlight>
+                <a:latin typeface="Lucida Sans Typewriter" panose="020B0509030504030204" pitchFamily="49" charset="0"/>
+              </a:rPr>
+              <a:t>"</a:t>
+            </a:r>
+            <a:r>
+              <a:rPr lang="en-GB" sz="1000" dirty="0">
+                <a:latin typeface="Lucida Sans Typewriter" panose="020B0509030504030204" pitchFamily="49" charset="0"/>
+              </a:rPr>
+              <a:t>,     </a:t>
+            </a:r>
+          </a:p>
+          <a:p>
+            <a:r>
+              <a:rPr lang="en-GB" sz="1000" dirty="0">
+                <a:latin typeface="Lucida Sans Typewriter" panose="020B0509030504030204" pitchFamily="49" charset="0"/>
+              </a:rPr>
+              <a:t>                                </a:t>
+            </a:r>
+            <a:r>
+              <a:rPr lang="en-GB" sz="1000" dirty="0">
+                <a:highlight>
+                  <a:srgbClr val="000000"/>
+                </a:highlight>
+                <a:latin typeface="Lucida Sans Typewriter" panose="020B0509030504030204" pitchFamily="49" charset="0"/>
+              </a:rPr>
+              <a:t>"</a:t>
+            </a:r>
+            <a:r>
+              <a:rPr lang="en-GB" sz="1000" dirty="0" err="1">
+                <a:highlight>
+                  <a:srgbClr val="000000"/>
+                </a:highlight>
+                <a:latin typeface="Lucida Sans Typewriter" panose="020B0509030504030204" pitchFamily="49" charset="0"/>
+              </a:rPr>
+              <a:t>darkblue</a:t>
+            </a:r>
+            <a:r>
+              <a:rPr lang="en-GB" sz="1000" dirty="0">
+                <a:highlight>
+                  <a:srgbClr val="000000"/>
+                </a:highlight>
+                <a:latin typeface="Lucida Sans Typewriter" panose="020B0509030504030204" pitchFamily="49" charset="0"/>
+              </a:rPr>
+              <a:t>"</a:t>
+            </a:r>
+            <a:r>
+              <a:rPr lang="en-GB" sz="1000" dirty="0">
+                <a:latin typeface="Lucida Sans Typewriter" panose="020B0509030504030204" pitchFamily="49" charset="0"/>
+              </a:rPr>
+              <a:t>)) +</a:t>
+            </a:r>
+          </a:p>
+          <a:p>
+            <a:r>
+              <a:rPr lang="en-GB" sz="1000" dirty="0">
+                <a:latin typeface="Lucida Sans Typewriter" panose="020B0509030504030204" pitchFamily="49" charset="0"/>
+              </a:rPr>
+              <a:t>  </a:t>
+            </a:r>
+            <a:r>
+              <a:rPr lang="en-GB" sz="1000" dirty="0" err="1">
+                <a:latin typeface="Lucida Sans Typewriter" panose="020B0509030504030204" pitchFamily="49" charset="0"/>
+              </a:rPr>
+              <a:t>scale_</a:t>
+            </a:r>
+            <a:r>
+              <a:rPr lang="en-GB" sz="1000" dirty="0" err="1">
+                <a:highlight>
+                  <a:srgbClr val="000000"/>
+                </a:highlight>
+                <a:latin typeface="Lucida Sans Typewriter" panose="020B0509030504030204" pitchFamily="49" charset="0"/>
+              </a:rPr>
+              <a:t>fill_manual</a:t>
+            </a:r>
+            <a:r>
+              <a:rPr lang="en-GB" sz="1000" dirty="0">
+                <a:latin typeface="Lucida Sans Typewriter" panose="020B0509030504030204" pitchFamily="49" charset="0"/>
+              </a:rPr>
+              <a:t>(values = c(</a:t>
+            </a:r>
+            <a:r>
+              <a:rPr lang="en-GB" sz="1000" dirty="0">
+                <a:highlight>
+                  <a:srgbClr val="000000"/>
+                </a:highlight>
+                <a:latin typeface="Lucida Sans Typewriter" panose="020B0509030504030204" pitchFamily="49" charset="0"/>
+              </a:rPr>
+              <a:t>"</a:t>
+            </a:r>
+            <a:r>
+              <a:rPr lang="en-GB" sz="1000" dirty="0" err="1">
+                <a:highlight>
+                  <a:srgbClr val="000000"/>
+                </a:highlight>
+                <a:latin typeface="Lucida Sans Typewriter" panose="020B0509030504030204" pitchFamily="49" charset="0"/>
+              </a:rPr>
+              <a:t>darkgreen</a:t>
+            </a:r>
+            <a:r>
+              <a:rPr lang="en-GB" sz="1000" dirty="0">
+                <a:highlight>
+                  <a:srgbClr val="000000"/>
+                </a:highlight>
+                <a:latin typeface="Lucida Sans Typewriter" panose="020B0509030504030204" pitchFamily="49" charset="0"/>
+              </a:rPr>
+              <a:t>"</a:t>
+            </a:r>
+            <a:r>
+              <a:rPr lang="en-GB" sz="1000" dirty="0">
+                <a:latin typeface="Lucida Sans Typewriter" panose="020B0509030504030204" pitchFamily="49" charset="0"/>
+              </a:rPr>
+              <a:t>,  </a:t>
+            </a:r>
+          </a:p>
+          <a:p>
+            <a:r>
+              <a:rPr lang="en-GB" sz="1000" dirty="0">
+                <a:latin typeface="Lucida Sans Typewriter" panose="020B0509030504030204" pitchFamily="49" charset="0"/>
+              </a:rPr>
+              <a:t>                               </a:t>
+            </a:r>
+            <a:r>
+              <a:rPr lang="en-GB" sz="1000" dirty="0">
+                <a:highlight>
+                  <a:srgbClr val="000000"/>
+                </a:highlight>
+                <a:latin typeface="Lucida Sans Typewriter" panose="020B0509030504030204" pitchFamily="49" charset="0"/>
+              </a:rPr>
+              <a:t>"</a:t>
+            </a:r>
+            <a:r>
+              <a:rPr lang="en-GB" sz="1000" dirty="0" err="1">
+                <a:highlight>
+                  <a:srgbClr val="000000"/>
+                </a:highlight>
+                <a:latin typeface="Lucida Sans Typewriter" panose="020B0509030504030204" pitchFamily="49" charset="0"/>
+              </a:rPr>
+              <a:t>darkblue</a:t>
+            </a:r>
+            <a:r>
+              <a:rPr lang="en-GB" sz="1000" dirty="0">
+                <a:highlight>
+                  <a:srgbClr val="000000"/>
+                </a:highlight>
+                <a:latin typeface="Lucida Sans Typewriter" panose="020B0509030504030204" pitchFamily="49" charset="0"/>
+              </a:rPr>
+              <a:t>"</a:t>
+            </a:r>
+            <a:r>
+              <a:rPr lang="en-GB" sz="1000" dirty="0">
+                <a:latin typeface="Lucida Sans Typewriter" panose="020B0509030504030204" pitchFamily="49" charset="0"/>
+              </a:rPr>
+              <a:t>))</a:t>
             </a:r>
           </a:p>
         </p:txBody>
       </p:sp>
+      <p:pic>
+        <p:nvPicPr>
+          <p:cNvPr id="19" name="Picture 18">
+            <a:extLst>
+              <a:ext uri="{FF2B5EF4-FFF2-40B4-BE49-F238E27FC236}">
+                <a16:creationId xmlns:a16="http://schemas.microsoft.com/office/drawing/2014/main" id="{47ECDC3B-A443-488A-8AF2-BD72DF237BBE}"/>
+              </a:ext>
+            </a:extLst>
+          </p:cNvPr>
+          <p:cNvPicPr>
+            <a:picLocks noChangeAspect="1"/>
+          </p:cNvPicPr>
+          <p:nvPr/>
+        </p:nvPicPr>
+        <p:blipFill>
+          <a:blip r:embed="rId4">
+            <a:extLst>
+              <a:ext uri="{28A0092B-C50C-407E-A947-70E740481C1C}">
+                <a14:useLocalDpi xmlns:a14="http://schemas.microsoft.com/office/drawing/2010/main" val="0"/>
+              </a:ext>
+            </a:extLst>
+          </a:blip>
+          <a:srcRect/>
+          <a:stretch/>
+        </p:blipFill>
+        <p:spPr>
+          <a:xfrm>
+            <a:off x="4743369" y="4023218"/>
+            <a:ext cx="3200407" cy="2133604"/>
+          </a:xfrm>
+          <a:prstGeom prst="rect">
+            <a:avLst/>
+          </a:prstGeom>
+        </p:spPr>
+      </p:pic>
     </p:spTree>
     <p:extLst>
       <p:ext uri="{BB962C8B-B14F-4D97-AF65-F5344CB8AC3E}">
-        <p14:creationId xmlns:p14="http://schemas.microsoft.com/office/powerpoint/2010/main" val="539678730"/>
+        <p14:creationId xmlns:p14="http://schemas.microsoft.com/office/powerpoint/2010/main" val="1934687645"/>
       </p:ext>
     </p:extLst>
   </p:cSld>
   <p:clrMapOvr>
     <a:masterClrMapping/>
   </p:clrMapOvr>
-  <mc:AlternateContent xmlns:mc="http://schemas.openxmlformats.org/markup-compatibility/2006">
-    <mc:Choice xmlns:p14="http://schemas.microsoft.com/office/powerpoint/2010/main" Requires="p14">
-      <p:transition spd="med" p14:dur="700">
-        <p:fade/>
-      </p:transition>
-    </mc:Choice>
-    <mc:Fallback>
-      <p:transition spd="med">
-        <p:fade/>
-      </p:transition>
-    </mc:Fallback>
-  </mc:AlternateContent>
 </p:sld>
 </file>
 
